--- a/Azure functions.pptx
+++ b/Azure functions.pptx
@@ -5,53 +5,60 @@
     <p:sldMasterId id="2147483648" r:id="rId1"/>
   </p:sldMasterIdLst>
   <p:notesMasterIdLst>
-    <p:notesMasterId r:id="rId46"/>
+    <p:notesMasterId r:id="rId53"/>
   </p:notesMasterIdLst>
   <p:sldIdLst>
     <p:sldId id="296" r:id="rId2"/>
     <p:sldId id="298" r:id="rId3"/>
     <p:sldId id="279" r:id="rId4"/>
     <p:sldId id="284" r:id="rId5"/>
-    <p:sldId id="283" r:id="rId6"/>
-    <p:sldId id="307" r:id="rId7"/>
-    <p:sldId id="308" r:id="rId8"/>
-    <p:sldId id="297" r:id="rId9"/>
-    <p:sldId id="299" r:id="rId10"/>
-    <p:sldId id="272" r:id="rId11"/>
-    <p:sldId id="268" r:id="rId12"/>
-    <p:sldId id="258" r:id="rId13"/>
-    <p:sldId id="287" r:id="rId14"/>
-    <p:sldId id="269" r:id="rId15"/>
-    <p:sldId id="300" r:id="rId16"/>
-    <p:sldId id="271" r:id="rId17"/>
-    <p:sldId id="282" r:id="rId18"/>
-    <p:sldId id="267" r:id="rId19"/>
-    <p:sldId id="281" r:id="rId20"/>
-    <p:sldId id="301" r:id="rId21"/>
-    <p:sldId id="260" r:id="rId22"/>
-    <p:sldId id="273" r:id="rId23"/>
-    <p:sldId id="259" r:id="rId24"/>
-    <p:sldId id="263" r:id="rId25"/>
-    <p:sldId id="274" r:id="rId26"/>
-    <p:sldId id="309" r:id="rId27"/>
-    <p:sldId id="310" r:id="rId28"/>
-    <p:sldId id="311" r:id="rId29"/>
-    <p:sldId id="280" r:id="rId30"/>
-    <p:sldId id="312" r:id="rId31"/>
-    <p:sldId id="291" r:id="rId32"/>
-    <p:sldId id="289" r:id="rId33"/>
-    <p:sldId id="294" r:id="rId34"/>
-    <p:sldId id="302" r:id="rId35"/>
-    <p:sldId id="295" r:id="rId36"/>
-    <p:sldId id="293" r:id="rId37"/>
-    <p:sldId id="315" r:id="rId38"/>
-    <p:sldId id="314" r:id="rId39"/>
-    <p:sldId id="306" r:id="rId40"/>
-    <p:sldId id="290" r:id="rId41"/>
-    <p:sldId id="270" r:id="rId42"/>
-    <p:sldId id="305" r:id="rId43"/>
-    <p:sldId id="275" r:id="rId44"/>
-    <p:sldId id="313" r:id="rId45"/>
+    <p:sldId id="323" r:id="rId6"/>
+    <p:sldId id="283" r:id="rId7"/>
+    <p:sldId id="307" r:id="rId8"/>
+    <p:sldId id="308" r:id="rId9"/>
+    <p:sldId id="297" r:id="rId10"/>
+    <p:sldId id="299" r:id="rId11"/>
+    <p:sldId id="272" r:id="rId12"/>
+    <p:sldId id="268" r:id="rId13"/>
+    <p:sldId id="258" r:id="rId14"/>
+    <p:sldId id="287" r:id="rId15"/>
+    <p:sldId id="269" r:id="rId16"/>
+    <p:sldId id="300" r:id="rId17"/>
+    <p:sldId id="271" r:id="rId18"/>
+    <p:sldId id="282" r:id="rId19"/>
+    <p:sldId id="267" r:id="rId20"/>
+    <p:sldId id="281" r:id="rId21"/>
+    <p:sldId id="301" r:id="rId22"/>
+    <p:sldId id="260" r:id="rId23"/>
+    <p:sldId id="273" r:id="rId24"/>
+    <p:sldId id="259" r:id="rId25"/>
+    <p:sldId id="263" r:id="rId26"/>
+    <p:sldId id="274" r:id="rId27"/>
+    <p:sldId id="309" r:id="rId28"/>
+    <p:sldId id="310" r:id="rId29"/>
+    <p:sldId id="311" r:id="rId30"/>
+    <p:sldId id="280" r:id="rId31"/>
+    <p:sldId id="312" r:id="rId32"/>
+    <p:sldId id="318" r:id="rId33"/>
+    <p:sldId id="321" r:id="rId34"/>
+    <p:sldId id="322" r:id="rId35"/>
+    <p:sldId id="319" r:id="rId36"/>
+    <p:sldId id="291" r:id="rId37"/>
+    <p:sldId id="289" r:id="rId38"/>
+    <p:sldId id="294" r:id="rId39"/>
+    <p:sldId id="302" r:id="rId40"/>
+    <p:sldId id="295" r:id="rId41"/>
+    <p:sldId id="293" r:id="rId42"/>
+    <p:sldId id="315" r:id="rId43"/>
+    <p:sldId id="314" r:id="rId44"/>
+    <p:sldId id="306" r:id="rId45"/>
+    <p:sldId id="290" r:id="rId46"/>
+    <p:sldId id="270" r:id="rId47"/>
+    <p:sldId id="305" r:id="rId48"/>
+    <p:sldId id="316" r:id="rId49"/>
+    <p:sldId id="275" r:id="rId50"/>
+    <p:sldId id="317" r:id="rId51"/>
+    <p:sldId id="313" r:id="rId52"/>
   </p:sldIdLst>
   <p:sldSz cx="12192000" cy="6858000"/>
   <p:notesSz cx="6858000" cy="9144000"/>
@@ -266,7 +273,7 @@
           <a:p>
             <a:fld id="{39F47A6A-4B80-4C81-92A2-1E49B9076AA3}" type="datetimeFigureOut">
               <a:rPr lang="en-US" smtClean="0"/>
-              <a:t>3/2/2017</a:t>
+              <a:t>3/15/2017</a:t>
             </a:fld>
             <a:endParaRPr lang="en-US" dirty="0"/>
           </a:p>
@@ -656,7 +663,7 @@
           <a:p>
             <a:fld id="{7D10C09F-FCA1-48C8-B40D-42E1045D109E}" type="datetime8">
               <a:rPr lang="en-US" smtClean="0"/>
-              <a:t>3/2/2017 8:42 PM</a:t>
+              <a:t>3/15/2017 11:01 PM</a:t>
             </a:fld>
             <a:endParaRPr lang="en-US" dirty="0"/>
           </a:p>
@@ -821,7 +828,7 @@
           <a:p>
             <a:fld id="{7D10C09F-FCA1-48C8-B40D-42E1045D109E}" type="datetime8">
               <a:rPr lang="en-US" smtClean="0"/>
-              <a:t>3/2/2017 8:42 PM</a:t>
+              <a:t>3/15/2017 11:01 PM</a:t>
             </a:fld>
             <a:endParaRPr lang="en-US" dirty="0"/>
           </a:p>
@@ -854,7 +861,7 @@
     </p:spTree>
     <p:extLst>
       <p:ext uri="{BB962C8B-B14F-4D97-AF65-F5344CB8AC3E}">
-        <p14:creationId xmlns:p14="http://schemas.microsoft.com/office/powerpoint/2010/main" val="4131819108"/>
+        <p14:creationId xmlns:p14="http://schemas.microsoft.com/office/powerpoint/2010/main" val="268081711"/>
       </p:ext>
     </p:extLst>
   </p:cSld>
@@ -908,137 +915,18 @@
           <a:bodyPr/>
           <a:lstStyle/>
           <a:p>
-            <a:pPr marL="0" marR="0" lvl="0" indent="0" algn="l" defTabSz="914400" rtl="0" eaLnBrk="1" fontAlgn="auto" latinLnBrk="0" hangingPunct="1">
-              <a:lnSpc>
-                <a:spcPct val="100000"/>
-              </a:lnSpc>
-              <a:spcBef>
-                <a:spcPts val="0"/>
-              </a:spcBef>
-              <a:spcAft>
-                <a:spcPts val="0"/>
-              </a:spcAft>
-              <a:buClrTx/>
-              <a:buSzTx/>
-              <a:buFontTx/>
-              <a:buNone/>
-              <a:tabLst/>
-              <a:defRPr/>
-            </a:pPr>
-            <a:r>
-              <a:rPr lang="en-US" sz="1200" b="0" i="0" kern="1200" dirty="0" smtClean="0">
-                <a:solidFill>
-                  <a:schemeClr val="tx1"/>
-                </a:solidFill>
-                <a:effectLst/>
-                <a:latin typeface="+mn-lt"/>
-                <a:ea typeface="+mn-ea"/>
-                <a:cs typeface="+mn-cs"/>
-              </a:rPr>
-              <a:t>In computing, an idempotent operation is one that has no additional effect if it is called more than once with the same input parameters. For example, removing an item from a set can be considered an idempotent operation on the set</a:t>
-            </a:r>
-            <a:r>
-              <a:rPr lang="en-US" sz="1200" b="0" i="0" kern="1200" dirty="0" smtClean="0">
-                <a:solidFill>
-                  <a:schemeClr val="tx1"/>
-                </a:solidFill>
-                <a:effectLst/>
-                <a:latin typeface="+mn-lt"/>
-                <a:ea typeface="+mn-ea"/>
-                <a:cs typeface="+mn-cs"/>
-              </a:rPr>
-              <a:t>.</a:t>
-            </a:r>
-          </a:p>
-          <a:p>
-            <a:pPr marL="0" marR="0" lvl="0" indent="0" algn="l" defTabSz="914400" rtl="0" eaLnBrk="1" fontAlgn="auto" latinLnBrk="0" hangingPunct="1">
-              <a:lnSpc>
-                <a:spcPct val="100000"/>
-              </a:lnSpc>
-              <a:spcBef>
-                <a:spcPts val="0"/>
-              </a:spcBef>
-              <a:spcAft>
-                <a:spcPts val="0"/>
-              </a:spcAft>
-              <a:buClrTx/>
-              <a:buSzTx/>
-              <a:buFontTx/>
-              <a:buNone/>
-              <a:tabLst/>
-              <a:defRPr/>
-            </a:pPr>
-            <a:endParaRPr lang="en-US" sz="1200" b="0" i="0" kern="1200" dirty="0" smtClean="0">
-              <a:solidFill>
-                <a:schemeClr val="tx1"/>
-              </a:solidFill>
-              <a:effectLst/>
-              <a:latin typeface="+mn-lt"/>
-              <a:ea typeface="+mn-ea"/>
-              <a:cs typeface="+mn-cs"/>
-            </a:endParaRPr>
-          </a:p>
-          <a:p>
-            <a:pPr marL="0" marR="0" lvl="0" indent="0" algn="l" defTabSz="914400" rtl="0" eaLnBrk="1" fontAlgn="auto" latinLnBrk="0" hangingPunct="1">
-              <a:lnSpc>
-                <a:spcPct val="100000"/>
-              </a:lnSpc>
-              <a:spcBef>
-                <a:spcPts val="0"/>
-              </a:spcBef>
-              <a:spcAft>
-                <a:spcPts val="0"/>
-              </a:spcAft>
-              <a:buClrTx/>
-              <a:buSzTx/>
-              <a:buFontTx/>
-              <a:buNone/>
-              <a:tabLst/>
-              <a:defRPr/>
-            </a:pPr>
-            <a:r>
-              <a:rPr lang="en-US" sz="1200" b="0" i="0" kern="1200" dirty="0" smtClean="0">
-                <a:solidFill>
-                  <a:schemeClr val="tx1"/>
-                </a:solidFill>
-                <a:effectLst/>
-                <a:latin typeface="+mn-lt"/>
-                <a:ea typeface="+mn-ea"/>
-                <a:cs typeface="+mn-cs"/>
-              </a:rPr>
-              <a:t>Asynchronous programming is a recommended best practice. However, always avoid referencing the </a:t>
-            </a:r>
-            <a:r>
-              <a:rPr lang="en-US" dirty="0" err="1" smtClean="0"/>
-              <a:t>Task.Result</a:t>
-            </a:r>
-            <a:r>
-              <a:rPr lang="en-US" sz="1200" b="0" i="0" kern="1200" dirty="0" smtClean="0">
-                <a:solidFill>
-                  <a:schemeClr val="tx1"/>
-                </a:solidFill>
-                <a:effectLst/>
-                <a:latin typeface="+mn-lt"/>
-                <a:ea typeface="+mn-ea"/>
-                <a:cs typeface="+mn-cs"/>
-              </a:rPr>
-              <a:t> property. This approach essentially does a busy-wait on a lock of another thread. Holding a lock creates the potential for deadlocks.</a:t>
-            </a:r>
-            <a:endParaRPr lang="en-US" dirty="0" smtClean="0"/>
-          </a:p>
-          <a:p>
             <a:endParaRPr lang="en-US" dirty="0"/>
           </a:p>
         </p:txBody>
       </p:sp>
       <p:sp>
         <p:nvSpPr>
-          <p:cNvPr id="4" name="Slide Number Placeholder 3"/>
+          <p:cNvPr id="4" name="Header Placeholder 3"/>
           <p:cNvSpPr>
             <a:spLocks noGrp="1"/>
           </p:cNvSpPr>
           <p:nvPr>
-            <p:ph type="sldNum" sz="quarter" idx="10"/>
+            <p:ph type="hdr" sz="quarter" idx="10"/>
           </p:nvPr>
         </p:nvSpPr>
         <p:spPr/>
@@ -1046,18 +934,99 @@
           <a:bodyPr/>
           <a:lstStyle/>
           <a:p>
-            <a:fld id="{E286A58C-CFD2-436F-B92A-2E7A87934C70}" type="slidenum">
+            <a:endParaRPr lang="en-US" dirty="0"/>
+          </a:p>
+        </p:txBody>
+      </p:sp>
+      <p:sp>
+        <p:nvSpPr>
+          <p:cNvPr id="5" name="Footer Placeholder 4"/>
+          <p:cNvSpPr>
+            <a:spLocks noGrp="1"/>
+          </p:cNvSpPr>
+          <p:nvPr>
+            <p:ph type="ftr" sz="quarter" idx="11"/>
+          </p:nvPr>
+        </p:nvSpPr>
+        <p:spPr/>
+        <p:txBody>
+          <a:bodyPr/>
+          <a:lstStyle/>
+          <a:p>
+            <a:pPr defTabSz="914099" eaLnBrk="0" hangingPunct="0"/>
+            <a:r>
+              <a:rPr lang="en-US" sz="400" dirty="0" smtClean="0">
+                <a:gradFill>
+                  <a:gsLst>
+                    <a:gs pos="0">
+                      <a:prstClr val="black"/>
+                    </a:gs>
+                    <a:gs pos="100000">
+                      <a:prstClr val="black"/>
+                    </a:gs>
+                  </a:gsLst>
+                  <a:lin ang="5400000" scaled="0"/>
+                </a:gradFill>
+                <a:latin typeface="Segoe UI" pitchFamily="34" charset="0"/>
+                <a:ea typeface="Segoe UI" pitchFamily="34" charset="0"/>
+                <a:cs typeface="Segoe UI" pitchFamily="34" charset="0"/>
+              </a:rPr>
+              <a:t>© 2016 Microsoft Corporation. All rights reserved. MICROSOFT MAKES NO WARRANTIES, EXPRESS, IMPLIED OR STATUTORY, AS TO THE INFORMATION IN THIS PRESENTATION.</a:t>
+            </a:r>
+          </a:p>
+        </p:txBody>
+      </p:sp>
+      <p:sp>
+        <p:nvSpPr>
+          <p:cNvPr id="6" name="Date Placeholder 5"/>
+          <p:cNvSpPr>
+            <a:spLocks noGrp="1"/>
+          </p:cNvSpPr>
+          <p:nvPr>
+            <p:ph type="dt" idx="12"/>
+          </p:nvPr>
+        </p:nvSpPr>
+        <p:spPr/>
+        <p:txBody>
+          <a:bodyPr/>
+          <a:lstStyle/>
+          <a:p>
+            <a:fld id="{7D10C09F-FCA1-48C8-B40D-42E1045D109E}" type="datetime8">
               <a:rPr lang="en-US" smtClean="0"/>
-              <a:t>40</a:t>
+              <a:t>3/15/2017 11:01 PM</a:t>
             </a:fld>
-            <a:endParaRPr lang="en-US"/>
+            <a:endParaRPr lang="en-US" dirty="0"/>
+          </a:p>
+        </p:txBody>
+      </p:sp>
+      <p:sp>
+        <p:nvSpPr>
+          <p:cNvPr id="7" name="Slide Number Placeholder 6"/>
+          <p:cNvSpPr>
+            <a:spLocks noGrp="1"/>
+          </p:cNvSpPr>
+          <p:nvPr>
+            <p:ph type="sldNum" sz="quarter" idx="13"/>
+          </p:nvPr>
+        </p:nvSpPr>
+        <p:spPr/>
+        <p:txBody>
+          <a:bodyPr/>
+          <a:lstStyle/>
+          <a:p>
+            <a:fld id="{B4008EB6-D09E-4580-8CD6-DDB14511944F}" type="slidenum">
+              <a:rPr lang="en-US" smtClean="0"/>
+              <a:pPr/>
+              <a:t>44</a:t>
+            </a:fld>
+            <a:endParaRPr lang="en-US" dirty="0"/>
           </a:p>
         </p:txBody>
       </p:sp>
     </p:spTree>
     <p:extLst>
       <p:ext uri="{BB962C8B-B14F-4D97-AF65-F5344CB8AC3E}">
-        <p14:creationId xmlns:p14="http://schemas.microsoft.com/office/powerpoint/2010/main" val="988654653"/>
+        <p14:creationId xmlns:p14="http://schemas.microsoft.com/office/powerpoint/2010/main" val="4131819108"/>
       </p:ext>
     </p:extLst>
   </p:cSld>
@@ -1111,18 +1080,125 @@
           <a:bodyPr/>
           <a:lstStyle/>
           <a:p>
+            <a:pPr marL="0" marR="0" lvl="0" indent="0" algn="l" defTabSz="914400" rtl="0" eaLnBrk="1" fontAlgn="auto" latinLnBrk="0" hangingPunct="1">
+              <a:lnSpc>
+                <a:spcPct val="100000"/>
+              </a:lnSpc>
+              <a:spcBef>
+                <a:spcPts val="0"/>
+              </a:spcBef>
+              <a:spcAft>
+                <a:spcPts val="0"/>
+              </a:spcAft>
+              <a:buClrTx/>
+              <a:buSzTx/>
+              <a:buFontTx/>
+              <a:buNone/>
+              <a:tabLst/>
+              <a:defRPr/>
+            </a:pPr>
+            <a:r>
+              <a:rPr lang="en-US" sz="1200" b="0" i="0" kern="1200" dirty="0" smtClean="0">
+                <a:solidFill>
+                  <a:schemeClr val="tx1"/>
+                </a:solidFill>
+                <a:effectLst/>
+                <a:latin typeface="+mn-lt"/>
+                <a:ea typeface="+mn-ea"/>
+                <a:cs typeface="+mn-cs"/>
+              </a:rPr>
+              <a:t>In computing, an idempotent operation is one that has no additional effect if it is called more than once with the same input parameters. For example, removing an item from a set can be considered an idempotent operation on the set.</a:t>
+            </a:r>
+          </a:p>
+          <a:p>
+            <a:pPr marL="0" marR="0" lvl="0" indent="0" algn="l" defTabSz="914400" rtl="0" eaLnBrk="1" fontAlgn="auto" latinLnBrk="0" hangingPunct="1">
+              <a:lnSpc>
+                <a:spcPct val="100000"/>
+              </a:lnSpc>
+              <a:spcBef>
+                <a:spcPts val="0"/>
+              </a:spcBef>
+              <a:spcAft>
+                <a:spcPts val="0"/>
+              </a:spcAft>
+              <a:buClrTx/>
+              <a:buSzTx/>
+              <a:buFontTx/>
+              <a:buNone/>
+              <a:tabLst/>
+              <a:defRPr/>
+            </a:pPr>
+            <a:endParaRPr lang="en-US" sz="1200" b="0" i="0" kern="1200" dirty="0" smtClean="0">
+              <a:solidFill>
+                <a:schemeClr val="tx1"/>
+              </a:solidFill>
+              <a:effectLst/>
+              <a:latin typeface="+mn-lt"/>
+              <a:ea typeface="+mn-ea"/>
+              <a:cs typeface="+mn-cs"/>
+            </a:endParaRPr>
+          </a:p>
+          <a:p>
+            <a:pPr marL="0" marR="0" lvl="0" indent="0" algn="l" defTabSz="914400" rtl="0" eaLnBrk="1" fontAlgn="auto" latinLnBrk="0" hangingPunct="1">
+              <a:lnSpc>
+                <a:spcPct val="100000"/>
+              </a:lnSpc>
+              <a:spcBef>
+                <a:spcPts val="0"/>
+              </a:spcBef>
+              <a:spcAft>
+                <a:spcPts val="0"/>
+              </a:spcAft>
+              <a:buClrTx/>
+              <a:buSzTx/>
+              <a:buFontTx/>
+              <a:buNone/>
+              <a:tabLst/>
+              <a:defRPr/>
+            </a:pPr>
+            <a:r>
+              <a:rPr lang="en-US" sz="1200" b="0" i="0" kern="1200" dirty="0" smtClean="0">
+                <a:solidFill>
+                  <a:schemeClr val="tx1"/>
+                </a:solidFill>
+                <a:effectLst/>
+                <a:latin typeface="+mn-lt"/>
+                <a:ea typeface="+mn-ea"/>
+                <a:cs typeface="+mn-cs"/>
+              </a:rPr>
+              <a:t>Asynchronous programming is a recommended best practice. However, always avoid referencing the </a:t>
+            </a:r>
+            <a:r>
+              <a:rPr lang="en-US" dirty="0" err="1" smtClean="0"/>
+              <a:t>Task.Result</a:t>
+            </a:r>
+            <a:r>
+              <a:rPr lang="en-US" sz="1200" b="0" i="0" kern="1200" dirty="0" smtClean="0">
+                <a:solidFill>
+                  <a:schemeClr val="tx1"/>
+                </a:solidFill>
+                <a:effectLst/>
+                <a:latin typeface="+mn-lt"/>
+                <a:ea typeface="+mn-ea"/>
+                <a:cs typeface="+mn-cs"/>
+              </a:rPr>
+              <a:t> property. This approach essentially does a busy-wait on a lock of another thread. Holding a lock creates the potential for deadlocks.</a:t>
+            </a:r>
+            <a:endParaRPr lang="en-US" dirty="0" smtClean="0"/>
+          </a:p>
+          <a:p>
             <a:endParaRPr lang="en-US" dirty="0"/>
           </a:p>
         </p:txBody>
       </p:sp>
       <p:sp>
         <p:nvSpPr>
-          <p:cNvPr id="4" name="Header Placeholder 3"/>
+          <p:cNvPr id="4" name="Slide Number Placeholder 3"/>
           <p:cNvSpPr>
             <a:spLocks noGrp="1"/>
           </p:cNvSpPr>
           <p:nvPr>
-            <p:ph type="hdr" sz="quarter" idx="10"/>
+            <p:ph type="sldNum" sz="quarter" idx="10"/>
           </p:nvPr>
         </p:nvSpPr>
         <p:spPr/>
@@ -1130,99 +1206,18 @@
           <a:bodyPr/>
           <a:lstStyle/>
           <a:p>
-            <a:endParaRPr lang="en-US" dirty="0"/>
-          </a:p>
-        </p:txBody>
-      </p:sp>
-      <p:sp>
-        <p:nvSpPr>
-          <p:cNvPr id="5" name="Footer Placeholder 4"/>
-          <p:cNvSpPr>
-            <a:spLocks noGrp="1"/>
-          </p:cNvSpPr>
-          <p:nvPr>
-            <p:ph type="ftr" sz="quarter" idx="11"/>
-          </p:nvPr>
-        </p:nvSpPr>
-        <p:spPr/>
-        <p:txBody>
-          <a:bodyPr/>
-          <a:lstStyle/>
-          <a:p>
-            <a:pPr defTabSz="914099" eaLnBrk="0" hangingPunct="0"/>
-            <a:r>
-              <a:rPr lang="en-US" sz="400" dirty="0" smtClean="0">
-                <a:gradFill>
-                  <a:gsLst>
-                    <a:gs pos="0">
-                      <a:prstClr val="black"/>
-                    </a:gs>
-                    <a:gs pos="100000">
-                      <a:prstClr val="black"/>
-                    </a:gs>
-                  </a:gsLst>
-                  <a:lin ang="5400000" scaled="0"/>
-                </a:gradFill>
-                <a:latin typeface="Segoe UI" pitchFamily="34" charset="0"/>
-                <a:ea typeface="Segoe UI" pitchFamily="34" charset="0"/>
-                <a:cs typeface="Segoe UI" pitchFamily="34" charset="0"/>
-              </a:rPr>
-              <a:t>© 2016 Microsoft Corporation. All rights reserved. MICROSOFT MAKES NO WARRANTIES, EXPRESS, IMPLIED OR STATUTORY, AS TO THE INFORMATION IN THIS PRESENTATION.</a:t>
-            </a:r>
-          </a:p>
-        </p:txBody>
-      </p:sp>
-      <p:sp>
-        <p:nvSpPr>
-          <p:cNvPr id="6" name="Date Placeholder 5"/>
-          <p:cNvSpPr>
-            <a:spLocks noGrp="1"/>
-          </p:cNvSpPr>
-          <p:nvPr>
-            <p:ph type="dt" idx="12"/>
-          </p:nvPr>
-        </p:nvSpPr>
-        <p:spPr/>
-        <p:txBody>
-          <a:bodyPr/>
-          <a:lstStyle/>
-          <a:p>
-            <a:fld id="{7D10C09F-FCA1-48C8-B40D-42E1045D109E}" type="datetime8">
+            <a:fld id="{E286A58C-CFD2-436F-B92A-2E7A87934C70}" type="slidenum">
               <a:rPr lang="en-US" smtClean="0"/>
-              <a:t>3/2/2017 8:42 PM</a:t>
+              <a:t>45</a:t>
             </a:fld>
-            <a:endParaRPr lang="en-US" dirty="0"/>
-          </a:p>
-        </p:txBody>
-      </p:sp>
-      <p:sp>
-        <p:nvSpPr>
-          <p:cNvPr id="7" name="Slide Number Placeholder 6"/>
-          <p:cNvSpPr>
-            <a:spLocks noGrp="1"/>
-          </p:cNvSpPr>
-          <p:nvPr>
-            <p:ph type="sldNum" sz="quarter" idx="13"/>
-          </p:nvPr>
-        </p:nvSpPr>
-        <p:spPr/>
-        <p:txBody>
-          <a:bodyPr/>
-          <a:lstStyle/>
-          <a:p>
-            <a:fld id="{B4008EB6-D09E-4580-8CD6-DDB14511944F}" type="slidenum">
-              <a:rPr lang="en-US" smtClean="0"/>
-              <a:pPr/>
-              <a:t>42</a:t>
-            </a:fld>
-            <a:endParaRPr lang="en-US" dirty="0"/>
+            <a:endParaRPr lang="en-US"/>
           </a:p>
         </p:txBody>
       </p:sp>
     </p:spTree>
     <p:extLst>
       <p:ext uri="{BB962C8B-B14F-4D97-AF65-F5344CB8AC3E}">
-        <p14:creationId xmlns:p14="http://schemas.microsoft.com/office/powerpoint/2010/main" val="3256167923"/>
+        <p14:creationId xmlns:p14="http://schemas.microsoft.com/office/powerpoint/2010/main" val="988654653"/>
       </p:ext>
     </p:extLst>
   </p:cSld>
@@ -1282,12 +1277,12 @@
       </p:sp>
       <p:sp>
         <p:nvSpPr>
-          <p:cNvPr id="4" name="Slide Number Placeholder 3"/>
+          <p:cNvPr id="4" name="Header Placeholder 3"/>
           <p:cNvSpPr>
             <a:spLocks noGrp="1"/>
           </p:cNvSpPr>
           <p:nvPr>
-            <p:ph type="sldNum" sz="quarter" idx="10"/>
+            <p:ph type="hdr" sz="quarter" idx="10"/>
           </p:nvPr>
         </p:nvSpPr>
         <p:spPr/>
@@ -1295,18 +1290,99 @@
           <a:bodyPr/>
           <a:lstStyle/>
           <a:p>
-            <a:fld id="{E286A58C-CFD2-436F-B92A-2E7A87934C70}" type="slidenum">
+            <a:endParaRPr lang="en-US" dirty="0"/>
+          </a:p>
+        </p:txBody>
+      </p:sp>
+      <p:sp>
+        <p:nvSpPr>
+          <p:cNvPr id="5" name="Footer Placeholder 4"/>
+          <p:cNvSpPr>
+            <a:spLocks noGrp="1"/>
+          </p:cNvSpPr>
+          <p:nvPr>
+            <p:ph type="ftr" sz="quarter" idx="11"/>
+          </p:nvPr>
+        </p:nvSpPr>
+        <p:spPr/>
+        <p:txBody>
+          <a:bodyPr/>
+          <a:lstStyle/>
+          <a:p>
+            <a:pPr defTabSz="914099" eaLnBrk="0" hangingPunct="0"/>
+            <a:r>
+              <a:rPr lang="en-US" sz="400" dirty="0" smtClean="0">
+                <a:gradFill>
+                  <a:gsLst>
+                    <a:gs pos="0">
+                      <a:prstClr val="black"/>
+                    </a:gs>
+                    <a:gs pos="100000">
+                      <a:prstClr val="black"/>
+                    </a:gs>
+                  </a:gsLst>
+                  <a:lin ang="5400000" scaled="0"/>
+                </a:gradFill>
+                <a:latin typeface="Segoe UI" pitchFamily="34" charset="0"/>
+                <a:ea typeface="Segoe UI" pitchFamily="34" charset="0"/>
+                <a:cs typeface="Segoe UI" pitchFamily="34" charset="0"/>
+              </a:rPr>
+              <a:t>© 2016 Microsoft Corporation. All rights reserved. MICROSOFT MAKES NO WARRANTIES, EXPRESS, IMPLIED OR STATUTORY, AS TO THE INFORMATION IN THIS PRESENTATION.</a:t>
+            </a:r>
+          </a:p>
+        </p:txBody>
+      </p:sp>
+      <p:sp>
+        <p:nvSpPr>
+          <p:cNvPr id="6" name="Date Placeholder 5"/>
+          <p:cNvSpPr>
+            <a:spLocks noGrp="1"/>
+          </p:cNvSpPr>
+          <p:nvPr>
+            <p:ph type="dt" idx="12"/>
+          </p:nvPr>
+        </p:nvSpPr>
+        <p:spPr/>
+        <p:txBody>
+          <a:bodyPr/>
+          <a:lstStyle/>
+          <a:p>
+            <a:fld id="{7D10C09F-FCA1-48C8-B40D-42E1045D109E}" type="datetime8">
               <a:rPr lang="en-US" smtClean="0"/>
-              <a:t>43</a:t>
+              <a:t>3/15/2017 11:01 PM</a:t>
             </a:fld>
-            <a:endParaRPr lang="en-US"/>
+            <a:endParaRPr lang="en-US" dirty="0"/>
+          </a:p>
+        </p:txBody>
+      </p:sp>
+      <p:sp>
+        <p:nvSpPr>
+          <p:cNvPr id="7" name="Slide Number Placeholder 6"/>
+          <p:cNvSpPr>
+            <a:spLocks noGrp="1"/>
+          </p:cNvSpPr>
+          <p:nvPr>
+            <p:ph type="sldNum" sz="quarter" idx="13"/>
+          </p:nvPr>
+        </p:nvSpPr>
+        <p:spPr/>
+        <p:txBody>
+          <a:bodyPr/>
+          <a:lstStyle/>
+          <a:p>
+            <a:fld id="{B4008EB6-D09E-4580-8CD6-DDB14511944F}" type="slidenum">
+              <a:rPr lang="en-US" smtClean="0"/>
+              <a:pPr/>
+              <a:t>47</a:t>
+            </a:fld>
+            <a:endParaRPr lang="en-US" dirty="0"/>
           </a:p>
         </p:txBody>
       </p:sp>
     </p:spTree>
     <p:extLst>
       <p:ext uri="{BB962C8B-B14F-4D97-AF65-F5344CB8AC3E}">
-        <p14:creationId xmlns:p14="http://schemas.microsoft.com/office/powerpoint/2010/main" val="1182821254"/>
+        <p14:creationId xmlns:p14="http://schemas.microsoft.com/office/powerpoint/2010/main" val="3256167923"/>
       </p:ext>
     </p:extLst>
   </p:cSld>
@@ -1381,7 +1457,91 @@
           <a:p>
             <a:fld id="{E286A58C-CFD2-436F-B92A-2E7A87934C70}" type="slidenum">
               <a:rPr lang="en-US" smtClean="0"/>
-              <a:t>44</a:t>
+              <a:t>49</a:t>
+            </a:fld>
+            <a:endParaRPr lang="en-US"/>
+          </a:p>
+        </p:txBody>
+      </p:sp>
+    </p:spTree>
+    <p:extLst>
+      <p:ext uri="{BB962C8B-B14F-4D97-AF65-F5344CB8AC3E}">
+        <p14:creationId xmlns:p14="http://schemas.microsoft.com/office/powerpoint/2010/main" val="1182821254"/>
+      </p:ext>
+    </p:extLst>
+  </p:cSld>
+  <p:clrMapOvr>
+    <a:masterClrMapping/>
+  </p:clrMapOvr>
+</p:notes>
+</file>
+
+<file path=ppt/notesSlides/notesSlide15.xml><?xml version="1.0" encoding="utf-8"?>
+<p:notes xmlns:a="http://schemas.openxmlformats.org/drawingml/2006/main" xmlns:r="http://schemas.openxmlformats.org/officeDocument/2006/relationships" xmlns:p="http://schemas.openxmlformats.org/presentationml/2006/main">
+  <p:cSld>
+    <p:spTree>
+      <p:nvGrpSpPr>
+        <p:cNvPr id="1" name=""/>
+        <p:cNvGrpSpPr/>
+        <p:nvPr/>
+      </p:nvGrpSpPr>
+      <p:grpSpPr>
+        <a:xfrm>
+          <a:off x="0" y="0"/>
+          <a:ext cx="0" cy="0"/>
+          <a:chOff x="0" y="0"/>
+          <a:chExt cx="0" cy="0"/>
+        </a:xfrm>
+      </p:grpSpPr>
+      <p:sp>
+        <p:nvSpPr>
+          <p:cNvPr id="2" name="Slide Image Placeholder 1"/>
+          <p:cNvSpPr>
+            <a:spLocks noGrp="1" noRot="1" noChangeAspect="1"/>
+          </p:cNvSpPr>
+          <p:nvPr>
+            <p:ph type="sldImg"/>
+          </p:nvPr>
+        </p:nvSpPr>
+        <p:spPr/>
+      </p:sp>
+      <p:sp>
+        <p:nvSpPr>
+          <p:cNvPr id="3" name="Notes Placeholder 2"/>
+          <p:cNvSpPr>
+            <a:spLocks noGrp="1"/>
+          </p:cNvSpPr>
+          <p:nvPr>
+            <p:ph type="body" idx="1"/>
+          </p:nvPr>
+        </p:nvSpPr>
+        <p:spPr/>
+        <p:txBody>
+          <a:bodyPr/>
+          <a:lstStyle/>
+          <a:p>
+            <a:endParaRPr lang="en-US" dirty="0"/>
+          </a:p>
+        </p:txBody>
+      </p:sp>
+      <p:sp>
+        <p:nvSpPr>
+          <p:cNvPr id="4" name="Slide Number Placeholder 3"/>
+          <p:cNvSpPr>
+            <a:spLocks noGrp="1"/>
+          </p:cNvSpPr>
+          <p:nvPr>
+            <p:ph type="sldNum" sz="quarter" idx="10"/>
+          </p:nvPr>
+        </p:nvSpPr>
+        <p:spPr/>
+        <p:txBody>
+          <a:bodyPr/>
+          <a:lstStyle/>
+          <a:p>
+            <a:fld id="{E286A58C-CFD2-436F-B92A-2E7A87934C70}" type="slidenum">
+              <a:rPr lang="en-US" smtClean="0"/>
+              <a:t>51</a:t>
             </a:fld>
             <a:endParaRPr lang="en-US" dirty="0"/>
           </a:p>
@@ -1559,7 +1719,7 @@
           <a:p>
             <a:fld id="{38EEC551-8CDA-4EB6-89BB-2A86C9F091C8}" type="datetime8">
               <a:rPr lang="en-US" smtClean="0"/>
-              <a:t>3/2/2017 8:42 PM</a:t>
+              <a:t>3/15/2017 11:01 PM</a:t>
             </a:fld>
             <a:endParaRPr lang="en-US" dirty="0"/>
           </a:p>
@@ -1583,7 +1743,7 @@
             <a:fld id="{B4008EB6-D09E-4580-8CD6-DDB14511944F}" type="slidenum">
               <a:rPr lang="en-US" smtClean="0"/>
               <a:pPr/>
-              <a:t>8</a:t>
+              <a:t>9</a:t>
             </a:fld>
             <a:endParaRPr lang="en-US" dirty="0"/>
           </a:p>
@@ -1724,7 +1884,7 @@
           <a:p>
             <a:fld id="{7D10C09F-FCA1-48C8-B40D-42E1045D109E}" type="datetime8">
               <a:rPr lang="en-US" smtClean="0"/>
-              <a:t>3/2/2017 8:42 PM</a:t>
+              <a:t>3/15/2017 11:01 PM</a:t>
             </a:fld>
             <a:endParaRPr lang="en-US" dirty="0"/>
           </a:p>
@@ -1748,7 +1908,7 @@
             <a:fld id="{B4008EB6-D09E-4580-8CD6-DDB14511944F}" type="slidenum">
               <a:rPr lang="en-US" smtClean="0"/>
               <a:pPr/>
-              <a:t>9</a:t>
+              <a:t>10</a:t>
             </a:fld>
             <a:endParaRPr lang="en-US" dirty="0"/>
           </a:p>
@@ -1852,7 +2012,7 @@
           <a:p>
             <a:fld id="{E286A58C-CFD2-436F-B92A-2E7A87934C70}" type="slidenum">
               <a:rPr lang="en-US" smtClean="0"/>
-              <a:t>10</a:t>
+              <a:t>11</a:t>
             </a:fld>
             <a:endParaRPr lang="en-US"/>
           </a:p>
@@ -1993,7 +2153,7 @@
           <a:p>
             <a:fld id="{7D10C09F-FCA1-48C8-B40D-42E1045D109E}" type="datetime8">
               <a:rPr lang="en-US" smtClean="0"/>
-              <a:t>3/2/2017 8:42 PM</a:t>
+              <a:t>3/15/2017 11:01 PM</a:t>
             </a:fld>
             <a:endParaRPr lang="en-US" dirty="0"/>
           </a:p>
@@ -2017,7 +2177,7 @@
             <a:fld id="{B4008EB6-D09E-4580-8CD6-DDB14511944F}" type="slidenum">
               <a:rPr lang="en-US" smtClean="0"/>
               <a:pPr/>
-              <a:t>15</a:t>
+              <a:t>16</a:t>
             </a:fld>
             <a:endParaRPr lang="en-US" dirty="0"/>
           </a:p>
@@ -2158,7 +2318,7 @@
           <a:p>
             <a:fld id="{7D10C09F-FCA1-48C8-B40D-42E1045D109E}" type="datetime8">
               <a:rPr lang="en-US" smtClean="0"/>
-              <a:t>3/2/2017 8:42 PM</a:t>
+              <a:t>3/15/2017 11:01 PM</a:t>
             </a:fld>
             <a:endParaRPr lang="en-US" dirty="0"/>
           </a:p>
@@ -2182,7 +2342,7 @@
             <a:fld id="{B4008EB6-D09E-4580-8CD6-DDB14511944F}" type="slidenum">
               <a:rPr lang="en-US" smtClean="0"/>
               <a:pPr/>
-              <a:t>20</a:t>
+              <a:t>21</a:t>
             </a:fld>
             <a:endParaRPr lang="en-US" dirty="0"/>
           </a:p>
@@ -2323,7 +2483,7 @@
           <a:p>
             <a:fld id="{7D10C09F-FCA1-48C8-B40D-42E1045D109E}" type="datetime8">
               <a:rPr lang="en-US" smtClean="0"/>
-              <a:t>3/2/2017 9:33 PM</a:t>
+              <a:t>3/15/2017 11:01 PM</a:t>
             </a:fld>
             <a:endParaRPr lang="en-US" dirty="0"/>
           </a:p>
@@ -2347,7 +2507,7 @@
             <a:fld id="{B4008EB6-D09E-4580-8CD6-DDB14511944F}" type="slidenum">
               <a:rPr lang="en-US" smtClean="0"/>
               <a:pPr/>
-              <a:t>30</a:t>
+              <a:t>31</a:t>
             </a:fld>
             <a:endParaRPr lang="en-US" dirty="0"/>
           </a:p>
@@ -2410,46 +2570,18 @@
           <a:bodyPr/>
           <a:lstStyle/>
           <a:p>
-            <a:r>
-              <a:rPr lang="en-US" sz="1200" b="0" i="0" kern="1200" dirty="0" smtClean="0">
-                <a:solidFill>
-                  <a:schemeClr val="tx1"/>
-                </a:solidFill>
-                <a:effectLst/>
-                <a:latin typeface="+mn-lt"/>
-                <a:ea typeface="+mn-ea"/>
-                <a:cs typeface="+mn-cs"/>
-              </a:rPr>
-              <a:t>This allows you use the type either as a binding parameter (if supported for your Function trigger type) or as an instance you create in code. Here’s an of using the </a:t>
-            </a:r>
-            <a:r>
-              <a:rPr lang="en-US" dirty="0" smtClean="0"/>
-              <a:t>Person</a:t>
-            </a:r>
-            <a:r>
-              <a:rPr lang="en-US" sz="1200" b="0" i="0" kern="1200" dirty="0" smtClean="0">
-                <a:solidFill>
-                  <a:schemeClr val="tx1"/>
-                </a:solidFill>
-                <a:effectLst/>
-                <a:latin typeface="+mn-lt"/>
-                <a:ea typeface="+mn-ea"/>
-                <a:cs typeface="+mn-cs"/>
-              </a:rPr>
-              <a:t> class in an HTTP-triggered Function:</a:t>
-            </a:r>
             <a:endParaRPr lang="en-US" dirty="0"/>
           </a:p>
         </p:txBody>
       </p:sp>
       <p:sp>
         <p:nvSpPr>
-          <p:cNvPr id="4" name="Slide Number Placeholder 3"/>
+          <p:cNvPr id="4" name="Header Placeholder 3"/>
           <p:cNvSpPr>
             <a:spLocks noGrp="1"/>
           </p:cNvSpPr>
           <p:nvPr>
-            <p:ph type="sldNum" sz="quarter" idx="10"/>
+            <p:ph type="hdr" sz="quarter" idx="10"/>
           </p:nvPr>
         </p:nvSpPr>
         <p:spPr/>
@@ -2457,18 +2589,99 @@
           <a:bodyPr/>
           <a:lstStyle/>
           <a:p>
-            <a:fld id="{E286A58C-CFD2-436F-B92A-2E7A87934C70}" type="slidenum">
+            <a:endParaRPr lang="en-US" dirty="0"/>
+          </a:p>
+        </p:txBody>
+      </p:sp>
+      <p:sp>
+        <p:nvSpPr>
+          <p:cNvPr id="5" name="Footer Placeholder 4"/>
+          <p:cNvSpPr>
+            <a:spLocks noGrp="1"/>
+          </p:cNvSpPr>
+          <p:nvPr>
+            <p:ph type="ftr" sz="quarter" idx="11"/>
+          </p:nvPr>
+        </p:nvSpPr>
+        <p:spPr/>
+        <p:txBody>
+          <a:bodyPr/>
+          <a:lstStyle/>
+          <a:p>
+            <a:pPr defTabSz="914099" eaLnBrk="0" hangingPunct="0"/>
+            <a:r>
+              <a:rPr lang="en-US" sz="400" dirty="0" smtClean="0">
+                <a:gradFill>
+                  <a:gsLst>
+                    <a:gs pos="0">
+                      <a:prstClr val="black"/>
+                    </a:gs>
+                    <a:gs pos="100000">
+                      <a:prstClr val="black"/>
+                    </a:gs>
+                  </a:gsLst>
+                  <a:lin ang="5400000" scaled="0"/>
+                </a:gradFill>
+                <a:latin typeface="Segoe UI" pitchFamily="34" charset="0"/>
+                <a:ea typeface="Segoe UI" pitchFamily="34" charset="0"/>
+                <a:cs typeface="Segoe UI" pitchFamily="34" charset="0"/>
+              </a:rPr>
+              <a:t>© 2016 Microsoft Corporation. All rights reserved. MICROSOFT MAKES NO WARRANTIES, EXPRESS, IMPLIED OR STATUTORY, AS TO THE INFORMATION IN THIS PRESENTATION.</a:t>
+            </a:r>
+          </a:p>
+        </p:txBody>
+      </p:sp>
+      <p:sp>
+        <p:nvSpPr>
+          <p:cNvPr id="6" name="Date Placeholder 5"/>
+          <p:cNvSpPr>
+            <a:spLocks noGrp="1"/>
+          </p:cNvSpPr>
+          <p:nvPr>
+            <p:ph type="dt" idx="12"/>
+          </p:nvPr>
+        </p:nvSpPr>
+        <p:spPr/>
+        <p:txBody>
+          <a:bodyPr/>
+          <a:lstStyle/>
+          <a:p>
+            <a:fld id="{7D10C09F-FCA1-48C8-B40D-42E1045D109E}" type="datetime8">
               <a:rPr lang="en-US" smtClean="0"/>
-              <a:t>32</a:t>
+              <a:t>3/15/2017 11:01 PM</a:t>
             </a:fld>
-            <a:endParaRPr lang="en-US"/>
+            <a:endParaRPr lang="en-US" dirty="0"/>
+          </a:p>
+        </p:txBody>
+      </p:sp>
+      <p:sp>
+        <p:nvSpPr>
+          <p:cNvPr id="7" name="Slide Number Placeholder 6"/>
+          <p:cNvSpPr>
+            <a:spLocks noGrp="1"/>
+          </p:cNvSpPr>
+          <p:nvPr>
+            <p:ph type="sldNum" sz="quarter" idx="13"/>
+          </p:nvPr>
+        </p:nvSpPr>
+        <p:spPr/>
+        <p:txBody>
+          <a:bodyPr/>
+          <a:lstStyle/>
+          <a:p>
+            <a:fld id="{B4008EB6-D09E-4580-8CD6-DDB14511944F}" type="slidenum">
+              <a:rPr lang="en-US" smtClean="0"/>
+              <a:pPr/>
+              <a:t>35</a:t>
+            </a:fld>
+            <a:endParaRPr lang="en-US" dirty="0"/>
           </a:p>
         </p:txBody>
       </p:sp>
     </p:spTree>
     <p:extLst>
       <p:ext uri="{BB962C8B-B14F-4D97-AF65-F5344CB8AC3E}">
-        <p14:creationId xmlns:p14="http://schemas.microsoft.com/office/powerpoint/2010/main" val="2424537989"/>
+        <p14:creationId xmlns:p14="http://schemas.microsoft.com/office/powerpoint/2010/main" val="2600659976"/>
       </p:ext>
     </p:extLst>
   </p:cSld>
@@ -2522,18 +2735,46 @@
           <a:bodyPr/>
           <a:lstStyle/>
           <a:p>
+            <a:r>
+              <a:rPr lang="en-US" sz="1200" b="0" i="0" kern="1200" dirty="0" smtClean="0">
+                <a:solidFill>
+                  <a:schemeClr val="tx1"/>
+                </a:solidFill>
+                <a:effectLst/>
+                <a:latin typeface="+mn-lt"/>
+                <a:ea typeface="+mn-ea"/>
+                <a:cs typeface="+mn-cs"/>
+              </a:rPr>
+              <a:t>This allows you use the type either as a binding parameter (if supported for your Function trigger type) or as an instance you create in code. Here’s an of using the </a:t>
+            </a:r>
+            <a:r>
+              <a:rPr lang="en-US" dirty="0" smtClean="0"/>
+              <a:t>Person</a:t>
+            </a:r>
+            <a:r>
+              <a:rPr lang="en-US" sz="1200" b="0" i="0" kern="1200" dirty="0" smtClean="0">
+                <a:solidFill>
+                  <a:schemeClr val="tx1"/>
+                </a:solidFill>
+                <a:effectLst/>
+                <a:latin typeface="+mn-lt"/>
+                <a:ea typeface="+mn-ea"/>
+                <a:cs typeface="+mn-cs"/>
+              </a:rPr>
+              <a:t> class in an HTTP-triggered Function:</a:t>
+            </a:r>
             <a:endParaRPr lang="en-US" dirty="0"/>
           </a:p>
         </p:txBody>
       </p:sp>
       <p:sp>
         <p:nvSpPr>
-          <p:cNvPr id="4" name="Header Placeholder 3"/>
+          <p:cNvPr id="4" name="Slide Number Placeholder 3"/>
           <p:cNvSpPr>
             <a:spLocks noGrp="1"/>
           </p:cNvSpPr>
           <p:nvPr>
-            <p:ph type="hdr" sz="quarter" idx="10"/>
+            <p:ph type="sldNum" sz="quarter" idx="10"/>
           </p:nvPr>
         </p:nvSpPr>
         <p:spPr/>
@@ -2541,99 +2782,18 @@
           <a:bodyPr/>
           <a:lstStyle/>
           <a:p>
-            <a:endParaRPr lang="en-US" dirty="0"/>
-          </a:p>
-        </p:txBody>
-      </p:sp>
-      <p:sp>
-        <p:nvSpPr>
-          <p:cNvPr id="5" name="Footer Placeholder 4"/>
-          <p:cNvSpPr>
-            <a:spLocks noGrp="1"/>
-          </p:cNvSpPr>
-          <p:nvPr>
-            <p:ph type="ftr" sz="quarter" idx="11"/>
-          </p:nvPr>
-        </p:nvSpPr>
-        <p:spPr/>
-        <p:txBody>
-          <a:bodyPr/>
-          <a:lstStyle/>
-          <a:p>
-            <a:pPr defTabSz="914099" eaLnBrk="0" hangingPunct="0"/>
-            <a:r>
-              <a:rPr lang="en-US" sz="400" dirty="0" smtClean="0">
-                <a:gradFill>
-                  <a:gsLst>
-                    <a:gs pos="0">
-                      <a:prstClr val="black"/>
-                    </a:gs>
-                    <a:gs pos="100000">
-                      <a:prstClr val="black"/>
-                    </a:gs>
-                  </a:gsLst>
-                  <a:lin ang="5400000" scaled="0"/>
-                </a:gradFill>
-                <a:latin typeface="Segoe UI" pitchFamily="34" charset="0"/>
-                <a:ea typeface="Segoe UI" pitchFamily="34" charset="0"/>
-                <a:cs typeface="Segoe UI" pitchFamily="34" charset="0"/>
-              </a:rPr>
-              <a:t>© 2016 Microsoft Corporation. All rights reserved. MICROSOFT MAKES NO WARRANTIES, EXPRESS, IMPLIED OR STATUTORY, AS TO THE INFORMATION IN THIS PRESENTATION.</a:t>
-            </a:r>
-          </a:p>
-        </p:txBody>
-      </p:sp>
-      <p:sp>
-        <p:nvSpPr>
-          <p:cNvPr id="6" name="Date Placeholder 5"/>
-          <p:cNvSpPr>
-            <a:spLocks noGrp="1"/>
-          </p:cNvSpPr>
-          <p:nvPr>
-            <p:ph type="dt" idx="12"/>
-          </p:nvPr>
-        </p:nvSpPr>
-        <p:spPr/>
-        <p:txBody>
-          <a:bodyPr/>
-          <a:lstStyle/>
-          <a:p>
-            <a:fld id="{7D10C09F-FCA1-48C8-B40D-42E1045D109E}" type="datetime8">
+            <a:fld id="{E286A58C-CFD2-436F-B92A-2E7A87934C70}" type="slidenum">
               <a:rPr lang="en-US" smtClean="0"/>
-              <a:t>3/2/2017 8:42 PM</a:t>
+              <a:t>37</a:t>
             </a:fld>
-            <a:endParaRPr lang="en-US" dirty="0"/>
-          </a:p>
-        </p:txBody>
-      </p:sp>
-      <p:sp>
-        <p:nvSpPr>
-          <p:cNvPr id="7" name="Slide Number Placeholder 6"/>
-          <p:cNvSpPr>
-            <a:spLocks noGrp="1"/>
-          </p:cNvSpPr>
-          <p:nvPr>
-            <p:ph type="sldNum" sz="quarter" idx="13"/>
-          </p:nvPr>
-        </p:nvSpPr>
-        <p:spPr/>
-        <p:txBody>
-          <a:bodyPr/>
-          <a:lstStyle/>
-          <a:p>
-            <a:fld id="{B4008EB6-D09E-4580-8CD6-DDB14511944F}" type="slidenum">
-              <a:rPr lang="en-US" smtClean="0"/>
-              <a:pPr/>
-              <a:t>34</a:t>
-            </a:fld>
-            <a:endParaRPr lang="en-US" dirty="0"/>
+            <a:endParaRPr lang="en-US"/>
           </a:p>
         </p:txBody>
       </p:sp>
     </p:spTree>
     <p:extLst>
       <p:ext uri="{BB962C8B-B14F-4D97-AF65-F5344CB8AC3E}">
-        <p14:creationId xmlns:p14="http://schemas.microsoft.com/office/powerpoint/2010/main" val="268081711"/>
+        <p14:creationId xmlns:p14="http://schemas.microsoft.com/office/powerpoint/2010/main" val="2424537989"/>
       </p:ext>
     </p:extLst>
   </p:cSld>
@@ -2774,7 +2934,7 @@
           <a:p>
             <a:fld id="{55D8F628-2292-4FD9-916C-9F6DFE5792E2}" type="datetimeFigureOut">
               <a:rPr lang="en-US" smtClean="0"/>
-              <a:t>3/2/2017</a:t>
+              <a:t>3/15/2017</a:t>
             </a:fld>
             <a:endParaRPr lang="en-US" dirty="0"/>
           </a:p>
@@ -2944,7 +3104,7 @@
           <a:p>
             <a:fld id="{55D8F628-2292-4FD9-916C-9F6DFE5792E2}" type="datetimeFigureOut">
               <a:rPr lang="en-US" smtClean="0"/>
-              <a:t>3/2/2017</a:t>
+              <a:t>3/15/2017</a:t>
             </a:fld>
             <a:endParaRPr lang="en-US" dirty="0"/>
           </a:p>
@@ -3124,7 +3284,7 @@
           <a:p>
             <a:fld id="{55D8F628-2292-4FD9-916C-9F6DFE5792E2}" type="datetimeFigureOut">
               <a:rPr lang="en-US" smtClean="0"/>
-              <a:t>3/2/2017</a:t>
+              <a:t>3/15/2017</a:t>
             </a:fld>
             <a:endParaRPr lang="en-US" dirty="0"/>
           </a:p>
@@ -3853,7 +4013,7 @@
           <a:p>
             <a:fld id="{55D8F628-2292-4FD9-916C-9F6DFE5792E2}" type="datetimeFigureOut">
               <a:rPr lang="en-US" smtClean="0"/>
-              <a:t>3/2/2017</a:t>
+              <a:t>3/15/2017</a:t>
             </a:fld>
             <a:endParaRPr lang="en-US" dirty="0"/>
           </a:p>
@@ -4099,7 +4259,7 @@
           <a:p>
             <a:fld id="{55D8F628-2292-4FD9-916C-9F6DFE5792E2}" type="datetimeFigureOut">
               <a:rPr lang="en-US" smtClean="0"/>
-              <a:t>3/2/2017</a:t>
+              <a:t>3/15/2017</a:t>
             </a:fld>
             <a:endParaRPr lang="en-US" dirty="0"/>
           </a:p>
@@ -4331,7 +4491,7 @@
           <a:p>
             <a:fld id="{55D8F628-2292-4FD9-916C-9F6DFE5792E2}" type="datetimeFigureOut">
               <a:rPr lang="en-US" smtClean="0"/>
-              <a:t>3/2/2017</a:t>
+              <a:t>3/15/2017</a:t>
             </a:fld>
             <a:endParaRPr lang="en-US" dirty="0"/>
           </a:p>
@@ -4698,7 +4858,7 @@
           <a:p>
             <a:fld id="{55D8F628-2292-4FD9-916C-9F6DFE5792E2}" type="datetimeFigureOut">
               <a:rPr lang="en-US" smtClean="0"/>
-              <a:t>3/2/2017</a:t>
+              <a:t>3/15/2017</a:t>
             </a:fld>
             <a:endParaRPr lang="en-US" dirty="0"/>
           </a:p>
@@ -4816,7 +4976,7 @@
           <a:p>
             <a:fld id="{55D8F628-2292-4FD9-916C-9F6DFE5792E2}" type="datetimeFigureOut">
               <a:rPr lang="en-US" smtClean="0"/>
-              <a:t>3/2/2017</a:t>
+              <a:t>3/15/2017</a:t>
             </a:fld>
             <a:endParaRPr lang="en-US" dirty="0"/>
           </a:p>
@@ -4911,7 +5071,7 @@
           <a:p>
             <a:fld id="{55D8F628-2292-4FD9-916C-9F6DFE5792E2}" type="datetimeFigureOut">
               <a:rPr lang="en-US" smtClean="0"/>
-              <a:t>3/2/2017</a:t>
+              <a:t>3/15/2017</a:t>
             </a:fld>
             <a:endParaRPr lang="en-US" dirty="0"/>
           </a:p>
@@ -5188,7 +5348,7 @@
           <a:p>
             <a:fld id="{55D8F628-2292-4FD9-916C-9F6DFE5792E2}" type="datetimeFigureOut">
               <a:rPr lang="en-US" smtClean="0"/>
-              <a:t>3/2/2017</a:t>
+              <a:t>3/15/2017</a:t>
             </a:fld>
             <a:endParaRPr lang="en-US" dirty="0"/>
           </a:p>
@@ -5441,7 +5601,7 @@
           <a:p>
             <a:fld id="{55D8F628-2292-4FD9-916C-9F6DFE5792E2}" type="datetimeFigureOut">
               <a:rPr lang="en-US" smtClean="0"/>
-              <a:t>3/2/2017</a:t>
+              <a:t>3/15/2017</a:t>
             </a:fld>
             <a:endParaRPr lang="en-US" dirty="0"/>
           </a:p>
@@ -5654,7 +5814,7 @@
           <a:p>
             <a:fld id="{55D8F628-2292-4FD9-916C-9F6DFE5792E2}" type="datetimeFigureOut">
               <a:rPr lang="en-US" smtClean="0"/>
-              <a:t>3/2/2017</a:t>
+              <a:t>3/15/2017</a:t>
             </a:fld>
             <a:endParaRPr lang="en-US" dirty="0"/>
           </a:p>
@@ -6132,15 +6292,7 @@
           <a:p>
             <a:r>
               <a:rPr lang="en-US" dirty="0" smtClean="0"/>
-              <a:t>Sr </a:t>
-            </a:r>
-            <a:r>
-              <a:rPr lang="en-US" dirty="0" smtClean="0"/>
-              <a:t>Content </a:t>
-            </a:r>
-            <a:r>
-              <a:rPr lang="en-US" dirty="0" smtClean="0"/>
-              <a:t>Developer for Azure </a:t>
+              <a:t>Sr Content Developer for Azure </a:t>
             </a:r>
           </a:p>
           <a:p>
@@ -6175,7 +6327,7 @@
         </p:nvSpPr>
         <p:spPr>
           <a:xfrm>
-            <a:off x="269302" y="6022428"/>
+            <a:off x="269302" y="6135939"/>
             <a:ext cx="1912646" cy="529721"/>
           </a:xfrm>
           <a:prstGeom prst="rect">
@@ -6272,24 +6424,18 @@
             <p:ph type="title"/>
           </p:nvPr>
         </p:nvSpPr>
-        <p:spPr>
-          <a:xfrm>
-            <a:off x="838200" y="365125"/>
-            <a:ext cx="10515600" cy="5170971"/>
-          </a:xfrm>
-        </p:spPr>
+        <p:spPr/>
         <p:txBody>
           <a:bodyPr/>
           <a:lstStyle/>
           <a:p>
-            <a:pPr algn="ctr"/>
             <a:r>
-              <a:rPr lang="en-US" dirty="0"/>
-              <a:t>Run code, not </a:t>
+              <a:rPr lang="en-US" dirty="0" err="1" smtClean="0"/>
+              <a:t>Serverless</a:t>
             </a:r>
             <a:r>
               <a:rPr lang="en-US" dirty="0" smtClean="0"/>
-              <a:t>computers</a:t>
+              <a:t> Computing</a:t>
             </a:r>
             <a:endParaRPr lang="en-US" dirty="0"/>
           </a:p>
@@ -6298,13 +6444,16 @@
     </p:spTree>
     <p:extLst>
       <p:ext uri="{BB962C8B-B14F-4D97-AF65-F5344CB8AC3E}">
-        <p14:creationId xmlns:p14="http://schemas.microsoft.com/office/powerpoint/2010/main" val="3855462723"/>
+        <p14:creationId xmlns:p14="http://schemas.microsoft.com/office/powerpoint/2010/main" val="3068421152"/>
       </p:ext>
     </p:extLst>
   </p:cSld>
   <p:clrMapOvr>
     <a:masterClrMapping/>
   </p:clrMapOvr>
+  <p:transition>
+    <p:fade/>
+  </p:transition>
   <p:timing>
     <p:tnLst>
       <p:par>
@@ -6342,96 +6491,25 @@
             <p:ph type="title"/>
           </p:nvPr>
         </p:nvSpPr>
-        <p:spPr/>
+        <p:spPr>
+          <a:xfrm>
+            <a:off x="838200" y="365125"/>
+            <a:ext cx="10515600" cy="5170971"/>
+          </a:xfrm>
+        </p:spPr>
         <p:txBody>
           <a:bodyPr/>
           <a:lstStyle/>
           <a:p>
+            <a:pPr algn="ctr"/>
             <a:r>
-              <a:rPr lang="en-US" dirty="0" err="1" smtClean="0"/>
-              <a:t>Serverless</a:t>
+              <a:rPr lang="en-US" dirty="0"/>
+              <a:t>Run code, not </a:t>
             </a:r>
             <a:r>
               <a:rPr lang="en-US" dirty="0" smtClean="0"/>
-              <a:t> Computing</a:t>
+              <a:t>computers</a:t>
             </a:r>
-            <a:endParaRPr lang="en-US" dirty="0"/>
-          </a:p>
-        </p:txBody>
-      </p:sp>
-      <p:sp>
-        <p:nvSpPr>
-          <p:cNvPr id="3" name="Content Placeholder 2"/>
-          <p:cNvSpPr>
-            <a:spLocks noGrp="1"/>
-          </p:cNvSpPr>
-          <p:nvPr>
-            <p:ph idx="1"/>
-          </p:nvPr>
-        </p:nvSpPr>
-        <p:spPr/>
-        <p:txBody>
-          <a:bodyPr/>
-          <a:lstStyle/>
-          <a:p>
-            <a:r>
-              <a:rPr lang="en-US" dirty="0" smtClean="0"/>
-              <a:t>What is </a:t>
-            </a:r>
-            <a:r>
-              <a:rPr lang="en-US" dirty="0" err="1" smtClean="0"/>
-              <a:t>serverless</a:t>
-            </a:r>
-            <a:r>
-              <a:rPr lang="en-US" dirty="0" smtClean="0"/>
-              <a:t>?</a:t>
-            </a:r>
-          </a:p>
-          <a:p>
-            <a:pPr lvl="1"/>
-            <a:r>
-              <a:rPr lang="en-US" dirty="0" smtClean="0"/>
-              <a:t>PaaS</a:t>
-            </a:r>
-          </a:p>
-          <a:p>
-            <a:r>
-              <a:rPr lang="en-US" dirty="0" smtClean="0"/>
-              <a:t>Stateless is scalable</a:t>
-            </a:r>
-          </a:p>
-          <a:p>
-            <a:r>
-              <a:rPr lang="en-US" dirty="0" smtClean="0"/>
-              <a:t>Complicated</a:t>
-            </a:r>
-          </a:p>
-          <a:p>
-            <a:r>
-              <a:rPr lang="en-US" dirty="0" smtClean="0"/>
-              <a:t>Sporadic workload</a:t>
-            </a:r>
-          </a:p>
-          <a:p>
-            <a:r>
-              <a:rPr lang="en-US" dirty="0" smtClean="0"/>
-              <a:t>Perform an action rather than return data</a:t>
-            </a:r>
-          </a:p>
-          <a:p>
-            <a:pPr lvl="1"/>
-            <a:r>
-              <a:rPr lang="en-US" dirty="0" smtClean="0"/>
-              <a:t>APIs return data</a:t>
-            </a:r>
-          </a:p>
-          <a:p>
-            <a:r>
-              <a:rPr lang="en-US" dirty="0" smtClean="0"/>
-              <a:t>Event driven</a:t>
-            </a:r>
-          </a:p>
-          <a:p>
             <a:endParaRPr lang="en-US" dirty="0"/>
           </a:p>
         </p:txBody>
@@ -6439,7 +6517,7 @@
     </p:spTree>
     <p:extLst>
       <p:ext uri="{BB962C8B-B14F-4D97-AF65-F5344CB8AC3E}">
-        <p14:creationId xmlns:p14="http://schemas.microsoft.com/office/powerpoint/2010/main" val="3057195518"/>
+        <p14:creationId xmlns:p14="http://schemas.microsoft.com/office/powerpoint/2010/main" val="3855462723"/>
       </p:ext>
     </p:extLst>
   </p:cSld>
@@ -6494,7 +6572,7 @@
             </a:r>
             <a:r>
               <a:rPr lang="en-US" dirty="0" smtClean="0"/>
-              <a:t> Code</a:t>
+              <a:t> Computing</a:t>
             </a:r>
             <a:endParaRPr lang="en-US" dirty="0"/>
           </a:p>
@@ -6516,53 +6594,60 @@
           <a:lstStyle/>
           <a:p>
             <a:r>
+              <a:rPr lang="en-US" dirty="0" smtClean="0"/>
+              <a:t>What is </a:t>
+            </a:r>
+            <a:r>
               <a:rPr lang="en-US" dirty="0" err="1" smtClean="0"/>
-              <a:t>Microservices</a:t>
+              <a:t>serverless</a:t>
             </a:r>
-            <a:endParaRPr lang="en-US" dirty="0" smtClean="0"/>
-          </a:p>
-          <a:p>
             <a:r>
               <a:rPr lang="en-US" dirty="0" smtClean="0"/>
-              <a:t>Variety of Languages</a:t>
+              <a:t>?</a:t>
             </a:r>
           </a:p>
           <a:p>
             <a:pPr lvl="1"/>
             <a:r>
               <a:rPr lang="en-US" dirty="0" smtClean="0"/>
-              <a:t>C</a:t>
+              <a:t>PaaS</a:t>
             </a:r>
+          </a:p>
+          <a:p>
             <a:r>
               <a:rPr lang="en-US" dirty="0" smtClean="0"/>
-              <a:t>#, F# </a:t>
+              <a:t>Stateless is scalable</a:t>
             </a:r>
-            <a:endParaRPr lang="en-US" dirty="0" smtClean="0"/>
+          </a:p>
+          <a:p>
+            <a:r>
+              <a:rPr lang="en-US" dirty="0" smtClean="0"/>
+              <a:t>Complicated</a:t>
+            </a:r>
+          </a:p>
+          <a:p>
+            <a:r>
+              <a:rPr lang="en-US" dirty="0" smtClean="0"/>
+              <a:t>Sporadic workload</a:t>
+            </a:r>
+          </a:p>
+          <a:p>
+            <a:r>
+              <a:rPr lang="en-US" dirty="0" smtClean="0"/>
+              <a:t>Perform an action rather than return data</a:t>
+            </a:r>
           </a:p>
           <a:p>
             <a:pPr lvl="1"/>
             <a:r>
               <a:rPr lang="en-US" dirty="0" smtClean="0"/>
-              <a:t>Node</a:t>
-            </a:r>
-          </a:p>
-          <a:p>
-            <a:pPr lvl="1"/>
-            <a:r>
-              <a:rPr lang="en-US" dirty="0" smtClean="0"/>
-              <a:t>Python, PHP, Batch, Bash</a:t>
+              <a:t>APIs return data</a:t>
             </a:r>
           </a:p>
           <a:p>
             <a:r>
               <a:rPr lang="en-US" dirty="0" smtClean="0"/>
               <a:t>Event driven</a:t>
-            </a:r>
-          </a:p>
-          <a:p>
-            <a:r>
-              <a:rPr lang="en-US" dirty="0" smtClean="0"/>
-              <a:t>Expose HTTP Endpoints</a:t>
             </a:r>
           </a:p>
           <a:p>
@@ -6573,7 +6658,7 @@
     </p:spTree>
     <p:extLst>
       <p:ext uri="{BB962C8B-B14F-4D97-AF65-F5344CB8AC3E}">
-        <p14:creationId xmlns:p14="http://schemas.microsoft.com/office/powerpoint/2010/main" val="3619430189"/>
+        <p14:creationId xmlns:p14="http://schemas.microsoft.com/office/powerpoint/2010/main" val="3057195518"/>
       </p:ext>
     </p:extLst>
   </p:cSld>
@@ -6623,17 +6708,14 @@
           <a:lstStyle/>
           <a:p>
             <a:r>
-              <a:rPr lang="en-US" dirty="0"/>
-              <a:t>Scenarios for </a:t>
+              <a:rPr lang="en-US" dirty="0" err="1" smtClean="0"/>
+              <a:t>Serverless</a:t>
             </a:r>
             <a:r>
-              <a:rPr lang="en-US" dirty="0" err="1"/>
-              <a:t>serverless</a:t>
+              <a:rPr lang="en-US" dirty="0" smtClean="0"/>
+              <a:t> Code</a:t>
             </a:r>
-            <a:r>
-              <a:rPr lang="en-US" dirty="0"/>
-              <a:t> patterns</a:t>
-            </a:r>
+            <a:endParaRPr lang="en-US" dirty="0"/>
           </a:p>
         </p:txBody>
       </p:sp>
@@ -6653,44 +6735,48 @@
           <a:lstStyle/>
           <a:p>
             <a:r>
-              <a:rPr lang="en-US" dirty="0"/>
-              <a:t>Stateless and scale</a:t>
+              <a:rPr lang="en-US" dirty="0" err="1" smtClean="0"/>
+              <a:t>Microservices</a:t>
             </a:r>
+            <a:endParaRPr lang="en-US" dirty="0" smtClean="0"/>
           </a:p>
           <a:p>
             <a:r>
-              <a:rPr lang="en-US" dirty="0"/>
-              <a:t>Too complicated for a traditional project structure</a:t>
+              <a:rPr lang="en-US" dirty="0" smtClean="0"/>
+              <a:t>Variety of Languages</a:t>
             </a:r>
           </a:p>
           <a:p>
+            <a:pPr lvl="1"/>
             <a:r>
-              <a:rPr lang="en-US" dirty="0"/>
-              <a:t>Too simple for a traditional project structure</a:t>
+              <a:rPr lang="en-US" dirty="0" smtClean="0"/>
+              <a:t>C#, F# </a:t>
             </a:r>
           </a:p>
           <a:p>
+            <a:pPr lvl="1"/>
             <a:r>
-              <a:rPr lang="en-US" dirty="0"/>
-              <a:t>Workload is sporadic (very low or high)</a:t>
+              <a:rPr lang="en-US" dirty="0" smtClean="0"/>
+              <a:t>Node</a:t>
             </a:r>
           </a:p>
           <a:p>
+            <a:pPr lvl="1"/>
             <a:r>
-              <a:rPr lang="en-US" dirty="0"/>
-              <a:t>Human involvement needs to stay low</a:t>
+              <a:rPr lang="en-US" dirty="0" smtClean="0"/>
+              <a:t>Python, PHP, Batch, Bash</a:t>
             </a:r>
           </a:p>
           <a:p>
             <a:r>
-              <a:rPr lang="en-US" dirty="0"/>
-              <a:t>Lots of different services involved</a:t>
+              <a:rPr lang="en-US" dirty="0" smtClean="0"/>
+              <a:t>Event driven</a:t>
             </a:r>
           </a:p>
           <a:p>
             <a:r>
-              <a:rPr lang="en-US" dirty="0"/>
-              <a:t>Integration of services or systems</a:t>
+              <a:rPr lang="en-US" dirty="0" smtClean="0"/>
+              <a:t>Expose HTTP Endpoints</a:t>
             </a:r>
           </a:p>
           <a:p>
@@ -6701,7 +6787,7 @@
     </p:spTree>
     <p:extLst>
       <p:ext uri="{BB962C8B-B14F-4D97-AF65-F5344CB8AC3E}">
-        <p14:creationId xmlns:p14="http://schemas.microsoft.com/office/powerpoint/2010/main" val="1328126197"/>
+        <p14:creationId xmlns:p14="http://schemas.microsoft.com/office/powerpoint/2010/main" val="3619430189"/>
       </p:ext>
     </p:extLst>
   </p:cSld>
@@ -6751,10 +6837,17 @@
           <a:lstStyle/>
           <a:p>
             <a:r>
-              <a:rPr lang="en-US" dirty="0" smtClean="0"/>
-              <a:t>Features &amp; Benefits</a:t>
+              <a:rPr lang="en-US" dirty="0"/>
+              <a:t>Scenarios for </a:t>
             </a:r>
-            <a:endParaRPr lang="en-US" dirty="0"/>
+            <a:r>
+              <a:rPr lang="en-US" dirty="0" err="1"/>
+              <a:t>serverless</a:t>
+            </a:r>
+            <a:r>
+              <a:rPr lang="en-US" dirty="0"/>
+              <a:t> patterns</a:t>
+            </a:r>
           </a:p>
         </p:txBody>
       </p:sp>
@@ -6774,32 +6867,44 @@
           <a:lstStyle/>
           <a:p>
             <a:r>
-              <a:rPr lang="en-US" dirty="0" smtClean="0"/>
-              <a:t>Focus on business problems</a:t>
+              <a:rPr lang="en-US" dirty="0"/>
+              <a:t>Stateless and scale</a:t>
             </a:r>
           </a:p>
           <a:p>
             <a:r>
-              <a:rPr lang="en-US" dirty="0" smtClean="0"/>
-              <a:t>No worries about infrastructure</a:t>
+              <a:rPr lang="en-US" dirty="0"/>
+              <a:t>Too complicated for a traditional project structure</a:t>
             </a:r>
           </a:p>
           <a:p>
             <a:r>
-              <a:rPr lang="en-US" dirty="0" smtClean="0"/>
-              <a:t>No deployment</a:t>
+              <a:rPr lang="en-US" dirty="0"/>
+              <a:t>Too simple for a traditional project structure</a:t>
             </a:r>
           </a:p>
           <a:p>
             <a:r>
-              <a:rPr lang="en-US" dirty="0" smtClean="0"/>
-              <a:t>Lightweight</a:t>
+              <a:rPr lang="en-US" dirty="0"/>
+              <a:t>Workload is sporadic (very low or high)</a:t>
             </a:r>
           </a:p>
           <a:p>
             <a:r>
-              <a:rPr lang="en-US" dirty="0" smtClean="0"/>
-              <a:t>Cross-platform</a:t>
+              <a:rPr lang="en-US" dirty="0"/>
+              <a:t>Human involvement needs to stay low</a:t>
+            </a:r>
+          </a:p>
+          <a:p>
+            <a:r>
+              <a:rPr lang="en-US" dirty="0"/>
+              <a:t>Lots of different services involved</a:t>
+            </a:r>
+          </a:p>
+          <a:p>
+            <a:r>
+              <a:rPr lang="en-US" dirty="0"/>
+              <a:t>Integration of services or systems</a:t>
             </a:r>
           </a:p>
           <a:p>
@@ -6810,7 +6915,7 @@
     </p:spTree>
     <p:extLst>
       <p:ext uri="{BB962C8B-B14F-4D97-AF65-F5344CB8AC3E}">
-        <p14:creationId xmlns:p14="http://schemas.microsoft.com/office/powerpoint/2010/main" val="716983142"/>
+        <p14:creationId xmlns:p14="http://schemas.microsoft.com/office/powerpoint/2010/main" val="1328126197"/>
       </p:ext>
     </p:extLst>
   </p:cSld>
@@ -6861,8 +6966,57 @@
           <a:p>
             <a:r>
               <a:rPr lang="en-US" dirty="0" smtClean="0"/>
-              <a:t>Azure Functions Architecture</a:t>
+              <a:t>Features &amp; Benefits</a:t>
             </a:r>
+            <a:endParaRPr lang="en-US" dirty="0"/>
+          </a:p>
+        </p:txBody>
+      </p:sp>
+      <p:sp>
+        <p:nvSpPr>
+          <p:cNvPr id="3" name="Content Placeholder 2"/>
+          <p:cNvSpPr>
+            <a:spLocks noGrp="1"/>
+          </p:cNvSpPr>
+          <p:nvPr>
+            <p:ph idx="1"/>
+          </p:nvPr>
+        </p:nvSpPr>
+        <p:spPr/>
+        <p:txBody>
+          <a:bodyPr/>
+          <a:lstStyle/>
+          <a:p>
+            <a:r>
+              <a:rPr lang="en-US" dirty="0" smtClean="0"/>
+              <a:t>Focus on business problems</a:t>
+            </a:r>
+          </a:p>
+          <a:p>
+            <a:r>
+              <a:rPr lang="en-US" dirty="0" smtClean="0"/>
+              <a:t>No worries about infrastructure</a:t>
+            </a:r>
+          </a:p>
+          <a:p>
+            <a:r>
+              <a:rPr lang="en-US" dirty="0" smtClean="0"/>
+              <a:t>No deployment</a:t>
+            </a:r>
+          </a:p>
+          <a:p>
+            <a:r>
+              <a:rPr lang="en-US" dirty="0" smtClean="0"/>
+              <a:t>Lightweight</a:t>
+            </a:r>
+          </a:p>
+          <a:p>
+            <a:r>
+              <a:rPr lang="en-US" dirty="0" smtClean="0"/>
+              <a:t>Cross-platform</a:t>
+            </a:r>
+          </a:p>
+          <a:p>
             <a:endParaRPr lang="en-US" dirty="0"/>
           </a:p>
         </p:txBody>
@@ -6870,16 +7024,13 @@
     </p:spTree>
     <p:extLst>
       <p:ext uri="{BB962C8B-B14F-4D97-AF65-F5344CB8AC3E}">
-        <p14:creationId xmlns:p14="http://schemas.microsoft.com/office/powerpoint/2010/main" val="329372846"/>
+        <p14:creationId xmlns:p14="http://schemas.microsoft.com/office/powerpoint/2010/main" val="716983142"/>
       </p:ext>
     </p:extLst>
   </p:cSld>
   <p:clrMapOvr>
     <a:masterClrMapping/>
   </p:clrMapOvr>
-  <p:transition>
-    <p:fade/>
-  </p:transition>
   <p:timing>
     <p:tnLst>
       <p:par>
@@ -6924,11 +7075,70 @@
           <a:p>
             <a:r>
               <a:rPr lang="en-US" dirty="0" smtClean="0"/>
-              <a:t>Functions </a:t>
+              <a:t>Azure Functions Architecture</a:t>
             </a:r>
+            <a:endParaRPr lang="en-US" dirty="0"/>
+          </a:p>
+        </p:txBody>
+      </p:sp>
+    </p:spTree>
+    <p:extLst>
+      <p:ext uri="{BB962C8B-B14F-4D97-AF65-F5344CB8AC3E}">
+        <p14:creationId xmlns:p14="http://schemas.microsoft.com/office/powerpoint/2010/main" val="329372846"/>
+      </p:ext>
+    </p:extLst>
+  </p:cSld>
+  <p:clrMapOvr>
+    <a:masterClrMapping/>
+  </p:clrMapOvr>
+  <p:transition>
+    <p:fade/>
+  </p:transition>
+  <p:timing>
+    <p:tnLst>
+      <p:par>
+        <p:cTn id="1" dur="indefinite" restart="never" nodeType="tmRoot"/>
+      </p:par>
+    </p:tnLst>
+  </p:timing>
+</p:sld>
+</file>
+
+<file path=ppt/slides/slide17.xml><?xml version="1.0" encoding="utf-8"?>
+<p:sld xmlns:a="http://schemas.openxmlformats.org/drawingml/2006/main" xmlns:r="http://schemas.openxmlformats.org/officeDocument/2006/relationships" xmlns:p="http://schemas.openxmlformats.org/presentationml/2006/main">
+  <p:cSld>
+    <p:spTree>
+      <p:nvGrpSpPr>
+        <p:cNvPr id="1" name=""/>
+        <p:cNvGrpSpPr/>
+        <p:nvPr/>
+      </p:nvGrpSpPr>
+      <p:grpSpPr>
+        <a:xfrm>
+          <a:off x="0" y="0"/>
+          <a:ext cx="0" cy="0"/>
+          <a:chOff x="0" y="0"/>
+          <a:chExt cx="0" cy="0"/>
+        </a:xfrm>
+      </p:grpSpPr>
+      <p:sp>
+        <p:nvSpPr>
+          <p:cNvPr id="2" name="Title 1"/>
+          <p:cNvSpPr>
+            <a:spLocks noGrp="1"/>
+          </p:cNvSpPr>
+          <p:nvPr>
+            <p:ph type="title"/>
+          </p:nvPr>
+        </p:nvSpPr>
+        <p:spPr/>
+        <p:txBody>
+          <a:bodyPr/>
+          <a:lstStyle/>
+          <a:p>
             <a:r>
               <a:rPr lang="en-US" dirty="0" smtClean="0"/>
-              <a:t>PaaS Architecture</a:t>
+              <a:t>Functions PaaS Architecture</a:t>
             </a:r>
             <a:endParaRPr lang="en-US" dirty="0"/>
           </a:p>
@@ -7457,7 +7667,7 @@
 </p:sld>
 </file>
 
-<file path=ppt/slides/slide17.xml><?xml version="1.0" encoding="utf-8"?>
+<file path=ppt/slides/slide18.xml><?xml version="1.0" encoding="utf-8"?>
 <p:sld xmlns:a="http://schemas.openxmlformats.org/drawingml/2006/main" xmlns:r="http://schemas.openxmlformats.org/officeDocument/2006/relationships" xmlns:p="http://schemas.openxmlformats.org/presentationml/2006/main">
   <p:cSld>
     <p:spTree>
@@ -8186,7 +8396,7 @@
 </p:sld>
 </file>
 
-<file path=ppt/slides/slide18.xml><?xml version="1.0" encoding="utf-8"?>
+<file path=ppt/slides/slide19.xml><?xml version="1.0" encoding="utf-8"?>
 <p:sld xmlns:a="http://schemas.openxmlformats.org/drawingml/2006/main" xmlns:r="http://schemas.openxmlformats.org/officeDocument/2006/relationships" xmlns:p="http://schemas.openxmlformats.org/presentationml/2006/main">
   <p:cSld>
     <p:spTree>
@@ -8266,7 +8476,7 @@
         </p:blipFill>
         <p:spPr>
           <a:xfrm>
-            <a:off x="7229445" y="840059"/>
+            <a:off x="7071472" y="1728441"/>
             <a:ext cx="1059629" cy="1059629"/>
           </a:xfrm>
           <a:prstGeom prst="rect">
@@ -8296,7 +8506,7 @@
         </p:blipFill>
         <p:spPr>
           <a:xfrm>
-            <a:off x="7534245" y="2581902"/>
+            <a:off x="7355825" y="3235583"/>
             <a:ext cx="1059629" cy="1059629"/>
           </a:xfrm>
           <a:prstGeom prst="rect">
@@ -8326,7 +8536,7 @@
         </p:blipFill>
         <p:spPr>
           <a:xfrm>
-            <a:off x="8593874" y="2052088"/>
+            <a:off x="8593874" y="2603024"/>
             <a:ext cx="1059629" cy="1059629"/>
           </a:xfrm>
           <a:prstGeom prst="rect">
@@ -8356,7 +8566,7 @@
         </p:blipFill>
         <p:spPr>
           <a:xfrm>
-            <a:off x="9099133" y="858908"/>
+            <a:off x="9653503" y="1219070"/>
             <a:ext cx="1059629" cy="1059629"/>
           </a:xfrm>
           <a:prstGeom prst="rect">
@@ -8386,7 +8596,7 @@
         </p:blipFill>
         <p:spPr>
           <a:xfrm>
-            <a:off x="9725591" y="2849137"/>
+            <a:off x="9653503" y="3662653"/>
             <a:ext cx="1059629" cy="1059629"/>
           </a:xfrm>
           <a:prstGeom prst="rect">
@@ -8447,7 +8657,7 @@
         </p:blipFill>
         <p:spPr>
           <a:xfrm>
-            <a:off x="7534244" y="1321815"/>
+            <a:off x="8311376" y="1142478"/>
             <a:ext cx="1059629" cy="1059629"/>
           </a:xfrm>
           <a:prstGeom prst="rect">
@@ -8463,7 +8673,7 @@
         </p:nvSpPr>
         <p:spPr>
           <a:xfrm>
-            <a:off x="6863444" y="4048124"/>
+            <a:off x="6700156" y="5149352"/>
             <a:ext cx="4847063" cy="830997"/>
           </a:xfrm>
           <a:prstGeom prst="rect">
@@ -8866,8 +9076,71 @@
 </p:sld>
 </file>
 
-<file path=ppt/slides/slide19.xml><?xml version="1.0" encoding="utf-8"?>
+<file path=ppt/slides/slide2.xml><?xml version="1.0" encoding="utf-8"?>
 <p:sld xmlns:a="http://schemas.openxmlformats.org/drawingml/2006/main" xmlns:r="http://schemas.openxmlformats.org/officeDocument/2006/relationships" xmlns:p="http://schemas.openxmlformats.org/presentationml/2006/main">
+  <p:cSld>
+    <p:spTree>
+      <p:nvGrpSpPr>
+        <p:cNvPr id="1" name=""/>
+        <p:cNvGrpSpPr/>
+        <p:nvPr/>
+      </p:nvGrpSpPr>
+      <p:grpSpPr>
+        <a:xfrm>
+          <a:off x="0" y="0"/>
+          <a:ext cx="0" cy="0"/>
+          <a:chOff x="0" y="0"/>
+          <a:chExt cx="0" cy="0"/>
+        </a:xfrm>
+      </p:grpSpPr>
+      <p:sp>
+        <p:nvSpPr>
+          <p:cNvPr id="2" name="Title 1"/>
+          <p:cNvSpPr>
+            <a:spLocks noGrp="1"/>
+          </p:cNvSpPr>
+          <p:nvPr>
+            <p:ph type="title"/>
+          </p:nvPr>
+        </p:nvSpPr>
+        <p:spPr/>
+        <p:txBody>
+          <a:bodyPr/>
+          <a:lstStyle/>
+          <a:p>
+            <a:r>
+              <a:rPr lang="en-US" dirty="0" smtClean="0"/>
+              <a:t>What is Azure Functions?</a:t>
+            </a:r>
+            <a:endParaRPr lang="en-US" dirty="0"/>
+          </a:p>
+        </p:txBody>
+      </p:sp>
+    </p:spTree>
+    <p:extLst>
+      <p:ext uri="{BB962C8B-B14F-4D97-AF65-F5344CB8AC3E}">
+        <p14:creationId xmlns:p14="http://schemas.microsoft.com/office/powerpoint/2010/main" val="2032510382"/>
+      </p:ext>
+    </p:extLst>
+  </p:cSld>
+  <p:clrMapOvr>
+    <a:masterClrMapping/>
+  </p:clrMapOvr>
+  <p:transition>
+    <p:fade/>
+  </p:transition>
+  <p:timing>
+    <p:tnLst>
+      <p:par>
+        <p:cTn id="1" dur="indefinite" restart="never" nodeType="tmRoot"/>
+      </p:par>
+    </p:tnLst>
+  </p:timing>
+</p:sld>
+</file>
+
+<file path=ppt/slides/slide20.xml><?xml version="1.0" encoding="utf-8"?>
+<p:sld xmlns:a="http://schemas.openxmlformats.org/drawingml/2006/main" xmlns:r="http://schemas.openxmlformats.org/officeDocument/2006/relationships" xmlns:p="http://schemas.openxmlformats.org/presentationml/2006/main" show="0">
   <p:cSld>
     <p:spTree>
       <p:nvGrpSpPr>
@@ -25985,11 +26258,11 @@
   <p:clrMapOvr>
     <a:masterClrMapping/>
   </p:clrMapOvr>
-  <mc:AlternateContent xmlns:mc="http://schemas.openxmlformats.org/markup-compatibility/2006" xmlns:p14="http://schemas.microsoft.com/office/powerpoint/2010/main">
-    <mc:Choice Requires="p14">
+  <mc:AlternateContent xmlns:mc="http://schemas.openxmlformats.org/markup-compatibility/2006">
+    <mc:Choice xmlns:p14="http://schemas.microsoft.com/office/powerpoint/2010/main" Requires="p14">
       <p:transition spd="slow" p14:dur="2000"/>
     </mc:Choice>
-    <mc:Fallback xmlns="">
+    <mc:Fallback>
       <p:transition spd="slow"/>
     </mc:Fallback>
   </mc:AlternateContent>
@@ -26003,7 +26276,7 @@
 </p:sld>
 </file>
 
-<file path=ppt/slides/slide2.xml><?xml version="1.0" encoding="utf-8"?>
+<file path=ppt/slides/slide21.xml><?xml version="1.0" encoding="utf-8"?>
 <p:sld xmlns:a="http://schemas.openxmlformats.org/drawingml/2006/main" xmlns:r="http://schemas.openxmlformats.org/officeDocument/2006/relationships" xmlns:p="http://schemas.openxmlformats.org/presentationml/2006/main">
   <p:cSld>
     <p:spTree>
@@ -26037,69 +26310,6 @@
           <a:p>
             <a:r>
               <a:rPr lang="en-US" dirty="0" smtClean="0"/>
-              <a:t>What is Azure Functions?</a:t>
-            </a:r>
-            <a:endParaRPr lang="en-US" dirty="0"/>
-          </a:p>
-        </p:txBody>
-      </p:sp>
-    </p:spTree>
-    <p:extLst>
-      <p:ext uri="{BB962C8B-B14F-4D97-AF65-F5344CB8AC3E}">
-        <p14:creationId xmlns:p14="http://schemas.microsoft.com/office/powerpoint/2010/main" val="2032510382"/>
-      </p:ext>
-    </p:extLst>
-  </p:cSld>
-  <p:clrMapOvr>
-    <a:masterClrMapping/>
-  </p:clrMapOvr>
-  <p:transition>
-    <p:fade/>
-  </p:transition>
-  <p:timing>
-    <p:tnLst>
-      <p:par>
-        <p:cTn id="1" dur="indefinite" restart="never" nodeType="tmRoot"/>
-      </p:par>
-    </p:tnLst>
-  </p:timing>
-</p:sld>
-</file>
-
-<file path=ppt/slides/slide20.xml><?xml version="1.0" encoding="utf-8"?>
-<p:sld xmlns:a="http://schemas.openxmlformats.org/drawingml/2006/main" xmlns:r="http://schemas.openxmlformats.org/officeDocument/2006/relationships" xmlns:p="http://schemas.openxmlformats.org/presentationml/2006/main">
-  <p:cSld>
-    <p:spTree>
-      <p:nvGrpSpPr>
-        <p:cNvPr id="1" name=""/>
-        <p:cNvGrpSpPr/>
-        <p:nvPr/>
-      </p:nvGrpSpPr>
-      <p:grpSpPr>
-        <a:xfrm>
-          <a:off x="0" y="0"/>
-          <a:ext cx="0" cy="0"/>
-          <a:chOff x="0" y="0"/>
-          <a:chExt cx="0" cy="0"/>
-        </a:xfrm>
-      </p:grpSpPr>
-      <p:sp>
-        <p:nvSpPr>
-          <p:cNvPr id="2" name="Title 1"/>
-          <p:cNvSpPr>
-            <a:spLocks noGrp="1"/>
-          </p:cNvSpPr>
-          <p:nvPr>
-            <p:ph type="title"/>
-          </p:nvPr>
-        </p:nvSpPr>
-        <p:spPr/>
-        <p:txBody>
-          <a:bodyPr/>
-          <a:lstStyle/>
-          <a:p>
-            <a:r>
-              <a:rPr lang="en-US" dirty="0" smtClean="0"/>
               <a:t>Programming Functions</a:t>
             </a:r>
             <a:endParaRPr lang="en-US" dirty="0"/>
@@ -26129,7 +26339,7 @@
 </p:sld>
 </file>
 
-<file path=ppt/slides/slide21.xml><?xml version="1.0" encoding="utf-8"?>
+<file path=ppt/slides/slide22.xml><?xml version="1.0" encoding="utf-8"?>
 <p:sld xmlns:a="http://schemas.openxmlformats.org/drawingml/2006/main" xmlns:r="http://schemas.openxmlformats.org/officeDocument/2006/relationships" xmlns:p="http://schemas.openxmlformats.org/presentationml/2006/main">
   <p:cSld>
     <p:spTree>
@@ -26366,19 +26576,6 @@
               </a:rPr>
               <a:t>Trigger</a:t>
             </a:r>
-            <a:endParaRPr lang="en-US" sz="2400" dirty="0" smtClean="0">
-              <a:gradFill>
-                <a:gsLst>
-                  <a:gs pos="2917">
-                    <a:schemeClr val="tx1"/>
-                  </a:gs>
-                  <a:gs pos="30000">
-                    <a:schemeClr val="tx1"/>
-                  </a:gs>
-                </a:gsLst>
-                <a:lin ang="5400000" scaled="0"/>
-              </a:gradFill>
-            </a:endParaRPr>
           </a:p>
         </p:txBody>
       </p:sp>
@@ -27226,7 +27423,7 @@
 </p:sld>
 </file>
 
-<file path=ppt/slides/slide22.xml><?xml version="1.0" encoding="utf-8"?>
+<file path=ppt/slides/slide23.xml><?xml version="1.0" encoding="utf-8"?>
 <p:sld xmlns:a="http://schemas.openxmlformats.org/drawingml/2006/main" xmlns:r="http://schemas.openxmlformats.org/officeDocument/2006/relationships" xmlns:p="http://schemas.openxmlformats.org/presentationml/2006/main">
   <p:cSld>
     <p:spTree>
@@ -27444,147 +27641,6 @@
     <p:extLst>
       <p:ext uri="{BB962C8B-B14F-4D97-AF65-F5344CB8AC3E}">
         <p14:creationId xmlns:p14="http://schemas.microsoft.com/office/powerpoint/2010/main" val="2312028512"/>
-      </p:ext>
-    </p:extLst>
-  </p:cSld>
-  <p:clrMapOvr>
-    <a:masterClrMapping/>
-  </p:clrMapOvr>
-  <p:timing>
-    <p:tnLst>
-      <p:par>
-        <p:cTn id="1" dur="indefinite" restart="never" nodeType="tmRoot"/>
-      </p:par>
-    </p:tnLst>
-  </p:timing>
-</p:sld>
-</file>
-
-<file path=ppt/slides/slide23.xml><?xml version="1.0" encoding="utf-8"?>
-<p:sld xmlns:a="http://schemas.openxmlformats.org/drawingml/2006/main" xmlns:r="http://schemas.openxmlformats.org/officeDocument/2006/relationships" xmlns:p="http://schemas.openxmlformats.org/presentationml/2006/main">
-  <p:cSld>
-    <p:spTree>
-      <p:nvGrpSpPr>
-        <p:cNvPr id="1" name=""/>
-        <p:cNvGrpSpPr/>
-        <p:nvPr/>
-      </p:nvGrpSpPr>
-      <p:grpSpPr>
-        <a:xfrm>
-          <a:off x="0" y="0"/>
-          <a:ext cx="0" cy="0"/>
-          <a:chOff x="0" y="0"/>
-          <a:chExt cx="0" cy="0"/>
-        </a:xfrm>
-      </p:grpSpPr>
-      <p:sp>
-        <p:nvSpPr>
-          <p:cNvPr id="2" name="Title 1"/>
-          <p:cNvSpPr>
-            <a:spLocks noGrp="1"/>
-          </p:cNvSpPr>
-          <p:nvPr>
-            <p:ph type="title"/>
-          </p:nvPr>
-        </p:nvSpPr>
-        <p:spPr/>
-        <p:txBody>
-          <a:bodyPr/>
-          <a:lstStyle/>
-          <a:p>
-            <a:r>
-              <a:rPr lang="en-US" dirty="0" smtClean="0"/>
-              <a:t>Bindings: Input and Output</a:t>
-            </a:r>
-            <a:endParaRPr lang="en-US" dirty="0"/>
-          </a:p>
-        </p:txBody>
-      </p:sp>
-      <p:sp>
-        <p:nvSpPr>
-          <p:cNvPr id="3" name="Content Placeholder 2"/>
-          <p:cNvSpPr>
-            <a:spLocks noGrp="1"/>
-          </p:cNvSpPr>
-          <p:nvPr>
-            <p:ph idx="1"/>
-          </p:nvPr>
-        </p:nvSpPr>
-        <p:spPr/>
-        <p:txBody>
-          <a:bodyPr/>
-          <a:lstStyle/>
-          <a:p>
-            <a:r>
-              <a:rPr lang="en-US" dirty="0" smtClean="0"/>
-              <a:t>Access objects outside </a:t>
-            </a:r>
-            <a:r>
-              <a:rPr lang="en-US" dirty="0" smtClean="0"/>
-              <a:t>of your </a:t>
-            </a:r>
-            <a:r>
-              <a:rPr lang="en-US" dirty="0" smtClean="0"/>
-              <a:t>function from within it</a:t>
-            </a:r>
-            <a:endParaRPr lang="en-US" dirty="0" smtClean="0"/>
-          </a:p>
-          <a:p>
-            <a:pPr lvl="1"/>
-            <a:r>
-              <a:rPr lang="en-US" dirty="0" smtClean="0"/>
-              <a:t>Queues, </a:t>
-            </a:r>
-            <a:r>
-              <a:rPr lang="en-US" dirty="0" smtClean="0"/>
-              <a:t>tables</a:t>
-            </a:r>
-            <a:r>
-              <a:rPr lang="en-US" dirty="0" smtClean="0"/>
-              <a:t>, </a:t>
-            </a:r>
-            <a:r>
-              <a:rPr lang="en-US" dirty="0" smtClean="0"/>
-              <a:t>blobs, endpoints, </a:t>
-            </a:r>
-            <a:r>
-              <a:rPr lang="en-US" dirty="0" err="1" smtClean="0"/>
-              <a:t>etc</a:t>
-            </a:r>
-            <a:r>
-              <a:rPr lang="en-US" dirty="0" smtClean="0"/>
-              <a:t>…</a:t>
-            </a:r>
-          </a:p>
-          <a:p>
-            <a:r>
-              <a:rPr lang="en-US" dirty="0" smtClean="0"/>
-              <a:t>A function may have multiple input or output bindings</a:t>
-            </a:r>
-          </a:p>
-          <a:p>
-            <a:r>
-              <a:rPr lang="en-US" dirty="0" smtClean="0"/>
-              <a:t>Many bindings use Azure services or 3</a:t>
-            </a:r>
-            <a:r>
-              <a:rPr lang="en-US" baseline="30000" dirty="0" smtClean="0"/>
-              <a:t>rd</a:t>
-            </a:r>
-            <a:r>
-              <a:rPr lang="en-US" dirty="0" smtClean="0"/>
-              <a:t> party services</a:t>
-            </a:r>
-          </a:p>
-          <a:p>
-            <a:endParaRPr lang="en-US" dirty="0"/>
-          </a:p>
-        </p:txBody>
-      </p:sp>
-    </p:spTree>
-    <p:extLst>
-      <p:ext uri="{BB962C8B-B14F-4D97-AF65-F5344CB8AC3E}">
-        <p14:creationId xmlns:p14="http://schemas.microsoft.com/office/powerpoint/2010/main" val="3219197450"/>
       </p:ext>
     </p:extLst>
   </p:cSld>
@@ -27635,7 +27691,7 @@
           <a:p>
             <a:r>
               <a:rPr lang="en-US" dirty="0" smtClean="0"/>
-              <a:t>Input bindings</a:t>
+              <a:t>Bindings: Input and Output</a:t>
             </a:r>
             <a:endParaRPr lang="en-US" dirty="0"/>
           </a:p>
@@ -27658,52 +27714,45 @@
           <a:p>
             <a:r>
               <a:rPr lang="en-US" dirty="0" smtClean="0"/>
-              <a:t>Azure Blob Storage</a:t>
+              <a:t>Access objects outside of your function from within it</a:t>
             </a:r>
           </a:p>
           <a:p>
+            <a:pPr lvl="1"/>
             <a:r>
               <a:rPr lang="en-US" dirty="0" smtClean="0"/>
-              <a:t>External File (Preview)</a:t>
-            </a:r>
-          </a:p>
-          <a:p>
-            <a:r>
-              <a:rPr lang="en-US" dirty="0" smtClean="0"/>
-              <a:t>External Table (Experimental)</a:t>
-            </a:r>
-          </a:p>
-          <a:p>
-            <a:r>
-              <a:rPr lang="en-US" dirty="0" smtClean="0"/>
-              <a:t>Azure Storage Table</a:t>
-            </a:r>
-          </a:p>
-          <a:p>
-            <a:r>
-              <a:rPr lang="en-US" dirty="0" smtClean="0"/>
-              <a:t>Azure </a:t>
+              <a:t>Queues, tables, blobs, endpoints, </a:t>
             </a:r>
             <a:r>
               <a:rPr lang="en-US" dirty="0" err="1" smtClean="0"/>
-              <a:t>DocumentDB</a:t>
+              <a:t>etc</a:t>
             </a:r>
             <a:r>
               <a:rPr lang="en-US" dirty="0" smtClean="0"/>
-              <a:t> Document</a:t>
+              <a:t>…</a:t>
             </a:r>
           </a:p>
           <a:p>
             <a:r>
               <a:rPr lang="en-US" dirty="0" smtClean="0"/>
-              <a:t>Azure Mobile Table Record</a:t>
+              <a:t>A function may have multiple input or output bindings</a:t>
             </a:r>
           </a:p>
           <a:p>
             <a:r>
               <a:rPr lang="en-US" dirty="0" smtClean="0"/>
-              <a:t>Bot Framework</a:t>
+              <a:t>Many bindings use Azure services or 3</a:t>
             </a:r>
+            <a:r>
+              <a:rPr lang="en-US" baseline="30000" dirty="0" smtClean="0"/>
+              <a:t>rd</a:t>
+            </a:r>
+            <a:r>
+              <a:rPr lang="en-US" dirty="0" smtClean="0"/>
+              <a:t> party services</a:t>
+            </a:r>
+          </a:p>
+          <a:p>
             <a:endParaRPr lang="en-US" dirty="0"/>
           </a:p>
         </p:txBody>
@@ -27711,7 +27760,7 @@
     </p:spTree>
     <p:extLst>
       <p:ext uri="{BB962C8B-B14F-4D97-AF65-F5344CB8AC3E}">
-        <p14:creationId xmlns:p14="http://schemas.microsoft.com/office/powerpoint/2010/main" val="4059824151"/>
+        <p14:creationId xmlns:p14="http://schemas.microsoft.com/office/powerpoint/2010/main" val="3219197450"/>
       </p:ext>
     </p:extLst>
   </p:cSld>
@@ -27762,6 +27811,133 @@
           <a:p>
             <a:r>
               <a:rPr lang="en-US" dirty="0" smtClean="0"/>
+              <a:t>Input bindings</a:t>
+            </a:r>
+            <a:endParaRPr lang="en-US" dirty="0"/>
+          </a:p>
+        </p:txBody>
+      </p:sp>
+      <p:sp>
+        <p:nvSpPr>
+          <p:cNvPr id="3" name="Content Placeholder 2"/>
+          <p:cNvSpPr>
+            <a:spLocks noGrp="1"/>
+          </p:cNvSpPr>
+          <p:nvPr>
+            <p:ph idx="1"/>
+          </p:nvPr>
+        </p:nvSpPr>
+        <p:spPr/>
+        <p:txBody>
+          <a:bodyPr/>
+          <a:lstStyle/>
+          <a:p>
+            <a:r>
+              <a:rPr lang="en-US" dirty="0" smtClean="0"/>
+              <a:t>Azure Blob Storage</a:t>
+            </a:r>
+          </a:p>
+          <a:p>
+            <a:r>
+              <a:rPr lang="en-US" dirty="0" smtClean="0"/>
+              <a:t>External File (Preview)</a:t>
+            </a:r>
+          </a:p>
+          <a:p>
+            <a:r>
+              <a:rPr lang="en-US" dirty="0" smtClean="0"/>
+              <a:t>External Table (Experimental)</a:t>
+            </a:r>
+          </a:p>
+          <a:p>
+            <a:r>
+              <a:rPr lang="en-US" dirty="0" smtClean="0"/>
+              <a:t>Azure Storage Table</a:t>
+            </a:r>
+          </a:p>
+          <a:p>
+            <a:r>
+              <a:rPr lang="en-US" dirty="0" smtClean="0"/>
+              <a:t>Azure </a:t>
+            </a:r>
+            <a:r>
+              <a:rPr lang="en-US" dirty="0" err="1" smtClean="0"/>
+              <a:t>DocumentDB</a:t>
+            </a:r>
+            <a:r>
+              <a:rPr lang="en-US" dirty="0" smtClean="0"/>
+              <a:t> Document</a:t>
+            </a:r>
+          </a:p>
+          <a:p>
+            <a:r>
+              <a:rPr lang="en-US" dirty="0" smtClean="0"/>
+              <a:t>Azure Mobile Table Record</a:t>
+            </a:r>
+          </a:p>
+          <a:p>
+            <a:r>
+              <a:rPr lang="en-US" dirty="0" smtClean="0"/>
+              <a:t>Bot Framework</a:t>
+            </a:r>
+            <a:endParaRPr lang="en-US" dirty="0"/>
+          </a:p>
+        </p:txBody>
+      </p:sp>
+    </p:spTree>
+    <p:extLst>
+      <p:ext uri="{BB962C8B-B14F-4D97-AF65-F5344CB8AC3E}">
+        <p14:creationId xmlns:p14="http://schemas.microsoft.com/office/powerpoint/2010/main" val="4059824151"/>
+      </p:ext>
+    </p:extLst>
+  </p:cSld>
+  <p:clrMapOvr>
+    <a:masterClrMapping/>
+  </p:clrMapOvr>
+  <p:timing>
+    <p:tnLst>
+      <p:par>
+        <p:cTn id="1" dur="indefinite" restart="never" nodeType="tmRoot"/>
+      </p:par>
+    </p:tnLst>
+  </p:timing>
+</p:sld>
+</file>
+
+<file path=ppt/slides/slide26.xml><?xml version="1.0" encoding="utf-8"?>
+<p:sld xmlns:a="http://schemas.openxmlformats.org/drawingml/2006/main" xmlns:r="http://schemas.openxmlformats.org/officeDocument/2006/relationships" xmlns:p="http://schemas.openxmlformats.org/presentationml/2006/main">
+  <p:cSld>
+    <p:spTree>
+      <p:nvGrpSpPr>
+        <p:cNvPr id="1" name=""/>
+        <p:cNvGrpSpPr/>
+        <p:nvPr/>
+      </p:nvGrpSpPr>
+      <p:grpSpPr>
+        <a:xfrm>
+          <a:off x="0" y="0"/>
+          <a:ext cx="0" cy="0"/>
+          <a:chOff x="0" y="0"/>
+          <a:chExt cx="0" cy="0"/>
+        </a:xfrm>
+      </p:grpSpPr>
+      <p:sp>
+        <p:nvSpPr>
+          <p:cNvPr id="2" name="Title 1"/>
+          <p:cNvSpPr>
+            <a:spLocks noGrp="1"/>
+          </p:cNvSpPr>
+          <p:nvPr>
+            <p:ph type="title"/>
+          </p:nvPr>
+        </p:nvSpPr>
+        <p:spPr/>
+        <p:txBody>
+          <a:bodyPr/>
+          <a:lstStyle/>
+          <a:p>
+            <a:r>
+              <a:rPr lang="en-US" dirty="0" smtClean="0"/>
               <a:t>Output bindings</a:t>
             </a:r>
             <a:endParaRPr lang="en-US" dirty="0"/>
@@ -27938,7 +28114,7 @@
 </p:sld>
 </file>
 
-<file path=ppt/slides/slide26.xml><?xml version="1.0" encoding="utf-8"?>
+<file path=ppt/slides/slide27.xml><?xml version="1.0" encoding="utf-8"?>
 <p:sld xmlns:a="http://schemas.openxmlformats.org/drawingml/2006/main" xmlns:r="http://schemas.openxmlformats.org/officeDocument/2006/relationships" xmlns:p="http://schemas.openxmlformats.org/presentationml/2006/main">
   <p:cSld>
     <p:spTree>
@@ -28624,7 +28800,7 @@
 </p:sld>
 </file>
 
-<file path=ppt/slides/slide27.xml><?xml version="1.0" encoding="utf-8"?>
+<file path=ppt/slides/slide28.xml><?xml version="1.0" encoding="utf-8"?>
 <p:sld xmlns:a="http://schemas.openxmlformats.org/drawingml/2006/main" xmlns:r="http://schemas.openxmlformats.org/officeDocument/2006/relationships" xmlns:p="http://schemas.openxmlformats.org/presentationml/2006/main">
   <p:cSld>
     <p:spTree>
@@ -29008,7 +29184,7 @@
 </p:sld>
 </file>
 
-<file path=ppt/slides/slide28.xml><?xml version="1.0" encoding="utf-8"?>
+<file path=ppt/slides/slide29.xml><?xml version="1.0" encoding="utf-8"?>
 <p:sld xmlns:a="http://schemas.openxmlformats.org/drawingml/2006/main" xmlns:r="http://schemas.openxmlformats.org/officeDocument/2006/relationships" xmlns:p="http://schemas.openxmlformats.org/presentationml/2006/main">
   <p:cSld>
     <p:spTree>
@@ -29386,951 +29562,6 @@
             </p:seq>
           </p:childTnLst>
         </p:cTn>
-      </p:par>
-    </p:tnLst>
-  </p:timing>
-</p:sld>
-</file>
-
-<file path=ppt/slides/slide29.xml><?xml version="1.0" encoding="utf-8"?>
-<p:sld xmlns:a="http://schemas.openxmlformats.org/drawingml/2006/main" xmlns:r="http://schemas.openxmlformats.org/officeDocument/2006/relationships" xmlns:p="http://schemas.openxmlformats.org/presentationml/2006/main">
-  <p:cSld>
-    <p:spTree>
-      <p:nvGrpSpPr>
-        <p:cNvPr id="1" name=""/>
-        <p:cNvGrpSpPr/>
-        <p:nvPr/>
-      </p:nvGrpSpPr>
-      <p:grpSpPr>
-        <a:xfrm>
-          <a:off x="0" y="0"/>
-          <a:ext cx="0" cy="0"/>
-          <a:chOff x="0" y="0"/>
-          <a:chExt cx="0" cy="0"/>
-        </a:xfrm>
-      </p:grpSpPr>
-      <p:sp>
-        <p:nvSpPr>
-          <p:cNvPr id="3" name="Title 2"/>
-          <p:cNvSpPr>
-            <a:spLocks noGrp="1"/>
-          </p:cNvSpPr>
-          <p:nvPr>
-            <p:ph type="title"/>
-          </p:nvPr>
-        </p:nvSpPr>
-        <p:spPr/>
-        <p:txBody>
-          <a:bodyPr/>
-          <a:lstStyle/>
-          <a:p>
-            <a:r>
-              <a:rPr lang="en-US" dirty="0" smtClean="0"/>
-              <a:t>bindings matrix</a:t>
-            </a:r>
-            <a:endParaRPr lang="en-US" dirty="0"/>
-          </a:p>
-        </p:txBody>
-      </p:sp>
-      <p:graphicFrame>
-        <p:nvGraphicFramePr>
-          <p:cNvPr id="4" name="Table 3"/>
-          <p:cNvGraphicFramePr>
-            <a:graphicFrameLocks noGrp="1"/>
-          </p:cNvGraphicFramePr>
-          <p:nvPr>
-            <p:extLst>
-              <p:ext uri="{D42A27DB-BD31-4B8C-83A1-F6EECF244321}">
-                <p14:modId xmlns:p14="http://schemas.microsoft.com/office/powerpoint/2010/main" val="3194108226"/>
-              </p:ext>
-            </p:extLst>
-          </p:nvPr>
-        </p:nvGraphicFramePr>
-        <p:xfrm>
-          <a:off x="838200" y="1606753"/>
-          <a:ext cx="9238592" cy="4496723"/>
-        </p:xfrm>
-        <a:graphic>
-          <a:graphicData uri="http://schemas.openxmlformats.org/drawingml/2006/table">
-            <a:tbl>
-              <a:tblPr firstRow="1" bandRow="1">
-                <a:tableStyleId>{5C22544A-7EE6-4342-B048-85BDC9FD1C3A}</a:tableStyleId>
-              </a:tblPr>
-              <a:tblGrid>
-                <a:gridCol w="4551579">
-                  <a:extLst>
-                    <a:ext uri="{9D8B030D-6E8A-4147-A177-3AD203B41FA5}">
-                      <a16:colId xmlns:a16="http://schemas.microsoft.com/office/drawing/2014/main" xmlns="" val="20000"/>
-                    </a:ext>
-                  </a:extLst>
-                </a:gridCol>
-                <a:gridCol w="1745439">
-                  <a:extLst>
-                    <a:ext uri="{9D8B030D-6E8A-4147-A177-3AD203B41FA5}">
-                      <a16:colId xmlns:a16="http://schemas.microsoft.com/office/drawing/2014/main" xmlns="" val="20002"/>
-                    </a:ext>
-                  </a:extLst>
-                </a:gridCol>
-                <a:gridCol w="1318158">
-                  <a:extLst>
-                    <a:ext uri="{9D8B030D-6E8A-4147-A177-3AD203B41FA5}">
-                      <a16:colId xmlns:a16="http://schemas.microsoft.com/office/drawing/2014/main" xmlns="" val="20003"/>
-                    </a:ext>
-                  </a:extLst>
-                </a:gridCol>
-                <a:gridCol w="1623416">
-                  <a:extLst>
-                    <a:ext uri="{9D8B030D-6E8A-4147-A177-3AD203B41FA5}">
-                      <a16:colId xmlns:a16="http://schemas.microsoft.com/office/drawing/2014/main" xmlns="" val="20004"/>
-                    </a:ext>
-                  </a:extLst>
-                </a:gridCol>
-              </a:tblGrid>
-              <a:tr h="408793">
-                <a:tc>
-                  <a:txBody>
-                    <a:bodyPr/>
-                    <a:lstStyle/>
-                    <a:p>
-                      <a:pPr algn="l"/>
-                      <a:r>
-                        <a:rPr lang="en-US" sz="2000" dirty="0" smtClean="0">
-                          <a:effectLst/>
-                        </a:rPr>
-                        <a:t>Type</a:t>
-                      </a:r>
-                      <a:endParaRPr lang="en-US" sz="2000" dirty="0">
-                        <a:effectLst/>
-                      </a:endParaRPr>
-                    </a:p>
-                  </a:txBody>
-                  <a:tcPr marL="95250" marR="95250" marT="47625" marB="47625" anchor="ctr"/>
-                </a:tc>
-                <a:tc>
-                  <a:txBody>
-                    <a:bodyPr/>
-                    <a:lstStyle/>
-                    <a:p>
-                      <a:pPr algn="l"/>
-                      <a:r>
-                        <a:rPr lang="en-US" sz="2000" dirty="0">
-                          <a:effectLst/>
-                        </a:rPr>
-                        <a:t>Trigger</a:t>
-                      </a:r>
-                    </a:p>
-                  </a:txBody>
-                  <a:tcPr marL="95250" marR="95250" marT="47625" marB="47625" anchor="ctr"/>
-                </a:tc>
-                <a:tc>
-                  <a:txBody>
-                    <a:bodyPr/>
-                    <a:lstStyle/>
-                    <a:p>
-                      <a:pPr algn="l"/>
-                      <a:r>
-                        <a:rPr lang="en-US" sz="2000">
-                          <a:effectLst/>
-                        </a:rPr>
-                        <a:t>Input</a:t>
-                      </a:r>
-                    </a:p>
-                  </a:txBody>
-                  <a:tcPr marL="95250" marR="95250" marT="47625" marB="47625" anchor="ctr"/>
-                </a:tc>
-                <a:tc>
-                  <a:txBody>
-                    <a:bodyPr/>
-                    <a:lstStyle/>
-                    <a:p>
-                      <a:pPr algn="l"/>
-                      <a:r>
-                        <a:rPr lang="en-US" sz="2000">
-                          <a:effectLst/>
-                        </a:rPr>
-                        <a:t>Output</a:t>
-                      </a:r>
-                    </a:p>
-                  </a:txBody>
-                  <a:tcPr marL="95250" marR="95250" marT="47625" marB="47625" anchor="ctr"/>
-                </a:tc>
-                <a:extLst>
-                  <a:ext uri="{0D108BD9-81ED-4DB2-BD59-A6C34878D82A}">
-                    <a16:rowId xmlns:a16="http://schemas.microsoft.com/office/drawing/2014/main" xmlns="" val="10000"/>
-                  </a:ext>
-                </a:extLst>
-              </a:tr>
-              <a:tr h="408793">
-                <a:tc>
-                  <a:txBody>
-                    <a:bodyPr/>
-                    <a:lstStyle/>
-                    <a:p>
-                      <a:r>
-                        <a:rPr lang="en-US" sz="2000" dirty="0" smtClean="0">
-                          <a:effectLst/>
-                        </a:rPr>
-                        <a:t>Timer</a:t>
-                      </a:r>
-                      <a:endParaRPr lang="en-US" sz="2000" dirty="0">
-                        <a:effectLst/>
-                      </a:endParaRPr>
-                    </a:p>
-                  </a:txBody>
-                  <a:tcPr marL="95250" marR="95250" marT="47625" marB="47625" anchor="ctr"/>
-                </a:tc>
-                <a:tc>
-                  <a:txBody>
-                    <a:bodyPr/>
-                    <a:lstStyle/>
-                    <a:p>
-                      <a:pPr algn="ctr"/>
-                      <a:r>
-                        <a:rPr lang="en-US" sz="2000" dirty="0">
-                          <a:effectLst/>
-                        </a:rPr>
-                        <a:t>✔</a:t>
-                      </a:r>
-                    </a:p>
-                  </a:txBody>
-                  <a:tcPr marL="95250" marR="95250" marT="47625" marB="47625" anchor="ctr"/>
-                </a:tc>
-                <a:tc>
-                  <a:txBody>
-                    <a:bodyPr/>
-                    <a:lstStyle/>
-                    <a:p>
-                      <a:pPr algn="ctr"/>
-                      <a:endParaRPr lang="en-US" sz="2000">
-                        <a:effectLst/>
-                      </a:endParaRPr>
-                    </a:p>
-                  </a:txBody>
-                  <a:tcPr marL="95250" marR="95250" marT="47625" marB="47625" anchor="ctr"/>
-                </a:tc>
-                <a:tc>
-                  <a:txBody>
-                    <a:bodyPr/>
-                    <a:lstStyle/>
-                    <a:p>
-                      <a:pPr algn="ctr"/>
-                      <a:endParaRPr lang="en-US" sz="2000">
-                        <a:effectLst/>
-                      </a:endParaRPr>
-                    </a:p>
-                  </a:txBody>
-                  <a:tcPr marL="95250" marR="95250" marT="47625" marB="47625" anchor="ctr"/>
-                </a:tc>
-                <a:extLst>
-                  <a:ext uri="{0D108BD9-81ED-4DB2-BD59-A6C34878D82A}">
-                    <a16:rowId xmlns:a16="http://schemas.microsoft.com/office/drawing/2014/main" xmlns="" val="10001"/>
-                  </a:ext>
-                </a:extLst>
-              </a:tr>
-              <a:tr h="408793">
-                <a:tc>
-                  <a:txBody>
-                    <a:bodyPr/>
-                    <a:lstStyle/>
-                    <a:p>
-                      <a:r>
-                        <a:rPr lang="en-US" sz="2000" dirty="0">
-                          <a:effectLst/>
-                        </a:rPr>
-                        <a:t>HTTP (REST or </a:t>
-                      </a:r>
-                      <a:r>
-                        <a:rPr lang="en-US" sz="2000" dirty="0" err="1" smtClean="0">
-                          <a:effectLst/>
-                        </a:rPr>
-                        <a:t>WebHook</a:t>
-                      </a:r>
-                      <a:r>
-                        <a:rPr lang="en-US" sz="2000" dirty="0">
-                          <a:effectLst/>
-                        </a:rPr>
-                        <a:t>)</a:t>
-                      </a:r>
-                    </a:p>
-                  </a:txBody>
-                  <a:tcPr marL="95250" marR="95250" marT="47625" marB="47625" anchor="ctr"/>
-                </a:tc>
-                <a:tc>
-                  <a:txBody>
-                    <a:bodyPr/>
-                    <a:lstStyle/>
-                    <a:p>
-                      <a:pPr algn="ctr"/>
-                      <a:r>
-                        <a:rPr lang="en-US" sz="2000" dirty="0">
-                          <a:effectLst/>
-                        </a:rPr>
-                        <a:t>✔</a:t>
-                      </a:r>
-                    </a:p>
-                  </a:txBody>
-                  <a:tcPr marL="95250" marR="95250" marT="47625" marB="47625" anchor="ctr"/>
-                </a:tc>
-                <a:tc>
-                  <a:txBody>
-                    <a:bodyPr/>
-                    <a:lstStyle/>
-                    <a:p>
-                      <a:pPr algn="ctr"/>
-                      <a:endParaRPr lang="en-US" sz="2000" dirty="0">
-                        <a:effectLst/>
-                      </a:endParaRPr>
-                    </a:p>
-                  </a:txBody>
-                  <a:tcPr marL="95250" marR="95250" marT="47625" marB="47625" anchor="ctr"/>
-                </a:tc>
-                <a:tc>
-                  <a:txBody>
-                    <a:bodyPr/>
-                    <a:lstStyle/>
-                    <a:p>
-                      <a:pPr algn="ctr"/>
-                      <a:r>
-                        <a:rPr lang="en-US" sz="2000" dirty="0" smtClean="0">
-                          <a:effectLst/>
-                        </a:rPr>
-                        <a:t>✔</a:t>
-                      </a:r>
-                      <a:endParaRPr lang="en-US" sz="2000" dirty="0">
-                        <a:effectLst/>
-                      </a:endParaRPr>
-                    </a:p>
-                  </a:txBody>
-                  <a:tcPr marL="95250" marR="95250" marT="47625" marB="47625" anchor="ctr"/>
-                </a:tc>
-                <a:extLst>
-                  <a:ext uri="{0D108BD9-81ED-4DB2-BD59-A6C34878D82A}">
-                    <a16:rowId xmlns:a16="http://schemas.microsoft.com/office/drawing/2014/main" xmlns="" val="10002"/>
-                  </a:ext>
-                </a:extLst>
-              </a:tr>
-              <a:tr h="408793">
-                <a:tc>
-                  <a:txBody>
-                    <a:bodyPr/>
-                    <a:lstStyle/>
-                    <a:p>
-                      <a:r>
-                        <a:rPr lang="en-US" sz="2000" dirty="0">
-                          <a:effectLst/>
-                        </a:rPr>
-                        <a:t>Blob Storage</a:t>
-                      </a:r>
-                    </a:p>
-                  </a:txBody>
-                  <a:tcPr marL="95250" marR="95250" marT="47625" marB="47625" anchor="ctr"/>
-                </a:tc>
-                <a:tc>
-                  <a:txBody>
-                    <a:bodyPr/>
-                    <a:lstStyle/>
-                    <a:p>
-                      <a:pPr algn="ctr"/>
-                      <a:r>
-                        <a:rPr lang="en-US" sz="2000" dirty="0">
-                          <a:effectLst/>
-                        </a:rPr>
-                        <a:t>✔</a:t>
-                      </a:r>
-                    </a:p>
-                  </a:txBody>
-                  <a:tcPr marL="95250" marR="95250" marT="47625" marB="47625" anchor="ctr"/>
-                </a:tc>
-                <a:tc>
-                  <a:txBody>
-                    <a:bodyPr/>
-                    <a:lstStyle/>
-                    <a:p>
-                      <a:pPr algn="ctr"/>
-                      <a:r>
-                        <a:rPr lang="en-US" sz="2000" dirty="0">
-                          <a:effectLst/>
-                        </a:rPr>
-                        <a:t>✔</a:t>
-                      </a:r>
-                    </a:p>
-                  </a:txBody>
-                  <a:tcPr marL="95250" marR="95250" marT="47625" marB="47625" anchor="ctr"/>
-                </a:tc>
-                <a:tc>
-                  <a:txBody>
-                    <a:bodyPr/>
-                    <a:lstStyle/>
-                    <a:p>
-                      <a:pPr algn="ctr"/>
-                      <a:r>
-                        <a:rPr lang="en-US" sz="2000" dirty="0">
-                          <a:effectLst/>
-                        </a:rPr>
-                        <a:t>✔</a:t>
-                      </a:r>
-                    </a:p>
-                  </a:txBody>
-                  <a:tcPr marL="95250" marR="95250" marT="47625" marB="47625" anchor="ctr"/>
-                </a:tc>
-                <a:extLst>
-                  <a:ext uri="{0D108BD9-81ED-4DB2-BD59-A6C34878D82A}">
-                    <a16:rowId xmlns:a16="http://schemas.microsoft.com/office/drawing/2014/main" xmlns="" val="10003"/>
-                  </a:ext>
-                </a:extLst>
-              </a:tr>
-              <a:tr h="408793">
-                <a:tc>
-                  <a:txBody>
-                    <a:bodyPr/>
-                    <a:lstStyle/>
-                    <a:p>
-                      <a:r>
-                        <a:rPr lang="en-US" sz="2000">
-                          <a:effectLst/>
-                        </a:rPr>
-                        <a:t>Queues</a:t>
-                      </a:r>
-                    </a:p>
-                  </a:txBody>
-                  <a:tcPr marL="95250" marR="95250" marT="47625" marB="47625" anchor="ctr"/>
-                </a:tc>
-                <a:tc>
-                  <a:txBody>
-                    <a:bodyPr/>
-                    <a:lstStyle/>
-                    <a:p>
-                      <a:pPr algn="ctr"/>
-                      <a:r>
-                        <a:rPr lang="en-US" sz="2000">
-                          <a:effectLst/>
-                        </a:rPr>
-                        <a:t>✔</a:t>
-                      </a:r>
-                    </a:p>
-                  </a:txBody>
-                  <a:tcPr marL="95250" marR="95250" marT="47625" marB="47625" anchor="ctr"/>
-                </a:tc>
-                <a:tc>
-                  <a:txBody>
-                    <a:bodyPr/>
-                    <a:lstStyle/>
-                    <a:p>
-                      <a:pPr algn="ctr"/>
-                      <a:endParaRPr lang="en-US" sz="2000" dirty="0">
-                        <a:effectLst/>
-                      </a:endParaRPr>
-                    </a:p>
-                  </a:txBody>
-                  <a:tcPr marL="95250" marR="95250" marT="47625" marB="47625" anchor="ctr"/>
-                </a:tc>
-                <a:tc>
-                  <a:txBody>
-                    <a:bodyPr/>
-                    <a:lstStyle/>
-                    <a:p>
-                      <a:pPr algn="ctr"/>
-                      <a:r>
-                        <a:rPr lang="en-US" sz="2000">
-                          <a:effectLst/>
-                        </a:rPr>
-                        <a:t>✔</a:t>
-                      </a:r>
-                    </a:p>
-                  </a:txBody>
-                  <a:tcPr marL="95250" marR="95250" marT="47625" marB="47625" anchor="ctr"/>
-                </a:tc>
-                <a:extLst>
-                  <a:ext uri="{0D108BD9-81ED-4DB2-BD59-A6C34878D82A}">
-                    <a16:rowId xmlns:a16="http://schemas.microsoft.com/office/drawing/2014/main" xmlns="" val="10004"/>
-                  </a:ext>
-                </a:extLst>
-              </a:tr>
-              <a:tr h="408793">
-                <a:tc>
-                  <a:txBody>
-                    <a:bodyPr/>
-                    <a:lstStyle/>
-                    <a:p>
-                      <a:pPr marL="0" marR="0" lvl="0" indent="0" algn="l" defTabSz="914400" rtl="0" eaLnBrk="1" fontAlgn="auto" latinLnBrk="0" hangingPunct="1">
-                        <a:lnSpc>
-                          <a:spcPct val="100000"/>
-                        </a:lnSpc>
-                        <a:spcBef>
-                          <a:spcPts val="0"/>
-                        </a:spcBef>
-                        <a:spcAft>
-                          <a:spcPts val="0"/>
-                        </a:spcAft>
-                        <a:buClrTx/>
-                        <a:buSzTx/>
-                        <a:buFontTx/>
-                        <a:buNone/>
-                        <a:tabLst/>
-                        <a:defRPr/>
-                      </a:pPr>
-                      <a:r>
-                        <a:rPr lang="en-US" sz="2000" dirty="0" smtClean="0">
-                          <a:effectLst/>
-                        </a:rPr>
-                        <a:t>Azure Storage</a:t>
-                      </a:r>
-                      <a:r>
-                        <a:rPr lang="en-US" sz="2000" baseline="0" dirty="0" smtClean="0">
-                          <a:effectLst/>
-                        </a:rPr>
-                        <a:t> </a:t>
-                      </a:r>
-                      <a:r>
-                        <a:rPr lang="en-US" sz="2000" dirty="0" smtClean="0">
-                          <a:effectLst/>
-                        </a:rPr>
-                        <a:t>Table</a:t>
-                      </a:r>
-                      <a:endParaRPr lang="en-US" sz="2000" dirty="0">
-                        <a:effectLst/>
-                      </a:endParaRPr>
-                    </a:p>
-                  </a:txBody>
-                  <a:tcPr marL="95250" marR="95250" marT="47625" marB="47625" anchor="ctr"/>
-                </a:tc>
-                <a:tc>
-                  <a:txBody>
-                    <a:bodyPr/>
-                    <a:lstStyle/>
-                    <a:p>
-                      <a:pPr algn="ctr"/>
-                      <a:endParaRPr lang="en-US" sz="2000">
-                        <a:effectLst/>
-                      </a:endParaRPr>
-                    </a:p>
-                  </a:txBody>
-                  <a:tcPr marL="95250" marR="95250" marT="47625" marB="47625" anchor="ctr"/>
-                </a:tc>
-                <a:tc>
-                  <a:txBody>
-                    <a:bodyPr/>
-                    <a:lstStyle/>
-                    <a:p>
-                      <a:pPr algn="ctr"/>
-                      <a:r>
-                        <a:rPr lang="en-US" sz="2000" dirty="0">
-                          <a:effectLst/>
-                        </a:rPr>
-                        <a:t>✔</a:t>
-                      </a:r>
-                    </a:p>
-                  </a:txBody>
-                  <a:tcPr marL="95250" marR="95250" marT="47625" marB="47625" anchor="ctr"/>
-                </a:tc>
-                <a:tc>
-                  <a:txBody>
-                    <a:bodyPr/>
-                    <a:lstStyle/>
-                    <a:p>
-                      <a:pPr algn="ctr"/>
-                      <a:r>
-                        <a:rPr lang="en-US" sz="2000">
-                          <a:effectLst/>
-                        </a:rPr>
-                        <a:t>✔</a:t>
-                      </a:r>
-                    </a:p>
-                  </a:txBody>
-                  <a:tcPr marL="95250" marR="95250" marT="47625" marB="47625" anchor="ctr"/>
-                </a:tc>
-                <a:extLst>
-                  <a:ext uri="{0D108BD9-81ED-4DB2-BD59-A6C34878D82A}">
-                    <a16:rowId xmlns:a16="http://schemas.microsoft.com/office/drawing/2014/main" xmlns="" val="10005"/>
-                  </a:ext>
-                </a:extLst>
-              </a:tr>
-              <a:tr h="408793">
-                <a:tc>
-                  <a:txBody>
-                    <a:bodyPr/>
-                    <a:lstStyle/>
-                    <a:p>
-                      <a:pPr marL="0" marR="0" lvl="0" indent="0" algn="l" defTabSz="914400" rtl="0" eaLnBrk="1" fontAlgn="auto" latinLnBrk="0" hangingPunct="1">
-                        <a:lnSpc>
-                          <a:spcPct val="100000"/>
-                        </a:lnSpc>
-                        <a:spcBef>
-                          <a:spcPts val="0"/>
-                        </a:spcBef>
-                        <a:spcAft>
-                          <a:spcPts val="0"/>
-                        </a:spcAft>
-                        <a:buClrTx/>
-                        <a:buSzTx/>
-                        <a:buFontTx/>
-                        <a:buNone/>
-                        <a:tabLst/>
-                        <a:defRPr/>
-                      </a:pPr>
-                      <a:r>
-                        <a:rPr lang="fr-FR" sz="2000" dirty="0" smtClean="0">
-                          <a:effectLst/>
-                        </a:rPr>
-                        <a:t>Azure Mobile Apps Table</a:t>
-                      </a:r>
-                    </a:p>
-                  </a:txBody>
-                  <a:tcPr marL="95250" marR="95250" marT="47625" marB="47625" anchor="ctr"/>
-                </a:tc>
-                <a:tc>
-                  <a:txBody>
-                    <a:bodyPr/>
-                    <a:lstStyle/>
-                    <a:p>
-                      <a:pPr algn="ctr"/>
-                      <a:endParaRPr lang="en-US" sz="2000">
-                        <a:effectLst/>
-                      </a:endParaRPr>
-                    </a:p>
-                  </a:txBody>
-                  <a:tcPr marL="95250" marR="95250" marT="47625" marB="47625" anchor="ctr"/>
-                </a:tc>
-                <a:tc>
-                  <a:txBody>
-                    <a:bodyPr/>
-                    <a:lstStyle/>
-                    <a:p>
-                      <a:pPr algn="ctr"/>
-                      <a:r>
-                        <a:rPr lang="en-US" sz="2000" dirty="0">
-                          <a:effectLst/>
-                        </a:rPr>
-                        <a:t>✔</a:t>
-                      </a:r>
-                    </a:p>
-                  </a:txBody>
-                  <a:tcPr marL="95250" marR="95250" marT="47625" marB="47625" anchor="ctr"/>
-                </a:tc>
-                <a:tc>
-                  <a:txBody>
-                    <a:bodyPr/>
-                    <a:lstStyle/>
-                    <a:p>
-                      <a:pPr algn="ctr"/>
-                      <a:r>
-                        <a:rPr lang="en-US" sz="2000" dirty="0">
-                          <a:effectLst/>
-                        </a:rPr>
-                        <a:t>✔</a:t>
-                      </a:r>
-                    </a:p>
-                  </a:txBody>
-                  <a:tcPr marL="95250" marR="95250" marT="47625" marB="47625" anchor="ctr"/>
-                </a:tc>
-                <a:extLst>
-                  <a:ext uri="{0D108BD9-81ED-4DB2-BD59-A6C34878D82A}">
-                    <a16:rowId xmlns:a16="http://schemas.microsoft.com/office/drawing/2014/main" xmlns="" val="10006"/>
-                  </a:ext>
-                </a:extLst>
-              </a:tr>
-              <a:tr h="408793">
-                <a:tc>
-                  <a:txBody>
-                    <a:bodyPr/>
-                    <a:lstStyle/>
-                    <a:p>
-                      <a:r>
-                        <a:rPr lang="en-US" sz="2000">
-                          <a:effectLst/>
-                        </a:rPr>
-                        <a:t>No-SQL DB</a:t>
-                      </a:r>
-                    </a:p>
-                  </a:txBody>
-                  <a:tcPr marL="95250" marR="95250" marT="47625" marB="47625" anchor="ctr"/>
-                </a:tc>
-                <a:tc>
-                  <a:txBody>
-                    <a:bodyPr/>
-                    <a:lstStyle/>
-                    <a:p>
-                      <a:pPr algn="ctr"/>
-                      <a:endParaRPr lang="en-US" sz="2000">
-                        <a:effectLst/>
-                      </a:endParaRPr>
-                    </a:p>
-                  </a:txBody>
-                  <a:tcPr marL="95250" marR="95250" marT="47625" marB="47625" anchor="ctr"/>
-                </a:tc>
-                <a:tc>
-                  <a:txBody>
-                    <a:bodyPr/>
-                    <a:lstStyle/>
-                    <a:p>
-                      <a:pPr algn="ctr"/>
-                      <a:r>
-                        <a:rPr lang="en-US" sz="2000" dirty="0">
-                          <a:effectLst/>
-                        </a:rPr>
-                        <a:t>✔</a:t>
-                      </a:r>
-                    </a:p>
-                  </a:txBody>
-                  <a:tcPr marL="95250" marR="95250" marT="47625" marB="47625" anchor="ctr"/>
-                </a:tc>
-                <a:tc>
-                  <a:txBody>
-                    <a:bodyPr/>
-                    <a:lstStyle/>
-                    <a:p>
-                      <a:pPr algn="ctr"/>
-                      <a:r>
-                        <a:rPr lang="en-US" sz="2000" dirty="0">
-                          <a:effectLst/>
-                        </a:rPr>
-                        <a:t>✔</a:t>
-                      </a:r>
-                    </a:p>
-                  </a:txBody>
-                  <a:tcPr marL="95250" marR="95250" marT="47625" marB="47625" anchor="ctr"/>
-                </a:tc>
-                <a:extLst>
-                  <a:ext uri="{0D108BD9-81ED-4DB2-BD59-A6C34878D82A}">
-                    <a16:rowId xmlns:a16="http://schemas.microsoft.com/office/drawing/2014/main" xmlns="" val="10007"/>
-                  </a:ext>
-                </a:extLst>
-              </a:tr>
-              <a:tr h="408793">
-                <a:tc>
-                  <a:txBody>
-                    <a:bodyPr/>
-                    <a:lstStyle/>
-                    <a:p>
-                      <a:r>
-                        <a:rPr lang="en-US" sz="2000">
-                          <a:effectLst/>
-                        </a:rPr>
-                        <a:t>Streams</a:t>
-                      </a:r>
-                    </a:p>
-                  </a:txBody>
-                  <a:tcPr marL="95250" marR="95250" marT="47625" marB="47625" anchor="ctr"/>
-                </a:tc>
-                <a:tc>
-                  <a:txBody>
-                    <a:bodyPr/>
-                    <a:lstStyle/>
-                    <a:p>
-                      <a:pPr algn="ctr"/>
-                      <a:r>
-                        <a:rPr lang="en-US" sz="2000" dirty="0">
-                          <a:effectLst/>
-                        </a:rPr>
-                        <a:t>✔</a:t>
-                      </a:r>
-                    </a:p>
-                  </a:txBody>
-                  <a:tcPr marL="95250" marR="95250" marT="47625" marB="47625" anchor="ctr"/>
-                </a:tc>
-                <a:tc>
-                  <a:txBody>
-                    <a:bodyPr/>
-                    <a:lstStyle/>
-                    <a:p>
-                      <a:pPr algn="ctr"/>
-                      <a:endParaRPr lang="en-US" sz="2000">
-                        <a:effectLst/>
-                      </a:endParaRPr>
-                    </a:p>
-                  </a:txBody>
-                  <a:tcPr marL="95250" marR="95250" marT="47625" marB="47625" anchor="ctr"/>
-                </a:tc>
-                <a:tc>
-                  <a:txBody>
-                    <a:bodyPr/>
-                    <a:lstStyle/>
-                    <a:p>
-                      <a:pPr algn="ctr"/>
-                      <a:r>
-                        <a:rPr lang="en-US" sz="2000" dirty="0">
-                          <a:effectLst/>
-                        </a:rPr>
-                        <a:t>✔</a:t>
-                      </a:r>
-                    </a:p>
-                  </a:txBody>
-                  <a:tcPr marL="95250" marR="95250" marT="47625" marB="47625" anchor="ctr"/>
-                </a:tc>
-                <a:extLst>
-                  <a:ext uri="{0D108BD9-81ED-4DB2-BD59-A6C34878D82A}">
-                    <a16:rowId xmlns:a16="http://schemas.microsoft.com/office/drawing/2014/main" xmlns="" val="10008"/>
-                  </a:ext>
-                </a:extLst>
-              </a:tr>
-              <a:tr h="408793">
-                <a:tc>
-                  <a:txBody>
-                    <a:bodyPr/>
-                    <a:lstStyle/>
-                    <a:p>
-                      <a:r>
-                        <a:rPr lang="en-US" sz="2000" dirty="0">
-                          <a:effectLst/>
-                        </a:rPr>
-                        <a:t>Push Notifications</a:t>
-                      </a:r>
-                    </a:p>
-                  </a:txBody>
-                  <a:tcPr marL="95250" marR="95250" marT="47625" marB="47625" anchor="ctr"/>
-                </a:tc>
-                <a:tc>
-                  <a:txBody>
-                    <a:bodyPr/>
-                    <a:lstStyle/>
-                    <a:p>
-                      <a:pPr algn="ctr"/>
-                      <a:endParaRPr lang="en-US" sz="2000" dirty="0">
-                        <a:effectLst/>
-                      </a:endParaRPr>
-                    </a:p>
-                  </a:txBody>
-                  <a:tcPr marL="95250" marR="95250" marT="47625" marB="47625" anchor="ctr"/>
-                </a:tc>
-                <a:tc>
-                  <a:txBody>
-                    <a:bodyPr/>
-                    <a:lstStyle/>
-                    <a:p>
-                      <a:pPr algn="ctr"/>
-                      <a:endParaRPr lang="en-US" sz="2000" dirty="0">
-                        <a:effectLst/>
-                      </a:endParaRPr>
-                    </a:p>
-                  </a:txBody>
-                  <a:tcPr marL="95250" marR="95250" marT="47625" marB="47625" anchor="ctr"/>
-                </a:tc>
-                <a:tc>
-                  <a:txBody>
-                    <a:bodyPr/>
-                    <a:lstStyle/>
-                    <a:p>
-                      <a:pPr algn="ctr"/>
-                      <a:r>
-                        <a:rPr lang="en-US" sz="2000" dirty="0" smtClean="0">
-                          <a:effectLst/>
-                        </a:rPr>
-                        <a:t>✔</a:t>
-                      </a:r>
-                    </a:p>
-                  </a:txBody>
-                  <a:tcPr marL="95250" marR="95250" marT="47625" marB="47625" anchor="ctr"/>
-                </a:tc>
-                <a:extLst>
-                  <a:ext uri="{0D108BD9-81ED-4DB2-BD59-A6C34878D82A}">
-                    <a16:rowId xmlns:a16="http://schemas.microsoft.com/office/drawing/2014/main" xmlns="" val="10010"/>
-                  </a:ext>
-                </a:extLst>
-              </a:tr>
-              <a:tr h="408793">
-                <a:tc>
-                  <a:txBody>
-                    <a:bodyPr/>
-                    <a:lstStyle/>
-                    <a:p>
-                      <a:r>
-                        <a:rPr lang="en-US" sz="2000" dirty="0" smtClean="0">
-                          <a:effectLst/>
-                        </a:rPr>
-                        <a:t>Send Email </a:t>
-                      </a:r>
-                      <a:endParaRPr lang="en-US" sz="2000" dirty="0">
-                        <a:effectLst/>
-                      </a:endParaRPr>
-                    </a:p>
-                  </a:txBody>
-                  <a:tcPr marL="95250" marR="95250" marT="47625" marB="47625" anchor="ctr"/>
-                </a:tc>
-                <a:tc>
-                  <a:txBody>
-                    <a:bodyPr/>
-                    <a:lstStyle/>
-                    <a:p>
-                      <a:pPr algn="ctr"/>
-                      <a:endParaRPr lang="en-US" sz="2000" dirty="0">
-                        <a:effectLst/>
-                      </a:endParaRPr>
-                    </a:p>
-                  </a:txBody>
-                  <a:tcPr marL="95250" marR="95250" marT="47625" marB="47625" anchor="ctr"/>
-                </a:tc>
-                <a:tc>
-                  <a:txBody>
-                    <a:bodyPr/>
-                    <a:lstStyle/>
-                    <a:p>
-                      <a:pPr algn="ctr"/>
-                      <a:endParaRPr lang="en-US" sz="2000" dirty="0">
-                        <a:effectLst/>
-                      </a:endParaRPr>
-                    </a:p>
-                  </a:txBody>
-                  <a:tcPr marL="95250" marR="95250" marT="47625" marB="47625" anchor="ctr"/>
-                </a:tc>
-                <a:tc>
-                  <a:txBody>
-                    <a:bodyPr/>
-                    <a:lstStyle/>
-                    <a:p>
-                      <a:pPr marL="0" marR="0" lvl="0" indent="0" algn="ctr" defTabSz="914400" rtl="0" eaLnBrk="1" fontAlgn="auto" latinLnBrk="0" hangingPunct="1">
-                        <a:lnSpc>
-                          <a:spcPct val="100000"/>
-                        </a:lnSpc>
-                        <a:spcBef>
-                          <a:spcPts val="0"/>
-                        </a:spcBef>
-                        <a:spcAft>
-                          <a:spcPts val="0"/>
-                        </a:spcAft>
-                        <a:buClrTx/>
-                        <a:buSzTx/>
-                        <a:buFontTx/>
-                        <a:buNone/>
-                        <a:tabLst/>
-                        <a:defRPr/>
-                      </a:pPr>
-                      <a:r>
-                        <a:rPr lang="en-US" sz="2000" dirty="0" smtClean="0">
-                          <a:effectLst/>
-                        </a:rPr>
-                        <a:t>✔</a:t>
-                      </a:r>
-                    </a:p>
-                  </a:txBody>
-                  <a:tcPr marL="95250" marR="95250" marT="47625" marB="47625" anchor="ctr"/>
-                </a:tc>
-              </a:tr>
-            </a:tbl>
-          </a:graphicData>
-        </a:graphic>
-      </p:graphicFrame>
-    </p:spTree>
-    <p:extLst>
-      <p:ext uri="{BB962C8B-B14F-4D97-AF65-F5344CB8AC3E}">
-        <p14:creationId xmlns:p14="http://schemas.microsoft.com/office/powerpoint/2010/main" val="4078664456"/>
-      </p:ext>
-    </p:extLst>
-  </p:cSld>
-  <p:clrMapOvr>
-    <a:masterClrMapping/>
-  </p:clrMapOvr>
-  <mc:AlternateContent xmlns:mc="http://schemas.openxmlformats.org/markup-compatibility/2006" xmlns:p14="http://schemas.microsoft.com/office/powerpoint/2010/main">
-    <mc:Choice Requires="p14">
-      <p:transition spd="slow" p14:dur="2000"/>
-    </mc:Choice>
-    <mc:Fallback xmlns="">
-      <p:transition spd="slow"/>
-    </mc:Fallback>
-  </mc:AlternateContent>
-  <p:timing>
-    <p:tnLst>
-      <p:par>
-        <p:cTn id="1" dur="indefinite" restart="never" nodeType="tmRoot"/>
       </p:par>
     </p:tnLst>
   </p:timing>
@@ -31395,7 +30626,7 @@
       </p:grpSpPr>
       <p:sp>
         <p:nvSpPr>
-          <p:cNvPr id="2" name="Title 1"/>
+          <p:cNvPr id="3" name="Title 2"/>
           <p:cNvSpPr>
             <a:spLocks noGrp="1"/>
           </p:cNvSpPr>
@@ -31403,37 +30634,914 @@
             <p:ph type="title"/>
           </p:nvPr>
         </p:nvSpPr>
-        <p:spPr>
-          <a:xfrm>
-            <a:off x="269239" y="2084172"/>
-            <a:ext cx="11653523" cy="2139688"/>
-          </a:xfrm>
-        </p:spPr>
+        <p:spPr/>
         <p:txBody>
           <a:bodyPr/>
           <a:lstStyle/>
           <a:p>
             <a:r>
               <a:rPr lang="en-US" dirty="0" smtClean="0"/>
-              <a:t>Advanced Programming Techniques</a:t>
+              <a:t>bindings matrix</a:t>
             </a:r>
             <a:endParaRPr lang="en-US" dirty="0"/>
           </a:p>
         </p:txBody>
       </p:sp>
+      <p:graphicFrame>
+        <p:nvGraphicFramePr>
+          <p:cNvPr id="4" name="Table 3"/>
+          <p:cNvGraphicFramePr>
+            <a:graphicFrameLocks noGrp="1"/>
+          </p:cNvGraphicFramePr>
+          <p:nvPr>
+            <p:extLst>
+              <p:ext uri="{D42A27DB-BD31-4B8C-83A1-F6EECF244321}">
+                <p14:modId xmlns:p14="http://schemas.microsoft.com/office/powerpoint/2010/main" val="3194108226"/>
+              </p:ext>
+            </p:extLst>
+          </p:nvPr>
+        </p:nvGraphicFramePr>
+        <p:xfrm>
+          <a:off x="838200" y="1606753"/>
+          <a:ext cx="9238592" cy="4496723"/>
+        </p:xfrm>
+        <a:graphic>
+          <a:graphicData uri="http://schemas.openxmlformats.org/drawingml/2006/table">
+            <a:tbl>
+              <a:tblPr firstRow="1" bandRow="1">
+                <a:tableStyleId>{5C22544A-7EE6-4342-B048-85BDC9FD1C3A}</a:tableStyleId>
+              </a:tblPr>
+              <a:tblGrid>
+                <a:gridCol w="4551579">
+                  <a:extLst>
+                    <a:ext uri="{9D8B030D-6E8A-4147-A177-3AD203B41FA5}">
+                      <a16:colId xmlns="" xmlns:a16="http://schemas.microsoft.com/office/drawing/2014/main" val="20000"/>
+                    </a:ext>
+                  </a:extLst>
+                </a:gridCol>
+                <a:gridCol w="1745439">
+                  <a:extLst>
+                    <a:ext uri="{9D8B030D-6E8A-4147-A177-3AD203B41FA5}">
+                      <a16:colId xmlns="" xmlns:a16="http://schemas.microsoft.com/office/drawing/2014/main" val="20002"/>
+                    </a:ext>
+                  </a:extLst>
+                </a:gridCol>
+                <a:gridCol w="1318158">
+                  <a:extLst>
+                    <a:ext uri="{9D8B030D-6E8A-4147-A177-3AD203B41FA5}">
+                      <a16:colId xmlns="" xmlns:a16="http://schemas.microsoft.com/office/drawing/2014/main" val="20003"/>
+                    </a:ext>
+                  </a:extLst>
+                </a:gridCol>
+                <a:gridCol w="1623416">
+                  <a:extLst>
+                    <a:ext uri="{9D8B030D-6E8A-4147-A177-3AD203B41FA5}">
+                      <a16:colId xmlns="" xmlns:a16="http://schemas.microsoft.com/office/drawing/2014/main" val="20004"/>
+                    </a:ext>
+                  </a:extLst>
+                </a:gridCol>
+              </a:tblGrid>
+              <a:tr h="408793">
+                <a:tc>
+                  <a:txBody>
+                    <a:bodyPr/>
+                    <a:lstStyle/>
+                    <a:p>
+                      <a:pPr algn="l"/>
+                      <a:r>
+                        <a:rPr lang="en-US" sz="2000" dirty="0" smtClean="0">
+                          <a:effectLst/>
+                        </a:rPr>
+                        <a:t>Type</a:t>
+                      </a:r>
+                      <a:endParaRPr lang="en-US" sz="2000" dirty="0">
+                        <a:effectLst/>
+                      </a:endParaRPr>
+                    </a:p>
+                  </a:txBody>
+                  <a:tcPr marL="95250" marR="95250" marT="47625" marB="47625" anchor="ctr"/>
+                </a:tc>
+                <a:tc>
+                  <a:txBody>
+                    <a:bodyPr/>
+                    <a:lstStyle/>
+                    <a:p>
+                      <a:pPr algn="l"/>
+                      <a:r>
+                        <a:rPr lang="en-US" sz="2000" dirty="0">
+                          <a:effectLst/>
+                        </a:rPr>
+                        <a:t>Trigger</a:t>
+                      </a:r>
+                    </a:p>
+                  </a:txBody>
+                  <a:tcPr marL="95250" marR="95250" marT="47625" marB="47625" anchor="ctr"/>
+                </a:tc>
+                <a:tc>
+                  <a:txBody>
+                    <a:bodyPr/>
+                    <a:lstStyle/>
+                    <a:p>
+                      <a:pPr algn="l"/>
+                      <a:r>
+                        <a:rPr lang="en-US" sz="2000">
+                          <a:effectLst/>
+                        </a:rPr>
+                        <a:t>Input</a:t>
+                      </a:r>
+                    </a:p>
+                  </a:txBody>
+                  <a:tcPr marL="95250" marR="95250" marT="47625" marB="47625" anchor="ctr"/>
+                </a:tc>
+                <a:tc>
+                  <a:txBody>
+                    <a:bodyPr/>
+                    <a:lstStyle/>
+                    <a:p>
+                      <a:pPr algn="l"/>
+                      <a:r>
+                        <a:rPr lang="en-US" sz="2000">
+                          <a:effectLst/>
+                        </a:rPr>
+                        <a:t>Output</a:t>
+                      </a:r>
+                    </a:p>
+                  </a:txBody>
+                  <a:tcPr marL="95250" marR="95250" marT="47625" marB="47625" anchor="ctr"/>
+                </a:tc>
+                <a:extLst>
+                  <a:ext uri="{0D108BD9-81ED-4DB2-BD59-A6C34878D82A}">
+                    <a16:rowId xmlns="" xmlns:a16="http://schemas.microsoft.com/office/drawing/2014/main" val="10000"/>
+                  </a:ext>
+                </a:extLst>
+              </a:tr>
+              <a:tr h="408793">
+                <a:tc>
+                  <a:txBody>
+                    <a:bodyPr/>
+                    <a:lstStyle/>
+                    <a:p>
+                      <a:r>
+                        <a:rPr lang="en-US" sz="2000" dirty="0" smtClean="0">
+                          <a:effectLst/>
+                        </a:rPr>
+                        <a:t>Timer</a:t>
+                      </a:r>
+                      <a:endParaRPr lang="en-US" sz="2000" dirty="0">
+                        <a:effectLst/>
+                      </a:endParaRPr>
+                    </a:p>
+                  </a:txBody>
+                  <a:tcPr marL="95250" marR="95250" marT="47625" marB="47625" anchor="ctr"/>
+                </a:tc>
+                <a:tc>
+                  <a:txBody>
+                    <a:bodyPr/>
+                    <a:lstStyle/>
+                    <a:p>
+                      <a:pPr algn="ctr"/>
+                      <a:r>
+                        <a:rPr lang="en-US" sz="2000" dirty="0">
+                          <a:effectLst/>
+                        </a:rPr>
+                        <a:t>✔</a:t>
+                      </a:r>
+                    </a:p>
+                  </a:txBody>
+                  <a:tcPr marL="95250" marR="95250" marT="47625" marB="47625" anchor="ctr"/>
+                </a:tc>
+                <a:tc>
+                  <a:txBody>
+                    <a:bodyPr/>
+                    <a:lstStyle/>
+                    <a:p>
+                      <a:pPr algn="ctr"/>
+                      <a:endParaRPr lang="en-US" sz="2000">
+                        <a:effectLst/>
+                      </a:endParaRPr>
+                    </a:p>
+                  </a:txBody>
+                  <a:tcPr marL="95250" marR="95250" marT="47625" marB="47625" anchor="ctr"/>
+                </a:tc>
+                <a:tc>
+                  <a:txBody>
+                    <a:bodyPr/>
+                    <a:lstStyle/>
+                    <a:p>
+                      <a:pPr algn="ctr"/>
+                      <a:endParaRPr lang="en-US" sz="2000">
+                        <a:effectLst/>
+                      </a:endParaRPr>
+                    </a:p>
+                  </a:txBody>
+                  <a:tcPr marL="95250" marR="95250" marT="47625" marB="47625" anchor="ctr"/>
+                </a:tc>
+                <a:extLst>
+                  <a:ext uri="{0D108BD9-81ED-4DB2-BD59-A6C34878D82A}">
+                    <a16:rowId xmlns="" xmlns:a16="http://schemas.microsoft.com/office/drawing/2014/main" val="10001"/>
+                  </a:ext>
+                </a:extLst>
+              </a:tr>
+              <a:tr h="408793">
+                <a:tc>
+                  <a:txBody>
+                    <a:bodyPr/>
+                    <a:lstStyle/>
+                    <a:p>
+                      <a:r>
+                        <a:rPr lang="en-US" sz="2000" dirty="0">
+                          <a:effectLst/>
+                        </a:rPr>
+                        <a:t>HTTP (REST or </a:t>
+                      </a:r>
+                      <a:r>
+                        <a:rPr lang="en-US" sz="2000" dirty="0" err="1" smtClean="0">
+                          <a:effectLst/>
+                        </a:rPr>
+                        <a:t>WebHook</a:t>
+                      </a:r>
+                      <a:r>
+                        <a:rPr lang="en-US" sz="2000" dirty="0">
+                          <a:effectLst/>
+                        </a:rPr>
+                        <a:t>)</a:t>
+                      </a:r>
+                    </a:p>
+                  </a:txBody>
+                  <a:tcPr marL="95250" marR="95250" marT="47625" marB="47625" anchor="ctr"/>
+                </a:tc>
+                <a:tc>
+                  <a:txBody>
+                    <a:bodyPr/>
+                    <a:lstStyle/>
+                    <a:p>
+                      <a:pPr algn="ctr"/>
+                      <a:r>
+                        <a:rPr lang="en-US" sz="2000" dirty="0">
+                          <a:effectLst/>
+                        </a:rPr>
+                        <a:t>✔</a:t>
+                      </a:r>
+                    </a:p>
+                  </a:txBody>
+                  <a:tcPr marL="95250" marR="95250" marT="47625" marB="47625" anchor="ctr"/>
+                </a:tc>
+                <a:tc>
+                  <a:txBody>
+                    <a:bodyPr/>
+                    <a:lstStyle/>
+                    <a:p>
+                      <a:pPr algn="ctr"/>
+                      <a:endParaRPr lang="en-US" sz="2000" dirty="0">
+                        <a:effectLst/>
+                      </a:endParaRPr>
+                    </a:p>
+                  </a:txBody>
+                  <a:tcPr marL="95250" marR="95250" marT="47625" marB="47625" anchor="ctr"/>
+                </a:tc>
+                <a:tc>
+                  <a:txBody>
+                    <a:bodyPr/>
+                    <a:lstStyle/>
+                    <a:p>
+                      <a:pPr algn="ctr"/>
+                      <a:r>
+                        <a:rPr lang="en-US" sz="2000" dirty="0" smtClean="0">
+                          <a:effectLst/>
+                        </a:rPr>
+                        <a:t>✔</a:t>
+                      </a:r>
+                      <a:endParaRPr lang="en-US" sz="2000" dirty="0">
+                        <a:effectLst/>
+                      </a:endParaRPr>
+                    </a:p>
+                  </a:txBody>
+                  <a:tcPr marL="95250" marR="95250" marT="47625" marB="47625" anchor="ctr"/>
+                </a:tc>
+                <a:extLst>
+                  <a:ext uri="{0D108BD9-81ED-4DB2-BD59-A6C34878D82A}">
+                    <a16:rowId xmlns="" xmlns:a16="http://schemas.microsoft.com/office/drawing/2014/main" val="10002"/>
+                  </a:ext>
+                </a:extLst>
+              </a:tr>
+              <a:tr h="408793">
+                <a:tc>
+                  <a:txBody>
+                    <a:bodyPr/>
+                    <a:lstStyle/>
+                    <a:p>
+                      <a:r>
+                        <a:rPr lang="en-US" sz="2000" dirty="0">
+                          <a:effectLst/>
+                        </a:rPr>
+                        <a:t>Blob Storage</a:t>
+                      </a:r>
+                    </a:p>
+                  </a:txBody>
+                  <a:tcPr marL="95250" marR="95250" marT="47625" marB="47625" anchor="ctr"/>
+                </a:tc>
+                <a:tc>
+                  <a:txBody>
+                    <a:bodyPr/>
+                    <a:lstStyle/>
+                    <a:p>
+                      <a:pPr algn="ctr"/>
+                      <a:r>
+                        <a:rPr lang="en-US" sz="2000" dirty="0">
+                          <a:effectLst/>
+                        </a:rPr>
+                        <a:t>✔</a:t>
+                      </a:r>
+                    </a:p>
+                  </a:txBody>
+                  <a:tcPr marL="95250" marR="95250" marT="47625" marB="47625" anchor="ctr"/>
+                </a:tc>
+                <a:tc>
+                  <a:txBody>
+                    <a:bodyPr/>
+                    <a:lstStyle/>
+                    <a:p>
+                      <a:pPr algn="ctr"/>
+                      <a:r>
+                        <a:rPr lang="en-US" sz="2000" dirty="0">
+                          <a:effectLst/>
+                        </a:rPr>
+                        <a:t>✔</a:t>
+                      </a:r>
+                    </a:p>
+                  </a:txBody>
+                  <a:tcPr marL="95250" marR="95250" marT="47625" marB="47625" anchor="ctr"/>
+                </a:tc>
+                <a:tc>
+                  <a:txBody>
+                    <a:bodyPr/>
+                    <a:lstStyle/>
+                    <a:p>
+                      <a:pPr algn="ctr"/>
+                      <a:r>
+                        <a:rPr lang="en-US" sz="2000" dirty="0">
+                          <a:effectLst/>
+                        </a:rPr>
+                        <a:t>✔</a:t>
+                      </a:r>
+                    </a:p>
+                  </a:txBody>
+                  <a:tcPr marL="95250" marR="95250" marT="47625" marB="47625" anchor="ctr"/>
+                </a:tc>
+                <a:extLst>
+                  <a:ext uri="{0D108BD9-81ED-4DB2-BD59-A6C34878D82A}">
+                    <a16:rowId xmlns="" xmlns:a16="http://schemas.microsoft.com/office/drawing/2014/main" val="10003"/>
+                  </a:ext>
+                </a:extLst>
+              </a:tr>
+              <a:tr h="408793">
+                <a:tc>
+                  <a:txBody>
+                    <a:bodyPr/>
+                    <a:lstStyle/>
+                    <a:p>
+                      <a:r>
+                        <a:rPr lang="en-US" sz="2000">
+                          <a:effectLst/>
+                        </a:rPr>
+                        <a:t>Queues</a:t>
+                      </a:r>
+                    </a:p>
+                  </a:txBody>
+                  <a:tcPr marL="95250" marR="95250" marT="47625" marB="47625" anchor="ctr"/>
+                </a:tc>
+                <a:tc>
+                  <a:txBody>
+                    <a:bodyPr/>
+                    <a:lstStyle/>
+                    <a:p>
+                      <a:pPr algn="ctr"/>
+                      <a:r>
+                        <a:rPr lang="en-US" sz="2000">
+                          <a:effectLst/>
+                        </a:rPr>
+                        <a:t>✔</a:t>
+                      </a:r>
+                    </a:p>
+                  </a:txBody>
+                  <a:tcPr marL="95250" marR="95250" marT="47625" marB="47625" anchor="ctr"/>
+                </a:tc>
+                <a:tc>
+                  <a:txBody>
+                    <a:bodyPr/>
+                    <a:lstStyle/>
+                    <a:p>
+                      <a:pPr algn="ctr"/>
+                      <a:endParaRPr lang="en-US" sz="2000" dirty="0">
+                        <a:effectLst/>
+                      </a:endParaRPr>
+                    </a:p>
+                  </a:txBody>
+                  <a:tcPr marL="95250" marR="95250" marT="47625" marB="47625" anchor="ctr"/>
+                </a:tc>
+                <a:tc>
+                  <a:txBody>
+                    <a:bodyPr/>
+                    <a:lstStyle/>
+                    <a:p>
+                      <a:pPr algn="ctr"/>
+                      <a:r>
+                        <a:rPr lang="en-US" sz="2000">
+                          <a:effectLst/>
+                        </a:rPr>
+                        <a:t>✔</a:t>
+                      </a:r>
+                    </a:p>
+                  </a:txBody>
+                  <a:tcPr marL="95250" marR="95250" marT="47625" marB="47625" anchor="ctr"/>
+                </a:tc>
+                <a:extLst>
+                  <a:ext uri="{0D108BD9-81ED-4DB2-BD59-A6C34878D82A}">
+                    <a16:rowId xmlns="" xmlns:a16="http://schemas.microsoft.com/office/drawing/2014/main" val="10004"/>
+                  </a:ext>
+                </a:extLst>
+              </a:tr>
+              <a:tr h="408793">
+                <a:tc>
+                  <a:txBody>
+                    <a:bodyPr/>
+                    <a:lstStyle/>
+                    <a:p>
+                      <a:pPr marL="0" marR="0" lvl="0" indent="0" algn="l" defTabSz="914400" rtl="0" eaLnBrk="1" fontAlgn="auto" latinLnBrk="0" hangingPunct="1">
+                        <a:lnSpc>
+                          <a:spcPct val="100000"/>
+                        </a:lnSpc>
+                        <a:spcBef>
+                          <a:spcPts val="0"/>
+                        </a:spcBef>
+                        <a:spcAft>
+                          <a:spcPts val="0"/>
+                        </a:spcAft>
+                        <a:buClrTx/>
+                        <a:buSzTx/>
+                        <a:buFontTx/>
+                        <a:buNone/>
+                        <a:tabLst/>
+                        <a:defRPr/>
+                      </a:pPr>
+                      <a:r>
+                        <a:rPr lang="en-US" sz="2000" dirty="0" smtClean="0">
+                          <a:effectLst/>
+                        </a:rPr>
+                        <a:t>Azure Storage</a:t>
+                      </a:r>
+                      <a:r>
+                        <a:rPr lang="en-US" sz="2000" baseline="0" dirty="0" smtClean="0">
+                          <a:effectLst/>
+                        </a:rPr>
+                        <a:t> </a:t>
+                      </a:r>
+                      <a:r>
+                        <a:rPr lang="en-US" sz="2000" dirty="0" smtClean="0">
+                          <a:effectLst/>
+                        </a:rPr>
+                        <a:t>Table</a:t>
+                      </a:r>
+                      <a:endParaRPr lang="en-US" sz="2000" dirty="0">
+                        <a:effectLst/>
+                      </a:endParaRPr>
+                    </a:p>
+                  </a:txBody>
+                  <a:tcPr marL="95250" marR="95250" marT="47625" marB="47625" anchor="ctr"/>
+                </a:tc>
+                <a:tc>
+                  <a:txBody>
+                    <a:bodyPr/>
+                    <a:lstStyle/>
+                    <a:p>
+                      <a:pPr algn="ctr"/>
+                      <a:endParaRPr lang="en-US" sz="2000">
+                        <a:effectLst/>
+                      </a:endParaRPr>
+                    </a:p>
+                  </a:txBody>
+                  <a:tcPr marL="95250" marR="95250" marT="47625" marB="47625" anchor="ctr"/>
+                </a:tc>
+                <a:tc>
+                  <a:txBody>
+                    <a:bodyPr/>
+                    <a:lstStyle/>
+                    <a:p>
+                      <a:pPr algn="ctr"/>
+                      <a:r>
+                        <a:rPr lang="en-US" sz="2000" dirty="0">
+                          <a:effectLst/>
+                        </a:rPr>
+                        <a:t>✔</a:t>
+                      </a:r>
+                    </a:p>
+                  </a:txBody>
+                  <a:tcPr marL="95250" marR="95250" marT="47625" marB="47625" anchor="ctr"/>
+                </a:tc>
+                <a:tc>
+                  <a:txBody>
+                    <a:bodyPr/>
+                    <a:lstStyle/>
+                    <a:p>
+                      <a:pPr algn="ctr"/>
+                      <a:r>
+                        <a:rPr lang="en-US" sz="2000">
+                          <a:effectLst/>
+                        </a:rPr>
+                        <a:t>✔</a:t>
+                      </a:r>
+                    </a:p>
+                  </a:txBody>
+                  <a:tcPr marL="95250" marR="95250" marT="47625" marB="47625" anchor="ctr"/>
+                </a:tc>
+                <a:extLst>
+                  <a:ext uri="{0D108BD9-81ED-4DB2-BD59-A6C34878D82A}">
+                    <a16:rowId xmlns="" xmlns:a16="http://schemas.microsoft.com/office/drawing/2014/main" val="10005"/>
+                  </a:ext>
+                </a:extLst>
+              </a:tr>
+              <a:tr h="408793">
+                <a:tc>
+                  <a:txBody>
+                    <a:bodyPr/>
+                    <a:lstStyle/>
+                    <a:p>
+                      <a:pPr marL="0" marR="0" lvl="0" indent="0" algn="l" defTabSz="914400" rtl="0" eaLnBrk="1" fontAlgn="auto" latinLnBrk="0" hangingPunct="1">
+                        <a:lnSpc>
+                          <a:spcPct val="100000"/>
+                        </a:lnSpc>
+                        <a:spcBef>
+                          <a:spcPts val="0"/>
+                        </a:spcBef>
+                        <a:spcAft>
+                          <a:spcPts val="0"/>
+                        </a:spcAft>
+                        <a:buClrTx/>
+                        <a:buSzTx/>
+                        <a:buFontTx/>
+                        <a:buNone/>
+                        <a:tabLst/>
+                        <a:defRPr/>
+                      </a:pPr>
+                      <a:r>
+                        <a:rPr lang="fr-FR" sz="2000" dirty="0" smtClean="0">
+                          <a:effectLst/>
+                        </a:rPr>
+                        <a:t>Azure Mobile Apps Table</a:t>
+                      </a:r>
+                    </a:p>
+                  </a:txBody>
+                  <a:tcPr marL="95250" marR="95250" marT="47625" marB="47625" anchor="ctr"/>
+                </a:tc>
+                <a:tc>
+                  <a:txBody>
+                    <a:bodyPr/>
+                    <a:lstStyle/>
+                    <a:p>
+                      <a:pPr algn="ctr"/>
+                      <a:endParaRPr lang="en-US" sz="2000">
+                        <a:effectLst/>
+                      </a:endParaRPr>
+                    </a:p>
+                  </a:txBody>
+                  <a:tcPr marL="95250" marR="95250" marT="47625" marB="47625" anchor="ctr"/>
+                </a:tc>
+                <a:tc>
+                  <a:txBody>
+                    <a:bodyPr/>
+                    <a:lstStyle/>
+                    <a:p>
+                      <a:pPr algn="ctr"/>
+                      <a:r>
+                        <a:rPr lang="en-US" sz="2000" dirty="0">
+                          <a:effectLst/>
+                        </a:rPr>
+                        <a:t>✔</a:t>
+                      </a:r>
+                    </a:p>
+                  </a:txBody>
+                  <a:tcPr marL="95250" marR="95250" marT="47625" marB="47625" anchor="ctr"/>
+                </a:tc>
+                <a:tc>
+                  <a:txBody>
+                    <a:bodyPr/>
+                    <a:lstStyle/>
+                    <a:p>
+                      <a:pPr algn="ctr"/>
+                      <a:r>
+                        <a:rPr lang="en-US" sz="2000" dirty="0">
+                          <a:effectLst/>
+                        </a:rPr>
+                        <a:t>✔</a:t>
+                      </a:r>
+                    </a:p>
+                  </a:txBody>
+                  <a:tcPr marL="95250" marR="95250" marT="47625" marB="47625" anchor="ctr"/>
+                </a:tc>
+                <a:extLst>
+                  <a:ext uri="{0D108BD9-81ED-4DB2-BD59-A6C34878D82A}">
+                    <a16:rowId xmlns="" xmlns:a16="http://schemas.microsoft.com/office/drawing/2014/main" val="10006"/>
+                  </a:ext>
+                </a:extLst>
+              </a:tr>
+              <a:tr h="408793">
+                <a:tc>
+                  <a:txBody>
+                    <a:bodyPr/>
+                    <a:lstStyle/>
+                    <a:p>
+                      <a:r>
+                        <a:rPr lang="en-US" sz="2000">
+                          <a:effectLst/>
+                        </a:rPr>
+                        <a:t>No-SQL DB</a:t>
+                      </a:r>
+                    </a:p>
+                  </a:txBody>
+                  <a:tcPr marL="95250" marR="95250" marT="47625" marB="47625" anchor="ctr"/>
+                </a:tc>
+                <a:tc>
+                  <a:txBody>
+                    <a:bodyPr/>
+                    <a:lstStyle/>
+                    <a:p>
+                      <a:pPr algn="ctr"/>
+                      <a:endParaRPr lang="en-US" sz="2000">
+                        <a:effectLst/>
+                      </a:endParaRPr>
+                    </a:p>
+                  </a:txBody>
+                  <a:tcPr marL="95250" marR="95250" marT="47625" marB="47625" anchor="ctr"/>
+                </a:tc>
+                <a:tc>
+                  <a:txBody>
+                    <a:bodyPr/>
+                    <a:lstStyle/>
+                    <a:p>
+                      <a:pPr algn="ctr"/>
+                      <a:r>
+                        <a:rPr lang="en-US" sz="2000" dirty="0">
+                          <a:effectLst/>
+                        </a:rPr>
+                        <a:t>✔</a:t>
+                      </a:r>
+                    </a:p>
+                  </a:txBody>
+                  <a:tcPr marL="95250" marR="95250" marT="47625" marB="47625" anchor="ctr"/>
+                </a:tc>
+                <a:tc>
+                  <a:txBody>
+                    <a:bodyPr/>
+                    <a:lstStyle/>
+                    <a:p>
+                      <a:pPr algn="ctr"/>
+                      <a:r>
+                        <a:rPr lang="en-US" sz="2000" dirty="0">
+                          <a:effectLst/>
+                        </a:rPr>
+                        <a:t>✔</a:t>
+                      </a:r>
+                    </a:p>
+                  </a:txBody>
+                  <a:tcPr marL="95250" marR="95250" marT="47625" marB="47625" anchor="ctr"/>
+                </a:tc>
+                <a:extLst>
+                  <a:ext uri="{0D108BD9-81ED-4DB2-BD59-A6C34878D82A}">
+                    <a16:rowId xmlns="" xmlns:a16="http://schemas.microsoft.com/office/drawing/2014/main" val="10007"/>
+                  </a:ext>
+                </a:extLst>
+              </a:tr>
+              <a:tr h="408793">
+                <a:tc>
+                  <a:txBody>
+                    <a:bodyPr/>
+                    <a:lstStyle/>
+                    <a:p>
+                      <a:r>
+                        <a:rPr lang="en-US" sz="2000">
+                          <a:effectLst/>
+                        </a:rPr>
+                        <a:t>Streams</a:t>
+                      </a:r>
+                    </a:p>
+                  </a:txBody>
+                  <a:tcPr marL="95250" marR="95250" marT="47625" marB="47625" anchor="ctr"/>
+                </a:tc>
+                <a:tc>
+                  <a:txBody>
+                    <a:bodyPr/>
+                    <a:lstStyle/>
+                    <a:p>
+                      <a:pPr algn="ctr"/>
+                      <a:r>
+                        <a:rPr lang="en-US" sz="2000" dirty="0">
+                          <a:effectLst/>
+                        </a:rPr>
+                        <a:t>✔</a:t>
+                      </a:r>
+                    </a:p>
+                  </a:txBody>
+                  <a:tcPr marL="95250" marR="95250" marT="47625" marB="47625" anchor="ctr"/>
+                </a:tc>
+                <a:tc>
+                  <a:txBody>
+                    <a:bodyPr/>
+                    <a:lstStyle/>
+                    <a:p>
+                      <a:pPr algn="ctr"/>
+                      <a:endParaRPr lang="en-US" sz="2000">
+                        <a:effectLst/>
+                      </a:endParaRPr>
+                    </a:p>
+                  </a:txBody>
+                  <a:tcPr marL="95250" marR="95250" marT="47625" marB="47625" anchor="ctr"/>
+                </a:tc>
+                <a:tc>
+                  <a:txBody>
+                    <a:bodyPr/>
+                    <a:lstStyle/>
+                    <a:p>
+                      <a:pPr algn="ctr"/>
+                      <a:r>
+                        <a:rPr lang="en-US" sz="2000" dirty="0">
+                          <a:effectLst/>
+                        </a:rPr>
+                        <a:t>✔</a:t>
+                      </a:r>
+                    </a:p>
+                  </a:txBody>
+                  <a:tcPr marL="95250" marR="95250" marT="47625" marB="47625" anchor="ctr"/>
+                </a:tc>
+                <a:extLst>
+                  <a:ext uri="{0D108BD9-81ED-4DB2-BD59-A6C34878D82A}">
+                    <a16:rowId xmlns="" xmlns:a16="http://schemas.microsoft.com/office/drawing/2014/main" val="10008"/>
+                  </a:ext>
+                </a:extLst>
+              </a:tr>
+              <a:tr h="408793">
+                <a:tc>
+                  <a:txBody>
+                    <a:bodyPr/>
+                    <a:lstStyle/>
+                    <a:p>
+                      <a:r>
+                        <a:rPr lang="en-US" sz="2000" dirty="0">
+                          <a:effectLst/>
+                        </a:rPr>
+                        <a:t>Push Notifications</a:t>
+                      </a:r>
+                    </a:p>
+                  </a:txBody>
+                  <a:tcPr marL="95250" marR="95250" marT="47625" marB="47625" anchor="ctr"/>
+                </a:tc>
+                <a:tc>
+                  <a:txBody>
+                    <a:bodyPr/>
+                    <a:lstStyle/>
+                    <a:p>
+                      <a:pPr algn="ctr"/>
+                      <a:endParaRPr lang="en-US" sz="2000" dirty="0">
+                        <a:effectLst/>
+                      </a:endParaRPr>
+                    </a:p>
+                  </a:txBody>
+                  <a:tcPr marL="95250" marR="95250" marT="47625" marB="47625" anchor="ctr"/>
+                </a:tc>
+                <a:tc>
+                  <a:txBody>
+                    <a:bodyPr/>
+                    <a:lstStyle/>
+                    <a:p>
+                      <a:pPr algn="ctr"/>
+                      <a:endParaRPr lang="en-US" sz="2000" dirty="0">
+                        <a:effectLst/>
+                      </a:endParaRPr>
+                    </a:p>
+                  </a:txBody>
+                  <a:tcPr marL="95250" marR="95250" marT="47625" marB="47625" anchor="ctr"/>
+                </a:tc>
+                <a:tc>
+                  <a:txBody>
+                    <a:bodyPr/>
+                    <a:lstStyle/>
+                    <a:p>
+                      <a:pPr algn="ctr"/>
+                      <a:r>
+                        <a:rPr lang="en-US" sz="2000" dirty="0" smtClean="0">
+                          <a:effectLst/>
+                        </a:rPr>
+                        <a:t>✔</a:t>
+                      </a:r>
+                    </a:p>
+                  </a:txBody>
+                  <a:tcPr marL="95250" marR="95250" marT="47625" marB="47625" anchor="ctr"/>
+                </a:tc>
+                <a:extLst>
+                  <a:ext uri="{0D108BD9-81ED-4DB2-BD59-A6C34878D82A}">
+                    <a16:rowId xmlns="" xmlns:a16="http://schemas.microsoft.com/office/drawing/2014/main" val="10010"/>
+                  </a:ext>
+                </a:extLst>
+              </a:tr>
+              <a:tr h="408793">
+                <a:tc>
+                  <a:txBody>
+                    <a:bodyPr/>
+                    <a:lstStyle/>
+                    <a:p>
+                      <a:r>
+                        <a:rPr lang="en-US" sz="2000" dirty="0" smtClean="0">
+                          <a:effectLst/>
+                        </a:rPr>
+                        <a:t>Send Email </a:t>
+                      </a:r>
+                      <a:endParaRPr lang="en-US" sz="2000" dirty="0">
+                        <a:effectLst/>
+                      </a:endParaRPr>
+                    </a:p>
+                  </a:txBody>
+                  <a:tcPr marL="95250" marR="95250" marT="47625" marB="47625" anchor="ctr"/>
+                </a:tc>
+                <a:tc>
+                  <a:txBody>
+                    <a:bodyPr/>
+                    <a:lstStyle/>
+                    <a:p>
+                      <a:pPr algn="ctr"/>
+                      <a:endParaRPr lang="en-US" sz="2000" dirty="0">
+                        <a:effectLst/>
+                      </a:endParaRPr>
+                    </a:p>
+                  </a:txBody>
+                  <a:tcPr marL="95250" marR="95250" marT="47625" marB="47625" anchor="ctr"/>
+                </a:tc>
+                <a:tc>
+                  <a:txBody>
+                    <a:bodyPr/>
+                    <a:lstStyle/>
+                    <a:p>
+                      <a:pPr algn="ctr"/>
+                      <a:endParaRPr lang="en-US" sz="2000" dirty="0">
+                        <a:effectLst/>
+                      </a:endParaRPr>
+                    </a:p>
+                  </a:txBody>
+                  <a:tcPr marL="95250" marR="95250" marT="47625" marB="47625" anchor="ctr"/>
+                </a:tc>
+                <a:tc>
+                  <a:txBody>
+                    <a:bodyPr/>
+                    <a:lstStyle/>
+                    <a:p>
+                      <a:pPr marL="0" marR="0" lvl="0" indent="0" algn="ctr" defTabSz="914400" rtl="0" eaLnBrk="1" fontAlgn="auto" latinLnBrk="0" hangingPunct="1">
+                        <a:lnSpc>
+                          <a:spcPct val="100000"/>
+                        </a:lnSpc>
+                        <a:spcBef>
+                          <a:spcPts val="0"/>
+                        </a:spcBef>
+                        <a:spcAft>
+                          <a:spcPts val="0"/>
+                        </a:spcAft>
+                        <a:buClrTx/>
+                        <a:buSzTx/>
+                        <a:buFontTx/>
+                        <a:buNone/>
+                        <a:tabLst/>
+                        <a:defRPr/>
+                      </a:pPr>
+                      <a:r>
+                        <a:rPr lang="en-US" sz="2000" dirty="0" smtClean="0">
+                          <a:effectLst/>
+                        </a:rPr>
+                        <a:t>✔</a:t>
+                      </a:r>
+                    </a:p>
+                  </a:txBody>
+                  <a:tcPr marL="95250" marR="95250" marT="47625" marB="47625" anchor="ctr"/>
+                </a:tc>
+              </a:tr>
+            </a:tbl>
+          </a:graphicData>
+        </a:graphic>
+      </p:graphicFrame>
     </p:spTree>
     <p:extLst>
       <p:ext uri="{BB962C8B-B14F-4D97-AF65-F5344CB8AC3E}">
-        <p14:creationId xmlns:p14="http://schemas.microsoft.com/office/powerpoint/2010/main" val="1000919386"/>
+        <p14:creationId xmlns:p14="http://schemas.microsoft.com/office/powerpoint/2010/main" val="4078664456"/>
       </p:ext>
     </p:extLst>
   </p:cSld>
   <p:clrMapOvr>
     <a:masterClrMapping/>
   </p:clrMapOvr>
-  <p:transition>
-    <p:fade/>
-  </p:transition>
+  <mc:AlternateContent xmlns:mc="http://schemas.openxmlformats.org/markup-compatibility/2006" xmlns:p14="http://schemas.microsoft.com/office/powerpoint/2010/main">
+    <mc:Choice Requires="p14">
+      <p:transition spd="slow" p14:dur="2000"/>
+    </mc:Choice>
+    <mc:Fallback xmlns="">
+      <p:transition spd="slow"/>
+    </mc:Fallback>
+  </mc:AlternateContent>
   <p:timing>
     <p:tnLst>
       <p:par>
@@ -31471,14 +31579,19 @@
             <p:ph type="title"/>
           </p:nvPr>
         </p:nvSpPr>
-        <p:spPr/>
+        <p:spPr>
+          <a:xfrm>
+            <a:off x="269239" y="2084172"/>
+            <a:ext cx="11653523" cy="1162178"/>
+          </a:xfrm>
+        </p:spPr>
         <p:txBody>
           <a:bodyPr/>
           <a:lstStyle/>
           <a:p>
             <a:r>
               <a:rPr lang="en-US" dirty="0" smtClean="0"/>
-              <a:t>Calling Other Functions</a:t>
+              <a:t>Bindings in Depth</a:t>
             </a:r>
             <a:endParaRPr lang="en-US" dirty="0"/>
           </a:p>
@@ -31486,45 +31599,124 @@
       </p:sp>
       <p:sp>
         <p:nvSpPr>
-          <p:cNvPr id="3" name="Content Placeholder 2"/>
-          <p:cNvSpPr>
-            <a:spLocks noGrp="1"/>
+          <p:cNvPr id="3" name="Title 1"/>
+          <p:cNvSpPr txBox="1">
+            <a:spLocks/>
           </p:cNvSpPr>
-          <p:nvPr>
-            <p:ph idx="1"/>
-          </p:nvPr>
+          <p:nvPr/>
         </p:nvSpPr>
-        <p:spPr/>
+        <p:spPr>
+          <a:xfrm>
+            <a:off x="269238" y="3163584"/>
+            <a:ext cx="11653523" cy="2123658"/>
+          </a:xfrm>
+          <a:prstGeom prst="rect">
+            <a:avLst/>
+          </a:prstGeom>
+          <a:noFill/>
+        </p:spPr>
         <p:txBody>
-          <a:bodyPr/>
-          <a:lstStyle/>
-          <a:p>
+          <a:bodyPr vert="horz" lIns="91440" tIns="91440" rIns="91440" bIns="91440" rtlCol="0" anchor="t" anchorCtr="0">
+            <a:spAutoFit/>
+          </a:bodyPr>
+          <a:lstStyle>
+            <a:lvl1pPr algn="l" defTabSz="914400" rtl="0" eaLnBrk="1" latinLnBrk="0" hangingPunct="1">
+              <a:lnSpc>
+                <a:spcPct val="90000"/>
+              </a:lnSpc>
+              <a:spcBef>
+                <a:spcPct val="0"/>
+              </a:spcBef>
+              <a:buNone/>
+              <a:defRPr sz="7058" kern="1200" spc="-98" baseline="0">
+                <a:gradFill>
+                  <a:gsLst>
+                    <a:gs pos="100000">
+                      <a:schemeClr val="tx1"/>
+                    </a:gs>
+                    <a:gs pos="0">
+                      <a:schemeClr val="tx1"/>
+                    </a:gs>
+                  </a:gsLst>
+                  <a:lin ang="5400000" scaled="0"/>
+                </a:gradFill>
+                <a:latin typeface="+mj-lt"/>
+                <a:ea typeface="+mj-ea"/>
+                <a:cs typeface="+mj-cs"/>
+              </a:defRPr>
+            </a:lvl1pPr>
+          </a:lstStyle>
+          <a:p>
+            <a:pPr marL="457200" indent="-457200">
+              <a:buFont typeface="Arial" panose="020B0604020202020204" pitchFamily="34" charset="0"/>
+              <a:buChar char="•"/>
+            </a:pPr>
             <a:r>
-              <a:rPr lang="en-US" dirty="0" smtClean="0"/>
-              <a:t>Use an output trigger followed by that same trigger, but as an input trigger to the next function to trigger</a:t>
+              <a:rPr lang="en-US" sz="2800" dirty="0" smtClean="0"/>
+              <a:t>Timer Trigger</a:t>
             </a:r>
           </a:p>
           <a:p>
+            <a:pPr marL="457200" indent="-457200">
+              <a:buFont typeface="Arial" panose="020B0604020202020204" pitchFamily="34" charset="0"/>
+              <a:buChar char="•"/>
+            </a:pPr>
             <a:r>
-              <a:rPr lang="en-US" dirty="0" smtClean="0"/>
-              <a:t>Must be inside same Function App</a:t>
+              <a:rPr lang="en-US" sz="2800" dirty="0" smtClean="0"/>
+              <a:t>HTTP Request/</a:t>
             </a:r>
-          </a:p>
-          <a:p>
-            <a:endParaRPr lang="en-US" dirty="0"/>
+            <a:r>
+              <a:rPr lang="en-US" sz="2800" dirty="0" err="1" smtClean="0"/>
+              <a:t>Webhook</a:t>
+            </a:r>
+            <a:endParaRPr lang="en-US" sz="2800" dirty="0" smtClean="0"/>
+          </a:p>
+          <a:p>
+            <a:pPr marL="457200" indent="-457200">
+              <a:buFont typeface="Arial" panose="020B0604020202020204" pitchFamily="34" charset="0"/>
+              <a:buChar char="•"/>
+            </a:pPr>
+            <a:r>
+              <a:rPr lang="en-US" sz="2800" dirty="0" smtClean="0"/>
+              <a:t>Azure Storage Table</a:t>
+            </a:r>
+          </a:p>
+          <a:p>
+            <a:pPr marL="457200" indent="-457200">
+              <a:buFont typeface="Arial" panose="020B0604020202020204" pitchFamily="34" charset="0"/>
+              <a:buChar char="•"/>
+            </a:pPr>
+            <a:r>
+              <a:rPr lang="en-US" sz="2800" dirty="0" smtClean="0"/>
+              <a:t>Blob Trigger</a:t>
+            </a:r>
+          </a:p>
+          <a:p>
+            <a:pPr marL="457200" indent="-457200">
+              <a:buFont typeface="Arial" panose="020B0604020202020204" pitchFamily="34" charset="0"/>
+              <a:buChar char="•"/>
+            </a:pPr>
+            <a:r>
+              <a:rPr lang="en-US" sz="2800" dirty="0" smtClean="0"/>
+              <a:t>Queue Trigger</a:t>
+            </a:r>
+            <a:endParaRPr lang="en-US" sz="2800" dirty="0"/>
           </a:p>
         </p:txBody>
       </p:sp>
     </p:spTree>
     <p:extLst>
       <p:ext uri="{BB962C8B-B14F-4D97-AF65-F5344CB8AC3E}">
-        <p14:creationId xmlns:p14="http://schemas.microsoft.com/office/powerpoint/2010/main" val="2837863278"/>
+        <p14:creationId xmlns:p14="http://schemas.microsoft.com/office/powerpoint/2010/main" val="1000919386"/>
       </p:ext>
     </p:extLst>
   </p:cSld>
   <p:clrMapOvr>
     <a:masterClrMapping/>
   </p:clrMapOvr>
+  <p:transition>
+    <p:fade/>
+  </p:transition>
   <p:timing>
     <p:tnLst>
       <p:par>
@@ -31554,7 +31746,7 @@
       </p:grpSpPr>
       <p:sp>
         <p:nvSpPr>
-          <p:cNvPr id="2" name="Title 1"/>
+          <p:cNvPr id="3" name="Title 2"/>
           <p:cNvSpPr>
             <a:spLocks noGrp="1"/>
           </p:cNvSpPr>
@@ -31569,56 +31761,856 @@
           <a:p>
             <a:r>
               <a:rPr lang="en-US" dirty="0" smtClean="0"/>
-              <a:t>Working with multiple code files</a:t>
+              <a:t>Timer Triggers</a:t>
             </a:r>
             <a:endParaRPr lang="en-US" dirty="0"/>
           </a:p>
         </p:txBody>
       </p:sp>
+      <p:graphicFrame>
+        <p:nvGraphicFramePr>
+          <p:cNvPr id="4" name="Table 3"/>
+          <p:cNvGraphicFramePr>
+            <a:graphicFrameLocks noGrp="1"/>
+          </p:cNvGraphicFramePr>
+          <p:nvPr>
+            <p:extLst>
+              <p:ext uri="{D42A27DB-BD31-4B8C-83A1-F6EECF244321}">
+                <p14:modId xmlns:p14="http://schemas.microsoft.com/office/powerpoint/2010/main" val="1647920140"/>
+              </p:ext>
+            </p:extLst>
+          </p:nvPr>
+        </p:nvGraphicFramePr>
+        <p:xfrm>
+          <a:off x="838200" y="1968882"/>
+          <a:ext cx="3834702" cy="640080"/>
+        </p:xfrm>
+        <a:graphic>
+          <a:graphicData uri="http://schemas.openxmlformats.org/drawingml/2006/table">
+            <a:tbl>
+              <a:tblPr firstRow="1" bandRow="1">
+                <a:tableStyleId>{5940675A-B579-460E-94D1-54222C63F5DA}</a:tableStyleId>
+              </a:tblPr>
+              <a:tblGrid>
+                <a:gridCol w="639117">
+                  <a:extLst>
+                    <a:ext uri="{9D8B030D-6E8A-4147-A177-3AD203B41FA5}">
+                      <a16:colId xmlns:a16="http://schemas.microsoft.com/office/drawing/2014/main" xmlns="" val="20000"/>
+                    </a:ext>
+                  </a:extLst>
+                </a:gridCol>
+                <a:gridCol w="639117">
+                  <a:extLst>
+                    <a:ext uri="{9D8B030D-6E8A-4147-A177-3AD203B41FA5}">
+                      <a16:colId xmlns:a16="http://schemas.microsoft.com/office/drawing/2014/main" xmlns="" val="20001"/>
+                    </a:ext>
+                  </a:extLst>
+                </a:gridCol>
+                <a:gridCol w="639117">
+                  <a:extLst>
+                    <a:ext uri="{9D8B030D-6E8A-4147-A177-3AD203B41FA5}">
+                      <a16:colId xmlns:a16="http://schemas.microsoft.com/office/drawing/2014/main" xmlns="" val="20002"/>
+                    </a:ext>
+                  </a:extLst>
+                </a:gridCol>
+                <a:gridCol w="639117">
+                  <a:extLst>
+                    <a:ext uri="{9D8B030D-6E8A-4147-A177-3AD203B41FA5}">
+                      <a16:colId xmlns:a16="http://schemas.microsoft.com/office/drawing/2014/main" xmlns="" val="20003"/>
+                    </a:ext>
+                  </a:extLst>
+                </a:gridCol>
+                <a:gridCol w="639117">
+                  <a:extLst>
+                    <a:ext uri="{9D8B030D-6E8A-4147-A177-3AD203B41FA5}">
+                      <a16:colId xmlns:a16="http://schemas.microsoft.com/office/drawing/2014/main" xmlns="" val="20004"/>
+                    </a:ext>
+                  </a:extLst>
+                </a:gridCol>
+                <a:gridCol w="639117">
+                  <a:extLst>
+                    <a:ext uri="{9D8B030D-6E8A-4147-A177-3AD203B41FA5}">
+                      <a16:colId xmlns:a16="http://schemas.microsoft.com/office/drawing/2014/main" xmlns="" val="20005"/>
+                    </a:ext>
+                  </a:extLst>
+                </a:gridCol>
+              </a:tblGrid>
+              <a:tr h="640080">
+                <a:tc>
+                  <a:txBody>
+                    <a:bodyPr/>
+                    <a:lstStyle/>
+                    <a:p>
+                      <a:pPr algn="ctr"/>
+                      <a:r>
+                        <a:rPr lang="en-US" dirty="0" smtClean="0"/>
+                        <a:t>0</a:t>
+                      </a:r>
+                      <a:endParaRPr lang="en-US" dirty="0"/>
+                    </a:p>
+                  </a:txBody>
+                  <a:tcPr anchor="ctr"/>
+                </a:tc>
+                <a:tc>
+                  <a:txBody>
+                    <a:bodyPr/>
+                    <a:lstStyle/>
+                    <a:p>
+                      <a:pPr algn="ctr"/>
+                      <a:r>
+                        <a:rPr lang="en-US" dirty="0" smtClean="0"/>
+                        <a:t>*/10</a:t>
+                      </a:r>
+                      <a:endParaRPr lang="en-US" dirty="0"/>
+                    </a:p>
+                  </a:txBody>
+                  <a:tcPr anchor="ctr"/>
+                </a:tc>
+                <a:tc>
+                  <a:txBody>
+                    <a:bodyPr/>
+                    <a:lstStyle/>
+                    <a:p>
+                      <a:pPr algn="ctr"/>
+                      <a:r>
+                        <a:rPr lang="en-US" dirty="0" smtClean="0"/>
+                        <a:t>*</a:t>
+                      </a:r>
+                      <a:endParaRPr lang="en-US" dirty="0"/>
+                    </a:p>
+                  </a:txBody>
+                  <a:tcPr anchor="ctr"/>
+                </a:tc>
+                <a:tc>
+                  <a:txBody>
+                    <a:bodyPr/>
+                    <a:lstStyle/>
+                    <a:p>
+                      <a:pPr algn="ctr"/>
+                      <a:r>
+                        <a:rPr lang="en-US" dirty="0" smtClean="0"/>
+                        <a:t>*</a:t>
+                      </a:r>
+                      <a:endParaRPr lang="en-US" dirty="0"/>
+                    </a:p>
+                  </a:txBody>
+                  <a:tcPr anchor="ctr"/>
+                </a:tc>
+                <a:tc>
+                  <a:txBody>
+                    <a:bodyPr/>
+                    <a:lstStyle/>
+                    <a:p>
+                      <a:pPr algn="ctr"/>
+                      <a:r>
+                        <a:rPr lang="en-US" dirty="0" smtClean="0"/>
+                        <a:t>*</a:t>
+                      </a:r>
+                      <a:endParaRPr lang="en-US" dirty="0"/>
+                    </a:p>
+                  </a:txBody>
+                  <a:tcPr anchor="ctr"/>
+                </a:tc>
+                <a:tc>
+                  <a:txBody>
+                    <a:bodyPr/>
+                    <a:lstStyle/>
+                    <a:p>
+                      <a:pPr algn="ctr"/>
+                      <a:r>
+                        <a:rPr lang="en-US" dirty="0" smtClean="0"/>
+                        <a:t>*</a:t>
+                      </a:r>
+                      <a:endParaRPr lang="en-US" dirty="0"/>
+                    </a:p>
+                  </a:txBody>
+                  <a:tcPr anchor="ctr"/>
+                </a:tc>
+                <a:extLst>
+                  <a:ext uri="{0D108BD9-81ED-4DB2-BD59-A6C34878D82A}">
+                    <a16:rowId xmlns:a16="http://schemas.microsoft.com/office/drawing/2014/main" xmlns="" val="10000"/>
+                  </a:ext>
+                </a:extLst>
+              </a:tr>
+            </a:tbl>
+          </a:graphicData>
+        </a:graphic>
+      </p:graphicFrame>
+      <p:grpSp>
+        <p:nvGrpSpPr>
+          <p:cNvPr id="26" name="Group 25"/>
+          <p:cNvGrpSpPr/>
+          <p:nvPr/>
+        </p:nvGrpSpPr>
+        <p:grpSpPr>
+          <a:xfrm>
+            <a:off x="1131815" y="2598079"/>
+            <a:ext cx="6075494" cy="3234172"/>
+            <a:chOff x="1124125" y="3209781"/>
+            <a:chExt cx="6075494" cy="3234172"/>
+          </a:xfrm>
+        </p:grpSpPr>
+        <p:sp>
+          <p:nvSpPr>
+            <p:cNvPr id="5" name="TextBox 4"/>
+            <p:cNvSpPr txBox="1"/>
+            <p:nvPr/>
+          </p:nvSpPr>
+          <p:spPr>
+            <a:xfrm>
+              <a:off x="4590642" y="3289829"/>
+              <a:ext cx="2608977" cy="627864"/>
+            </a:xfrm>
+            <a:prstGeom prst="rect">
+              <a:avLst/>
+            </a:prstGeom>
+            <a:noFill/>
+          </p:spPr>
+          <p:txBody>
+            <a:bodyPr wrap="square" lIns="182880" tIns="146304" rIns="182880" bIns="146304" rtlCol="0">
+              <a:spAutoFit/>
+            </a:bodyPr>
+            <a:lstStyle/>
+            <a:p>
+              <a:pPr>
+                <a:lnSpc>
+                  <a:spcPct val="90000"/>
+                </a:lnSpc>
+                <a:spcAft>
+                  <a:spcPts val="600"/>
+                </a:spcAft>
+              </a:pPr>
+              <a:r>
+                <a:rPr lang="en-US" sz="2400" dirty="0" smtClean="0">
+                  <a:gradFill>
+                    <a:gsLst>
+                      <a:gs pos="2917">
+                        <a:schemeClr val="tx1"/>
+                      </a:gs>
+                      <a:gs pos="30000">
+                        <a:schemeClr val="tx1"/>
+                      </a:gs>
+                    </a:gsLst>
+                    <a:lin ang="5400000" scaled="0"/>
+                  </a:gradFill>
+                </a:rPr>
+                <a:t>Day of week</a:t>
+              </a:r>
+            </a:p>
+          </p:txBody>
+        </p:sp>
+        <p:sp>
+          <p:nvSpPr>
+            <p:cNvPr id="6" name="TextBox 5"/>
+            <p:cNvSpPr txBox="1"/>
+            <p:nvPr/>
+          </p:nvSpPr>
+          <p:spPr>
+            <a:xfrm>
+              <a:off x="3968764" y="3716584"/>
+              <a:ext cx="3147270" cy="627864"/>
+            </a:xfrm>
+            <a:prstGeom prst="rect">
+              <a:avLst/>
+            </a:prstGeom>
+            <a:noFill/>
+          </p:spPr>
+          <p:txBody>
+            <a:bodyPr wrap="square" lIns="182880" tIns="146304" rIns="182880" bIns="146304" rtlCol="0">
+              <a:spAutoFit/>
+            </a:bodyPr>
+            <a:lstStyle/>
+            <a:p>
+              <a:pPr>
+                <a:lnSpc>
+                  <a:spcPct val="90000"/>
+                </a:lnSpc>
+                <a:spcAft>
+                  <a:spcPts val="600"/>
+                </a:spcAft>
+              </a:pPr>
+              <a:r>
+                <a:rPr lang="en-US" sz="2400" dirty="0" smtClean="0">
+                  <a:gradFill>
+                    <a:gsLst>
+                      <a:gs pos="2917">
+                        <a:schemeClr val="tx1"/>
+                      </a:gs>
+                      <a:gs pos="30000">
+                        <a:schemeClr val="tx1"/>
+                      </a:gs>
+                    </a:gsLst>
+                    <a:lin ang="5400000" scaled="0"/>
+                  </a:gradFill>
+                </a:rPr>
+                <a:t>Month</a:t>
+              </a:r>
+            </a:p>
+          </p:txBody>
+        </p:sp>
+        <p:sp>
+          <p:nvSpPr>
+            <p:cNvPr id="7" name="TextBox 6"/>
+            <p:cNvSpPr txBox="1"/>
+            <p:nvPr/>
+          </p:nvSpPr>
+          <p:spPr>
+            <a:xfrm>
+              <a:off x="3272476" y="4265550"/>
+              <a:ext cx="3147270" cy="627864"/>
+            </a:xfrm>
+            <a:prstGeom prst="rect">
+              <a:avLst/>
+            </a:prstGeom>
+            <a:noFill/>
+          </p:spPr>
+          <p:txBody>
+            <a:bodyPr wrap="square" lIns="182880" tIns="146304" rIns="182880" bIns="146304" rtlCol="0">
+              <a:spAutoFit/>
+            </a:bodyPr>
+            <a:lstStyle/>
+            <a:p>
+              <a:pPr>
+                <a:lnSpc>
+                  <a:spcPct val="90000"/>
+                </a:lnSpc>
+                <a:spcAft>
+                  <a:spcPts val="600"/>
+                </a:spcAft>
+              </a:pPr>
+              <a:r>
+                <a:rPr lang="en-US" sz="2400" dirty="0" smtClean="0">
+                  <a:gradFill>
+                    <a:gsLst>
+                      <a:gs pos="2917">
+                        <a:schemeClr val="tx1"/>
+                      </a:gs>
+                      <a:gs pos="30000">
+                        <a:schemeClr val="tx1"/>
+                      </a:gs>
+                    </a:gsLst>
+                    <a:lin ang="5400000" scaled="0"/>
+                  </a:gradFill>
+                </a:rPr>
+                <a:t>Day of Month</a:t>
+              </a:r>
+            </a:p>
+          </p:txBody>
+        </p:sp>
+        <p:sp>
+          <p:nvSpPr>
+            <p:cNvPr id="8" name="TextBox 7"/>
+            <p:cNvSpPr txBox="1"/>
+            <p:nvPr/>
+          </p:nvSpPr>
+          <p:spPr>
+            <a:xfrm>
+              <a:off x="2823362" y="4806812"/>
+              <a:ext cx="3147270" cy="627864"/>
+            </a:xfrm>
+            <a:prstGeom prst="rect">
+              <a:avLst/>
+            </a:prstGeom>
+            <a:noFill/>
+          </p:spPr>
+          <p:txBody>
+            <a:bodyPr wrap="square" lIns="182880" tIns="146304" rIns="182880" bIns="146304" rtlCol="0">
+              <a:spAutoFit/>
+            </a:bodyPr>
+            <a:lstStyle/>
+            <a:p>
+              <a:pPr>
+                <a:lnSpc>
+                  <a:spcPct val="90000"/>
+                </a:lnSpc>
+                <a:spcAft>
+                  <a:spcPts val="600"/>
+                </a:spcAft>
+              </a:pPr>
+              <a:r>
+                <a:rPr lang="en-US" sz="2400" dirty="0" smtClean="0">
+                  <a:gradFill>
+                    <a:gsLst>
+                      <a:gs pos="2917">
+                        <a:schemeClr val="tx1"/>
+                      </a:gs>
+                      <a:gs pos="30000">
+                        <a:schemeClr val="tx1"/>
+                      </a:gs>
+                    </a:gsLst>
+                    <a:lin ang="5400000" scaled="0"/>
+                  </a:gradFill>
+                </a:rPr>
+                <a:t>Hours</a:t>
+              </a:r>
+            </a:p>
+          </p:txBody>
+        </p:sp>
+        <p:sp>
+          <p:nvSpPr>
+            <p:cNvPr id="9" name="TextBox 8"/>
+            <p:cNvSpPr txBox="1"/>
+            <p:nvPr/>
+          </p:nvSpPr>
+          <p:spPr>
+            <a:xfrm>
+              <a:off x="2132669" y="5308383"/>
+              <a:ext cx="3147270" cy="627864"/>
+            </a:xfrm>
+            <a:prstGeom prst="rect">
+              <a:avLst/>
+            </a:prstGeom>
+            <a:noFill/>
+          </p:spPr>
+          <p:txBody>
+            <a:bodyPr wrap="square" lIns="182880" tIns="146304" rIns="182880" bIns="146304" rtlCol="0">
+              <a:spAutoFit/>
+            </a:bodyPr>
+            <a:lstStyle/>
+            <a:p>
+              <a:pPr>
+                <a:lnSpc>
+                  <a:spcPct val="90000"/>
+                </a:lnSpc>
+                <a:spcAft>
+                  <a:spcPts val="600"/>
+                </a:spcAft>
+              </a:pPr>
+              <a:r>
+                <a:rPr lang="en-US" sz="2400" dirty="0" smtClean="0">
+                  <a:gradFill>
+                    <a:gsLst>
+                      <a:gs pos="2917">
+                        <a:schemeClr val="tx1"/>
+                      </a:gs>
+                      <a:gs pos="30000">
+                        <a:schemeClr val="tx1"/>
+                      </a:gs>
+                    </a:gsLst>
+                    <a:lin ang="5400000" scaled="0"/>
+                  </a:gradFill>
+                </a:rPr>
+                <a:t>Minutes</a:t>
+              </a:r>
+            </a:p>
+          </p:txBody>
+        </p:sp>
+        <p:sp>
+          <p:nvSpPr>
+            <p:cNvPr id="10" name="TextBox 9"/>
+            <p:cNvSpPr txBox="1"/>
+            <p:nvPr/>
+          </p:nvSpPr>
+          <p:spPr>
+            <a:xfrm>
+              <a:off x="1517942" y="5816089"/>
+              <a:ext cx="3147270" cy="627864"/>
+            </a:xfrm>
+            <a:prstGeom prst="rect">
+              <a:avLst/>
+            </a:prstGeom>
+            <a:noFill/>
+          </p:spPr>
+          <p:txBody>
+            <a:bodyPr wrap="square" lIns="182880" tIns="146304" rIns="182880" bIns="146304" rtlCol="0">
+              <a:spAutoFit/>
+            </a:bodyPr>
+            <a:lstStyle/>
+            <a:p>
+              <a:pPr>
+                <a:lnSpc>
+                  <a:spcPct val="90000"/>
+                </a:lnSpc>
+                <a:spcAft>
+                  <a:spcPts val="600"/>
+                </a:spcAft>
+              </a:pPr>
+              <a:r>
+                <a:rPr lang="en-US" sz="2400" dirty="0" smtClean="0">
+                  <a:gradFill>
+                    <a:gsLst>
+                      <a:gs pos="2917">
+                        <a:schemeClr val="tx1"/>
+                      </a:gs>
+                      <a:gs pos="30000">
+                        <a:schemeClr val="tx1"/>
+                      </a:gs>
+                    </a:gsLst>
+                    <a:lin ang="5400000" scaled="0"/>
+                  </a:gradFill>
+                </a:rPr>
+                <a:t>Seconds</a:t>
+              </a:r>
+            </a:p>
+          </p:txBody>
+        </p:sp>
+        <p:cxnSp>
+          <p:nvCxnSpPr>
+            <p:cNvPr id="12" name="Elbow Connector 11"/>
+            <p:cNvCxnSpPr>
+              <a:endCxn id="10" idx="1"/>
+            </p:cNvCxnSpPr>
+            <p:nvPr/>
+          </p:nvCxnSpPr>
+          <p:spPr>
+            <a:xfrm rot="16200000" flipH="1">
+              <a:off x="-133645" y="4478433"/>
+              <a:ext cx="2909357" cy="393817"/>
+            </a:xfrm>
+            <a:prstGeom prst="bentConnector2">
+              <a:avLst/>
+            </a:prstGeom>
+            <a:ln>
+              <a:solidFill>
+                <a:schemeClr val="tx1"/>
+              </a:solidFill>
+              <a:headEnd type="none"/>
+              <a:tailEnd type="triangle"/>
+            </a:ln>
+          </p:spPr>
+          <p:style>
+            <a:lnRef idx="1">
+              <a:schemeClr val="accent1"/>
+            </a:lnRef>
+            <a:fillRef idx="0">
+              <a:schemeClr val="accent1"/>
+            </a:fillRef>
+            <a:effectRef idx="0">
+              <a:schemeClr val="accent1"/>
+            </a:effectRef>
+            <a:fontRef idx="minor">
+              <a:schemeClr val="tx1"/>
+            </a:fontRef>
+          </p:style>
+        </p:cxnSp>
+        <p:cxnSp>
+          <p:nvCxnSpPr>
+            <p:cNvPr id="14" name="Elbow Connector 13"/>
+            <p:cNvCxnSpPr>
+              <a:endCxn id="9" idx="1"/>
+            </p:cNvCxnSpPr>
+            <p:nvPr/>
+          </p:nvCxnSpPr>
+          <p:spPr>
+            <a:xfrm rot="16200000" flipH="1">
+              <a:off x="740876" y="4230521"/>
+              <a:ext cx="2412533" cy="371053"/>
+            </a:xfrm>
+            <a:prstGeom prst="bentConnector2">
+              <a:avLst/>
+            </a:prstGeom>
+            <a:ln>
+              <a:solidFill>
+                <a:schemeClr val="tx1"/>
+              </a:solidFill>
+              <a:headEnd type="none"/>
+              <a:tailEnd type="triangle"/>
+            </a:ln>
+          </p:spPr>
+          <p:style>
+            <a:lnRef idx="1">
+              <a:schemeClr val="accent1"/>
+            </a:lnRef>
+            <a:fillRef idx="0">
+              <a:schemeClr val="accent1"/>
+            </a:fillRef>
+            <a:effectRef idx="0">
+              <a:schemeClr val="accent1"/>
+            </a:effectRef>
+            <a:fontRef idx="minor">
+              <a:schemeClr val="tx1"/>
+            </a:fontRef>
+          </p:style>
+        </p:cxnSp>
+        <p:cxnSp>
+          <p:nvCxnSpPr>
+            <p:cNvPr id="16" name="Elbow Connector 15"/>
+            <p:cNvCxnSpPr>
+              <a:endCxn id="8" idx="1"/>
+            </p:cNvCxnSpPr>
+            <p:nvPr/>
+          </p:nvCxnSpPr>
+          <p:spPr>
+            <a:xfrm rot="16200000" flipH="1">
+              <a:off x="1686163" y="3983544"/>
+              <a:ext cx="1900083" cy="374315"/>
+            </a:xfrm>
+            <a:prstGeom prst="bentConnector2">
+              <a:avLst/>
+            </a:prstGeom>
+            <a:ln>
+              <a:solidFill>
+                <a:schemeClr val="tx1"/>
+              </a:solidFill>
+              <a:headEnd type="none"/>
+              <a:tailEnd type="triangle"/>
+            </a:ln>
+          </p:spPr>
+          <p:style>
+            <a:lnRef idx="1">
+              <a:schemeClr val="accent1"/>
+            </a:lnRef>
+            <a:fillRef idx="0">
+              <a:schemeClr val="accent1"/>
+            </a:fillRef>
+            <a:effectRef idx="0">
+              <a:schemeClr val="accent1"/>
+            </a:effectRef>
+            <a:fontRef idx="minor">
+              <a:schemeClr val="tx1"/>
+            </a:fontRef>
+          </p:style>
+        </p:cxnSp>
+        <p:cxnSp>
+          <p:nvCxnSpPr>
+            <p:cNvPr id="18" name="Elbow Connector 17"/>
+            <p:cNvCxnSpPr>
+              <a:endCxn id="7" idx="1"/>
+            </p:cNvCxnSpPr>
+            <p:nvPr/>
+          </p:nvCxnSpPr>
+          <p:spPr>
+            <a:xfrm rot="16200000" flipH="1">
+              <a:off x="2465602" y="3772607"/>
+              <a:ext cx="1369699" cy="244050"/>
+            </a:xfrm>
+            <a:prstGeom prst="bentConnector2">
+              <a:avLst/>
+            </a:prstGeom>
+            <a:ln>
+              <a:solidFill>
+                <a:schemeClr val="tx1"/>
+              </a:solidFill>
+              <a:headEnd type="none"/>
+              <a:tailEnd type="triangle"/>
+            </a:ln>
+          </p:spPr>
+          <p:style>
+            <a:lnRef idx="1">
+              <a:schemeClr val="accent1"/>
+            </a:lnRef>
+            <a:fillRef idx="0">
+              <a:schemeClr val="accent1"/>
+            </a:fillRef>
+            <a:effectRef idx="0">
+              <a:schemeClr val="accent1"/>
+            </a:effectRef>
+            <a:fontRef idx="minor">
+              <a:schemeClr val="tx1"/>
+            </a:fontRef>
+          </p:style>
+        </p:cxnSp>
+        <p:cxnSp>
+          <p:nvCxnSpPr>
+            <p:cNvPr id="20" name="Elbow Connector 19"/>
+            <p:cNvCxnSpPr>
+              <a:endCxn id="6" idx="1"/>
+            </p:cNvCxnSpPr>
+            <p:nvPr/>
+          </p:nvCxnSpPr>
+          <p:spPr>
+            <a:xfrm rot="16200000" flipH="1">
+              <a:off x="3428266" y="3490017"/>
+              <a:ext cx="812677" cy="268320"/>
+            </a:xfrm>
+            <a:prstGeom prst="bentConnector2">
+              <a:avLst/>
+            </a:prstGeom>
+            <a:ln>
+              <a:solidFill>
+                <a:schemeClr val="tx1"/>
+              </a:solidFill>
+              <a:headEnd type="none"/>
+              <a:tailEnd type="triangle"/>
+            </a:ln>
+          </p:spPr>
+          <p:style>
+            <a:lnRef idx="1">
+              <a:schemeClr val="accent1"/>
+            </a:lnRef>
+            <a:fillRef idx="0">
+              <a:schemeClr val="accent1"/>
+            </a:fillRef>
+            <a:effectRef idx="0">
+              <a:schemeClr val="accent1"/>
+            </a:effectRef>
+            <a:fontRef idx="minor">
+              <a:schemeClr val="tx1"/>
+            </a:fontRef>
+          </p:style>
+        </p:cxnSp>
+        <p:cxnSp>
+          <p:nvCxnSpPr>
+            <p:cNvPr id="22" name="Elbow Connector 21"/>
+            <p:cNvCxnSpPr>
+              <a:endCxn id="5" idx="1"/>
+            </p:cNvCxnSpPr>
+            <p:nvPr/>
+          </p:nvCxnSpPr>
+          <p:spPr>
+            <a:xfrm rot="16200000" flipH="1">
+              <a:off x="4270695" y="3283813"/>
+              <a:ext cx="383099" cy="256795"/>
+            </a:xfrm>
+            <a:prstGeom prst="bentConnector2">
+              <a:avLst/>
+            </a:prstGeom>
+            <a:ln>
+              <a:solidFill>
+                <a:schemeClr val="tx1"/>
+              </a:solidFill>
+              <a:headEnd type="none"/>
+              <a:tailEnd type="triangle"/>
+            </a:ln>
+          </p:spPr>
+          <p:style>
+            <a:lnRef idx="1">
+              <a:schemeClr val="accent1"/>
+            </a:lnRef>
+            <a:fillRef idx="0">
+              <a:schemeClr val="accent1"/>
+            </a:fillRef>
+            <a:effectRef idx="0">
+              <a:schemeClr val="accent1"/>
+            </a:effectRef>
+            <a:fontRef idx="minor">
+              <a:schemeClr val="tx1"/>
+            </a:fontRef>
+          </p:style>
+        </p:cxnSp>
+      </p:grpSp>
       <p:sp>
         <p:nvSpPr>
-          <p:cNvPr id="3" name="Content Placeholder 2"/>
-          <p:cNvSpPr>
-            <a:spLocks noGrp="1"/>
-          </p:cNvSpPr>
-          <p:nvPr>
-            <p:ph idx="1"/>
-          </p:nvPr>
+          <p:cNvPr id="27" name="TextBox 26"/>
+          <p:cNvSpPr txBox="1"/>
+          <p:nvPr/>
         </p:nvSpPr>
-        <p:spPr/>
+        <p:spPr>
+          <a:xfrm>
+            <a:off x="6684231" y="2475447"/>
+            <a:ext cx="4514373" cy="1446550"/>
+          </a:xfrm>
+          <a:prstGeom prst="rect">
+            <a:avLst/>
+          </a:prstGeom>
+          <a:noFill/>
+        </p:spPr>
         <p:txBody>
-          <a:bodyPr/>
+          <a:bodyPr wrap="square" lIns="182880" tIns="146304" rIns="182880" bIns="146304" rtlCol="0">
+            <a:spAutoFit/>
+          </a:bodyPr>
           <a:lstStyle/>
           <a:p>
-            <a:pPr marL="0" indent="0">
-              <a:buNone/>
+            <a:pPr>
+              <a:lnSpc>
+                <a:spcPct val="90000"/>
+              </a:lnSpc>
+              <a:spcAft>
+                <a:spcPts val="600"/>
+              </a:spcAft>
             </a:pPr>
             <a:r>
-              <a:rPr lang="en-US" dirty="0" smtClean="0"/>
-              <a:t>#load “</a:t>
+              <a:rPr lang="en-US" sz="2400" dirty="0" smtClean="0">
+                <a:gradFill>
+                  <a:gsLst>
+                    <a:gs pos="2917">
+                      <a:schemeClr val="tx1"/>
+                    </a:gs>
+                    <a:gs pos="30000">
+                      <a:schemeClr val="tx1"/>
+                    </a:gs>
+                  </a:gsLst>
+                  <a:lin ang="5400000" scaled="0"/>
+                </a:gradFill>
+              </a:rPr>
+              <a:t>“/” helps produce step values</a:t>
             </a:r>
+          </a:p>
+          <a:p>
+            <a:pPr>
+              <a:lnSpc>
+                <a:spcPct val="90000"/>
+              </a:lnSpc>
+              <a:spcAft>
+                <a:spcPts val="600"/>
+              </a:spcAft>
+            </a:pPr>
             <a:r>
-              <a:rPr lang="en-US" dirty="0" err="1" smtClean="0"/>
-              <a:t>file.csx</a:t>
+              <a:rPr lang="en-US" sz="2400" dirty="0" smtClean="0">
+                <a:gradFill>
+                  <a:gsLst>
+                    <a:gs pos="2917">
+                      <a:schemeClr val="tx1"/>
+                    </a:gs>
+                    <a:gs pos="30000">
+                      <a:schemeClr val="tx1"/>
+                    </a:gs>
+                  </a:gsLst>
+                  <a:lin ang="5400000" scaled="0"/>
+                </a:gradFill>
+              </a:rPr>
+              <a:t>“*” matches all values</a:t>
             </a:r>
+            <a:endParaRPr lang="en-US" sz="2400" dirty="0">
+              <a:gradFill>
+                <a:gsLst>
+                  <a:gs pos="2917">
+                    <a:schemeClr val="tx1"/>
+                  </a:gs>
+                  <a:gs pos="30000">
+                    <a:schemeClr val="tx1"/>
+                  </a:gs>
+                </a:gsLst>
+                <a:lin ang="5400000" scaled="0"/>
+              </a:gradFill>
+            </a:endParaRPr>
+          </a:p>
+          <a:p>
+            <a:pPr>
+              <a:lnSpc>
+                <a:spcPct val="90000"/>
+              </a:lnSpc>
+              <a:spcAft>
+                <a:spcPts val="600"/>
+              </a:spcAft>
+            </a:pPr>
             <a:r>
-              <a:rPr lang="en-US" dirty="0" smtClean="0"/>
-              <a:t>”</a:t>
+              <a:rPr lang="en-US" sz="2400" dirty="0" smtClean="0">
+                <a:gradFill>
+                  <a:gsLst>
+                    <a:gs pos="2917">
+                      <a:schemeClr val="tx1"/>
+                    </a:gs>
+                    <a:gs pos="30000">
+                      <a:schemeClr val="tx1"/>
+                    </a:gs>
+                  </a:gsLst>
+                  <a:lin ang="5400000" scaled="0"/>
+                </a:gradFill>
+              </a:rPr>
+              <a:t>“0” matches only 0</a:t>
             </a:r>
-            <a:endParaRPr lang="en-US" dirty="0"/>
           </a:p>
         </p:txBody>
       </p:sp>
     </p:spTree>
     <p:extLst>
       <p:ext uri="{BB962C8B-B14F-4D97-AF65-F5344CB8AC3E}">
-        <p14:creationId xmlns:p14="http://schemas.microsoft.com/office/powerpoint/2010/main" val="2859547992"/>
+        <p14:creationId xmlns:p14="http://schemas.microsoft.com/office/powerpoint/2010/main" val="3689980863"/>
       </p:ext>
     </p:extLst>
   </p:cSld>
   <p:clrMapOvr>
     <a:masterClrMapping/>
   </p:clrMapOvr>
+  <mc:AlternateContent xmlns:mc="http://schemas.openxmlformats.org/markup-compatibility/2006" xmlns:p14="http://schemas.microsoft.com/office/powerpoint/2010/main">
+    <mc:Choice Requires="p14">
+      <p:transition spd="slow" p14:dur="2000"/>
+    </mc:Choice>
+    <mc:Fallback xmlns="">
+      <p:transition spd="slow"/>
+    </mc:Fallback>
+  </mc:AlternateContent>
   <p:timing>
     <p:tnLst>
       <p:par>
@@ -31663,51 +32655,78 @@
           <a:p>
             <a:r>
               <a:rPr lang="en-US" dirty="0" smtClean="0"/>
-              <a:t>Imperative Binding</a:t>
+              <a:t>HTTP &amp; </a:t>
+            </a:r>
+            <a:r>
+              <a:rPr lang="en-US" dirty="0" err="1" smtClean="0"/>
+              <a:t>Webhook</a:t>
+            </a:r>
+            <a:r>
+              <a:rPr lang="en-US" dirty="0" smtClean="0"/>
+              <a:t> bindings</a:t>
             </a:r>
             <a:endParaRPr lang="en-US" dirty="0"/>
           </a:p>
         </p:txBody>
       </p:sp>
-      <p:sp>
-        <p:nvSpPr>
-          <p:cNvPr id="3" name="Content Placeholder 2"/>
-          <p:cNvSpPr>
-            <a:spLocks noGrp="1"/>
-          </p:cNvSpPr>
-          <p:nvPr>
-            <p:ph idx="1"/>
-          </p:nvPr>
-        </p:nvSpPr>
-        <p:spPr/>
-        <p:txBody>
-          <a:bodyPr/>
-          <a:lstStyle/>
-          <a:p>
-            <a:r>
-              <a:rPr lang="en-US" dirty="0"/>
-              <a:t>https://docs.microsoft.com/en-us/azure/azure-functions/functions-triggers-bindings#advanced-binding-at-runtime-imperative-binding</a:t>
-            </a:r>
-          </a:p>
-        </p:txBody>
-      </p:sp>
+      <p:pic>
+        <p:nvPicPr>
+          <p:cNvPr id="3" name="Picture 2"/>
+          <p:cNvPicPr>
+            <a:picLocks noChangeAspect="1"/>
+          </p:cNvPicPr>
+          <p:nvPr/>
+        </p:nvPicPr>
+        <p:blipFill>
+          <a:blip r:embed="rId2"/>
+          <a:stretch>
+            <a:fillRect/>
+          </a:stretch>
+        </p:blipFill>
+        <p:spPr>
+          <a:xfrm>
+            <a:off x="838199" y="1690688"/>
+            <a:ext cx="4555453" cy="4710112"/>
+          </a:xfrm>
+          <a:prstGeom prst="rect">
+            <a:avLst/>
+          </a:prstGeom>
+        </p:spPr>
+      </p:pic>
+      <p:pic>
+        <p:nvPicPr>
+          <p:cNvPr id="4" name="Picture 3"/>
+          <p:cNvPicPr>
+            <a:picLocks noChangeAspect="1"/>
+          </p:cNvPicPr>
+          <p:nvPr/>
+        </p:nvPicPr>
+        <p:blipFill>
+          <a:blip r:embed="rId3"/>
+          <a:stretch>
+            <a:fillRect/>
+          </a:stretch>
+        </p:blipFill>
+        <p:spPr>
+          <a:xfrm>
+            <a:off x="6173778" y="1690688"/>
+            <a:ext cx="5180022" cy="4528820"/>
+          </a:xfrm>
+          <a:prstGeom prst="rect">
+            <a:avLst/>
+          </a:prstGeom>
+        </p:spPr>
+      </p:pic>
     </p:spTree>
     <p:extLst>
       <p:ext uri="{BB962C8B-B14F-4D97-AF65-F5344CB8AC3E}">
-        <p14:creationId xmlns:p14="http://schemas.microsoft.com/office/powerpoint/2010/main" val="4071425788"/>
+        <p14:creationId xmlns:p14="http://schemas.microsoft.com/office/powerpoint/2010/main" val="1056166628"/>
       </p:ext>
     </p:extLst>
   </p:cSld>
   <p:clrMapOvr>
     <a:masterClrMapping/>
   </p:clrMapOvr>
-  <p:timing>
-    <p:tnLst>
-      <p:par>
-        <p:cTn id="1" dur="indefinite" restart="never" nodeType="tmRoot"/>
-      </p:par>
-    </p:tnLst>
-  </p:timing>
 </p:sld>
 </file>
 
@@ -31744,6 +32763,425 @@
           <a:lstStyle/>
           <a:p>
             <a:r>
+              <a:rPr lang="en-US" dirty="0"/>
+              <a:t>HTTP &amp; </a:t>
+            </a:r>
+            <a:r>
+              <a:rPr lang="en-US" dirty="0" err="1"/>
+              <a:t>Webhook</a:t>
+            </a:r>
+            <a:r>
+              <a:rPr lang="en-US" dirty="0"/>
+              <a:t> bindings</a:t>
+            </a:r>
+          </a:p>
+        </p:txBody>
+      </p:sp>
+      <p:pic>
+        <p:nvPicPr>
+          <p:cNvPr id="5" name="Picture 4"/>
+          <p:cNvPicPr>
+            <a:picLocks noChangeAspect="1"/>
+          </p:cNvPicPr>
+          <p:nvPr/>
+        </p:nvPicPr>
+        <p:blipFill>
+          <a:blip r:embed="rId2"/>
+          <a:stretch>
+            <a:fillRect/>
+          </a:stretch>
+        </p:blipFill>
+        <p:spPr>
+          <a:xfrm>
+            <a:off x="2372116" y="1836262"/>
+            <a:ext cx="4767923" cy="2672677"/>
+          </a:xfrm>
+          <a:prstGeom prst="rect">
+            <a:avLst/>
+          </a:prstGeom>
+        </p:spPr>
+      </p:pic>
+    </p:spTree>
+    <p:extLst>
+      <p:ext uri="{BB962C8B-B14F-4D97-AF65-F5344CB8AC3E}">
+        <p14:creationId xmlns:p14="http://schemas.microsoft.com/office/powerpoint/2010/main" val="3767236833"/>
+      </p:ext>
+    </p:extLst>
+  </p:cSld>
+  <p:clrMapOvr>
+    <a:masterClrMapping/>
+  </p:clrMapOvr>
+</p:sld>
+</file>
+
+<file path=ppt/slides/slide35.xml><?xml version="1.0" encoding="utf-8"?>
+<p:sld xmlns:a="http://schemas.openxmlformats.org/drawingml/2006/main" xmlns:r="http://schemas.openxmlformats.org/officeDocument/2006/relationships" xmlns:p="http://schemas.openxmlformats.org/presentationml/2006/main">
+  <p:cSld>
+    <p:spTree>
+      <p:nvGrpSpPr>
+        <p:cNvPr id="1" name=""/>
+        <p:cNvGrpSpPr/>
+        <p:nvPr/>
+      </p:nvGrpSpPr>
+      <p:grpSpPr>
+        <a:xfrm>
+          <a:off x="0" y="0"/>
+          <a:ext cx="0" cy="0"/>
+          <a:chOff x="0" y="0"/>
+          <a:chExt cx="0" cy="0"/>
+        </a:xfrm>
+      </p:grpSpPr>
+      <p:sp>
+        <p:nvSpPr>
+          <p:cNvPr id="2" name="Title 1"/>
+          <p:cNvSpPr>
+            <a:spLocks noGrp="1"/>
+          </p:cNvSpPr>
+          <p:nvPr>
+            <p:ph type="title"/>
+          </p:nvPr>
+        </p:nvSpPr>
+        <p:spPr>
+          <a:xfrm>
+            <a:off x="269239" y="2084172"/>
+            <a:ext cx="11653523" cy="2139688"/>
+          </a:xfrm>
+        </p:spPr>
+        <p:txBody>
+          <a:bodyPr/>
+          <a:lstStyle/>
+          <a:p>
+            <a:r>
+              <a:rPr lang="en-US" dirty="0" smtClean="0"/>
+              <a:t>Advanced Programming Techniques</a:t>
+            </a:r>
+            <a:endParaRPr lang="en-US" dirty="0"/>
+          </a:p>
+        </p:txBody>
+      </p:sp>
+    </p:spTree>
+    <p:extLst>
+      <p:ext uri="{BB962C8B-B14F-4D97-AF65-F5344CB8AC3E}">
+        <p14:creationId xmlns:p14="http://schemas.microsoft.com/office/powerpoint/2010/main" val="33542806"/>
+      </p:ext>
+    </p:extLst>
+  </p:cSld>
+  <p:clrMapOvr>
+    <a:masterClrMapping/>
+  </p:clrMapOvr>
+  <p:transition>
+    <p:fade/>
+  </p:transition>
+  <p:timing>
+    <p:tnLst>
+      <p:par>
+        <p:cTn id="1" dur="indefinite" restart="never" nodeType="tmRoot"/>
+      </p:par>
+    </p:tnLst>
+  </p:timing>
+</p:sld>
+</file>
+
+<file path=ppt/slides/slide36.xml><?xml version="1.0" encoding="utf-8"?>
+<p:sld xmlns:a="http://schemas.openxmlformats.org/drawingml/2006/main" xmlns:r="http://schemas.openxmlformats.org/officeDocument/2006/relationships" xmlns:p="http://schemas.openxmlformats.org/presentationml/2006/main">
+  <p:cSld>
+    <p:spTree>
+      <p:nvGrpSpPr>
+        <p:cNvPr id="1" name=""/>
+        <p:cNvGrpSpPr/>
+        <p:nvPr/>
+      </p:nvGrpSpPr>
+      <p:grpSpPr>
+        <a:xfrm>
+          <a:off x="0" y="0"/>
+          <a:ext cx="0" cy="0"/>
+          <a:chOff x="0" y="0"/>
+          <a:chExt cx="0" cy="0"/>
+        </a:xfrm>
+      </p:grpSpPr>
+      <p:sp>
+        <p:nvSpPr>
+          <p:cNvPr id="2" name="Title 1"/>
+          <p:cNvSpPr>
+            <a:spLocks noGrp="1"/>
+          </p:cNvSpPr>
+          <p:nvPr>
+            <p:ph type="title"/>
+          </p:nvPr>
+        </p:nvSpPr>
+        <p:spPr/>
+        <p:txBody>
+          <a:bodyPr/>
+          <a:lstStyle/>
+          <a:p>
+            <a:r>
+              <a:rPr lang="en-US" dirty="0" smtClean="0"/>
+              <a:t>Calling Other Functions</a:t>
+            </a:r>
+            <a:endParaRPr lang="en-US" dirty="0"/>
+          </a:p>
+        </p:txBody>
+      </p:sp>
+      <p:sp>
+        <p:nvSpPr>
+          <p:cNvPr id="3" name="Content Placeholder 2"/>
+          <p:cNvSpPr>
+            <a:spLocks noGrp="1"/>
+          </p:cNvSpPr>
+          <p:nvPr>
+            <p:ph idx="1"/>
+          </p:nvPr>
+        </p:nvSpPr>
+        <p:spPr/>
+        <p:txBody>
+          <a:bodyPr/>
+          <a:lstStyle/>
+          <a:p>
+            <a:r>
+              <a:rPr lang="en-US" dirty="0" smtClean="0"/>
+              <a:t>Use an output trigger followed by that same trigger, but as an input trigger to the next function to trigger</a:t>
+            </a:r>
+          </a:p>
+          <a:p>
+            <a:r>
+              <a:rPr lang="en-US" dirty="0" smtClean="0"/>
+              <a:t>Must be inside same Function App</a:t>
+            </a:r>
+          </a:p>
+          <a:p>
+            <a:endParaRPr lang="en-US" dirty="0"/>
+          </a:p>
+        </p:txBody>
+      </p:sp>
+    </p:spTree>
+    <p:extLst>
+      <p:ext uri="{BB962C8B-B14F-4D97-AF65-F5344CB8AC3E}">
+        <p14:creationId xmlns:p14="http://schemas.microsoft.com/office/powerpoint/2010/main" val="2837863278"/>
+      </p:ext>
+    </p:extLst>
+  </p:cSld>
+  <p:clrMapOvr>
+    <a:masterClrMapping/>
+  </p:clrMapOvr>
+  <p:timing>
+    <p:tnLst>
+      <p:par>
+        <p:cTn id="1" dur="indefinite" restart="never" nodeType="tmRoot"/>
+      </p:par>
+    </p:tnLst>
+  </p:timing>
+</p:sld>
+</file>
+
+<file path=ppt/slides/slide37.xml><?xml version="1.0" encoding="utf-8"?>
+<p:sld xmlns:a="http://schemas.openxmlformats.org/drawingml/2006/main" xmlns:r="http://schemas.openxmlformats.org/officeDocument/2006/relationships" xmlns:p="http://schemas.openxmlformats.org/presentationml/2006/main">
+  <p:cSld>
+    <p:spTree>
+      <p:nvGrpSpPr>
+        <p:cNvPr id="1" name=""/>
+        <p:cNvGrpSpPr/>
+        <p:nvPr/>
+      </p:nvGrpSpPr>
+      <p:grpSpPr>
+        <a:xfrm>
+          <a:off x="0" y="0"/>
+          <a:ext cx="0" cy="0"/>
+          <a:chOff x="0" y="0"/>
+          <a:chExt cx="0" cy="0"/>
+        </a:xfrm>
+      </p:grpSpPr>
+      <p:sp>
+        <p:nvSpPr>
+          <p:cNvPr id="2" name="Title 1"/>
+          <p:cNvSpPr>
+            <a:spLocks noGrp="1"/>
+          </p:cNvSpPr>
+          <p:nvPr>
+            <p:ph type="title"/>
+          </p:nvPr>
+        </p:nvSpPr>
+        <p:spPr/>
+        <p:txBody>
+          <a:bodyPr/>
+          <a:lstStyle/>
+          <a:p>
+            <a:r>
+              <a:rPr lang="en-US" dirty="0" smtClean="0"/>
+              <a:t>Working with multiple code files</a:t>
+            </a:r>
+            <a:endParaRPr lang="en-US" dirty="0"/>
+          </a:p>
+        </p:txBody>
+      </p:sp>
+      <p:sp>
+        <p:nvSpPr>
+          <p:cNvPr id="3" name="Content Placeholder 2"/>
+          <p:cNvSpPr>
+            <a:spLocks noGrp="1"/>
+          </p:cNvSpPr>
+          <p:nvPr>
+            <p:ph idx="1"/>
+          </p:nvPr>
+        </p:nvSpPr>
+        <p:spPr/>
+        <p:txBody>
+          <a:bodyPr/>
+          <a:lstStyle/>
+          <a:p>
+            <a:pPr marL="0" indent="0">
+              <a:buNone/>
+            </a:pPr>
+            <a:r>
+              <a:rPr lang="en-US" dirty="0" smtClean="0"/>
+              <a:t>#load “</a:t>
+            </a:r>
+            <a:r>
+              <a:rPr lang="en-US" dirty="0" err="1" smtClean="0"/>
+              <a:t>file.csx</a:t>
+            </a:r>
+            <a:r>
+              <a:rPr lang="en-US" dirty="0" smtClean="0"/>
+              <a:t>”</a:t>
+            </a:r>
+            <a:endParaRPr lang="en-US" dirty="0"/>
+          </a:p>
+        </p:txBody>
+      </p:sp>
+    </p:spTree>
+    <p:extLst>
+      <p:ext uri="{BB962C8B-B14F-4D97-AF65-F5344CB8AC3E}">
+        <p14:creationId xmlns:p14="http://schemas.microsoft.com/office/powerpoint/2010/main" val="2859547992"/>
+      </p:ext>
+    </p:extLst>
+  </p:cSld>
+  <p:clrMapOvr>
+    <a:masterClrMapping/>
+  </p:clrMapOvr>
+  <p:timing>
+    <p:tnLst>
+      <p:par>
+        <p:cTn id="1" dur="indefinite" restart="never" nodeType="tmRoot"/>
+      </p:par>
+    </p:tnLst>
+  </p:timing>
+</p:sld>
+</file>
+
+<file path=ppt/slides/slide38.xml><?xml version="1.0" encoding="utf-8"?>
+<p:sld xmlns:a="http://schemas.openxmlformats.org/drawingml/2006/main" xmlns:r="http://schemas.openxmlformats.org/officeDocument/2006/relationships" xmlns:p="http://schemas.openxmlformats.org/presentationml/2006/main">
+  <p:cSld>
+    <p:spTree>
+      <p:nvGrpSpPr>
+        <p:cNvPr id="1" name=""/>
+        <p:cNvGrpSpPr/>
+        <p:nvPr/>
+      </p:nvGrpSpPr>
+      <p:grpSpPr>
+        <a:xfrm>
+          <a:off x="0" y="0"/>
+          <a:ext cx="0" cy="0"/>
+          <a:chOff x="0" y="0"/>
+          <a:chExt cx="0" cy="0"/>
+        </a:xfrm>
+      </p:grpSpPr>
+      <p:sp>
+        <p:nvSpPr>
+          <p:cNvPr id="2" name="Title 1"/>
+          <p:cNvSpPr>
+            <a:spLocks noGrp="1"/>
+          </p:cNvSpPr>
+          <p:nvPr>
+            <p:ph type="title"/>
+          </p:nvPr>
+        </p:nvSpPr>
+        <p:spPr/>
+        <p:txBody>
+          <a:bodyPr/>
+          <a:lstStyle/>
+          <a:p>
+            <a:r>
+              <a:rPr lang="en-US" dirty="0" smtClean="0"/>
+              <a:t>Imperative Binding</a:t>
+            </a:r>
+            <a:endParaRPr lang="en-US" dirty="0"/>
+          </a:p>
+        </p:txBody>
+      </p:sp>
+      <p:sp>
+        <p:nvSpPr>
+          <p:cNvPr id="3" name="Content Placeholder 2"/>
+          <p:cNvSpPr>
+            <a:spLocks noGrp="1"/>
+          </p:cNvSpPr>
+          <p:nvPr>
+            <p:ph idx="1"/>
+          </p:nvPr>
+        </p:nvSpPr>
+        <p:spPr/>
+        <p:txBody>
+          <a:bodyPr/>
+          <a:lstStyle/>
+          <a:p>
+            <a:r>
+              <a:rPr lang="en-US" dirty="0"/>
+              <a:t>https://docs.microsoft.com/en-us/azure/azure-functions/functions-triggers-bindings#advanced-binding-at-runtime-imperative-binding</a:t>
+            </a:r>
+          </a:p>
+        </p:txBody>
+      </p:sp>
+    </p:spTree>
+    <p:extLst>
+      <p:ext uri="{BB962C8B-B14F-4D97-AF65-F5344CB8AC3E}">
+        <p14:creationId xmlns:p14="http://schemas.microsoft.com/office/powerpoint/2010/main" val="4071425788"/>
+      </p:ext>
+    </p:extLst>
+  </p:cSld>
+  <p:clrMapOvr>
+    <a:masterClrMapping/>
+  </p:clrMapOvr>
+  <p:timing>
+    <p:tnLst>
+      <p:par>
+        <p:cTn id="1" dur="indefinite" restart="never" nodeType="tmRoot"/>
+      </p:par>
+    </p:tnLst>
+  </p:timing>
+</p:sld>
+</file>
+
+<file path=ppt/slides/slide39.xml><?xml version="1.0" encoding="utf-8"?>
+<p:sld xmlns:a="http://schemas.openxmlformats.org/drawingml/2006/main" xmlns:r="http://schemas.openxmlformats.org/officeDocument/2006/relationships" xmlns:p="http://schemas.openxmlformats.org/presentationml/2006/main">
+  <p:cSld>
+    <p:spTree>
+      <p:nvGrpSpPr>
+        <p:cNvPr id="1" name=""/>
+        <p:cNvGrpSpPr/>
+        <p:nvPr/>
+      </p:nvGrpSpPr>
+      <p:grpSpPr>
+        <a:xfrm>
+          <a:off x="0" y="0"/>
+          <a:ext cx="0" cy="0"/>
+          <a:chOff x="0" y="0"/>
+          <a:chExt cx="0" cy="0"/>
+        </a:xfrm>
+      </p:grpSpPr>
+      <p:sp>
+        <p:nvSpPr>
+          <p:cNvPr id="2" name="Title 1"/>
+          <p:cNvSpPr>
+            <a:spLocks noGrp="1"/>
+          </p:cNvSpPr>
+          <p:nvPr>
+            <p:ph type="title"/>
+          </p:nvPr>
+        </p:nvSpPr>
+        <p:spPr/>
+        <p:txBody>
+          <a:bodyPr/>
+          <a:lstStyle/>
+          <a:p>
+            <a:r>
               <a:rPr lang="en-US" dirty="0" smtClean="0"/>
               <a:t>Tools</a:t>
             </a:r>
@@ -31774,7 +33212,107 @@
 </p:sld>
 </file>
 
-<file path=ppt/slides/slide35.xml><?xml version="1.0" encoding="utf-8"?>
+<file path=ppt/slides/slide4.xml><?xml version="1.0" encoding="utf-8"?>
+<p:sld xmlns:a="http://schemas.openxmlformats.org/drawingml/2006/main" xmlns:r="http://schemas.openxmlformats.org/officeDocument/2006/relationships" xmlns:p="http://schemas.openxmlformats.org/presentationml/2006/main">
+  <p:cSld>
+    <p:spTree>
+      <p:nvGrpSpPr>
+        <p:cNvPr id="1" name=""/>
+        <p:cNvGrpSpPr/>
+        <p:nvPr/>
+      </p:nvGrpSpPr>
+      <p:grpSpPr>
+        <a:xfrm>
+          <a:off x="0" y="0"/>
+          <a:ext cx="0" cy="0"/>
+          <a:chOff x="0" y="0"/>
+          <a:chExt cx="0" cy="0"/>
+        </a:xfrm>
+      </p:grpSpPr>
+      <p:sp>
+        <p:nvSpPr>
+          <p:cNvPr id="2" name="Title 1"/>
+          <p:cNvSpPr>
+            <a:spLocks noGrp="1"/>
+          </p:cNvSpPr>
+          <p:nvPr>
+            <p:ph type="title"/>
+          </p:nvPr>
+        </p:nvSpPr>
+        <p:spPr/>
+        <p:txBody>
+          <a:bodyPr/>
+          <a:lstStyle/>
+          <a:p>
+            <a:r>
+              <a:rPr lang="en-US" dirty="0" smtClean="0"/>
+              <a:t>What is a Function?</a:t>
+            </a:r>
+            <a:endParaRPr lang="en-US" dirty="0"/>
+          </a:p>
+        </p:txBody>
+      </p:sp>
+      <p:sp>
+        <p:nvSpPr>
+          <p:cNvPr id="3" name="Content Placeholder 2"/>
+          <p:cNvSpPr>
+            <a:spLocks noGrp="1"/>
+          </p:cNvSpPr>
+          <p:nvPr>
+            <p:ph idx="1"/>
+          </p:nvPr>
+        </p:nvSpPr>
+        <p:spPr/>
+        <p:txBody>
+          <a:bodyPr/>
+          <a:lstStyle/>
+          <a:p>
+            <a:pPr marL="582873" indent="-582873"/>
+            <a:r>
+              <a:rPr lang="en-US" dirty="0"/>
+              <a:t>Function as the unit of work</a:t>
+            </a:r>
+          </a:p>
+          <a:p>
+            <a:pPr marL="582873" indent="-582873"/>
+            <a:r>
+              <a:rPr lang="en-US" dirty="0"/>
+              <a:t>Functions are executed; they start and finish</a:t>
+            </a:r>
+          </a:p>
+          <a:p>
+            <a:pPr marL="582873" indent="-582873"/>
+            <a:r>
+              <a:rPr lang="en-US" dirty="0"/>
+              <a:t>Functions have inputs and outputs</a:t>
+            </a:r>
+          </a:p>
+          <a:p>
+            <a:endParaRPr lang="en-US" dirty="0"/>
+          </a:p>
+        </p:txBody>
+      </p:sp>
+    </p:spTree>
+    <p:extLst>
+      <p:ext uri="{BB962C8B-B14F-4D97-AF65-F5344CB8AC3E}">
+        <p14:creationId xmlns:p14="http://schemas.microsoft.com/office/powerpoint/2010/main" val="2484103412"/>
+      </p:ext>
+    </p:extLst>
+  </p:cSld>
+  <p:clrMapOvr>
+    <a:masterClrMapping/>
+  </p:clrMapOvr>
+  <p:timing>
+    <p:tnLst>
+      <p:par>
+        <p:cTn id="1" dur="indefinite" restart="never" nodeType="tmRoot"/>
+      </p:par>
+    </p:tnLst>
+  </p:timing>
+</p:sld>
+</file>
+
+<file path=ppt/slides/slide40.xml><?xml version="1.0" encoding="utf-8"?>
 <p:sld xmlns:a="http://schemas.openxmlformats.org/drawingml/2006/main" xmlns:r="http://schemas.openxmlformats.org/officeDocument/2006/relationships" xmlns:p="http://schemas.openxmlformats.org/presentationml/2006/main">
   <p:cSld>
     <p:spTree>
@@ -31878,7 +33416,6 @@
               <a:rPr lang="en-US" dirty="0" smtClean="0"/>
               <a:t>-and-</a:t>
             </a:r>
-            <a:endParaRPr lang="en-US" dirty="0" smtClean="0"/>
           </a:p>
           <a:p>
             <a:pPr marL="0" indent="0" algn="ctr">
@@ -32214,7 +33751,7 @@
 </p:sld>
 </file>
 
-<file path=ppt/slides/slide36.xml><?xml version="1.0" encoding="utf-8"?>
+<file path=ppt/slides/slide41.xml><?xml version="1.0" encoding="utf-8"?>
 <p:sld xmlns:a="http://schemas.openxmlformats.org/drawingml/2006/main" xmlns:r="http://schemas.openxmlformats.org/officeDocument/2006/relationships" xmlns:p="http://schemas.openxmlformats.org/presentationml/2006/main">
   <p:cSld>
     <p:spTree>
@@ -32311,7 +33848,7 @@
 </p:sld>
 </file>
 
-<file path=ppt/slides/slide37.xml><?xml version="1.0" encoding="utf-8"?>
+<file path=ppt/slides/slide42.xml><?xml version="1.0" encoding="utf-8"?>
 <p:sld xmlns:a="http://schemas.openxmlformats.org/drawingml/2006/main" xmlns:r="http://schemas.openxmlformats.org/officeDocument/2006/relationships" xmlns:p="http://schemas.openxmlformats.org/presentationml/2006/main">
   <p:cSld>
     <p:spTree>
@@ -32476,7 +34013,7 @@
 </p:sld>
 </file>
 
-<file path=ppt/slides/slide38.xml><?xml version="1.0" encoding="utf-8"?>
+<file path=ppt/slides/slide43.xml><?xml version="1.0" encoding="utf-8"?>
 <p:sld xmlns:a="http://schemas.openxmlformats.org/drawingml/2006/main" xmlns:r="http://schemas.openxmlformats.org/officeDocument/2006/relationships" xmlns:p="http://schemas.openxmlformats.org/presentationml/2006/main">
   <p:cSld>
     <p:spTree>
@@ -32760,7 +34297,7 @@
 </p:sld>
 </file>
 
-<file path=ppt/slides/slide39.xml><?xml version="1.0" encoding="utf-8"?>
+<file path=ppt/slides/slide44.xml><?xml version="1.0" encoding="utf-8"?>
 <p:sld xmlns:a="http://schemas.openxmlformats.org/drawingml/2006/main" xmlns:r="http://schemas.openxmlformats.org/officeDocument/2006/relationships" xmlns:p="http://schemas.openxmlformats.org/presentationml/2006/main">
   <p:cSld>
     <p:spTree>
@@ -32794,11 +34331,7 @@
           <a:p>
             <a:r>
               <a:rPr lang="en-US" dirty="0" smtClean="0"/>
-              <a:t>Scaling &amp; Best </a:t>
-            </a:r>
-            <a:r>
-              <a:rPr lang="en-US" dirty="0" smtClean="0"/>
-              <a:t>Practices</a:t>
+              <a:t>Scaling &amp; Best Practices</a:t>
             </a:r>
             <a:endParaRPr lang="en-US" dirty="0"/>
           </a:p>
@@ -32827,7 +34360,7 @@
 </p:sld>
 </file>
 
-<file path=ppt/slides/slide4.xml><?xml version="1.0" encoding="utf-8"?>
+<file path=ppt/slides/slide45.xml><?xml version="1.0" encoding="utf-8"?>
 <p:sld xmlns:a="http://schemas.openxmlformats.org/drawingml/2006/main" xmlns:r="http://schemas.openxmlformats.org/officeDocument/2006/relationships" xmlns:p="http://schemas.openxmlformats.org/presentationml/2006/main">
   <p:cSld>
     <p:spTree>
@@ -32861,7 +34394,7 @@
           <a:p>
             <a:r>
               <a:rPr lang="en-US" dirty="0" smtClean="0"/>
-              <a:t>What is a Function?</a:t>
+              <a:t>Managing Workloads/Scaling</a:t>
             </a:r>
             <a:endParaRPr lang="en-US" dirty="0"/>
           </a:p>
@@ -32882,25 +34415,46 @@
           <a:bodyPr/>
           <a:lstStyle/>
           <a:p>
-            <a:pPr marL="582873" indent="-582873"/>
             <a:r>
-              <a:rPr lang="en-US" dirty="0"/>
-              <a:t>Function as the unit of work</a:t>
+              <a:rPr lang="en-US" dirty="0" smtClean="0"/>
+              <a:t>Keep functions idempotent and stateless</a:t>
             </a:r>
           </a:p>
           <a:p>
-            <a:pPr marL="582873" indent="-582873"/>
             <a:r>
-              <a:rPr lang="en-US" dirty="0"/>
-              <a:t>Functions are executed; they start and finish</a:t>
+              <a:rPr lang="en-US" dirty="0" err="1" smtClean="0"/>
+              <a:t>Async</a:t>
             </a:r>
-          </a:p>
-          <a:p>
-            <a:pPr marL="582873" indent="-582873"/>
             <a:r>
-              <a:rPr lang="en-US" dirty="0"/>
-              <a:t>Functions have inputs and outputs</a:t>
+              <a:rPr lang="en-US" dirty="0" smtClean="0"/>
+              <a:t> is best but avoid </a:t>
             </a:r>
+            <a:r>
+              <a:rPr lang="en-US" dirty="0" err="1" smtClean="0"/>
+              <a:t>Task.Result</a:t>
+            </a:r>
+            <a:endParaRPr lang="en-US" dirty="0" smtClean="0"/>
+          </a:p>
+          <a:p>
+            <a:r>
+              <a:rPr lang="en-US" dirty="0" smtClean="0"/>
+              <a:t>Avoid long running functions</a:t>
+            </a:r>
+          </a:p>
+          <a:p>
+            <a:r>
+              <a:rPr lang="en-US" dirty="0" smtClean="0"/>
+              <a:t>Queues are best for cross function communication</a:t>
+            </a:r>
+          </a:p>
+          <a:p>
+            <a:r>
+              <a:rPr lang="en-US" dirty="0" smtClean="0"/>
+              <a:t>Code in exception management</a:t>
+            </a:r>
+          </a:p>
+          <a:p>
+            <a:endParaRPr lang="en-US" dirty="0" smtClean="0"/>
           </a:p>
           <a:p>
             <a:endParaRPr lang="en-US" dirty="0"/>
@@ -32910,7 +34464,7 @@
     </p:spTree>
     <p:extLst>
       <p:ext uri="{BB962C8B-B14F-4D97-AF65-F5344CB8AC3E}">
-        <p14:creationId xmlns:p14="http://schemas.microsoft.com/office/powerpoint/2010/main" val="2484103412"/>
+        <p14:creationId xmlns:p14="http://schemas.microsoft.com/office/powerpoint/2010/main" val="1789099942"/>
       </p:ext>
     </p:extLst>
   </p:cSld>
@@ -32927,7 +34481,7 @@
 </p:sld>
 </file>
 
-<file path=ppt/slides/slide40.xml><?xml version="1.0" encoding="utf-8"?>
+<file path=ppt/slides/slide46.xml><?xml version="1.0" encoding="utf-8"?>
 <p:sld xmlns:a="http://schemas.openxmlformats.org/drawingml/2006/main" xmlns:r="http://schemas.openxmlformats.org/officeDocument/2006/relationships" xmlns:p="http://schemas.openxmlformats.org/presentationml/2006/main">
   <p:cSld>
     <p:spTree>
@@ -32961,7 +34515,7 @@
           <a:p>
             <a:r>
               <a:rPr lang="en-US" dirty="0" smtClean="0"/>
-              <a:t>Managing Workloads/Scaling</a:t>
+              <a:t>Best Practices</a:t>
             </a:r>
             <a:endParaRPr lang="en-US" dirty="0"/>
           </a:p>
@@ -32984,40 +34538,31 @@
           <a:p>
             <a:r>
               <a:rPr lang="en-US" dirty="0" smtClean="0"/>
-              <a:t>Keep functions idempotent and stateless</a:t>
+              <a:t>Small, fast-running functions</a:t>
             </a:r>
           </a:p>
           <a:p>
-            <a:r>
-              <a:rPr lang="en-US" dirty="0" err="1" smtClean="0"/>
-              <a:t>Async</a:t>
-            </a:r>
             <a:r>
               <a:rPr lang="en-US" dirty="0" smtClean="0"/>
-              <a:t> is best but avoid </a:t>
+              <a:t>Asynchronous &gt; Synchronous</a:t>
             </a:r>
-            <a:r>
-              <a:rPr lang="en-US" dirty="0" err="1" smtClean="0"/>
-              <a:t>Task.Result</a:t>
-            </a:r>
-            <a:endParaRPr lang="en-US" dirty="0" smtClean="0"/>
           </a:p>
           <a:p>
             <a:r>
               <a:rPr lang="en-US" dirty="0" smtClean="0"/>
-              <a:t>Avoid long running functions</a:t>
+              <a:t>Caching and singletons (memory is shared between functions)</a:t>
             </a:r>
           </a:p>
           <a:p>
             <a:r>
               <a:rPr lang="en-US" dirty="0" smtClean="0"/>
-              <a:t>Queues are best for cross function communication</a:t>
+              <a:t>Avoid disk operations (shared across functions)</a:t>
             </a:r>
           </a:p>
           <a:p>
             <a:r>
               <a:rPr lang="en-US" dirty="0" smtClean="0"/>
-              <a:t>Code in exception management</a:t>
+              <a:t>Use App Service guidelines</a:t>
             </a:r>
           </a:p>
           <a:p>
@@ -33031,7 +34576,7 @@
     </p:spTree>
     <p:extLst>
       <p:ext uri="{BB962C8B-B14F-4D97-AF65-F5344CB8AC3E}">
-        <p14:creationId xmlns:p14="http://schemas.microsoft.com/office/powerpoint/2010/main" val="1789099942"/>
+        <p14:creationId xmlns:p14="http://schemas.microsoft.com/office/powerpoint/2010/main" val="3229966093"/>
       </p:ext>
     </p:extLst>
   </p:cSld>
@@ -33048,7 +34593,7 @@
 </p:sld>
 </file>
 
-<file path=ppt/slides/slide41.xml><?xml version="1.0" encoding="utf-8"?>
+<file path=ppt/slides/slide47.xml><?xml version="1.0" encoding="utf-8"?>
 <p:sld xmlns:a="http://schemas.openxmlformats.org/drawingml/2006/main" xmlns:r="http://schemas.openxmlformats.org/officeDocument/2006/relationships" xmlns:p="http://schemas.openxmlformats.org/presentationml/2006/main">
   <p:cSld>
     <p:spTree>
@@ -33082,60 +34627,8 @@
           <a:p>
             <a:r>
               <a:rPr lang="en-US" dirty="0" smtClean="0"/>
-              <a:t>Best Practices</a:t>
+              <a:t>Settings &amp; Deployment</a:t>
             </a:r>
-            <a:endParaRPr lang="en-US" dirty="0"/>
-          </a:p>
-        </p:txBody>
-      </p:sp>
-      <p:sp>
-        <p:nvSpPr>
-          <p:cNvPr id="3" name="Content Placeholder 2"/>
-          <p:cNvSpPr>
-            <a:spLocks noGrp="1"/>
-          </p:cNvSpPr>
-          <p:nvPr>
-            <p:ph idx="1"/>
-          </p:nvPr>
-        </p:nvSpPr>
-        <p:spPr/>
-        <p:txBody>
-          <a:bodyPr/>
-          <a:lstStyle/>
-          <a:p>
-            <a:r>
-              <a:rPr lang="en-US" dirty="0" smtClean="0"/>
-              <a:t>Small, fast-running functions</a:t>
-            </a:r>
-          </a:p>
-          <a:p>
-            <a:r>
-              <a:rPr lang="en-US" dirty="0" smtClean="0"/>
-              <a:t>Asynchronous &gt; Synchronous</a:t>
-            </a:r>
-          </a:p>
-          <a:p>
-            <a:r>
-              <a:rPr lang="en-US" dirty="0" smtClean="0"/>
-              <a:t>Caching and singletons (memory is shared between functions)</a:t>
-            </a:r>
-          </a:p>
-          <a:p>
-            <a:r>
-              <a:rPr lang="en-US" dirty="0" smtClean="0"/>
-              <a:t>Avoid disk operations (shared across functions)</a:t>
-            </a:r>
-          </a:p>
-          <a:p>
-            <a:r>
-              <a:rPr lang="en-US" dirty="0" smtClean="0"/>
-              <a:t>Use App Service guidelines</a:t>
-            </a:r>
-          </a:p>
-          <a:p>
-            <a:endParaRPr lang="en-US" dirty="0" smtClean="0"/>
-          </a:p>
-          <a:p>
             <a:endParaRPr lang="en-US" dirty="0"/>
           </a:p>
         </p:txBody>
@@ -33143,13 +34636,16 @@
     </p:spTree>
     <p:extLst>
       <p:ext uri="{BB962C8B-B14F-4D97-AF65-F5344CB8AC3E}">
-        <p14:creationId xmlns:p14="http://schemas.microsoft.com/office/powerpoint/2010/main" val="3229966093"/>
+        <p14:creationId xmlns:p14="http://schemas.microsoft.com/office/powerpoint/2010/main" val="2098536624"/>
       </p:ext>
     </p:extLst>
   </p:cSld>
   <p:clrMapOvr>
     <a:masterClrMapping/>
   </p:clrMapOvr>
+  <p:transition>
+    <p:fade/>
+  </p:transition>
   <p:timing>
     <p:tnLst>
       <p:par>
@@ -33160,7 +34656,7 @@
 </p:sld>
 </file>
 
-<file path=ppt/slides/slide42.xml><?xml version="1.0" encoding="utf-8"?>
+<file path=ppt/slides/slide48.xml><?xml version="1.0" encoding="utf-8"?>
 <p:sld xmlns:a="http://schemas.openxmlformats.org/drawingml/2006/main" xmlns:r="http://schemas.openxmlformats.org/officeDocument/2006/relationships" xmlns:p="http://schemas.openxmlformats.org/presentationml/2006/main">
   <p:cSld>
     <p:spTree>
@@ -33193,37 +34689,140 @@
           <a:lstStyle/>
           <a:p>
             <a:r>
-              <a:rPr lang="en-US" smtClean="0"/>
-              <a:t>Deployment</a:t>
+              <a:rPr lang="en-US" dirty="0" smtClean="0"/>
+              <a:t>Settings</a:t>
             </a:r>
             <a:endParaRPr lang="en-US" dirty="0"/>
           </a:p>
         </p:txBody>
       </p:sp>
+      <p:pic>
+        <p:nvPicPr>
+          <p:cNvPr id="6" name="Picture 5"/>
+          <p:cNvPicPr>
+            <a:picLocks noChangeAspect="1"/>
+          </p:cNvPicPr>
+          <p:nvPr/>
+        </p:nvPicPr>
+        <p:blipFill>
+          <a:blip r:embed="rId2"/>
+          <a:stretch>
+            <a:fillRect/>
+          </a:stretch>
+        </p:blipFill>
+        <p:spPr>
+          <a:xfrm>
+            <a:off x="-627" y="0"/>
+            <a:ext cx="12192627" cy="5747045"/>
+          </a:xfrm>
+          <a:prstGeom prst="rect">
+            <a:avLst/>
+          </a:prstGeom>
+        </p:spPr>
+      </p:pic>
+      <p:pic>
+        <p:nvPicPr>
+          <p:cNvPr id="5" name="Content Placeholder 4"/>
+          <p:cNvPicPr>
+            <a:picLocks noGrp="1" noChangeAspect="1"/>
+          </p:cNvPicPr>
+          <p:nvPr>
+            <p:ph idx="1"/>
+          </p:nvPr>
+        </p:nvPicPr>
+        <p:blipFill>
+          <a:blip r:embed="rId3" cstate="print">
+            <a:extLst>
+              <a:ext uri="{28A0092B-C50C-407E-A947-70E740481C1C}">
+                <a14:useLocalDpi xmlns:a14="http://schemas.microsoft.com/office/drawing/2010/main" val="0"/>
+              </a:ext>
+            </a:extLst>
+          </a:blip>
+          <a:stretch>
+            <a:fillRect/>
+          </a:stretch>
+        </p:blipFill>
+        <p:spPr>
+          <a:xfrm>
+            <a:off x="3214240" y="621345"/>
+            <a:ext cx="355074" cy="355074"/>
+          </a:xfrm>
+        </p:spPr>
+      </p:pic>
+      <p:pic>
+        <p:nvPicPr>
+          <p:cNvPr id="8" name="Content Placeholder 4"/>
+          <p:cNvPicPr>
+            <a:picLocks noChangeAspect="1"/>
+          </p:cNvPicPr>
+          <p:nvPr/>
+        </p:nvPicPr>
+        <p:blipFill>
+          <a:blip r:embed="rId3" cstate="print">
+            <a:extLst>
+              <a:ext uri="{28A0092B-C50C-407E-A947-70E740481C1C}">
+                <a14:useLocalDpi xmlns:a14="http://schemas.microsoft.com/office/drawing/2010/main" val="0"/>
+              </a:ext>
+            </a:extLst>
+          </a:blip>
+          <a:stretch>
+            <a:fillRect/>
+          </a:stretch>
+        </p:blipFill>
+        <p:spPr>
+          <a:xfrm>
+            <a:off x="3139617" y="2055813"/>
+            <a:ext cx="355074" cy="355074"/>
+          </a:xfrm>
+          <a:prstGeom prst="rect">
+            <a:avLst/>
+          </a:prstGeom>
+        </p:spPr>
+      </p:pic>
+      <p:pic>
+        <p:nvPicPr>
+          <p:cNvPr id="9" name="Content Placeholder 4"/>
+          <p:cNvPicPr>
+            <a:picLocks noChangeAspect="1"/>
+          </p:cNvPicPr>
+          <p:nvPr/>
+        </p:nvPicPr>
+        <p:blipFill>
+          <a:blip r:embed="rId3" cstate="print">
+            <a:extLst>
+              <a:ext uri="{28A0092B-C50C-407E-A947-70E740481C1C}">
+                <a14:useLocalDpi xmlns:a14="http://schemas.microsoft.com/office/drawing/2010/main" val="0"/>
+              </a:ext>
+            </a:extLst>
+          </a:blip>
+          <a:stretch>
+            <a:fillRect/>
+          </a:stretch>
+        </p:blipFill>
+        <p:spPr>
+          <a:xfrm>
+            <a:off x="3171149" y="3161268"/>
+            <a:ext cx="355074" cy="355074"/>
+          </a:xfrm>
+          <a:prstGeom prst="rect">
+            <a:avLst/>
+          </a:prstGeom>
+        </p:spPr>
+      </p:pic>
     </p:spTree>
     <p:extLst>
       <p:ext uri="{BB962C8B-B14F-4D97-AF65-F5344CB8AC3E}">
-        <p14:creationId xmlns:p14="http://schemas.microsoft.com/office/powerpoint/2010/main" val="2098536624"/>
+        <p14:creationId xmlns:p14="http://schemas.microsoft.com/office/powerpoint/2010/main" val="3996561259"/>
       </p:ext>
     </p:extLst>
   </p:cSld>
   <p:clrMapOvr>
     <a:masterClrMapping/>
   </p:clrMapOvr>
-  <p:transition>
-    <p:fade/>
-  </p:transition>
-  <p:timing>
-    <p:tnLst>
-      <p:par>
-        <p:cTn id="1" dur="indefinite" restart="never" nodeType="tmRoot"/>
-      </p:par>
-    </p:tnLst>
-  </p:timing>
 </p:sld>
 </file>
 
-<file path=ppt/slides/slide43.xml><?xml version="1.0" encoding="utf-8"?>
+<file path=ppt/slides/slide49.xml><?xml version="1.0" encoding="utf-8"?>
 <p:sld xmlns:a="http://schemas.openxmlformats.org/drawingml/2006/main" xmlns:r="http://schemas.openxmlformats.org/officeDocument/2006/relationships" xmlns:p="http://schemas.openxmlformats.org/presentationml/2006/main">
   <p:cSld>
     <p:spTree>
@@ -33292,11 +34891,7 @@
           <a:p>
             <a:r>
               <a:rPr lang="en-US" dirty="0" smtClean="0"/>
-              <a:t>Download </a:t>
-            </a:r>
-            <a:r>
-              <a:rPr lang="en-US" dirty="0" smtClean="0"/>
-              <a:t>and setup in Github locally, then push</a:t>
+              <a:t>Download and setup in Github locally, then push</a:t>
             </a:r>
           </a:p>
           <a:p>
@@ -33324,7 +34919,165 @@
 </p:sld>
 </file>
 
-<file path=ppt/slides/slide44.xml><?xml version="1.0" encoding="utf-8"?>
+<file path=ppt/slides/slide5.xml><?xml version="1.0" encoding="utf-8"?>
+<p:sld xmlns:a="http://schemas.openxmlformats.org/drawingml/2006/main" xmlns:r="http://schemas.openxmlformats.org/officeDocument/2006/relationships" xmlns:p="http://schemas.openxmlformats.org/presentationml/2006/main">
+  <p:cSld>
+    <p:spTree>
+      <p:nvGrpSpPr>
+        <p:cNvPr id="1" name=""/>
+        <p:cNvGrpSpPr/>
+        <p:nvPr/>
+      </p:nvGrpSpPr>
+      <p:grpSpPr>
+        <a:xfrm>
+          <a:off x="0" y="0"/>
+          <a:ext cx="0" cy="0"/>
+          <a:chOff x="0" y="0"/>
+          <a:chExt cx="0" cy="0"/>
+        </a:xfrm>
+      </p:grpSpPr>
+      <p:pic>
+        <p:nvPicPr>
+          <p:cNvPr id="2" name="Picture 1"/>
+          <p:cNvPicPr>
+            <a:picLocks noChangeAspect="1"/>
+          </p:cNvPicPr>
+          <p:nvPr/>
+        </p:nvPicPr>
+        <p:blipFill>
+          <a:blip r:embed="rId2">
+            <a:extLst>
+              <a:ext uri="{28A0092B-C50C-407E-A947-70E740481C1C}">
+                <a14:useLocalDpi xmlns:a14="http://schemas.microsoft.com/office/drawing/2010/main" val="0"/>
+              </a:ext>
+            </a:extLst>
+          </a:blip>
+          <a:stretch>
+            <a:fillRect/>
+          </a:stretch>
+        </p:blipFill>
+        <p:spPr>
+          <a:xfrm>
+            <a:off x="2052521" y="1477768"/>
+            <a:ext cx="7827459" cy="5161586"/>
+          </a:xfrm>
+          <a:prstGeom prst="rect">
+            <a:avLst/>
+          </a:prstGeom>
+        </p:spPr>
+      </p:pic>
+      <p:sp>
+        <p:nvSpPr>
+          <p:cNvPr id="3" name="TextBox 2"/>
+          <p:cNvSpPr txBox="1"/>
+          <p:nvPr/>
+        </p:nvSpPr>
+        <p:spPr>
+          <a:xfrm>
+            <a:off x="646771" y="646771"/>
+            <a:ext cx="7530790" cy="830997"/>
+          </a:xfrm>
+          <a:prstGeom prst="rect">
+            <a:avLst/>
+          </a:prstGeom>
+          <a:noFill/>
+        </p:spPr>
+        <p:txBody>
+          <a:bodyPr wrap="square" rtlCol="0">
+            <a:spAutoFit/>
+          </a:bodyPr>
+          <a:lstStyle/>
+          <a:p>
+            <a:r>
+              <a:rPr lang="en-US" sz="4800" dirty="0" smtClean="0"/>
+              <a:t>The greatest thing since…</a:t>
+            </a:r>
+            <a:endParaRPr lang="en-US" sz="4800" dirty="0"/>
+          </a:p>
+        </p:txBody>
+      </p:sp>
+    </p:spTree>
+    <p:extLst>
+      <p:ext uri="{BB962C8B-B14F-4D97-AF65-F5344CB8AC3E}">
+        <p14:creationId xmlns:p14="http://schemas.microsoft.com/office/powerpoint/2010/main" val="2532183413"/>
+      </p:ext>
+    </p:extLst>
+  </p:cSld>
+  <p:clrMapOvr>
+    <a:masterClrMapping/>
+  </p:clrMapOvr>
+</p:sld>
+</file>
+
+<file path=ppt/slides/slide50.xml><?xml version="1.0" encoding="utf-8"?>
+<p:sld xmlns:a="http://schemas.openxmlformats.org/drawingml/2006/main" xmlns:r="http://schemas.openxmlformats.org/officeDocument/2006/relationships" xmlns:p="http://schemas.openxmlformats.org/presentationml/2006/main">
+  <p:cSld>
+    <p:spTree>
+      <p:nvGrpSpPr>
+        <p:cNvPr id="1" name=""/>
+        <p:cNvGrpSpPr/>
+        <p:nvPr/>
+      </p:nvGrpSpPr>
+      <p:grpSpPr>
+        <a:xfrm>
+          <a:off x="0" y="0"/>
+          <a:ext cx="0" cy="0"/>
+          <a:chOff x="0" y="0"/>
+          <a:chExt cx="0" cy="0"/>
+        </a:xfrm>
+      </p:grpSpPr>
+      <p:sp>
+        <p:nvSpPr>
+          <p:cNvPr id="2" name="Title 1"/>
+          <p:cNvSpPr>
+            <a:spLocks noGrp="1"/>
+          </p:cNvSpPr>
+          <p:nvPr>
+            <p:ph type="title"/>
+          </p:nvPr>
+        </p:nvSpPr>
+        <p:spPr/>
+        <p:txBody>
+          <a:bodyPr/>
+          <a:lstStyle/>
+          <a:p>
+            <a:endParaRPr lang="en-US"/>
+          </a:p>
+        </p:txBody>
+      </p:sp>
+      <p:sp>
+        <p:nvSpPr>
+          <p:cNvPr id="3" name="Content Placeholder 2"/>
+          <p:cNvSpPr>
+            <a:spLocks noGrp="1"/>
+          </p:cNvSpPr>
+          <p:nvPr>
+            <p:ph idx="1"/>
+          </p:nvPr>
+        </p:nvSpPr>
+        <p:spPr/>
+        <p:txBody>
+          <a:bodyPr/>
+          <a:lstStyle/>
+          <a:p>
+            <a:endParaRPr lang="en-US" dirty="0"/>
+          </a:p>
+        </p:txBody>
+      </p:sp>
+    </p:spTree>
+    <p:extLst>
+      <p:ext uri="{BB962C8B-B14F-4D97-AF65-F5344CB8AC3E}">
+        <p14:creationId xmlns:p14="http://schemas.microsoft.com/office/powerpoint/2010/main" val="2931802157"/>
+      </p:ext>
+    </p:extLst>
+  </p:cSld>
+  <p:clrMapOvr>
+    <a:masterClrMapping/>
+  </p:clrMapOvr>
+</p:sld>
+</file>
+
+<file path=ppt/slides/slide51.xml><?xml version="1.0" encoding="utf-8"?>
 <p:sld xmlns:a="http://schemas.openxmlformats.org/drawingml/2006/main" xmlns:r="http://schemas.openxmlformats.org/officeDocument/2006/relationships" xmlns:p="http://schemas.openxmlformats.org/presentationml/2006/main">
   <p:cSld>
     <p:spTree>
@@ -33358,24 +35111,13 @@
         </p:spPr>
         <p:txBody>
           <a:bodyPr>
-            <a:normAutofit fontScale="90000"/>
+            <a:normAutofit/>
           </a:bodyPr>
           <a:lstStyle/>
           <a:p>
             <a:r>
               <a:rPr lang="en-US" b="1" dirty="0" smtClean="0"/>
-              <a:t>Thank You!</a:t>
-            </a:r>
-            <a:br>
-              <a:rPr lang="en-US" b="1" dirty="0" smtClean="0"/>
-            </a:br>
-            <a:r>
-              <a:rPr lang="en-US" sz="4000" b="1" dirty="0" smtClean="0"/>
-              <a:t>Building </a:t>
-            </a:r>
-            <a:r>
-              <a:rPr lang="en-US" sz="4000" b="1" dirty="0"/>
-              <a:t>Awesome AF Apps</a:t>
+              <a:t>Questions?</a:t>
             </a:r>
             <a:r>
               <a:rPr lang="en-US" dirty="0" smtClean="0"/>
@@ -33446,8 +35188,8 @@
         </p:nvSpPr>
         <p:spPr>
           <a:xfrm>
-            <a:off x="269302" y="3878573"/>
-            <a:ext cx="9860611" cy="2673575"/>
+            <a:off x="269302" y="5429901"/>
+            <a:ext cx="4258555" cy="1380803"/>
           </a:xfrm>
         </p:spPr>
         <p:txBody>
@@ -33455,42 +35197,34 @@
           <a:lstStyle/>
           <a:p>
             <a:r>
-              <a:rPr lang="en-US" dirty="0" smtClean="0"/>
+              <a:rPr lang="en-US" sz="1800" dirty="0" smtClean="0"/>
               <a:t>Rachel Appel</a:t>
             </a:r>
           </a:p>
           <a:p>
             <a:r>
-              <a:rPr lang="en-US" dirty="0" smtClean="0"/>
-              <a:t>Sr </a:t>
+              <a:rPr lang="en-US" sz="1800" dirty="0" smtClean="0"/>
+              <a:t>Sr Content Developer for Azure </a:t>
             </a:r>
+          </a:p>
+          <a:p>
             <a:r>
-              <a:rPr lang="en-US" dirty="0" smtClean="0"/>
-              <a:t>Content </a:t>
-            </a:r>
-            <a:r>
-              <a:rPr lang="en-US" dirty="0" smtClean="0"/>
-              <a:t>Developer for Azure </a:t>
-            </a:r>
-          </a:p>
-          <a:p>
-            <a:r>
-              <a:rPr lang="en-US" dirty="0" smtClean="0"/>
+              <a:rPr lang="en-US" sz="1800" dirty="0" smtClean="0"/>
               <a:t>Microsoft</a:t>
             </a:r>
           </a:p>
           <a:p>
             <a:r>
-              <a:rPr lang="en-US" dirty="0" smtClean="0"/>
+              <a:rPr lang="en-US" sz="1800" dirty="0" smtClean="0"/>
               <a:t>rachelap@microsoft.com</a:t>
             </a:r>
           </a:p>
           <a:p>
             <a:r>
-              <a:rPr lang="en-US" dirty="0" smtClean="0"/>
+              <a:rPr lang="en-US" sz="1800" dirty="0" smtClean="0"/>
               <a:t>http://rachelappel.com</a:t>
             </a:r>
-            <a:endParaRPr lang="en-US" dirty="0"/>
+            <a:endParaRPr lang="en-US" sz="1800" dirty="0"/>
           </a:p>
           <a:p>
             <a:endParaRPr lang="en-US" dirty="0"/>
@@ -33529,7 +35263,7 @@
 </p:sld>
 </file>
 
-<file path=ppt/slides/slide5.xml><?xml version="1.0" encoding="utf-8"?>
+<file path=ppt/slides/slide6.xml><?xml version="1.0" encoding="utf-8"?>
 <p:sld xmlns:a="http://schemas.openxmlformats.org/drawingml/2006/main" xmlns:r="http://schemas.openxmlformats.org/officeDocument/2006/relationships" xmlns:p="http://schemas.openxmlformats.org/presentationml/2006/main">
   <p:cSld>
     <p:spTree>
@@ -33691,135 +35425,6 @@
 </p:sld>
 </file>
 
-<file path=ppt/slides/slide6.xml><?xml version="1.0" encoding="utf-8"?>
-<p:sld xmlns:a="http://schemas.openxmlformats.org/drawingml/2006/main" xmlns:r="http://schemas.openxmlformats.org/officeDocument/2006/relationships" xmlns:p="http://schemas.openxmlformats.org/presentationml/2006/main">
-  <p:cSld>
-    <p:spTree>
-      <p:nvGrpSpPr>
-        <p:cNvPr id="1" name=""/>
-        <p:cNvGrpSpPr/>
-        <p:nvPr/>
-      </p:nvGrpSpPr>
-      <p:grpSpPr>
-        <a:xfrm>
-          <a:off x="0" y="0"/>
-          <a:ext cx="0" cy="0"/>
-          <a:chOff x="0" y="0"/>
-          <a:chExt cx="0" cy="0"/>
-        </a:xfrm>
-      </p:grpSpPr>
-      <p:sp>
-        <p:nvSpPr>
-          <p:cNvPr id="2" name="Title 1"/>
-          <p:cNvSpPr>
-            <a:spLocks noGrp="1"/>
-          </p:cNvSpPr>
-          <p:nvPr>
-            <p:ph type="title"/>
-          </p:nvPr>
-        </p:nvSpPr>
-        <p:spPr/>
-        <p:txBody>
-          <a:bodyPr/>
-          <a:lstStyle/>
-          <a:p>
-            <a:r>
-              <a:rPr lang="en-US" dirty="0" smtClean="0"/>
-              <a:t>Function Examples</a:t>
-            </a:r>
-            <a:endParaRPr lang="en-US" dirty="0"/>
-          </a:p>
-        </p:txBody>
-      </p:sp>
-      <p:sp>
-        <p:nvSpPr>
-          <p:cNvPr id="3" name="Content Placeholder 2"/>
-          <p:cNvSpPr>
-            <a:spLocks noGrp="1"/>
-          </p:cNvSpPr>
-          <p:nvPr>
-            <p:ph idx="1"/>
-          </p:nvPr>
-        </p:nvSpPr>
-        <p:spPr/>
-        <p:txBody>
-          <a:bodyPr/>
-          <a:lstStyle/>
-          <a:p>
-            <a:r>
-              <a:rPr lang="en-US" dirty="0" smtClean="0"/>
-              <a:t>Timer Based</a:t>
-            </a:r>
-          </a:p>
-          <a:p>
-            <a:r>
-              <a:rPr lang="en-US" dirty="0" smtClean="0"/>
-              <a:t>Transform CSV to Blob storage </a:t>
-            </a:r>
-          </a:p>
-          <a:p>
-            <a:r>
-              <a:rPr lang="en-US" dirty="0" smtClean="0"/>
-              <a:t>SaaS event processing. Excel to Graph API </a:t>
-            </a:r>
-          </a:p>
-          <a:p>
-            <a:r>
-              <a:rPr lang="en-US" dirty="0" smtClean="0"/>
-              <a:t>Web hook to create ad based on user profile</a:t>
-            </a:r>
-          </a:p>
-          <a:p>
-            <a:r>
-              <a:rPr lang="en-US" dirty="0" err="1" smtClean="0"/>
-              <a:t>Async</a:t>
-            </a:r>
-            <a:r>
-              <a:rPr lang="en-US" dirty="0" smtClean="0"/>
-              <a:t> image processing or map data processing</a:t>
-            </a:r>
-          </a:p>
-          <a:p>
-            <a:r>
-              <a:rPr lang="en-US" dirty="0" smtClean="0"/>
-              <a:t>Real time stream processing</a:t>
-            </a:r>
-          </a:p>
-          <a:p>
-            <a:r>
-              <a:rPr lang="en-US" dirty="0" smtClean="0"/>
-              <a:t>Real time bot messaging</a:t>
-            </a:r>
-          </a:p>
-          <a:p>
-            <a:r>
-              <a:rPr lang="en-US" dirty="0" smtClean="0"/>
-              <a:t>CRM System integration</a:t>
-            </a:r>
-            <a:endParaRPr lang="en-US" dirty="0"/>
-          </a:p>
-        </p:txBody>
-      </p:sp>
-    </p:spTree>
-    <p:extLst>
-      <p:ext uri="{BB962C8B-B14F-4D97-AF65-F5344CB8AC3E}">
-        <p14:creationId xmlns:p14="http://schemas.microsoft.com/office/powerpoint/2010/main" val="1104265466"/>
-      </p:ext>
-    </p:extLst>
-  </p:cSld>
-  <p:clrMapOvr>
-    <a:masterClrMapping/>
-  </p:clrMapOvr>
-  <p:timing>
-    <p:tnLst>
-      <p:par>
-        <p:cTn id="1" dur="indefinite" restart="never" nodeType="tmRoot"/>
-      </p:par>
-    </p:tnLst>
-  </p:timing>
-</p:sld>
-</file>
-
 <file path=ppt/slides/slide7.xml><?xml version="1.0" encoding="utf-8"?>
 <p:sld xmlns:a="http://schemas.openxmlformats.org/drawingml/2006/main" xmlns:r="http://schemas.openxmlformats.org/officeDocument/2006/relationships" xmlns:p="http://schemas.openxmlformats.org/presentationml/2006/main">
   <p:cSld>
@@ -33854,6 +35459,135 @@
           <a:p>
             <a:r>
               <a:rPr lang="en-US" dirty="0" smtClean="0"/>
+              <a:t>Function Examples</a:t>
+            </a:r>
+            <a:endParaRPr lang="en-US" dirty="0"/>
+          </a:p>
+        </p:txBody>
+      </p:sp>
+      <p:sp>
+        <p:nvSpPr>
+          <p:cNvPr id="3" name="Content Placeholder 2"/>
+          <p:cNvSpPr>
+            <a:spLocks noGrp="1"/>
+          </p:cNvSpPr>
+          <p:nvPr>
+            <p:ph idx="1"/>
+          </p:nvPr>
+        </p:nvSpPr>
+        <p:spPr/>
+        <p:txBody>
+          <a:bodyPr/>
+          <a:lstStyle/>
+          <a:p>
+            <a:r>
+              <a:rPr lang="en-US" dirty="0" smtClean="0"/>
+              <a:t>Timer Based</a:t>
+            </a:r>
+          </a:p>
+          <a:p>
+            <a:r>
+              <a:rPr lang="en-US" dirty="0" smtClean="0"/>
+              <a:t>Transform CSV to Blob storage </a:t>
+            </a:r>
+          </a:p>
+          <a:p>
+            <a:r>
+              <a:rPr lang="en-US" dirty="0" smtClean="0"/>
+              <a:t>SaaS event processing. Excel to Graph API </a:t>
+            </a:r>
+          </a:p>
+          <a:p>
+            <a:r>
+              <a:rPr lang="en-US" dirty="0" smtClean="0"/>
+              <a:t>Web hook to create ad based on user profile</a:t>
+            </a:r>
+          </a:p>
+          <a:p>
+            <a:r>
+              <a:rPr lang="en-US" dirty="0" err="1" smtClean="0"/>
+              <a:t>Async</a:t>
+            </a:r>
+            <a:r>
+              <a:rPr lang="en-US" dirty="0" smtClean="0"/>
+              <a:t> image processing or map data processing</a:t>
+            </a:r>
+          </a:p>
+          <a:p>
+            <a:r>
+              <a:rPr lang="en-US" dirty="0" smtClean="0"/>
+              <a:t>Real time stream processing</a:t>
+            </a:r>
+          </a:p>
+          <a:p>
+            <a:r>
+              <a:rPr lang="en-US" dirty="0" smtClean="0"/>
+              <a:t>Real time bot messaging</a:t>
+            </a:r>
+          </a:p>
+          <a:p>
+            <a:r>
+              <a:rPr lang="en-US" dirty="0" smtClean="0"/>
+              <a:t>CRM System integration</a:t>
+            </a:r>
+            <a:endParaRPr lang="en-US" dirty="0"/>
+          </a:p>
+        </p:txBody>
+      </p:sp>
+    </p:spTree>
+    <p:extLst>
+      <p:ext uri="{BB962C8B-B14F-4D97-AF65-F5344CB8AC3E}">
+        <p14:creationId xmlns:p14="http://schemas.microsoft.com/office/powerpoint/2010/main" val="1104265466"/>
+      </p:ext>
+    </p:extLst>
+  </p:cSld>
+  <p:clrMapOvr>
+    <a:masterClrMapping/>
+  </p:clrMapOvr>
+  <p:timing>
+    <p:tnLst>
+      <p:par>
+        <p:cTn id="1" dur="indefinite" restart="never" nodeType="tmRoot"/>
+      </p:par>
+    </p:tnLst>
+  </p:timing>
+</p:sld>
+</file>
+
+<file path=ppt/slides/slide8.xml><?xml version="1.0" encoding="utf-8"?>
+<p:sld xmlns:a="http://schemas.openxmlformats.org/drawingml/2006/main" xmlns:r="http://schemas.openxmlformats.org/officeDocument/2006/relationships" xmlns:p="http://schemas.openxmlformats.org/presentationml/2006/main">
+  <p:cSld>
+    <p:spTree>
+      <p:nvGrpSpPr>
+        <p:cNvPr id="1" name=""/>
+        <p:cNvGrpSpPr/>
+        <p:nvPr/>
+      </p:nvGrpSpPr>
+      <p:grpSpPr>
+        <a:xfrm>
+          <a:off x="0" y="0"/>
+          <a:ext cx="0" cy="0"/>
+          <a:chOff x="0" y="0"/>
+          <a:chExt cx="0" cy="0"/>
+        </a:xfrm>
+      </p:grpSpPr>
+      <p:sp>
+        <p:nvSpPr>
+          <p:cNvPr id="2" name="Title 1"/>
+          <p:cNvSpPr>
+            <a:spLocks noGrp="1"/>
+          </p:cNvSpPr>
+          <p:nvPr>
+            <p:ph type="title"/>
+          </p:nvPr>
+        </p:nvSpPr>
+        <p:spPr/>
+        <p:txBody>
+          <a:bodyPr/>
+          <a:lstStyle/>
+          <a:p>
+            <a:r>
+              <a:rPr lang="en-US" dirty="0" smtClean="0"/>
               <a:t>Real World Scenarios</a:t>
             </a:r>
             <a:endParaRPr lang="en-US" dirty="0"/>
@@ -33942,7 +35676,7 @@
 </p:sld>
 </file>
 
-<file path=ppt/slides/slide8.xml><?xml version="1.0" encoding="utf-8"?>
+<file path=ppt/slides/slide9.xml><?xml version="1.0" encoding="utf-8"?>
 <p:sld xmlns:a="http://schemas.openxmlformats.org/drawingml/2006/main" xmlns:r="http://schemas.openxmlformats.org/officeDocument/2006/relationships" xmlns:p="http://schemas.openxmlformats.org/presentationml/2006/main" show="0">
   <p:cSld>
     <p:bg>
@@ -34023,85 +35757,18 @@
   <p:clrMapOvr>
     <a:masterClrMapping/>
   </p:clrMapOvr>
-  <mc:AlternateContent xmlns:mc="http://schemas.openxmlformats.org/markup-compatibility/2006">
-    <mc:Choice xmlns:p14="http://schemas.microsoft.com/office/powerpoint/2010/main" Requires="p14">
+  <mc:AlternateContent xmlns:mc="http://schemas.openxmlformats.org/markup-compatibility/2006" xmlns:p14="http://schemas.microsoft.com/office/powerpoint/2010/main">
+    <mc:Choice Requires="p14">
       <p:transition spd="slow" p14:dur="3400">
         <p14:reveal/>
       </p:transition>
     </mc:Choice>
-    <mc:Fallback>
+    <mc:Fallback xmlns="">
       <p:transition spd="slow">
         <p:fade/>
       </p:transition>
     </mc:Fallback>
   </mc:AlternateContent>
-  <p:timing>
-    <p:tnLst>
-      <p:par>
-        <p:cTn id="1" dur="indefinite" restart="never" nodeType="tmRoot"/>
-      </p:par>
-    </p:tnLst>
-  </p:timing>
-</p:sld>
-</file>
-
-<file path=ppt/slides/slide9.xml><?xml version="1.0" encoding="utf-8"?>
-<p:sld xmlns:a="http://schemas.openxmlformats.org/drawingml/2006/main" xmlns:r="http://schemas.openxmlformats.org/officeDocument/2006/relationships" xmlns:p="http://schemas.openxmlformats.org/presentationml/2006/main">
-  <p:cSld>
-    <p:spTree>
-      <p:nvGrpSpPr>
-        <p:cNvPr id="1" name=""/>
-        <p:cNvGrpSpPr/>
-        <p:nvPr/>
-      </p:nvGrpSpPr>
-      <p:grpSpPr>
-        <a:xfrm>
-          <a:off x="0" y="0"/>
-          <a:ext cx="0" cy="0"/>
-          <a:chOff x="0" y="0"/>
-          <a:chExt cx="0" cy="0"/>
-        </a:xfrm>
-      </p:grpSpPr>
-      <p:sp>
-        <p:nvSpPr>
-          <p:cNvPr id="2" name="Title 1"/>
-          <p:cNvSpPr>
-            <a:spLocks noGrp="1"/>
-          </p:cNvSpPr>
-          <p:nvPr>
-            <p:ph type="title"/>
-          </p:nvPr>
-        </p:nvSpPr>
-        <p:spPr/>
-        <p:txBody>
-          <a:bodyPr/>
-          <a:lstStyle/>
-          <a:p>
-            <a:r>
-              <a:rPr lang="en-US" dirty="0" err="1" smtClean="0"/>
-              <a:t>Serverless</a:t>
-            </a:r>
-            <a:r>
-              <a:rPr lang="en-US" dirty="0" smtClean="0"/>
-              <a:t> Computing</a:t>
-            </a:r>
-            <a:endParaRPr lang="en-US" dirty="0"/>
-          </a:p>
-        </p:txBody>
-      </p:sp>
-    </p:spTree>
-    <p:extLst>
-      <p:ext uri="{BB962C8B-B14F-4D97-AF65-F5344CB8AC3E}">
-        <p14:creationId xmlns:p14="http://schemas.microsoft.com/office/powerpoint/2010/main" val="3068421152"/>
-      </p:ext>
-    </p:extLst>
-  </p:cSld>
-  <p:clrMapOvr>
-    <a:masterClrMapping/>
-  </p:clrMapOvr>
-  <p:transition>
-    <p:fade/>
-  </p:transition>
   <p:timing>
     <p:tnLst>
       <p:par>

--- a/Azure functions.pptx
+++ b/Azure functions.pptx
@@ -5,7 +5,7 @@
     <p:sldMasterId id="2147483648" r:id="rId1"/>
   </p:sldMasterIdLst>
   <p:notesMasterIdLst>
-    <p:notesMasterId r:id="rId53"/>
+    <p:notesMasterId r:id="rId56"/>
   </p:notesMasterIdLst>
   <p:sldIdLst>
     <p:sldId id="296" r:id="rId2"/>
@@ -16,49 +16,52 @@
     <p:sldId id="283" r:id="rId7"/>
     <p:sldId id="307" r:id="rId8"/>
     <p:sldId id="308" r:id="rId9"/>
-    <p:sldId id="297" r:id="rId10"/>
-    <p:sldId id="299" r:id="rId11"/>
-    <p:sldId id="272" r:id="rId12"/>
-    <p:sldId id="268" r:id="rId13"/>
-    <p:sldId id="258" r:id="rId14"/>
-    <p:sldId id="287" r:id="rId15"/>
-    <p:sldId id="269" r:id="rId16"/>
-    <p:sldId id="300" r:id="rId17"/>
-    <p:sldId id="271" r:id="rId18"/>
-    <p:sldId id="282" r:id="rId19"/>
-    <p:sldId id="267" r:id="rId20"/>
-    <p:sldId id="281" r:id="rId21"/>
-    <p:sldId id="301" r:id="rId22"/>
-    <p:sldId id="260" r:id="rId23"/>
-    <p:sldId id="273" r:id="rId24"/>
-    <p:sldId id="259" r:id="rId25"/>
-    <p:sldId id="263" r:id="rId26"/>
-    <p:sldId id="274" r:id="rId27"/>
-    <p:sldId id="309" r:id="rId28"/>
-    <p:sldId id="310" r:id="rId29"/>
-    <p:sldId id="311" r:id="rId30"/>
-    <p:sldId id="280" r:id="rId31"/>
-    <p:sldId id="312" r:id="rId32"/>
-    <p:sldId id="318" r:id="rId33"/>
-    <p:sldId id="321" r:id="rId34"/>
-    <p:sldId id="322" r:id="rId35"/>
-    <p:sldId id="319" r:id="rId36"/>
-    <p:sldId id="291" r:id="rId37"/>
-    <p:sldId id="289" r:id="rId38"/>
-    <p:sldId id="294" r:id="rId39"/>
-    <p:sldId id="302" r:id="rId40"/>
-    <p:sldId id="295" r:id="rId41"/>
-    <p:sldId id="293" r:id="rId42"/>
-    <p:sldId id="315" r:id="rId43"/>
-    <p:sldId id="314" r:id="rId44"/>
-    <p:sldId id="306" r:id="rId45"/>
-    <p:sldId id="290" r:id="rId46"/>
-    <p:sldId id="270" r:id="rId47"/>
-    <p:sldId id="305" r:id="rId48"/>
-    <p:sldId id="316" r:id="rId49"/>
-    <p:sldId id="275" r:id="rId50"/>
-    <p:sldId id="317" r:id="rId51"/>
-    <p:sldId id="313" r:id="rId52"/>
+    <p:sldId id="325" r:id="rId10"/>
+    <p:sldId id="297" r:id="rId11"/>
+    <p:sldId id="299" r:id="rId12"/>
+    <p:sldId id="272" r:id="rId13"/>
+    <p:sldId id="268" r:id="rId14"/>
+    <p:sldId id="258" r:id="rId15"/>
+    <p:sldId id="287" r:id="rId16"/>
+    <p:sldId id="269" r:id="rId17"/>
+    <p:sldId id="300" r:id="rId18"/>
+    <p:sldId id="271" r:id="rId19"/>
+    <p:sldId id="282" r:id="rId20"/>
+    <p:sldId id="267" r:id="rId21"/>
+    <p:sldId id="281" r:id="rId22"/>
+    <p:sldId id="301" r:id="rId23"/>
+    <p:sldId id="260" r:id="rId24"/>
+    <p:sldId id="273" r:id="rId25"/>
+    <p:sldId id="259" r:id="rId26"/>
+    <p:sldId id="263" r:id="rId27"/>
+    <p:sldId id="274" r:id="rId28"/>
+    <p:sldId id="309" r:id="rId29"/>
+    <p:sldId id="310" r:id="rId30"/>
+    <p:sldId id="311" r:id="rId31"/>
+    <p:sldId id="280" r:id="rId32"/>
+    <p:sldId id="324" r:id="rId33"/>
+    <p:sldId id="312" r:id="rId34"/>
+    <p:sldId id="318" r:id="rId35"/>
+    <p:sldId id="321" r:id="rId36"/>
+    <p:sldId id="322" r:id="rId37"/>
+    <p:sldId id="319" r:id="rId38"/>
+    <p:sldId id="291" r:id="rId39"/>
+    <p:sldId id="289" r:id="rId40"/>
+    <p:sldId id="294" r:id="rId41"/>
+    <p:sldId id="326" r:id="rId42"/>
+    <p:sldId id="302" r:id="rId43"/>
+    <p:sldId id="295" r:id="rId44"/>
+    <p:sldId id="293" r:id="rId45"/>
+    <p:sldId id="315" r:id="rId46"/>
+    <p:sldId id="314" r:id="rId47"/>
+    <p:sldId id="306" r:id="rId48"/>
+    <p:sldId id="290" r:id="rId49"/>
+    <p:sldId id="270" r:id="rId50"/>
+    <p:sldId id="305" r:id="rId51"/>
+    <p:sldId id="316" r:id="rId52"/>
+    <p:sldId id="275" r:id="rId53"/>
+    <p:sldId id="317" r:id="rId54"/>
+    <p:sldId id="313" r:id="rId55"/>
   </p:sldIdLst>
   <p:sldSz cx="12192000" cy="6858000"/>
   <p:notesSz cx="6858000" cy="9144000"/>
@@ -273,7 +276,7 @@
           <a:p>
             <a:fld id="{39F47A6A-4B80-4C81-92A2-1E49B9076AA3}" type="datetimeFigureOut">
               <a:rPr lang="en-US" smtClean="0"/>
-              <a:t>3/15/2017</a:t>
+              <a:t>3/16/2017</a:t>
             </a:fld>
             <a:endParaRPr lang="en-US" dirty="0"/>
           </a:p>
@@ -663,7 +666,7 @@
           <a:p>
             <a:fld id="{7D10C09F-FCA1-48C8-B40D-42E1045D109E}" type="datetime8">
               <a:rPr lang="en-US" smtClean="0"/>
-              <a:t>3/15/2017 11:01 PM</a:t>
+              <a:t>3/16/2017 9:30 PM</a:t>
             </a:fld>
             <a:endParaRPr lang="en-US" dirty="0"/>
           </a:p>
@@ -828,7 +831,7 @@
           <a:p>
             <a:fld id="{7D10C09F-FCA1-48C8-B40D-42E1045D109E}" type="datetime8">
               <a:rPr lang="en-US" smtClean="0"/>
-              <a:t>3/15/2017 11:01 PM</a:t>
+              <a:t>3/16/2017 9:30 PM</a:t>
             </a:fld>
             <a:endParaRPr lang="en-US" dirty="0"/>
           </a:p>
@@ -852,7 +855,7 @@
             <a:fld id="{B4008EB6-D09E-4580-8CD6-DDB14511944F}" type="slidenum">
               <a:rPr lang="en-US" smtClean="0"/>
               <a:pPr/>
-              <a:t>39</a:t>
+              <a:t>37</a:t>
             </a:fld>
             <a:endParaRPr lang="en-US" dirty="0"/>
           </a:p>
@@ -861,7 +864,7 @@
     </p:spTree>
     <p:extLst>
       <p:ext uri="{BB962C8B-B14F-4D97-AF65-F5344CB8AC3E}">
-        <p14:creationId xmlns:p14="http://schemas.microsoft.com/office/powerpoint/2010/main" val="268081711"/>
+        <p14:creationId xmlns:p14="http://schemas.microsoft.com/office/powerpoint/2010/main" val="2600659976"/>
       </p:ext>
     </p:extLst>
   </p:cSld>
@@ -915,18 +918,171 @@
           <a:bodyPr/>
           <a:lstStyle/>
           <a:p>
+            <a:r>
+              <a:rPr lang="en-US" sz="1200" b="0" i="0" kern="1200" dirty="0" smtClean="0">
+                <a:solidFill>
+                  <a:schemeClr val="tx1"/>
+                </a:solidFill>
+                <a:effectLst/>
+                <a:latin typeface="+mn-lt"/>
+                <a:ea typeface="+mn-ea"/>
+                <a:cs typeface="+mn-cs"/>
+              </a:rPr>
+              <a:t>This allows you use the type either as a binding parameter (if supported for your Function trigger type) or as an instance you create in code. Here’s an of using the </a:t>
+            </a:r>
+            <a:r>
+              <a:rPr lang="en-US" dirty="0" smtClean="0"/>
+              <a:t>Person</a:t>
+            </a:r>
+            <a:r>
+              <a:rPr lang="en-US" sz="1200" b="0" i="0" kern="1200" dirty="0" smtClean="0">
+                <a:solidFill>
+                  <a:schemeClr val="tx1"/>
+                </a:solidFill>
+                <a:effectLst/>
+                <a:latin typeface="+mn-lt"/>
+                <a:ea typeface="+mn-ea"/>
+                <a:cs typeface="+mn-cs"/>
+              </a:rPr>
+              <a:t> class in an HTTP-triggered Function</a:t>
+            </a:r>
+            <a:r>
+              <a:rPr lang="en-US" sz="1200" b="0" i="0" kern="1200" dirty="0" smtClean="0">
+                <a:solidFill>
+                  <a:schemeClr val="tx1"/>
+                </a:solidFill>
+                <a:effectLst/>
+                <a:latin typeface="+mn-lt"/>
+                <a:ea typeface="+mn-ea"/>
+                <a:cs typeface="+mn-cs"/>
+              </a:rPr>
+              <a:t>:</a:t>
+            </a:r>
+          </a:p>
+          <a:p>
+            <a:endParaRPr lang="en-US" sz="1200" b="0" i="0" kern="1200" dirty="0" smtClean="0">
+              <a:solidFill>
+                <a:schemeClr val="tx1"/>
+              </a:solidFill>
+              <a:effectLst/>
+              <a:latin typeface="+mn-lt"/>
+              <a:ea typeface="+mn-ea"/>
+              <a:cs typeface="+mn-cs"/>
+            </a:endParaRPr>
+          </a:p>
+          <a:p>
+            <a:r>
+              <a:rPr lang="en-US" sz="1200" b="0" i="0" kern="1200" dirty="0" smtClean="0">
+                <a:solidFill>
+                  <a:schemeClr val="tx1"/>
+                </a:solidFill>
+                <a:effectLst/>
+                <a:latin typeface="+mn-lt"/>
+                <a:ea typeface="+mn-ea"/>
+                <a:cs typeface="+mn-cs"/>
+              </a:rPr>
+              <a:t>The </a:t>
+            </a:r>
+            <a:r>
+              <a:rPr lang="en-US" dirty="0" smtClean="0"/>
+              <a:t>#load</a:t>
+            </a:r>
+            <a:r>
+              <a:rPr lang="en-US" sz="1200" b="0" i="0" kern="1200" dirty="0" smtClean="0">
+                <a:solidFill>
+                  <a:schemeClr val="tx1"/>
+                </a:solidFill>
+                <a:effectLst/>
+                <a:latin typeface="+mn-lt"/>
+                <a:ea typeface="+mn-ea"/>
+                <a:cs typeface="+mn-cs"/>
+              </a:rPr>
+              <a:t> directive works only with </a:t>
+            </a:r>
+            <a:r>
+              <a:rPr lang="en-US" sz="1200" b="0" i="1" kern="1200" dirty="0" smtClean="0">
+                <a:solidFill>
+                  <a:schemeClr val="tx1"/>
+                </a:solidFill>
+                <a:effectLst/>
+                <a:latin typeface="+mn-lt"/>
+                <a:ea typeface="+mn-ea"/>
+                <a:cs typeface="+mn-cs"/>
+              </a:rPr>
+              <a:t>.</a:t>
+            </a:r>
+            <a:r>
+              <a:rPr lang="en-US" sz="1200" b="0" i="1" kern="1200" dirty="0" err="1" smtClean="0">
+                <a:solidFill>
+                  <a:schemeClr val="tx1"/>
+                </a:solidFill>
+                <a:effectLst/>
+                <a:latin typeface="+mn-lt"/>
+                <a:ea typeface="+mn-ea"/>
+                <a:cs typeface="+mn-cs"/>
+              </a:rPr>
+              <a:t>csx</a:t>
+            </a:r>
+            <a:r>
+              <a:rPr lang="en-US" sz="1200" b="0" i="0" kern="1200" dirty="0" smtClean="0">
+                <a:solidFill>
+                  <a:schemeClr val="tx1"/>
+                </a:solidFill>
+                <a:effectLst/>
+                <a:latin typeface="+mn-lt"/>
+                <a:ea typeface="+mn-ea"/>
+                <a:cs typeface="+mn-cs"/>
+              </a:rPr>
+              <a:t> (C# script) files, not with </a:t>
+            </a:r>
+            <a:r>
+              <a:rPr lang="en-US" sz="1200" b="0" i="1" kern="1200" dirty="0" smtClean="0">
+                <a:solidFill>
+                  <a:schemeClr val="tx1"/>
+                </a:solidFill>
+                <a:effectLst/>
+                <a:latin typeface="+mn-lt"/>
+                <a:ea typeface="+mn-ea"/>
+                <a:cs typeface="+mn-cs"/>
+              </a:rPr>
+              <a:t>.</a:t>
+            </a:r>
+            <a:r>
+              <a:rPr lang="en-US" sz="1200" b="0" i="1" kern="1200" dirty="0" err="1" smtClean="0">
+                <a:solidFill>
+                  <a:schemeClr val="tx1"/>
+                </a:solidFill>
+                <a:effectLst/>
+                <a:latin typeface="+mn-lt"/>
+                <a:ea typeface="+mn-ea"/>
+                <a:cs typeface="+mn-cs"/>
+              </a:rPr>
+              <a:t>cs</a:t>
+            </a:r>
+            <a:r>
+              <a:rPr lang="en-US" sz="1200" b="0" i="0" kern="1200" dirty="0" smtClean="0">
+                <a:solidFill>
+                  <a:schemeClr val="tx1"/>
+                </a:solidFill>
+                <a:effectLst/>
+                <a:latin typeface="+mn-lt"/>
+                <a:ea typeface="+mn-ea"/>
+                <a:cs typeface="+mn-cs"/>
+              </a:rPr>
+              <a:t> files.</a:t>
+            </a:r>
             <a:endParaRPr lang="en-US" dirty="0"/>
           </a:p>
         </p:txBody>
       </p:sp>
       <p:sp>
         <p:nvSpPr>
-          <p:cNvPr id="4" name="Header Placeholder 3"/>
+          <p:cNvPr id="4" name="Slide Number Placeholder 3"/>
           <p:cNvSpPr>
             <a:spLocks noGrp="1"/>
           </p:cNvSpPr>
           <p:nvPr>
-            <p:ph type="hdr" sz="quarter" idx="10"/>
+            <p:ph type="sldNum" sz="quarter" idx="10"/>
           </p:nvPr>
         </p:nvSpPr>
         <p:spPr/>
@@ -934,99 +1090,18 @@
           <a:bodyPr/>
           <a:lstStyle/>
           <a:p>
-            <a:endParaRPr lang="en-US" dirty="0"/>
-          </a:p>
-        </p:txBody>
-      </p:sp>
-      <p:sp>
-        <p:nvSpPr>
-          <p:cNvPr id="5" name="Footer Placeholder 4"/>
-          <p:cNvSpPr>
-            <a:spLocks noGrp="1"/>
-          </p:cNvSpPr>
-          <p:nvPr>
-            <p:ph type="ftr" sz="quarter" idx="11"/>
-          </p:nvPr>
-        </p:nvSpPr>
-        <p:spPr/>
-        <p:txBody>
-          <a:bodyPr/>
-          <a:lstStyle/>
-          <a:p>
-            <a:pPr defTabSz="914099" eaLnBrk="0" hangingPunct="0"/>
-            <a:r>
-              <a:rPr lang="en-US" sz="400" dirty="0" smtClean="0">
-                <a:gradFill>
-                  <a:gsLst>
-                    <a:gs pos="0">
-                      <a:prstClr val="black"/>
-                    </a:gs>
-                    <a:gs pos="100000">
-                      <a:prstClr val="black"/>
-                    </a:gs>
-                  </a:gsLst>
-                  <a:lin ang="5400000" scaled="0"/>
-                </a:gradFill>
-                <a:latin typeface="Segoe UI" pitchFamily="34" charset="0"/>
-                <a:ea typeface="Segoe UI" pitchFamily="34" charset="0"/>
-                <a:cs typeface="Segoe UI" pitchFamily="34" charset="0"/>
-              </a:rPr>
-              <a:t>© 2016 Microsoft Corporation. All rights reserved. MICROSOFT MAKES NO WARRANTIES, EXPRESS, IMPLIED OR STATUTORY, AS TO THE INFORMATION IN THIS PRESENTATION.</a:t>
-            </a:r>
-          </a:p>
-        </p:txBody>
-      </p:sp>
-      <p:sp>
-        <p:nvSpPr>
-          <p:cNvPr id="6" name="Date Placeholder 5"/>
-          <p:cNvSpPr>
-            <a:spLocks noGrp="1"/>
-          </p:cNvSpPr>
-          <p:nvPr>
-            <p:ph type="dt" idx="12"/>
-          </p:nvPr>
-        </p:nvSpPr>
-        <p:spPr/>
-        <p:txBody>
-          <a:bodyPr/>
-          <a:lstStyle/>
-          <a:p>
-            <a:fld id="{7D10C09F-FCA1-48C8-B40D-42E1045D109E}" type="datetime8">
+            <a:fld id="{E286A58C-CFD2-436F-B92A-2E7A87934C70}" type="slidenum">
               <a:rPr lang="en-US" smtClean="0"/>
-              <a:t>3/15/2017 11:01 PM</a:t>
+              <a:t>39</a:t>
             </a:fld>
-            <a:endParaRPr lang="en-US" dirty="0"/>
-          </a:p>
-        </p:txBody>
-      </p:sp>
-      <p:sp>
-        <p:nvSpPr>
-          <p:cNvPr id="7" name="Slide Number Placeholder 6"/>
-          <p:cNvSpPr>
-            <a:spLocks noGrp="1"/>
-          </p:cNvSpPr>
-          <p:nvPr>
-            <p:ph type="sldNum" sz="quarter" idx="13"/>
-          </p:nvPr>
-        </p:nvSpPr>
-        <p:spPr/>
-        <p:txBody>
-          <a:bodyPr/>
-          <a:lstStyle/>
-          <a:p>
-            <a:fld id="{B4008EB6-D09E-4580-8CD6-DDB14511944F}" type="slidenum">
-              <a:rPr lang="en-US" smtClean="0"/>
-              <a:pPr/>
-              <a:t>44</a:t>
-            </a:fld>
-            <a:endParaRPr lang="en-US" dirty="0"/>
+            <a:endParaRPr lang="en-US"/>
           </a:p>
         </p:txBody>
       </p:sp>
     </p:spTree>
     <p:extLst>
       <p:ext uri="{BB962C8B-B14F-4D97-AF65-F5344CB8AC3E}">
-        <p14:creationId xmlns:p14="http://schemas.microsoft.com/office/powerpoint/2010/main" val="4131819108"/>
+        <p14:creationId xmlns:p14="http://schemas.microsoft.com/office/powerpoint/2010/main" val="2424537989"/>
       </p:ext>
     </p:extLst>
   </p:cSld>
@@ -1080,23 +1155,6 @@
           <a:bodyPr/>
           <a:lstStyle/>
           <a:p>
-            <a:pPr marL="0" marR="0" lvl="0" indent="0" algn="l" defTabSz="914400" rtl="0" eaLnBrk="1" fontAlgn="auto" latinLnBrk="0" hangingPunct="1">
-              <a:lnSpc>
-                <a:spcPct val="100000"/>
-              </a:lnSpc>
-              <a:spcBef>
-                <a:spcPts val="0"/>
-              </a:spcBef>
-              <a:spcAft>
-                <a:spcPts val="0"/>
-              </a:spcAft>
-              <a:buClrTx/>
-              <a:buSzTx/>
-              <a:buFontTx/>
-              <a:buNone/>
-              <a:tabLst/>
-              <a:defRPr/>
-            </a:pPr>
             <a:r>
               <a:rPr lang="en-US" sz="1200" b="0" i="0" kern="1200" dirty="0" smtClean="0">
                 <a:solidFill>
@@ -1107,27 +1165,44 @@
                 <a:ea typeface="+mn-ea"/>
                 <a:cs typeface="+mn-cs"/>
               </a:rPr>
-              <a:t>In computing, an idempotent operation is one that has no additional effect if it is called more than once with the same input parameters. For example, removing an item from a set can be considered an idempotent operation on the set.</a:t>
-            </a:r>
-          </a:p>
-          <a:p>
-            <a:pPr marL="0" marR="0" lvl="0" indent="0" algn="l" defTabSz="914400" rtl="0" eaLnBrk="1" fontAlgn="auto" latinLnBrk="0" hangingPunct="1">
-              <a:lnSpc>
-                <a:spcPct val="100000"/>
-              </a:lnSpc>
-              <a:spcBef>
-                <a:spcPts val="0"/>
-              </a:spcBef>
-              <a:spcAft>
-                <a:spcPts val="0"/>
-              </a:spcAft>
-              <a:buClrTx/>
-              <a:buSzTx/>
-              <a:buFontTx/>
-              <a:buNone/>
-              <a:tabLst/>
-              <a:defRPr/>
-            </a:pPr>
+              <a:t>To get an environment variable or an app setting value, use </a:t>
+            </a:r>
+            <a:r>
+              <a:rPr lang="en-US" sz="1200" b="0" i="0" kern="1200" dirty="0" err="1" smtClean="0">
+                <a:solidFill>
+                  <a:schemeClr val="tx1"/>
+                </a:solidFill>
+                <a:effectLst/>
+                <a:latin typeface="+mn-lt"/>
+                <a:ea typeface="+mn-ea"/>
+                <a:cs typeface="+mn-cs"/>
+              </a:rPr>
+              <a:t>System.Environment.GetEnvironmentVariable</a:t>
+            </a:r>
+            <a:r>
+              <a:rPr lang="en-US" sz="1200" b="0" i="0" kern="1200" dirty="0" smtClean="0">
+                <a:solidFill>
+                  <a:schemeClr val="tx1"/>
+                </a:solidFill>
+                <a:effectLst/>
+                <a:latin typeface="+mn-lt"/>
+                <a:ea typeface="+mn-ea"/>
+                <a:cs typeface="+mn-cs"/>
+              </a:rPr>
+              <a:t>, as shown in the following code example:</a:t>
+            </a:r>
+            <a:r>
+              <a:rPr lang="en-US" sz="1200" b="0" i="0" u="none" strike="noStrike" kern="1200" dirty="0" smtClean="0">
+                <a:solidFill>
+                  <a:schemeClr val="tx1"/>
+                </a:solidFill>
+                <a:effectLst/>
+                <a:latin typeface="+mn-lt"/>
+                <a:ea typeface="+mn-ea"/>
+                <a:cs typeface="+mn-cs"/>
+              </a:rPr>
+              <a:t>+</a:t>
+            </a:r>
             <a:endParaRPr lang="en-US" sz="1200" b="0" i="0" kern="1200" dirty="0" smtClean="0">
               <a:solidFill>
                 <a:schemeClr val="tx1"/>
@@ -1139,23 +1214,6 @@
             </a:endParaRPr>
           </a:p>
           <a:p>
-            <a:pPr marL="0" marR="0" lvl="0" indent="0" algn="l" defTabSz="914400" rtl="0" eaLnBrk="1" fontAlgn="auto" latinLnBrk="0" hangingPunct="1">
-              <a:lnSpc>
-                <a:spcPct val="100000"/>
-              </a:lnSpc>
-              <a:spcBef>
-                <a:spcPts val="0"/>
-              </a:spcBef>
-              <a:spcAft>
-                <a:spcPts val="0"/>
-              </a:spcAft>
-              <a:buClrTx/>
-              <a:buSzTx/>
-              <a:buFontTx/>
-              <a:buNone/>
-              <a:tabLst/>
-              <a:defRPr/>
-            </a:pPr>
             <a:r>
               <a:rPr lang="en-US" sz="1200" b="0" i="0" kern="1200" dirty="0" smtClean="0">
                 <a:solidFill>
@@ -1166,12 +1224,10 @@
                 <a:ea typeface="+mn-ea"/>
                 <a:cs typeface="+mn-cs"/>
               </a:rPr>
-              <a:t>Asynchronous programming is a recommended best practice. However, always avoid referencing the </a:t>
-            </a:r>
-            <a:r>
-              <a:rPr lang="en-US" dirty="0" err="1" smtClean="0"/>
-              <a:t>Task.Result</a:t>
-            </a:r>
+              <a:t>Copy</a:t>
+            </a:r>
+          </a:p>
+          <a:p>
             <a:r>
               <a:rPr lang="en-US" sz="1200" b="0" i="0" kern="1200" dirty="0" smtClean="0">
                 <a:solidFill>
@@ -1182,11 +1238,362 @@
                 <a:ea typeface="+mn-ea"/>
                 <a:cs typeface="+mn-cs"/>
               </a:rPr>
-              <a:t> property. This approach essentially does a busy-wait on a lock of another thread. Holding a lock creates the potential for deadlocks.</a:t>
-            </a:r>
-            <a:endParaRPr lang="en-US" dirty="0" smtClean="0"/>
-          </a:p>
-          <a:p>
+              <a:t>C#</a:t>
+            </a:r>
+          </a:p>
+          <a:p>
+            <a:r>
+              <a:rPr lang="en-US" sz="1200" kern="1200" dirty="0" smtClean="0">
+                <a:solidFill>
+                  <a:schemeClr val="tx1"/>
+                </a:solidFill>
+                <a:effectLst/>
+                <a:latin typeface="+mn-lt"/>
+                <a:ea typeface="+mn-ea"/>
+                <a:cs typeface="+mn-cs"/>
+              </a:rPr>
+              <a:t>public</a:t>
+            </a:r>
+            <a:r>
+              <a:rPr lang="en-US" dirty="0" smtClean="0"/>
+              <a:t> </a:t>
+            </a:r>
+            <a:r>
+              <a:rPr lang="en-US" sz="1200" kern="1200" dirty="0" smtClean="0">
+                <a:solidFill>
+                  <a:schemeClr val="tx1"/>
+                </a:solidFill>
+                <a:effectLst/>
+                <a:latin typeface="+mn-lt"/>
+                <a:ea typeface="+mn-ea"/>
+                <a:cs typeface="+mn-cs"/>
+              </a:rPr>
+              <a:t>static</a:t>
+            </a:r>
+            <a:r>
+              <a:rPr lang="en-US" dirty="0" smtClean="0"/>
+              <a:t> </a:t>
+            </a:r>
+            <a:r>
+              <a:rPr lang="en-US" sz="1200" kern="1200" dirty="0" smtClean="0">
+                <a:solidFill>
+                  <a:schemeClr val="tx1"/>
+                </a:solidFill>
+                <a:effectLst/>
+                <a:latin typeface="+mn-lt"/>
+                <a:ea typeface="+mn-ea"/>
+                <a:cs typeface="+mn-cs"/>
+              </a:rPr>
+              <a:t>void</a:t>
+            </a:r>
+            <a:r>
+              <a:rPr lang="en-US" dirty="0" smtClean="0"/>
+              <a:t> </a:t>
+            </a:r>
+            <a:r>
+              <a:rPr lang="en-US" sz="1200" kern="1200" dirty="0" smtClean="0">
+                <a:solidFill>
+                  <a:schemeClr val="tx1"/>
+                </a:solidFill>
+                <a:effectLst/>
+                <a:latin typeface="+mn-lt"/>
+                <a:ea typeface="+mn-ea"/>
+                <a:cs typeface="+mn-cs"/>
+              </a:rPr>
+              <a:t>Run</a:t>
+            </a:r>
+            <a:r>
+              <a:rPr lang="en-US" dirty="0" smtClean="0"/>
+              <a:t>(</a:t>
+            </a:r>
+            <a:r>
+              <a:rPr lang="en-US" dirty="0" err="1" smtClean="0"/>
+              <a:t>TimerInfo</a:t>
+            </a:r>
+            <a:r>
+              <a:rPr lang="en-US" dirty="0" smtClean="0"/>
+              <a:t> </a:t>
+            </a:r>
+            <a:r>
+              <a:rPr lang="en-US" dirty="0" err="1" smtClean="0"/>
+              <a:t>myTimer</a:t>
+            </a:r>
+            <a:r>
+              <a:rPr lang="en-US" dirty="0" smtClean="0"/>
+              <a:t>, </a:t>
+            </a:r>
+            <a:r>
+              <a:rPr lang="en-US" dirty="0" err="1" smtClean="0"/>
+              <a:t>TraceWriter</a:t>
+            </a:r>
+            <a:r>
+              <a:rPr lang="en-US" dirty="0" smtClean="0"/>
+              <a:t> log) { </a:t>
+            </a:r>
+            <a:r>
+              <a:rPr lang="en-US" dirty="0" err="1" smtClean="0"/>
+              <a:t>log.Info</a:t>
+            </a:r>
+            <a:r>
+              <a:rPr lang="en-US" dirty="0" smtClean="0"/>
+              <a:t>(</a:t>
+            </a:r>
+            <a:r>
+              <a:rPr lang="en-US" sz="1200" kern="1200" dirty="0" smtClean="0">
+                <a:solidFill>
+                  <a:schemeClr val="tx1"/>
+                </a:solidFill>
+                <a:effectLst/>
+                <a:latin typeface="+mn-lt"/>
+                <a:ea typeface="+mn-ea"/>
+                <a:cs typeface="+mn-cs"/>
+              </a:rPr>
+              <a:t>$"C# Timer trigger function executed at: {</a:t>
+            </a:r>
+            <a:r>
+              <a:rPr lang="en-US" sz="1200" kern="1200" dirty="0" err="1" smtClean="0">
+                <a:solidFill>
+                  <a:schemeClr val="tx1"/>
+                </a:solidFill>
+                <a:effectLst/>
+                <a:latin typeface="+mn-lt"/>
+                <a:ea typeface="+mn-ea"/>
+                <a:cs typeface="+mn-cs"/>
+              </a:rPr>
+              <a:t>DateTime.Now</a:t>
+            </a:r>
+            <a:r>
+              <a:rPr lang="en-US" sz="1200" kern="1200" dirty="0" smtClean="0">
+                <a:solidFill>
+                  <a:schemeClr val="tx1"/>
+                </a:solidFill>
+                <a:effectLst/>
+                <a:latin typeface="+mn-lt"/>
+                <a:ea typeface="+mn-ea"/>
+                <a:cs typeface="+mn-cs"/>
+              </a:rPr>
+              <a:t>}"</a:t>
+            </a:r>
+            <a:r>
+              <a:rPr lang="en-US" dirty="0" smtClean="0"/>
+              <a:t>); </a:t>
+            </a:r>
+            <a:r>
+              <a:rPr lang="en-US" dirty="0" err="1" smtClean="0"/>
+              <a:t>log.Info</a:t>
+            </a:r>
+            <a:r>
+              <a:rPr lang="en-US" dirty="0" smtClean="0"/>
+              <a:t>(</a:t>
+            </a:r>
+            <a:r>
+              <a:rPr lang="en-US" dirty="0" err="1" smtClean="0"/>
+              <a:t>GetEnvironmentVariable</a:t>
+            </a:r>
+            <a:r>
+              <a:rPr lang="en-US" dirty="0" smtClean="0"/>
+              <a:t>(</a:t>
+            </a:r>
+            <a:r>
+              <a:rPr lang="en-US" sz="1200" kern="1200" dirty="0" smtClean="0">
+                <a:solidFill>
+                  <a:schemeClr val="tx1"/>
+                </a:solidFill>
+                <a:effectLst/>
+                <a:latin typeface="+mn-lt"/>
+                <a:ea typeface="+mn-ea"/>
+                <a:cs typeface="+mn-cs"/>
+              </a:rPr>
+              <a:t>"</a:t>
+            </a:r>
+            <a:r>
+              <a:rPr lang="en-US" sz="1200" kern="1200" dirty="0" err="1" smtClean="0">
+                <a:solidFill>
+                  <a:schemeClr val="tx1"/>
+                </a:solidFill>
+                <a:effectLst/>
+                <a:latin typeface="+mn-lt"/>
+                <a:ea typeface="+mn-ea"/>
+                <a:cs typeface="+mn-cs"/>
+              </a:rPr>
+              <a:t>AzureWebJobsStorage</a:t>
+            </a:r>
+            <a:r>
+              <a:rPr lang="en-US" sz="1200" kern="1200" dirty="0" smtClean="0">
+                <a:solidFill>
+                  <a:schemeClr val="tx1"/>
+                </a:solidFill>
+                <a:effectLst/>
+                <a:latin typeface="+mn-lt"/>
+                <a:ea typeface="+mn-ea"/>
+                <a:cs typeface="+mn-cs"/>
+              </a:rPr>
+              <a:t>"</a:t>
+            </a:r>
+            <a:r>
+              <a:rPr lang="en-US" dirty="0" smtClean="0"/>
+              <a:t>)); </a:t>
+            </a:r>
+            <a:r>
+              <a:rPr lang="en-US" dirty="0" err="1" smtClean="0"/>
+              <a:t>log.Info</a:t>
+            </a:r>
+            <a:r>
+              <a:rPr lang="en-US" dirty="0" smtClean="0"/>
+              <a:t>(</a:t>
+            </a:r>
+            <a:r>
+              <a:rPr lang="en-US" dirty="0" err="1" smtClean="0"/>
+              <a:t>GetEnvironmentVariable</a:t>
+            </a:r>
+            <a:r>
+              <a:rPr lang="en-US" dirty="0" smtClean="0"/>
+              <a:t>(</a:t>
+            </a:r>
+            <a:r>
+              <a:rPr lang="en-US" sz="1200" kern="1200" dirty="0" smtClean="0">
+                <a:solidFill>
+                  <a:schemeClr val="tx1"/>
+                </a:solidFill>
+                <a:effectLst/>
+                <a:latin typeface="+mn-lt"/>
+                <a:ea typeface="+mn-ea"/>
+                <a:cs typeface="+mn-cs"/>
+              </a:rPr>
+              <a:t>"WEBSITE_SITE_NAME"</a:t>
+            </a:r>
+            <a:r>
+              <a:rPr lang="en-US" dirty="0" smtClean="0"/>
+              <a:t>)); } </a:t>
+            </a:r>
+            <a:r>
+              <a:rPr lang="en-US" sz="1200" kern="1200" dirty="0" smtClean="0">
+                <a:solidFill>
+                  <a:schemeClr val="tx1"/>
+                </a:solidFill>
+                <a:effectLst/>
+                <a:latin typeface="+mn-lt"/>
+                <a:ea typeface="+mn-ea"/>
+                <a:cs typeface="+mn-cs"/>
+              </a:rPr>
+              <a:t>public</a:t>
+            </a:r>
+            <a:r>
+              <a:rPr lang="en-US" dirty="0" smtClean="0"/>
+              <a:t> </a:t>
+            </a:r>
+            <a:r>
+              <a:rPr lang="en-US" sz="1200" kern="1200" dirty="0" smtClean="0">
+                <a:solidFill>
+                  <a:schemeClr val="tx1"/>
+                </a:solidFill>
+                <a:effectLst/>
+                <a:latin typeface="+mn-lt"/>
+                <a:ea typeface="+mn-ea"/>
+                <a:cs typeface="+mn-cs"/>
+              </a:rPr>
+              <a:t>static</a:t>
+            </a:r>
+            <a:r>
+              <a:rPr lang="en-US" dirty="0" smtClean="0"/>
+              <a:t> </a:t>
+            </a:r>
+            <a:r>
+              <a:rPr lang="en-US" sz="1200" kern="1200" dirty="0" smtClean="0">
+                <a:solidFill>
+                  <a:schemeClr val="tx1"/>
+                </a:solidFill>
+                <a:effectLst/>
+                <a:latin typeface="+mn-lt"/>
+                <a:ea typeface="+mn-ea"/>
+                <a:cs typeface="+mn-cs"/>
+              </a:rPr>
+              <a:t>string</a:t>
+            </a:r>
+            <a:r>
+              <a:rPr lang="en-US" dirty="0" smtClean="0"/>
+              <a:t> </a:t>
+            </a:r>
+            <a:r>
+              <a:rPr lang="en-US" sz="1200" kern="1200" dirty="0" err="1" smtClean="0">
+                <a:solidFill>
+                  <a:schemeClr val="tx1"/>
+                </a:solidFill>
+                <a:effectLst/>
+                <a:latin typeface="+mn-lt"/>
+                <a:ea typeface="+mn-ea"/>
+                <a:cs typeface="+mn-cs"/>
+              </a:rPr>
+              <a:t>GetEnvironmentVariable</a:t>
+            </a:r>
+            <a:r>
+              <a:rPr lang="en-US" dirty="0" smtClean="0"/>
+              <a:t>(</a:t>
+            </a:r>
+            <a:r>
+              <a:rPr lang="en-US" sz="1200" kern="1200" dirty="0" smtClean="0">
+                <a:solidFill>
+                  <a:schemeClr val="tx1"/>
+                </a:solidFill>
+                <a:effectLst/>
+                <a:latin typeface="+mn-lt"/>
+                <a:ea typeface="+mn-ea"/>
+                <a:cs typeface="+mn-cs"/>
+              </a:rPr>
+              <a:t>string</a:t>
+            </a:r>
+            <a:r>
+              <a:rPr lang="en-US" dirty="0" smtClean="0"/>
+              <a:t> name) { </a:t>
+            </a:r>
+            <a:r>
+              <a:rPr lang="en-US" sz="1200" kern="1200" dirty="0" smtClean="0">
+                <a:solidFill>
+                  <a:schemeClr val="tx1"/>
+                </a:solidFill>
+                <a:effectLst/>
+                <a:latin typeface="+mn-lt"/>
+                <a:ea typeface="+mn-ea"/>
+                <a:cs typeface="+mn-cs"/>
+              </a:rPr>
+              <a:t>return</a:t>
+            </a:r>
+            <a:r>
+              <a:rPr lang="en-US" dirty="0" smtClean="0"/>
+              <a:t> name + </a:t>
+            </a:r>
+            <a:r>
+              <a:rPr lang="en-US" sz="1200" kern="1200" dirty="0" smtClean="0">
+                <a:solidFill>
+                  <a:schemeClr val="tx1"/>
+                </a:solidFill>
+                <a:effectLst/>
+                <a:latin typeface="+mn-lt"/>
+                <a:ea typeface="+mn-ea"/>
+                <a:cs typeface="+mn-cs"/>
+              </a:rPr>
+              <a:t>": "</a:t>
+            </a:r>
+            <a:r>
+              <a:rPr lang="en-US" dirty="0" smtClean="0"/>
+              <a:t> + </a:t>
+            </a:r>
+            <a:r>
+              <a:rPr lang="en-US" dirty="0" err="1" smtClean="0"/>
+              <a:t>System.Environment.GetEnvironmentVariable</a:t>
+            </a:r>
+            <a:r>
+              <a:rPr lang="en-US" dirty="0" smtClean="0"/>
+              <a:t>(name, </a:t>
+            </a:r>
+            <a:r>
+              <a:rPr lang="en-US" dirty="0" err="1" smtClean="0"/>
+              <a:t>EnvironmentVariableTarget.Process</a:t>
+            </a:r>
+            <a:r>
+              <a:rPr lang="en-US" dirty="0" smtClean="0"/>
+              <a:t>); }</a:t>
+            </a:r>
             <a:endParaRPr lang="en-US" dirty="0"/>
           </a:p>
         </p:txBody>
@@ -1208,16 +1615,16 @@
           <a:p>
             <a:fld id="{E286A58C-CFD2-436F-B92A-2E7A87934C70}" type="slidenum">
               <a:rPr lang="en-US" smtClean="0"/>
-              <a:t>45</a:t>
+              <a:t>41</a:t>
             </a:fld>
-            <a:endParaRPr lang="en-US"/>
+            <a:endParaRPr lang="en-US" dirty="0"/>
           </a:p>
         </p:txBody>
       </p:sp>
     </p:spTree>
     <p:extLst>
       <p:ext uri="{BB962C8B-B14F-4D97-AF65-F5344CB8AC3E}">
-        <p14:creationId xmlns:p14="http://schemas.microsoft.com/office/powerpoint/2010/main" val="988654653"/>
+        <p14:creationId xmlns:p14="http://schemas.microsoft.com/office/powerpoint/2010/main" val="500248546"/>
       </p:ext>
     </p:extLst>
   </p:cSld>
@@ -1349,7 +1756,7 @@
           <a:p>
             <a:fld id="{7D10C09F-FCA1-48C8-B40D-42E1045D109E}" type="datetime8">
               <a:rPr lang="en-US" smtClean="0"/>
-              <a:t>3/15/2017 11:01 PM</a:t>
+              <a:t>3/16/2017 9:30 PM</a:t>
             </a:fld>
             <a:endParaRPr lang="en-US" dirty="0"/>
           </a:p>
@@ -1373,7 +1780,7 @@
             <a:fld id="{B4008EB6-D09E-4580-8CD6-DDB14511944F}" type="slidenum">
               <a:rPr lang="en-US" smtClean="0"/>
               <a:pPr/>
-              <a:t>47</a:t>
+              <a:t>42</a:t>
             </a:fld>
             <a:endParaRPr lang="en-US" dirty="0"/>
           </a:p>
@@ -1382,7 +1789,7 @@
     </p:spTree>
     <p:extLst>
       <p:ext uri="{BB962C8B-B14F-4D97-AF65-F5344CB8AC3E}">
-        <p14:creationId xmlns:p14="http://schemas.microsoft.com/office/powerpoint/2010/main" val="3256167923"/>
+        <p14:creationId xmlns:p14="http://schemas.microsoft.com/office/powerpoint/2010/main" val="268081711"/>
       </p:ext>
     </p:extLst>
   </p:cSld>
@@ -1442,12 +1849,12 @@
       </p:sp>
       <p:sp>
         <p:nvSpPr>
-          <p:cNvPr id="4" name="Slide Number Placeholder 3"/>
+          <p:cNvPr id="4" name="Header Placeholder 3"/>
           <p:cNvSpPr>
             <a:spLocks noGrp="1"/>
           </p:cNvSpPr>
           <p:nvPr>
-            <p:ph type="sldNum" sz="quarter" idx="10"/>
+            <p:ph type="hdr" sz="quarter" idx="10"/>
           </p:nvPr>
         </p:nvSpPr>
         <p:spPr/>
@@ -1455,18 +1862,99 @@
           <a:bodyPr/>
           <a:lstStyle/>
           <a:p>
-            <a:fld id="{E286A58C-CFD2-436F-B92A-2E7A87934C70}" type="slidenum">
+            <a:endParaRPr lang="en-US" dirty="0"/>
+          </a:p>
+        </p:txBody>
+      </p:sp>
+      <p:sp>
+        <p:nvSpPr>
+          <p:cNvPr id="5" name="Footer Placeholder 4"/>
+          <p:cNvSpPr>
+            <a:spLocks noGrp="1"/>
+          </p:cNvSpPr>
+          <p:nvPr>
+            <p:ph type="ftr" sz="quarter" idx="11"/>
+          </p:nvPr>
+        </p:nvSpPr>
+        <p:spPr/>
+        <p:txBody>
+          <a:bodyPr/>
+          <a:lstStyle/>
+          <a:p>
+            <a:pPr defTabSz="914099" eaLnBrk="0" hangingPunct="0"/>
+            <a:r>
+              <a:rPr lang="en-US" sz="400" dirty="0" smtClean="0">
+                <a:gradFill>
+                  <a:gsLst>
+                    <a:gs pos="0">
+                      <a:prstClr val="black"/>
+                    </a:gs>
+                    <a:gs pos="100000">
+                      <a:prstClr val="black"/>
+                    </a:gs>
+                  </a:gsLst>
+                  <a:lin ang="5400000" scaled="0"/>
+                </a:gradFill>
+                <a:latin typeface="Segoe UI" pitchFamily="34" charset="0"/>
+                <a:ea typeface="Segoe UI" pitchFamily="34" charset="0"/>
+                <a:cs typeface="Segoe UI" pitchFamily="34" charset="0"/>
+              </a:rPr>
+              <a:t>© 2016 Microsoft Corporation. All rights reserved. MICROSOFT MAKES NO WARRANTIES, EXPRESS, IMPLIED OR STATUTORY, AS TO THE INFORMATION IN THIS PRESENTATION.</a:t>
+            </a:r>
+          </a:p>
+        </p:txBody>
+      </p:sp>
+      <p:sp>
+        <p:nvSpPr>
+          <p:cNvPr id="6" name="Date Placeholder 5"/>
+          <p:cNvSpPr>
+            <a:spLocks noGrp="1"/>
+          </p:cNvSpPr>
+          <p:nvPr>
+            <p:ph type="dt" idx="12"/>
+          </p:nvPr>
+        </p:nvSpPr>
+        <p:spPr/>
+        <p:txBody>
+          <a:bodyPr/>
+          <a:lstStyle/>
+          <a:p>
+            <a:fld id="{7D10C09F-FCA1-48C8-B40D-42E1045D109E}" type="datetime8">
               <a:rPr lang="en-US" smtClean="0"/>
-              <a:t>49</a:t>
+              <a:t>3/16/2017 9:30 PM</a:t>
             </a:fld>
-            <a:endParaRPr lang="en-US"/>
+            <a:endParaRPr lang="en-US" dirty="0"/>
+          </a:p>
+        </p:txBody>
+      </p:sp>
+      <p:sp>
+        <p:nvSpPr>
+          <p:cNvPr id="7" name="Slide Number Placeholder 6"/>
+          <p:cNvSpPr>
+            <a:spLocks noGrp="1"/>
+          </p:cNvSpPr>
+          <p:nvPr>
+            <p:ph type="sldNum" sz="quarter" idx="13"/>
+          </p:nvPr>
+        </p:nvSpPr>
+        <p:spPr/>
+        <p:txBody>
+          <a:bodyPr/>
+          <a:lstStyle/>
+          <a:p>
+            <a:fld id="{B4008EB6-D09E-4580-8CD6-DDB14511944F}" type="slidenum">
+              <a:rPr lang="en-US" smtClean="0"/>
+              <a:pPr/>
+              <a:t>47</a:t>
+            </a:fld>
+            <a:endParaRPr lang="en-US" dirty="0"/>
           </a:p>
         </p:txBody>
       </p:sp>
     </p:spTree>
     <p:extLst>
       <p:ext uri="{BB962C8B-B14F-4D97-AF65-F5344CB8AC3E}">
-        <p14:creationId xmlns:p14="http://schemas.microsoft.com/office/powerpoint/2010/main" val="1182821254"/>
+        <p14:creationId xmlns:p14="http://schemas.microsoft.com/office/powerpoint/2010/main" val="4131819108"/>
       </p:ext>
     </p:extLst>
   </p:cSld>
@@ -1520,6 +2008,113 @@
           <a:bodyPr/>
           <a:lstStyle/>
           <a:p>
+            <a:pPr marL="0" marR="0" lvl="0" indent="0" algn="l" defTabSz="914400" rtl="0" eaLnBrk="1" fontAlgn="auto" latinLnBrk="0" hangingPunct="1">
+              <a:lnSpc>
+                <a:spcPct val="100000"/>
+              </a:lnSpc>
+              <a:spcBef>
+                <a:spcPts val="0"/>
+              </a:spcBef>
+              <a:spcAft>
+                <a:spcPts val="0"/>
+              </a:spcAft>
+              <a:buClrTx/>
+              <a:buSzTx/>
+              <a:buFontTx/>
+              <a:buNone/>
+              <a:tabLst/>
+              <a:defRPr/>
+            </a:pPr>
+            <a:r>
+              <a:rPr lang="en-US" sz="1200" b="0" i="0" kern="1200" dirty="0" smtClean="0">
+                <a:solidFill>
+                  <a:schemeClr val="tx1"/>
+                </a:solidFill>
+                <a:effectLst/>
+                <a:latin typeface="+mn-lt"/>
+                <a:ea typeface="+mn-ea"/>
+                <a:cs typeface="+mn-cs"/>
+              </a:rPr>
+              <a:t>In computing, an idempotent operation is one that has no additional effect if it is called more than once with the same input parameters. For example, removing an item from a set can be considered an idempotent operation on the set.</a:t>
+            </a:r>
+          </a:p>
+          <a:p>
+            <a:pPr marL="0" marR="0" lvl="0" indent="0" algn="l" defTabSz="914400" rtl="0" eaLnBrk="1" fontAlgn="auto" latinLnBrk="0" hangingPunct="1">
+              <a:lnSpc>
+                <a:spcPct val="100000"/>
+              </a:lnSpc>
+              <a:spcBef>
+                <a:spcPts val="0"/>
+              </a:spcBef>
+              <a:spcAft>
+                <a:spcPts val="0"/>
+              </a:spcAft>
+              <a:buClrTx/>
+              <a:buSzTx/>
+              <a:buFontTx/>
+              <a:buNone/>
+              <a:tabLst/>
+              <a:defRPr/>
+            </a:pPr>
+            <a:endParaRPr lang="en-US" sz="1200" b="0" i="0" kern="1200" dirty="0" smtClean="0">
+              <a:solidFill>
+                <a:schemeClr val="tx1"/>
+              </a:solidFill>
+              <a:effectLst/>
+              <a:latin typeface="+mn-lt"/>
+              <a:ea typeface="+mn-ea"/>
+              <a:cs typeface="+mn-cs"/>
+            </a:endParaRPr>
+          </a:p>
+          <a:p>
+            <a:pPr marL="0" marR="0" lvl="0" indent="0" algn="l" defTabSz="914400" rtl="0" eaLnBrk="1" fontAlgn="auto" latinLnBrk="0" hangingPunct="1">
+              <a:lnSpc>
+                <a:spcPct val="100000"/>
+              </a:lnSpc>
+              <a:spcBef>
+                <a:spcPts val="0"/>
+              </a:spcBef>
+              <a:spcAft>
+                <a:spcPts val="0"/>
+              </a:spcAft>
+              <a:buClrTx/>
+              <a:buSzTx/>
+              <a:buFontTx/>
+              <a:buNone/>
+              <a:tabLst/>
+              <a:defRPr/>
+            </a:pPr>
+            <a:r>
+              <a:rPr lang="en-US" sz="1200" b="0" i="0" kern="1200" dirty="0" smtClean="0">
+                <a:solidFill>
+                  <a:schemeClr val="tx1"/>
+                </a:solidFill>
+                <a:effectLst/>
+                <a:latin typeface="+mn-lt"/>
+                <a:ea typeface="+mn-ea"/>
+                <a:cs typeface="+mn-cs"/>
+              </a:rPr>
+              <a:t>Asynchronous programming is a recommended best practice. However, always avoid referencing the </a:t>
+            </a:r>
+            <a:r>
+              <a:rPr lang="en-US" dirty="0" err="1" smtClean="0"/>
+              <a:t>Task.Result</a:t>
+            </a:r>
+            <a:r>
+              <a:rPr lang="en-US" sz="1200" b="0" i="0" kern="1200" dirty="0" smtClean="0">
+                <a:solidFill>
+                  <a:schemeClr val="tx1"/>
+                </a:solidFill>
+                <a:effectLst/>
+                <a:latin typeface="+mn-lt"/>
+                <a:ea typeface="+mn-ea"/>
+                <a:cs typeface="+mn-cs"/>
+              </a:rPr>
+              <a:t> property. This approach essentially does a busy-wait on a lock of another thread. Holding a lock creates the potential for deadlocks.</a:t>
+            </a:r>
+            <a:endParaRPr lang="en-US" dirty="0" smtClean="0"/>
+          </a:p>
+          <a:p>
             <a:endParaRPr lang="en-US" dirty="0"/>
           </a:p>
         </p:txBody>
@@ -1541,7 +2136,340 @@
           <a:p>
             <a:fld id="{E286A58C-CFD2-436F-B92A-2E7A87934C70}" type="slidenum">
               <a:rPr lang="en-US" smtClean="0"/>
-              <a:t>51</a:t>
+              <a:t>48</a:t>
+            </a:fld>
+            <a:endParaRPr lang="en-US"/>
+          </a:p>
+        </p:txBody>
+      </p:sp>
+    </p:spTree>
+    <p:extLst>
+      <p:ext uri="{BB962C8B-B14F-4D97-AF65-F5344CB8AC3E}">
+        <p14:creationId xmlns:p14="http://schemas.microsoft.com/office/powerpoint/2010/main" val="988654653"/>
+      </p:ext>
+    </p:extLst>
+  </p:cSld>
+  <p:clrMapOvr>
+    <a:masterClrMapping/>
+  </p:clrMapOvr>
+</p:notes>
+</file>
+
+<file path=ppt/notesSlides/notesSlide16.xml><?xml version="1.0" encoding="utf-8"?>
+<p:notes xmlns:a="http://schemas.openxmlformats.org/drawingml/2006/main" xmlns:r="http://schemas.openxmlformats.org/officeDocument/2006/relationships" xmlns:p="http://schemas.openxmlformats.org/presentationml/2006/main">
+  <p:cSld>
+    <p:spTree>
+      <p:nvGrpSpPr>
+        <p:cNvPr id="1" name=""/>
+        <p:cNvGrpSpPr/>
+        <p:nvPr/>
+      </p:nvGrpSpPr>
+      <p:grpSpPr>
+        <a:xfrm>
+          <a:off x="0" y="0"/>
+          <a:ext cx="0" cy="0"/>
+          <a:chOff x="0" y="0"/>
+          <a:chExt cx="0" cy="0"/>
+        </a:xfrm>
+      </p:grpSpPr>
+      <p:sp>
+        <p:nvSpPr>
+          <p:cNvPr id="2" name="Slide Image Placeholder 1"/>
+          <p:cNvSpPr>
+            <a:spLocks noGrp="1" noRot="1" noChangeAspect="1"/>
+          </p:cNvSpPr>
+          <p:nvPr>
+            <p:ph type="sldImg"/>
+          </p:nvPr>
+        </p:nvSpPr>
+        <p:spPr/>
+      </p:sp>
+      <p:sp>
+        <p:nvSpPr>
+          <p:cNvPr id="3" name="Notes Placeholder 2"/>
+          <p:cNvSpPr>
+            <a:spLocks noGrp="1"/>
+          </p:cNvSpPr>
+          <p:nvPr>
+            <p:ph type="body" idx="1"/>
+          </p:nvPr>
+        </p:nvSpPr>
+        <p:spPr/>
+        <p:txBody>
+          <a:bodyPr/>
+          <a:lstStyle/>
+          <a:p>
+            <a:endParaRPr lang="en-US" dirty="0"/>
+          </a:p>
+        </p:txBody>
+      </p:sp>
+      <p:sp>
+        <p:nvSpPr>
+          <p:cNvPr id="4" name="Header Placeholder 3"/>
+          <p:cNvSpPr>
+            <a:spLocks noGrp="1"/>
+          </p:cNvSpPr>
+          <p:nvPr>
+            <p:ph type="hdr" sz="quarter" idx="10"/>
+          </p:nvPr>
+        </p:nvSpPr>
+        <p:spPr/>
+        <p:txBody>
+          <a:bodyPr/>
+          <a:lstStyle/>
+          <a:p>
+            <a:endParaRPr lang="en-US" dirty="0"/>
+          </a:p>
+        </p:txBody>
+      </p:sp>
+      <p:sp>
+        <p:nvSpPr>
+          <p:cNvPr id="5" name="Footer Placeholder 4"/>
+          <p:cNvSpPr>
+            <a:spLocks noGrp="1"/>
+          </p:cNvSpPr>
+          <p:nvPr>
+            <p:ph type="ftr" sz="quarter" idx="11"/>
+          </p:nvPr>
+        </p:nvSpPr>
+        <p:spPr/>
+        <p:txBody>
+          <a:bodyPr/>
+          <a:lstStyle/>
+          <a:p>
+            <a:pPr defTabSz="914099" eaLnBrk="0" hangingPunct="0"/>
+            <a:r>
+              <a:rPr lang="en-US" sz="400" dirty="0" smtClean="0">
+                <a:gradFill>
+                  <a:gsLst>
+                    <a:gs pos="0">
+                      <a:prstClr val="black"/>
+                    </a:gs>
+                    <a:gs pos="100000">
+                      <a:prstClr val="black"/>
+                    </a:gs>
+                  </a:gsLst>
+                  <a:lin ang="5400000" scaled="0"/>
+                </a:gradFill>
+                <a:latin typeface="Segoe UI" pitchFamily="34" charset="0"/>
+                <a:ea typeface="Segoe UI" pitchFamily="34" charset="0"/>
+                <a:cs typeface="Segoe UI" pitchFamily="34" charset="0"/>
+              </a:rPr>
+              <a:t>© 2016 Microsoft Corporation. All rights reserved. MICROSOFT MAKES NO WARRANTIES, EXPRESS, IMPLIED OR STATUTORY, AS TO THE INFORMATION IN THIS PRESENTATION.</a:t>
+            </a:r>
+          </a:p>
+        </p:txBody>
+      </p:sp>
+      <p:sp>
+        <p:nvSpPr>
+          <p:cNvPr id="6" name="Date Placeholder 5"/>
+          <p:cNvSpPr>
+            <a:spLocks noGrp="1"/>
+          </p:cNvSpPr>
+          <p:nvPr>
+            <p:ph type="dt" idx="12"/>
+          </p:nvPr>
+        </p:nvSpPr>
+        <p:spPr/>
+        <p:txBody>
+          <a:bodyPr/>
+          <a:lstStyle/>
+          <a:p>
+            <a:fld id="{7D10C09F-FCA1-48C8-B40D-42E1045D109E}" type="datetime8">
+              <a:rPr lang="en-US" smtClean="0"/>
+              <a:t>3/16/2017 9:30 PM</a:t>
+            </a:fld>
+            <a:endParaRPr lang="en-US" dirty="0"/>
+          </a:p>
+        </p:txBody>
+      </p:sp>
+      <p:sp>
+        <p:nvSpPr>
+          <p:cNvPr id="7" name="Slide Number Placeholder 6"/>
+          <p:cNvSpPr>
+            <a:spLocks noGrp="1"/>
+          </p:cNvSpPr>
+          <p:nvPr>
+            <p:ph type="sldNum" sz="quarter" idx="13"/>
+          </p:nvPr>
+        </p:nvSpPr>
+        <p:spPr/>
+        <p:txBody>
+          <a:bodyPr/>
+          <a:lstStyle/>
+          <a:p>
+            <a:fld id="{B4008EB6-D09E-4580-8CD6-DDB14511944F}" type="slidenum">
+              <a:rPr lang="en-US" smtClean="0"/>
+              <a:pPr/>
+              <a:t>50</a:t>
+            </a:fld>
+            <a:endParaRPr lang="en-US" dirty="0"/>
+          </a:p>
+        </p:txBody>
+      </p:sp>
+    </p:spTree>
+    <p:extLst>
+      <p:ext uri="{BB962C8B-B14F-4D97-AF65-F5344CB8AC3E}">
+        <p14:creationId xmlns:p14="http://schemas.microsoft.com/office/powerpoint/2010/main" val="3256167923"/>
+      </p:ext>
+    </p:extLst>
+  </p:cSld>
+  <p:clrMapOvr>
+    <a:masterClrMapping/>
+  </p:clrMapOvr>
+</p:notes>
+</file>
+
+<file path=ppt/notesSlides/notesSlide17.xml><?xml version="1.0" encoding="utf-8"?>
+<p:notes xmlns:a="http://schemas.openxmlformats.org/drawingml/2006/main" xmlns:r="http://schemas.openxmlformats.org/officeDocument/2006/relationships" xmlns:p="http://schemas.openxmlformats.org/presentationml/2006/main">
+  <p:cSld>
+    <p:spTree>
+      <p:nvGrpSpPr>
+        <p:cNvPr id="1" name=""/>
+        <p:cNvGrpSpPr/>
+        <p:nvPr/>
+      </p:nvGrpSpPr>
+      <p:grpSpPr>
+        <a:xfrm>
+          <a:off x="0" y="0"/>
+          <a:ext cx="0" cy="0"/>
+          <a:chOff x="0" y="0"/>
+          <a:chExt cx="0" cy="0"/>
+        </a:xfrm>
+      </p:grpSpPr>
+      <p:sp>
+        <p:nvSpPr>
+          <p:cNvPr id="2" name="Slide Image Placeholder 1"/>
+          <p:cNvSpPr>
+            <a:spLocks noGrp="1" noRot="1" noChangeAspect="1"/>
+          </p:cNvSpPr>
+          <p:nvPr>
+            <p:ph type="sldImg"/>
+          </p:nvPr>
+        </p:nvSpPr>
+        <p:spPr/>
+      </p:sp>
+      <p:sp>
+        <p:nvSpPr>
+          <p:cNvPr id="3" name="Notes Placeholder 2"/>
+          <p:cNvSpPr>
+            <a:spLocks noGrp="1"/>
+          </p:cNvSpPr>
+          <p:nvPr>
+            <p:ph type="body" idx="1"/>
+          </p:nvPr>
+        </p:nvSpPr>
+        <p:spPr/>
+        <p:txBody>
+          <a:bodyPr/>
+          <a:lstStyle/>
+          <a:p>
+            <a:endParaRPr lang="en-US" dirty="0"/>
+          </a:p>
+        </p:txBody>
+      </p:sp>
+      <p:sp>
+        <p:nvSpPr>
+          <p:cNvPr id="4" name="Slide Number Placeholder 3"/>
+          <p:cNvSpPr>
+            <a:spLocks noGrp="1"/>
+          </p:cNvSpPr>
+          <p:nvPr>
+            <p:ph type="sldNum" sz="quarter" idx="10"/>
+          </p:nvPr>
+        </p:nvSpPr>
+        <p:spPr/>
+        <p:txBody>
+          <a:bodyPr/>
+          <a:lstStyle/>
+          <a:p>
+            <a:fld id="{E286A58C-CFD2-436F-B92A-2E7A87934C70}" type="slidenum">
+              <a:rPr lang="en-US" smtClean="0"/>
+              <a:t>52</a:t>
+            </a:fld>
+            <a:endParaRPr lang="en-US"/>
+          </a:p>
+        </p:txBody>
+      </p:sp>
+    </p:spTree>
+    <p:extLst>
+      <p:ext uri="{BB962C8B-B14F-4D97-AF65-F5344CB8AC3E}">
+        <p14:creationId xmlns:p14="http://schemas.microsoft.com/office/powerpoint/2010/main" val="1182821254"/>
+      </p:ext>
+    </p:extLst>
+  </p:cSld>
+  <p:clrMapOvr>
+    <a:masterClrMapping/>
+  </p:clrMapOvr>
+</p:notes>
+</file>
+
+<file path=ppt/notesSlides/notesSlide18.xml><?xml version="1.0" encoding="utf-8"?>
+<p:notes xmlns:a="http://schemas.openxmlformats.org/drawingml/2006/main" xmlns:r="http://schemas.openxmlformats.org/officeDocument/2006/relationships" xmlns:p="http://schemas.openxmlformats.org/presentationml/2006/main">
+  <p:cSld>
+    <p:spTree>
+      <p:nvGrpSpPr>
+        <p:cNvPr id="1" name=""/>
+        <p:cNvGrpSpPr/>
+        <p:nvPr/>
+      </p:nvGrpSpPr>
+      <p:grpSpPr>
+        <a:xfrm>
+          <a:off x="0" y="0"/>
+          <a:ext cx="0" cy="0"/>
+          <a:chOff x="0" y="0"/>
+          <a:chExt cx="0" cy="0"/>
+        </a:xfrm>
+      </p:grpSpPr>
+      <p:sp>
+        <p:nvSpPr>
+          <p:cNvPr id="2" name="Slide Image Placeholder 1"/>
+          <p:cNvSpPr>
+            <a:spLocks noGrp="1" noRot="1" noChangeAspect="1"/>
+          </p:cNvSpPr>
+          <p:nvPr>
+            <p:ph type="sldImg"/>
+          </p:nvPr>
+        </p:nvSpPr>
+        <p:spPr/>
+      </p:sp>
+      <p:sp>
+        <p:nvSpPr>
+          <p:cNvPr id="3" name="Notes Placeholder 2"/>
+          <p:cNvSpPr>
+            <a:spLocks noGrp="1"/>
+          </p:cNvSpPr>
+          <p:nvPr>
+            <p:ph type="body" idx="1"/>
+          </p:nvPr>
+        </p:nvSpPr>
+        <p:spPr/>
+        <p:txBody>
+          <a:bodyPr/>
+          <a:lstStyle/>
+          <a:p>
+            <a:endParaRPr lang="en-US" dirty="0"/>
+          </a:p>
+        </p:txBody>
+      </p:sp>
+      <p:sp>
+        <p:nvSpPr>
+          <p:cNvPr id="4" name="Slide Number Placeholder 3"/>
+          <p:cNvSpPr>
+            <a:spLocks noGrp="1"/>
+          </p:cNvSpPr>
+          <p:nvPr>
+            <p:ph type="sldNum" sz="quarter" idx="10"/>
+          </p:nvPr>
+        </p:nvSpPr>
+        <p:spPr/>
+        <p:txBody>
+          <a:bodyPr/>
+          <a:lstStyle/>
+          <a:p>
+            <a:fld id="{E286A58C-CFD2-436F-B92A-2E7A87934C70}" type="slidenum">
+              <a:rPr lang="en-US" smtClean="0"/>
+              <a:t>54</a:t>
             </a:fld>
             <a:endParaRPr lang="en-US" dirty="0"/>
           </a:p>
@@ -1719,7 +2647,7 @@
           <a:p>
             <a:fld id="{38EEC551-8CDA-4EB6-89BB-2A86C9F091C8}" type="datetime8">
               <a:rPr lang="en-US" smtClean="0"/>
-              <a:t>3/15/2017 11:01 PM</a:t>
+              <a:t>3/16/2017 9:30 PM</a:t>
             </a:fld>
             <a:endParaRPr lang="en-US" dirty="0"/>
           </a:p>
@@ -1743,7 +2671,7 @@
             <a:fld id="{B4008EB6-D09E-4580-8CD6-DDB14511944F}" type="slidenum">
               <a:rPr lang="en-US" smtClean="0"/>
               <a:pPr/>
-              <a:t>9</a:t>
+              <a:t>10</a:t>
             </a:fld>
             <a:endParaRPr lang="en-US" dirty="0"/>
           </a:p>
@@ -1884,7 +2812,7 @@
           <a:p>
             <a:fld id="{7D10C09F-FCA1-48C8-B40D-42E1045D109E}" type="datetime8">
               <a:rPr lang="en-US" smtClean="0"/>
-              <a:t>3/15/2017 11:01 PM</a:t>
+              <a:t>3/16/2017 9:30 PM</a:t>
             </a:fld>
             <a:endParaRPr lang="en-US" dirty="0"/>
           </a:p>
@@ -1908,7 +2836,7 @@
             <a:fld id="{B4008EB6-D09E-4580-8CD6-DDB14511944F}" type="slidenum">
               <a:rPr lang="en-US" smtClean="0"/>
               <a:pPr/>
-              <a:t>10</a:t>
+              <a:t>11</a:t>
             </a:fld>
             <a:endParaRPr lang="en-US" dirty="0"/>
           </a:p>
@@ -2012,7 +2940,7 @@
           <a:p>
             <a:fld id="{E286A58C-CFD2-436F-B92A-2E7A87934C70}" type="slidenum">
               <a:rPr lang="en-US" smtClean="0"/>
-              <a:t>11</a:t>
+              <a:t>12</a:t>
             </a:fld>
             <a:endParaRPr lang="en-US"/>
           </a:p>
@@ -2153,7 +3081,7 @@
           <a:p>
             <a:fld id="{7D10C09F-FCA1-48C8-B40D-42E1045D109E}" type="datetime8">
               <a:rPr lang="en-US" smtClean="0"/>
-              <a:t>3/15/2017 11:01 PM</a:t>
+              <a:t>3/16/2017 9:30 PM</a:t>
             </a:fld>
             <a:endParaRPr lang="en-US" dirty="0"/>
           </a:p>
@@ -2177,7 +3105,7 @@
             <a:fld id="{B4008EB6-D09E-4580-8CD6-DDB14511944F}" type="slidenum">
               <a:rPr lang="en-US" smtClean="0"/>
               <a:pPr/>
-              <a:t>16</a:t>
+              <a:t>17</a:t>
             </a:fld>
             <a:endParaRPr lang="en-US" dirty="0"/>
           </a:p>
@@ -2240,18 +3168,22 @@
           <a:bodyPr/>
           <a:lstStyle/>
           <a:p>
+            <a:r>
+              <a:rPr lang="en-US" dirty="0" smtClean="0"/>
+              <a:t>When multiple triggering events occur faster than a single-threaded function runtime can process them, the runtime may invoke the function multiple times in parallel. If a function app is using the Consumption hosting plan, the function app could scale out automatically. Each instance of the function app, whether the app runs on the Consumption hosting plan or a regular App Service hosting plan, might process concurrent function invocations in parallel using multiple threads. The maximum number of concurrent function invocations in each function app instance varies based on the type of trigger being used as well as the resources used by other functions within the function app.</a:t>
+            </a:r>
             <a:endParaRPr lang="en-US" dirty="0"/>
           </a:p>
         </p:txBody>
       </p:sp>
       <p:sp>
         <p:nvSpPr>
-          <p:cNvPr id="4" name="Header Placeholder 3"/>
+          <p:cNvPr id="4" name="Slide Number Placeholder 3"/>
           <p:cNvSpPr>
             <a:spLocks noGrp="1"/>
           </p:cNvSpPr>
           <p:nvPr>
-            <p:ph type="hdr" sz="quarter" idx="10"/>
+            <p:ph type="sldNum" sz="quarter" idx="10"/>
           </p:nvPr>
         </p:nvSpPr>
         <p:spPr/>
@@ -2259,89 +3191,8 @@
           <a:bodyPr/>
           <a:lstStyle/>
           <a:p>
-            <a:endParaRPr lang="en-US" dirty="0"/>
-          </a:p>
-        </p:txBody>
-      </p:sp>
-      <p:sp>
-        <p:nvSpPr>
-          <p:cNvPr id="5" name="Footer Placeholder 4"/>
-          <p:cNvSpPr>
-            <a:spLocks noGrp="1"/>
-          </p:cNvSpPr>
-          <p:nvPr>
-            <p:ph type="ftr" sz="quarter" idx="11"/>
-          </p:nvPr>
-        </p:nvSpPr>
-        <p:spPr/>
-        <p:txBody>
-          <a:bodyPr/>
-          <a:lstStyle/>
-          <a:p>
-            <a:pPr defTabSz="914099" eaLnBrk="0" hangingPunct="0"/>
-            <a:r>
-              <a:rPr lang="en-US" sz="400" dirty="0" smtClean="0">
-                <a:gradFill>
-                  <a:gsLst>
-                    <a:gs pos="0">
-                      <a:prstClr val="black"/>
-                    </a:gs>
-                    <a:gs pos="100000">
-                      <a:prstClr val="black"/>
-                    </a:gs>
-                  </a:gsLst>
-                  <a:lin ang="5400000" scaled="0"/>
-                </a:gradFill>
-                <a:latin typeface="Segoe UI" pitchFamily="34" charset="0"/>
-                <a:ea typeface="Segoe UI" pitchFamily="34" charset="0"/>
-                <a:cs typeface="Segoe UI" pitchFamily="34" charset="0"/>
-              </a:rPr>
-              <a:t>© 2016 Microsoft Corporation. All rights reserved. MICROSOFT MAKES NO WARRANTIES, EXPRESS, IMPLIED OR STATUTORY, AS TO THE INFORMATION IN THIS PRESENTATION.</a:t>
-            </a:r>
-          </a:p>
-        </p:txBody>
-      </p:sp>
-      <p:sp>
-        <p:nvSpPr>
-          <p:cNvPr id="6" name="Date Placeholder 5"/>
-          <p:cNvSpPr>
-            <a:spLocks noGrp="1"/>
-          </p:cNvSpPr>
-          <p:nvPr>
-            <p:ph type="dt" idx="12"/>
-          </p:nvPr>
-        </p:nvSpPr>
-        <p:spPr/>
-        <p:txBody>
-          <a:bodyPr/>
-          <a:lstStyle/>
-          <a:p>
-            <a:fld id="{7D10C09F-FCA1-48C8-B40D-42E1045D109E}" type="datetime8">
+            <a:fld id="{E286A58C-CFD2-436F-B92A-2E7A87934C70}" type="slidenum">
               <a:rPr lang="en-US" smtClean="0"/>
-              <a:t>3/15/2017 11:01 PM</a:t>
-            </a:fld>
-            <a:endParaRPr lang="en-US" dirty="0"/>
-          </a:p>
-        </p:txBody>
-      </p:sp>
-      <p:sp>
-        <p:nvSpPr>
-          <p:cNvPr id="7" name="Slide Number Placeholder 6"/>
-          <p:cNvSpPr>
-            <a:spLocks noGrp="1"/>
-          </p:cNvSpPr>
-          <p:nvPr>
-            <p:ph type="sldNum" sz="quarter" idx="13"/>
-          </p:nvPr>
-        </p:nvSpPr>
-        <p:spPr/>
-        <p:txBody>
-          <a:bodyPr/>
-          <a:lstStyle/>
-          <a:p>
-            <a:fld id="{B4008EB6-D09E-4580-8CD6-DDB14511944F}" type="slidenum">
-              <a:rPr lang="en-US" smtClean="0"/>
-              <a:pPr/>
               <a:t>21</a:t>
             </a:fld>
             <a:endParaRPr lang="en-US" dirty="0"/>
@@ -2351,7 +3202,7 @@
     </p:spTree>
     <p:extLst>
       <p:ext uri="{BB962C8B-B14F-4D97-AF65-F5344CB8AC3E}">
-        <p14:creationId xmlns:p14="http://schemas.microsoft.com/office/powerpoint/2010/main" val="4089475746"/>
+        <p14:creationId xmlns:p14="http://schemas.microsoft.com/office/powerpoint/2010/main" val="771238433"/>
       </p:ext>
     </p:extLst>
   </p:cSld>
@@ -2483,7 +3334,7 @@
           <a:p>
             <a:fld id="{7D10C09F-FCA1-48C8-B40D-42E1045D109E}" type="datetime8">
               <a:rPr lang="en-US" smtClean="0"/>
-              <a:t>3/15/2017 11:01 PM</a:t>
+              <a:t>3/16/2017 9:30 PM</a:t>
             </a:fld>
             <a:endParaRPr lang="en-US" dirty="0"/>
           </a:p>
@@ -2507,7 +3358,7 @@
             <a:fld id="{B4008EB6-D09E-4580-8CD6-DDB14511944F}" type="slidenum">
               <a:rPr lang="en-US" smtClean="0"/>
               <a:pPr/>
-              <a:t>31</a:t>
+              <a:t>22</a:t>
             </a:fld>
             <a:endParaRPr lang="en-US" dirty="0"/>
           </a:p>
@@ -2516,7 +3367,7 @@
     </p:spTree>
     <p:extLst>
       <p:ext uri="{BB962C8B-B14F-4D97-AF65-F5344CB8AC3E}">
-        <p14:creationId xmlns:p14="http://schemas.microsoft.com/office/powerpoint/2010/main" val="452268346"/>
+        <p14:creationId xmlns:p14="http://schemas.microsoft.com/office/powerpoint/2010/main" val="4089475746"/>
       </p:ext>
     </p:extLst>
   </p:cSld>
@@ -2570,18 +3421,247 @@
           <a:bodyPr/>
           <a:lstStyle/>
           <a:p>
+            <a:r>
+              <a:rPr lang="en-US" dirty="0" smtClean="0"/>
+              <a:t>functions</a:t>
+            </a:r>
+            <a:r>
+              <a:rPr lang="en-US" baseline="0" dirty="0" smtClean="0"/>
+              <a:t> and routing</a:t>
+            </a:r>
+          </a:p>
+          <a:p>
+            <a:pPr fontAlgn="base"/>
+            <a:r>
+              <a:rPr lang="en-US" sz="1200" b="0" i="0" kern="1200" dirty="0" smtClean="0">
+                <a:solidFill>
+                  <a:schemeClr val="tx1"/>
+                </a:solidFill>
+                <a:effectLst/>
+                <a:latin typeface="+mn-lt"/>
+                <a:ea typeface="+mn-ea"/>
+                <a:cs typeface="+mn-cs"/>
+              </a:rPr>
+              <a:t>Functions define HTTP verbs and routes in </a:t>
+            </a:r>
+            <a:r>
+              <a:rPr lang="en-US" sz="1200" b="0" i="0" kern="1200" dirty="0" err="1" smtClean="0">
+                <a:solidFill>
+                  <a:schemeClr val="tx1"/>
+                </a:solidFill>
+                <a:effectLst/>
+                <a:latin typeface="+mn-lt"/>
+                <a:ea typeface="+mn-ea"/>
+                <a:cs typeface="+mn-cs"/>
+              </a:rPr>
+              <a:t>function.json</a:t>
+            </a:r>
+            <a:endParaRPr lang="en-US" sz="1200" b="0" i="0" kern="1200" dirty="0" smtClean="0">
+              <a:solidFill>
+                <a:schemeClr val="tx1"/>
+              </a:solidFill>
+              <a:effectLst/>
+              <a:latin typeface="+mn-lt"/>
+              <a:ea typeface="+mn-ea"/>
+              <a:cs typeface="+mn-cs"/>
+            </a:endParaRPr>
+          </a:p>
+          <a:p>
+            <a:pPr fontAlgn="base"/>
+            <a:r>
+              <a:rPr lang="en-US" sz="1200" b="0" i="0" kern="1200" dirty="0" smtClean="0">
+                <a:solidFill>
+                  <a:schemeClr val="tx1"/>
+                </a:solidFill>
+                <a:effectLst/>
+                <a:latin typeface="+mn-lt"/>
+                <a:ea typeface="+mn-ea"/>
+                <a:cs typeface="+mn-cs"/>
+              </a:rPr>
+              <a:t>In Web API, we put some decorators like </a:t>
+            </a:r>
+            <a:r>
+              <a:rPr lang="en-US" sz="1200" b="0" i="0" kern="1200" dirty="0" err="1" smtClean="0">
+                <a:solidFill>
+                  <a:schemeClr val="tx1"/>
+                </a:solidFill>
+                <a:effectLst/>
+                <a:latin typeface="+mn-lt"/>
+                <a:ea typeface="+mn-ea"/>
+                <a:cs typeface="+mn-cs"/>
+              </a:rPr>
+              <a:t>HttpGet</a:t>
+            </a:r>
+            <a:r>
+              <a:rPr lang="en-US" sz="1200" b="0" i="0" kern="1200" dirty="0" smtClean="0">
+                <a:solidFill>
+                  <a:schemeClr val="tx1"/>
+                </a:solidFill>
+                <a:effectLst/>
+                <a:latin typeface="+mn-lt"/>
+                <a:ea typeface="+mn-ea"/>
+                <a:cs typeface="+mn-cs"/>
+              </a:rPr>
+              <a:t>, </a:t>
+            </a:r>
+            <a:r>
+              <a:rPr lang="en-US" sz="1200" b="0" i="0" kern="1200" dirty="0" err="1" smtClean="0">
+                <a:solidFill>
+                  <a:schemeClr val="tx1"/>
+                </a:solidFill>
+                <a:effectLst/>
+                <a:latin typeface="+mn-lt"/>
+                <a:ea typeface="+mn-ea"/>
+                <a:cs typeface="+mn-cs"/>
+              </a:rPr>
+              <a:t>HttpPost</a:t>
+            </a:r>
+            <a:r>
+              <a:rPr lang="en-US" sz="1200" b="0" i="0" kern="1200" dirty="0" smtClean="0">
+                <a:solidFill>
+                  <a:schemeClr val="tx1"/>
+                </a:solidFill>
+                <a:effectLst/>
+                <a:latin typeface="+mn-lt"/>
+                <a:ea typeface="+mn-ea"/>
+                <a:cs typeface="+mn-cs"/>
+              </a:rPr>
+              <a:t>, </a:t>
+            </a:r>
+            <a:r>
+              <a:rPr lang="en-US" sz="1200" b="0" i="0" kern="1200" dirty="0" err="1" smtClean="0">
+                <a:solidFill>
+                  <a:schemeClr val="tx1"/>
+                </a:solidFill>
+                <a:effectLst/>
+                <a:latin typeface="+mn-lt"/>
+                <a:ea typeface="+mn-ea"/>
+                <a:cs typeface="+mn-cs"/>
+              </a:rPr>
+              <a:t>HttpPut</a:t>
+            </a:r>
+            <a:r>
+              <a:rPr lang="en-US" sz="1200" b="0" i="0" kern="1200" dirty="0" smtClean="0">
+                <a:solidFill>
+                  <a:schemeClr val="tx1"/>
+                </a:solidFill>
+                <a:effectLst/>
+                <a:latin typeface="+mn-lt"/>
+                <a:ea typeface="+mn-ea"/>
+                <a:cs typeface="+mn-cs"/>
+              </a:rPr>
+              <a:t>, </a:t>
+            </a:r>
+            <a:r>
+              <a:rPr lang="en-US" sz="1200" b="0" i="0" kern="1200" dirty="0" err="1" smtClean="0">
+                <a:solidFill>
+                  <a:schemeClr val="tx1"/>
+                </a:solidFill>
+                <a:effectLst/>
+                <a:latin typeface="+mn-lt"/>
+                <a:ea typeface="+mn-ea"/>
+                <a:cs typeface="+mn-cs"/>
+              </a:rPr>
+              <a:t>HttpPatch</a:t>
+            </a:r>
+            <a:r>
+              <a:rPr lang="en-US" sz="1200" b="0" i="0" kern="1200" dirty="0" smtClean="0">
+                <a:solidFill>
+                  <a:schemeClr val="tx1"/>
+                </a:solidFill>
+                <a:effectLst/>
+                <a:latin typeface="+mn-lt"/>
+                <a:ea typeface="+mn-ea"/>
+                <a:cs typeface="+mn-cs"/>
+              </a:rPr>
+              <a:t> and </a:t>
+            </a:r>
+            <a:r>
+              <a:rPr lang="en-US" sz="1200" b="0" i="0" kern="1200" dirty="0" err="1" smtClean="0">
+                <a:solidFill>
+                  <a:schemeClr val="tx1"/>
+                </a:solidFill>
+                <a:effectLst/>
+                <a:latin typeface="+mn-lt"/>
+                <a:ea typeface="+mn-ea"/>
+                <a:cs typeface="+mn-cs"/>
+              </a:rPr>
+              <a:t>HttpDelete</a:t>
+            </a:r>
+            <a:r>
+              <a:rPr lang="en-US" sz="1200" b="0" i="0" kern="1200" dirty="0" smtClean="0">
+                <a:solidFill>
+                  <a:schemeClr val="tx1"/>
+                </a:solidFill>
+                <a:effectLst/>
+                <a:latin typeface="+mn-lt"/>
+                <a:ea typeface="+mn-ea"/>
+                <a:cs typeface="+mn-cs"/>
+              </a:rPr>
+              <a:t> on each action to declare which HTTP verbs take which action, by combining with the Route decorator.</a:t>
+            </a:r>
+          </a:p>
+          <a:p>
+            <a:pPr fontAlgn="base"/>
+            <a:r>
+              <a:rPr lang="en-US" sz="1200" b="0" i="0" kern="1200" dirty="0" smtClean="0">
+                <a:solidFill>
+                  <a:schemeClr val="tx1"/>
+                </a:solidFill>
+                <a:effectLst/>
+                <a:latin typeface="+mn-lt"/>
+                <a:ea typeface="+mn-ea"/>
+                <a:cs typeface="+mn-cs"/>
+              </a:rPr>
+              <a:t>On the other hand, each function has a definition of HTTP verbs and routes on </a:t>
+            </a:r>
+            <a:r>
+              <a:rPr lang="en-US" sz="1200" b="0" i="0" kern="1200" dirty="0" err="1" smtClean="0">
+                <a:solidFill>
+                  <a:schemeClr val="tx1"/>
+                </a:solidFill>
+                <a:effectLst/>
+                <a:latin typeface="+mn-lt"/>
+                <a:ea typeface="+mn-ea"/>
+                <a:cs typeface="+mn-cs"/>
+              </a:rPr>
+              <a:t>function.json</a:t>
+            </a:r>
+            <a:r>
+              <a:rPr lang="en-US" sz="1200" b="0" i="0" kern="1200" dirty="0" smtClean="0">
+                <a:solidFill>
+                  <a:schemeClr val="tx1"/>
+                </a:solidFill>
+                <a:effectLst/>
+                <a:latin typeface="+mn-lt"/>
+                <a:ea typeface="+mn-ea"/>
+                <a:cs typeface="+mn-cs"/>
+              </a:rPr>
+              <a:t>. With this definition, different functions having the same route URI can handle requests based on HTTP verbs.</a:t>
+            </a:r>
+          </a:p>
+          <a:p>
+            <a:endParaRPr lang="en-US" dirty="0" smtClean="0"/>
+          </a:p>
+          <a:p>
+            <a:r>
+              <a:rPr lang="en-US" dirty="0" smtClean="0"/>
+              <a:t>--------------</a:t>
+            </a:r>
+          </a:p>
+          <a:p>
             <a:endParaRPr lang="en-US" dirty="0"/>
           </a:p>
         </p:txBody>
       </p:sp>
       <p:sp>
         <p:nvSpPr>
-          <p:cNvPr id="4" name="Header Placeholder 3"/>
+          <p:cNvPr id="4" name="Slide Number Placeholder 3"/>
           <p:cNvSpPr>
             <a:spLocks noGrp="1"/>
           </p:cNvSpPr>
           <p:nvPr>
-            <p:ph type="hdr" sz="quarter" idx="10"/>
+            <p:ph type="sldNum" sz="quarter" idx="10"/>
           </p:nvPr>
         </p:nvSpPr>
         <p:spPr/>
@@ -2589,90 +3669,9 @@
           <a:bodyPr/>
           <a:lstStyle/>
           <a:p>
-            <a:endParaRPr lang="en-US" dirty="0"/>
-          </a:p>
-        </p:txBody>
-      </p:sp>
-      <p:sp>
-        <p:nvSpPr>
-          <p:cNvPr id="5" name="Footer Placeholder 4"/>
-          <p:cNvSpPr>
-            <a:spLocks noGrp="1"/>
-          </p:cNvSpPr>
-          <p:nvPr>
-            <p:ph type="ftr" sz="quarter" idx="11"/>
-          </p:nvPr>
-        </p:nvSpPr>
-        <p:spPr/>
-        <p:txBody>
-          <a:bodyPr/>
-          <a:lstStyle/>
-          <a:p>
-            <a:pPr defTabSz="914099" eaLnBrk="0" hangingPunct="0"/>
-            <a:r>
-              <a:rPr lang="en-US" sz="400" dirty="0" smtClean="0">
-                <a:gradFill>
-                  <a:gsLst>
-                    <a:gs pos="0">
-                      <a:prstClr val="black"/>
-                    </a:gs>
-                    <a:gs pos="100000">
-                      <a:prstClr val="black"/>
-                    </a:gs>
-                  </a:gsLst>
-                  <a:lin ang="5400000" scaled="0"/>
-                </a:gradFill>
-                <a:latin typeface="Segoe UI" pitchFamily="34" charset="0"/>
-                <a:ea typeface="Segoe UI" pitchFamily="34" charset="0"/>
-                <a:cs typeface="Segoe UI" pitchFamily="34" charset="0"/>
-              </a:rPr>
-              <a:t>© 2016 Microsoft Corporation. All rights reserved. MICROSOFT MAKES NO WARRANTIES, EXPRESS, IMPLIED OR STATUTORY, AS TO THE INFORMATION IN THIS PRESENTATION.</a:t>
-            </a:r>
-          </a:p>
-        </p:txBody>
-      </p:sp>
-      <p:sp>
-        <p:nvSpPr>
-          <p:cNvPr id="6" name="Date Placeholder 5"/>
-          <p:cNvSpPr>
-            <a:spLocks noGrp="1"/>
-          </p:cNvSpPr>
-          <p:nvPr>
-            <p:ph type="dt" idx="12"/>
-          </p:nvPr>
-        </p:nvSpPr>
-        <p:spPr/>
-        <p:txBody>
-          <a:bodyPr/>
-          <a:lstStyle/>
-          <a:p>
-            <a:fld id="{7D10C09F-FCA1-48C8-B40D-42E1045D109E}" type="datetime8">
+            <a:fld id="{E286A58C-CFD2-436F-B92A-2E7A87934C70}" type="slidenum">
               <a:rPr lang="en-US" smtClean="0"/>
-              <a:t>3/15/2017 11:01 PM</a:t>
-            </a:fld>
-            <a:endParaRPr lang="en-US" dirty="0"/>
-          </a:p>
-        </p:txBody>
-      </p:sp>
-      <p:sp>
-        <p:nvSpPr>
-          <p:cNvPr id="7" name="Slide Number Placeholder 6"/>
-          <p:cNvSpPr>
-            <a:spLocks noGrp="1"/>
-          </p:cNvSpPr>
-          <p:nvPr>
-            <p:ph type="sldNum" sz="quarter" idx="13"/>
-          </p:nvPr>
-        </p:nvSpPr>
-        <p:spPr/>
-        <p:txBody>
-          <a:bodyPr/>
-          <a:lstStyle/>
-          <a:p>
-            <a:fld id="{B4008EB6-D09E-4580-8CD6-DDB14511944F}" type="slidenum">
-              <a:rPr lang="en-US" smtClean="0"/>
-              <a:pPr/>
-              <a:t>35</a:t>
+              <a:t>32</a:t>
             </a:fld>
             <a:endParaRPr lang="en-US" dirty="0"/>
           </a:p>
@@ -2681,7 +3680,7 @@
     </p:spTree>
     <p:extLst>
       <p:ext uri="{BB962C8B-B14F-4D97-AF65-F5344CB8AC3E}">
-        <p14:creationId xmlns:p14="http://schemas.microsoft.com/office/powerpoint/2010/main" val="2600659976"/>
+        <p14:creationId xmlns:p14="http://schemas.microsoft.com/office/powerpoint/2010/main" val="954414830"/>
       </p:ext>
     </p:extLst>
   </p:cSld>
@@ -2735,46 +3734,18 @@
           <a:bodyPr/>
           <a:lstStyle/>
           <a:p>
-            <a:r>
-              <a:rPr lang="en-US" sz="1200" b="0" i="0" kern="1200" dirty="0" smtClean="0">
-                <a:solidFill>
-                  <a:schemeClr val="tx1"/>
-                </a:solidFill>
-                <a:effectLst/>
-                <a:latin typeface="+mn-lt"/>
-                <a:ea typeface="+mn-ea"/>
-                <a:cs typeface="+mn-cs"/>
-              </a:rPr>
-              <a:t>This allows you use the type either as a binding parameter (if supported for your Function trigger type) or as an instance you create in code. Here’s an of using the </a:t>
-            </a:r>
-            <a:r>
-              <a:rPr lang="en-US" dirty="0" smtClean="0"/>
-              <a:t>Person</a:t>
-            </a:r>
-            <a:r>
-              <a:rPr lang="en-US" sz="1200" b="0" i="0" kern="1200" dirty="0" smtClean="0">
-                <a:solidFill>
-                  <a:schemeClr val="tx1"/>
-                </a:solidFill>
-                <a:effectLst/>
-                <a:latin typeface="+mn-lt"/>
-                <a:ea typeface="+mn-ea"/>
-                <a:cs typeface="+mn-cs"/>
-              </a:rPr>
-              <a:t> class in an HTTP-triggered Function:</a:t>
-            </a:r>
             <a:endParaRPr lang="en-US" dirty="0"/>
           </a:p>
         </p:txBody>
       </p:sp>
       <p:sp>
         <p:nvSpPr>
-          <p:cNvPr id="4" name="Slide Number Placeholder 3"/>
+          <p:cNvPr id="4" name="Header Placeholder 3"/>
           <p:cNvSpPr>
             <a:spLocks noGrp="1"/>
           </p:cNvSpPr>
           <p:nvPr>
-            <p:ph type="sldNum" sz="quarter" idx="10"/>
+            <p:ph type="hdr" sz="quarter" idx="10"/>
           </p:nvPr>
         </p:nvSpPr>
         <p:spPr/>
@@ -2782,18 +3753,99 @@
           <a:bodyPr/>
           <a:lstStyle/>
           <a:p>
-            <a:fld id="{E286A58C-CFD2-436F-B92A-2E7A87934C70}" type="slidenum">
+            <a:endParaRPr lang="en-US" dirty="0"/>
+          </a:p>
+        </p:txBody>
+      </p:sp>
+      <p:sp>
+        <p:nvSpPr>
+          <p:cNvPr id="5" name="Footer Placeholder 4"/>
+          <p:cNvSpPr>
+            <a:spLocks noGrp="1"/>
+          </p:cNvSpPr>
+          <p:nvPr>
+            <p:ph type="ftr" sz="quarter" idx="11"/>
+          </p:nvPr>
+        </p:nvSpPr>
+        <p:spPr/>
+        <p:txBody>
+          <a:bodyPr/>
+          <a:lstStyle/>
+          <a:p>
+            <a:pPr defTabSz="914099" eaLnBrk="0" hangingPunct="0"/>
+            <a:r>
+              <a:rPr lang="en-US" sz="400" dirty="0" smtClean="0">
+                <a:gradFill>
+                  <a:gsLst>
+                    <a:gs pos="0">
+                      <a:prstClr val="black"/>
+                    </a:gs>
+                    <a:gs pos="100000">
+                      <a:prstClr val="black"/>
+                    </a:gs>
+                  </a:gsLst>
+                  <a:lin ang="5400000" scaled="0"/>
+                </a:gradFill>
+                <a:latin typeface="Segoe UI" pitchFamily="34" charset="0"/>
+                <a:ea typeface="Segoe UI" pitchFamily="34" charset="0"/>
+                <a:cs typeface="Segoe UI" pitchFamily="34" charset="0"/>
+              </a:rPr>
+              <a:t>© 2016 Microsoft Corporation. All rights reserved. MICROSOFT MAKES NO WARRANTIES, EXPRESS, IMPLIED OR STATUTORY, AS TO THE INFORMATION IN THIS PRESENTATION.</a:t>
+            </a:r>
+          </a:p>
+        </p:txBody>
+      </p:sp>
+      <p:sp>
+        <p:nvSpPr>
+          <p:cNvPr id="6" name="Date Placeholder 5"/>
+          <p:cNvSpPr>
+            <a:spLocks noGrp="1"/>
+          </p:cNvSpPr>
+          <p:nvPr>
+            <p:ph type="dt" idx="12"/>
+          </p:nvPr>
+        </p:nvSpPr>
+        <p:spPr/>
+        <p:txBody>
+          <a:bodyPr/>
+          <a:lstStyle/>
+          <a:p>
+            <a:fld id="{7D10C09F-FCA1-48C8-B40D-42E1045D109E}" type="datetime8">
               <a:rPr lang="en-US" smtClean="0"/>
-              <a:t>37</a:t>
+              <a:t>3/16/2017 9:30 PM</a:t>
             </a:fld>
-            <a:endParaRPr lang="en-US"/>
+            <a:endParaRPr lang="en-US" dirty="0"/>
+          </a:p>
+        </p:txBody>
+      </p:sp>
+      <p:sp>
+        <p:nvSpPr>
+          <p:cNvPr id="7" name="Slide Number Placeholder 6"/>
+          <p:cNvSpPr>
+            <a:spLocks noGrp="1"/>
+          </p:cNvSpPr>
+          <p:nvPr>
+            <p:ph type="sldNum" sz="quarter" idx="13"/>
+          </p:nvPr>
+        </p:nvSpPr>
+        <p:spPr/>
+        <p:txBody>
+          <a:bodyPr/>
+          <a:lstStyle/>
+          <a:p>
+            <a:fld id="{B4008EB6-D09E-4580-8CD6-DDB14511944F}" type="slidenum">
+              <a:rPr lang="en-US" smtClean="0"/>
+              <a:pPr/>
+              <a:t>33</a:t>
+            </a:fld>
+            <a:endParaRPr lang="en-US" dirty="0"/>
           </a:p>
         </p:txBody>
       </p:sp>
     </p:spTree>
     <p:extLst>
       <p:ext uri="{BB962C8B-B14F-4D97-AF65-F5344CB8AC3E}">
-        <p14:creationId xmlns:p14="http://schemas.microsoft.com/office/powerpoint/2010/main" val="2424537989"/>
+        <p14:creationId xmlns:p14="http://schemas.microsoft.com/office/powerpoint/2010/main" val="452268346"/>
       </p:ext>
     </p:extLst>
   </p:cSld>
@@ -2934,7 +3986,7 @@
           <a:p>
             <a:fld id="{55D8F628-2292-4FD9-916C-9F6DFE5792E2}" type="datetimeFigureOut">
               <a:rPr lang="en-US" smtClean="0"/>
-              <a:t>3/15/2017</a:t>
+              <a:t>3/16/2017</a:t>
             </a:fld>
             <a:endParaRPr lang="en-US" dirty="0"/>
           </a:p>
@@ -3104,7 +4156,7 @@
           <a:p>
             <a:fld id="{55D8F628-2292-4FD9-916C-9F6DFE5792E2}" type="datetimeFigureOut">
               <a:rPr lang="en-US" smtClean="0"/>
-              <a:t>3/15/2017</a:t>
+              <a:t>3/16/2017</a:t>
             </a:fld>
             <a:endParaRPr lang="en-US" dirty="0"/>
           </a:p>
@@ -3284,7 +4336,7 @@
           <a:p>
             <a:fld id="{55D8F628-2292-4FD9-916C-9F6DFE5792E2}" type="datetimeFigureOut">
               <a:rPr lang="en-US" smtClean="0"/>
-              <a:t>3/15/2017</a:t>
+              <a:t>3/16/2017</a:t>
             </a:fld>
             <a:endParaRPr lang="en-US" dirty="0"/>
           </a:p>
@@ -4013,7 +5065,7 @@
           <a:p>
             <a:fld id="{55D8F628-2292-4FD9-916C-9F6DFE5792E2}" type="datetimeFigureOut">
               <a:rPr lang="en-US" smtClean="0"/>
-              <a:t>3/15/2017</a:t>
+              <a:t>3/16/2017</a:t>
             </a:fld>
             <a:endParaRPr lang="en-US" dirty="0"/>
           </a:p>
@@ -4259,7 +5311,7 @@
           <a:p>
             <a:fld id="{55D8F628-2292-4FD9-916C-9F6DFE5792E2}" type="datetimeFigureOut">
               <a:rPr lang="en-US" smtClean="0"/>
-              <a:t>3/15/2017</a:t>
+              <a:t>3/16/2017</a:t>
             </a:fld>
             <a:endParaRPr lang="en-US" dirty="0"/>
           </a:p>
@@ -4491,7 +5543,7 @@
           <a:p>
             <a:fld id="{55D8F628-2292-4FD9-916C-9F6DFE5792E2}" type="datetimeFigureOut">
               <a:rPr lang="en-US" smtClean="0"/>
-              <a:t>3/15/2017</a:t>
+              <a:t>3/16/2017</a:t>
             </a:fld>
             <a:endParaRPr lang="en-US" dirty="0"/>
           </a:p>
@@ -4858,7 +5910,7 @@
           <a:p>
             <a:fld id="{55D8F628-2292-4FD9-916C-9F6DFE5792E2}" type="datetimeFigureOut">
               <a:rPr lang="en-US" smtClean="0"/>
-              <a:t>3/15/2017</a:t>
+              <a:t>3/16/2017</a:t>
             </a:fld>
             <a:endParaRPr lang="en-US" dirty="0"/>
           </a:p>
@@ -4976,7 +6028,7 @@
           <a:p>
             <a:fld id="{55D8F628-2292-4FD9-916C-9F6DFE5792E2}" type="datetimeFigureOut">
               <a:rPr lang="en-US" smtClean="0"/>
-              <a:t>3/15/2017</a:t>
+              <a:t>3/16/2017</a:t>
             </a:fld>
             <a:endParaRPr lang="en-US" dirty="0"/>
           </a:p>
@@ -5071,7 +6123,7 @@
           <a:p>
             <a:fld id="{55D8F628-2292-4FD9-916C-9F6DFE5792E2}" type="datetimeFigureOut">
               <a:rPr lang="en-US" smtClean="0"/>
-              <a:t>3/15/2017</a:t>
+              <a:t>3/16/2017</a:t>
             </a:fld>
             <a:endParaRPr lang="en-US" dirty="0"/>
           </a:p>
@@ -5348,7 +6400,7 @@
           <a:p>
             <a:fld id="{55D8F628-2292-4FD9-916C-9F6DFE5792E2}" type="datetimeFigureOut">
               <a:rPr lang="en-US" smtClean="0"/>
-              <a:t>3/15/2017</a:t>
+              <a:t>3/16/2017</a:t>
             </a:fld>
             <a:endParaRPr lang="en-US" dirty="0"/>
           </a:p>
@@ -5601,7 +6653,7 @@
           <a:p>
             <a:fld id="{55D8F628-2292-4FD9-916C-9F6DFE5792E2}" type="datetimeFigureOut">
               <a:rPr lang="en-US" smtClean="0"/>
-              <a:t>3/15/2017</a:t>
+              <a:t>3/16/2017</a:t>
             </a:fld>
             <a:endParaRPr lang="en-US" dirty="0"/>
           </a:p>
@@ -5814,7 +6866,7 @@
           <a:p>
             <a:fld id="{55D8F628-2292-4FD9-916C-9F6DFE5792E2}" type="datetimeFigureOut">
               <a:rPr lang="en-US" smtClean="0"/>
-              <a:t>3/15/2017</a:t>
+              <a:t>3/16/2017</a:t>
             </a:fld>
             <a:endParaRPr lang="en-US" dirty="0"/>
           </a:p>
@@ -6398,8 +7450,16 @@
 </file>
 
 <file path=ppt/slides/slide10.xml><?xml version="1.0" encoding="utf-8"?>
-<p:sld xmlns:a="http://schemas.openxmlformats.org/drawingml/2006/main" xmlns:r="http://schemas.openxmlformats.org/officeDocument/2006/relationships" xmlns:p="http://schemas.openxmlformats.org/presentationml/2006/main">
+<p:sld xmlns:a="http://schemas.openxmlformats.org/drawingml/2006/main" xmlns:r="http://schemas.openxmlformats.org/officeDocument/2006/relationships" xmlns:p="http://schemas.openxmlformats.org/presentationml/2006/main" show="0">
   <p:cSld>
+    <p:bg>
+      <p:bgPr>
+        <a:solidFill>
+          <a:srgbClr val="1F497D"/>
+        </a:solidFill>
+        <a:effectLst/>
+      </p:bgPr>
+    </p:bg>
     <p:spTree>
       <p:nvGrpSpPr>
         <p:cNvPr id="1" name=""/>
@@ -6416,7 +7476,7 @@
       </p:grpSpPr>
       <p:sp>
         <p:nvSpPr>
-          <p:cNvPr id="2" name="Title 1"/>
+          <p:cNvPr id="3" name="Title 2"/>
           <p:cNvSpPr>
             <a:spLocks noGrp="1"/>
           </p:cNvSpPr>
@@ -6430,12 +7490,31 @@
           <a:lstStyle/>
           <a:p>
             <a:r>
-              <a:rPr lang="en-US" dirty="0" err="1" smtClean="0"/>
-              <a:t>Serverless</a:t>
-            </a:r>
-            <a:r>
               <a:rPr lang="en-US" dirty="0" smtClean="0"/>
-              <a:t> Computing</a:t>
+              <a:t>Demo</a:t>
+            </a:r>
+            <a:endParaRPr lang="en-US" dirty="0"/>
+          </a:p>
+        </p:txBody>
+      </p:sp>
+      <p:sp>
+        <p:nvSpPr>
+          <p:cNvPr id="4" name="Text Placeholder 3"/>
+          <p:cNvSpPr>
+            <a:spLocks noGrp="1"/>
+          </p:cNvSpPr>
+          <p:nvPr>
+            <p:ph type="body" sz="quarter" idx="12"/>
+          </p:nvPr>
+        </p:nvSpPr>
+        <p:spPr/>
+        <p:txBody>
+          <a:bodyPr/>
+          <a:lstStyle/>
+          <a:p>
+            <a:r>
+              <a:rPr lang="en-US" dirty="0" smtClean="0"/>
+              <a:t>Azure functions overview</a:t>
             </a:r>
             <a:endParaRPr lang="en-US" dirty="0"/>
           </a:p>
@@ -6444,16 +7523,25 @@
     </p:spTree>
     <p:extLst>
       <p:ext uri="{BB962C8B-B14F-4D97-AF65-F5344CB8AC3E}">
-        <p14:creationId xmlns:p14="http://schemas.microsoft.com/office/powerpoint/2010/main" val="3068421152"/>
+        <p14:creationId xmlns:p14="http://schemas.microsoft.com/office/powerpoint/2010/main" val="3824142140"/>
       </p:ext>
     </p:extLst>
   </p:cSld>
   <p:clrMapOvr>
     <a:masterClrMapping/>
   </p:clrMapOvr>
-  <p:transition>
-    <p:fade/>
-  </p:transition>
+  <mc:AlternateContent xmlns:mc="http://schemas.openxmlformats.org/markup-compatibility/2006" xmlns:p14="http://schemas.microsoft.com/office/powerpoint/2010/main">
+    <mc:Choice Requires="p14">
+      <p:transition spd="slow" p14:dur="3400">
+        <p14:reveal/>
+      </p:transition>
+    </mc:Choice>
+    <mc:Fallback xmlns="">
+      <p:transition spd="slow">
+        <p:fade/>
+      </p:transition>
+    </mc:Fallback>
+  </mc:AlternateContent>
   <p:timing>
     <p:tnLst>
       <p:par>
@@ -6491,24 +7579,18 @@
             <p:ph type="title"/>
           </p:nvPr>
         </p:nvSpPr>
-        <p:spPr>
-          <a:xfrm>
-            <a:off x="838200" y="365125"/>
-            <a:ext cx="10515600" cy="5170971"/>
-          </a:xfrm>
-        </p:spPr>
+        <p:spPr/>
         <p:txBody>
           <a:bodyPr/>
           <a:lstStyle/>
           <a:p>
-            <a:pPr algn="ctr"/>
-            <a:r>
-              <a:rPr lang="en-US" dirty="0"/>
-              <a:t>Run code, not </a:t>
+            <a:r>
+              <a:rPr lang="en-US" dirty="0" err="1" smtClean="0"/>
+              <a:t>Serverless</a:t>
             </a:r>
             <a:r>
               <a:rPr lang="en-US" dirty="0" smtClean="0"/>
-              <a:t>computers</a:t>
+              <a:t> Computing</a:t>
             </a:r>
             <a:endParaRPr lang="en-US" dirty="0"/>
           </a:p>
@@ -6517,13 +7599,16 @@
     </p:spTree>
     <p:extLst>
       <p:ext uri="{BB962C8B-B14F-4D97-AF65-F5344CB8AC3E}">
-        <p14:creationId xmlns:p14="http://schemas.microsoft.com/office/powerpoint/2010/main" val="3855462723"/>
+        <p14:creationId xmlns:p14="http://schemas.microsoft.com/office/powerpoint/2010/main" val="3068421152"/>
       </p:ext>
     </p:extLst>
   </p:cSld>
   <p:clrMapOvr>
     <a:masterClrMapping/>
   </p:clrMapOvr>
+  <p:transition>
+    <p:fade/>
+  </p:transition>
   <p:timing>
     <p:tnLst>
       <p:par>
@@ -6561,96 +7646,25 @@
             <p:ph type="title"/>
           </p:nvPr>
         </p:nvSpPr>
-        <p:spPr/>
+        <p:spPr>
+          <a:xfrm>
+            <a:off x="838200" y="365125"/>
+            <a:ext cx="10515600" cy="5170971"/>
+          </a:xfrm>
+        </p:spPr>
         <p:txBody>
           <a:bodyPr/>
           <a:lstStyle/>
           <a:p>
-            <a:r>
-              <a:rPr lang="en-US" dirty="0" err="1" smtClean="0"/>
-              <a:t>Serverless</a:t>
+            <a:pPr algn="ctr"/>
+            <a:r>
+              <a:rPr lang="en-US" dirty="0"/>
+              <a:t>Run code, not </a:t>
             </a:r>
             <a:r>
               <a:rPr lang="en-US" dirty="0" smtClean="0"/>
-              <a:t> Computing</a:t>
-            </a:r>
-            <a:endParaRPr lang="en-US" dirty="0"/>
-          </a:p>
-        </p:txBody>
-      </p:sp>
-      <p:sp>
-        <p:nvSpPr>
-          <p:cNvPr id="3" name="Content Placeholder 2"/>
-          <p:cNvSpPr>
-            <a:spLocks noGrp="1"/>
-          </p:cNvSpPr>
-          <p:nvPr>
-            <p:ph idx="1"/>
-          </p:nvPr>
-        </p:nvSpPr>
-        <p:spPr/>
-        <p:txBody>
-          <a:bodyPr/>
-          <a:lstStyle/>
-          <a:p>
-            <a:r>
-              <a:rPr lang="en-US" dirty="0" smtClean="0"/>
-              <a:t>What is </a:t>
-            </a:r>
-            <a:r>
-              <a:rPr lang="en-US" dirty="0" err="1" smtClean="0"/>
-              <a:t>serverless</a:t>
-            </a:r>
-            <a:r>
-              <a:rPr lang="en-US" dirty="0" smtClean="0"/>
-              <a:t>?</a:t>
-            </a:r>
-          </a:p>
-          <a:p>
-            <a:pPr lvl="1"/>
-            <a:r>
-              <a:rPr lang="en-US" dirty="0" smtClean="0"/>
-              <a:t>PaaS</a:t>
-            </a:r>
-          </a:p>
-          <a:p>
-            <a:r>
-              <a:rPr lang="en-US" dirty="0" smtClean="0"/>
-              <a:t>Stateless is scalable</a:t>
-            </a:r>
-          </a:p>
-          <a:p>
-            <a:r>
-              <a:rPr lang="en-US" dirty="0" smtClean="0"/>
-              <a:t>Complicated</a:t>
-            </a:r>
-          </a:p>
-          <a:p>
-            <a:r>
-              <a:rPr lang="en-US" dirty="0" smtClean="0"/>
-              <a:t>Sporadic workload</a:t>
-            </a:r>
-          </a:p>
-          <a:p>
-            <a:r>
-              <a:rPr lang="en-US" dirty="0" smtClean="0"/>
-              <a:t>Perform an action rather than return data</a:t>
-            </a:r>
-          </a:p>
-          <a:p>
-            <a:pPr lvl="1"/>
-            <a:r>
-              <a:rPr lang="en-US" dirty="0" smtClean="0"/>
-              <a:t>APIs return data</a:t>
-            </a:r>
-          </a:p>
-          <a:p>
-            <a:r>
-              <a:rPr lang="en-US" dirty="0" smtClean="0"/>
-              <a:t>Event driven</a:t>
-            </a:r>
-          </a:p>
-          <a:p>
+              <a:t>computers</a:t>
+            </a:r>
             <a:endParaRPr lang="en-US" dirty="0"/>
           </a:p>
         </p:txBody>
@@ -6658,7 +7672,7 @@
     </p:spTree>
     <p:extLst>
       <p:ext uri="{BB962C8B-B14F-4D97-AF65-F5344CB8AC3E}">
-        <p14:creationId xmlns:p14="http://schemas.microsoft.com/office/powerpoint/2010/main" val="3057195518"/>
+        <p14:creationId xmlns:p14="http://schemas.microsoft.com/office/powerpoint/2010/main" val="3855462723"/>
       </p:ext>
     </p:extLst>
   </p:cSld>
@@ -6713,7 +7727,7 @@
             </a:r>
             <a:r>
               <a:rPr lang="en-US" dirty="0" smtClean="0"/>
-              <a:t> Code</a:t>
+              <a:t> Computing</a:t>
             </a:r>
             <a:endParaRPr lang="en-US" dirty="0"/>
           </a:p>
@@ -6735,48 +7749,60 @@
           <a:lstStyle/>
           <a:p>
             <a:r>
+              <a:rPr lang="en-US" dirty="0" smtClean="0"/>
+              <a:t>What is </a:t>
+            </a:r>
+            <a:r>
               <a:rPr lang="en-US" dirty="0" err="1" smtClean="0"/>
-              <a:t>Microservices</a:t>
-            </a:r>
-            <a:endParaRPr lang="en-US" dirty="0" smtClean="0"/>
-          </a:p>
-          <a:p>
+              <a:t>serverless</a:t>
+            </a:r>
             <a:r>
               <a:rPr lang="en-US" dirty="0" smtClean="0"/>
-              <a:t>Variety of Languages</a:t>
+              <a:t>?</a:t>
             </a:r>
           </a:p>
           <a:p>
             <a:pPr lvl="1"/>
             <a:r>
               <a:rPr lang="en-US" dirty="0" smtClean="0"/>
-              <a:t>C#, F# </a:t>
+              <a:t>PaaS</a:t>
+            </a:r>
+          </a:p>
+          <a:p>
+            <a:r>
+              <a:rPr lang="en-US" dirty="0" smtClean="0"/>
+              <a:t>Stateless is scalable</a:t>
+            </a:r>
+          </a:p>
+          <a:p>
+            <a:r>
+              <a:rPr lang="en-US" dirty="0" smtClean="0"/>
+              <a:t>Complicated</a:t>
+            </a:r>
+          </a:p>
+          <a:p>
+            <a:r>
+              <a:rPr lang="en-US" dirty="0" smtClean="0"/>
+              <a:t>Sporadic workload</a:t>
+            </a:r>
+          </a:p>
+          <a:p>
+            <a:r>
+              <a:rPr lang="en-US" dirty="0" smtClean="0"/>
+              <a:t>Perform an action rather than return data</a:t>
             </a:r>
           </a:p>
           <a:p>
             <a:pPr lvl="1"/>
             <a:r>
               <a:rPr lang="en-US" dirty="0" smtClean="0"/>
-              <a:t>Node</a:t>
-            </a:r>
-          </a:p>
-          <a:p>
-            <a:pPr lvl="1"/>
-            <a:r>
-              <a:rPr lang="en-US" dirty="0" smtClean="0"/>
-              <a:t>Python, PHP, Batch, Bash</a:t>
+              <a:t>APIs return data</a:t>
             </a:r>
           </a:p>
           <a:p>
             <a:r>
               <a:rPr lang="en-US" dirty="0" smtClean="0"/>
               <a:t>Event driven</a:t>
-            </a:r>
-          </a:p>
-          <a:p>
-            <a:r>
-              <a:rPr lang="en-US" dirty="0" smtClean="0"/>
-              <a:t>Expose HTTP Endpoints</a:t>
             </a:r>
           </a:p>
           <a:p>
@@ -6787,7 +7813,7 @@
     </p:spTree>
     <p:extLst>
       <p:ext uri="{BB962C8B-B14F-4D97-AF65-F5344CB8AC3E}">
-        <p14:creationId xmlns:p14="http://schemas.microsoft.com/office/powerpoint/2010/main" val="3619430189"/>
+        <p14:creationId xmlns:p14="http://schemas.microsoft.com/office/powerpoint/2010/main" val="3057195518"/>
       </p:ext>
     </p:extLst>
   </p:cSld>
@@ -6837,17 +7863,14 @@
           <a:lstStyle/>
           <a:p>
             <a:r>
-              <a:rPr lang="en-US" dirty="0"/>
-              <a:t>Scenarios for </a:t>
-            </a:r>
-            <a:r>
-              <a:rPr lang="en-US" dirty="0" err="1"/>
-              <a:t>serverless</a:t>
-            </a:r>
-            <a:r>
-              <a:rPr lang="en-US" dirty="0"/>
-              <a:t> patterns</a:t>
-            </a:r>
+              <a:rPr lang="en-US" dirty="0" err="1" smtClean="0"/>
+              <a:t>Serverless</a:t>
+            </a:r>
+            <a:r>
+              <a:rPr lang="en-US" dirty="0" smtClean="0"/>
+              <a:t> Code</a:t>
+            </a:r>
+            <a:endParaRPr lang="en-US" dirty="0"/>
           </a:p>
         </p:txBody>
       </p:sp>
@@ -6867,44 +7890,48 @@
           <a:lstStyle/>
           <a:p>
             <a:r>
-              <a:rPr lang="en-US" dirty="0"/>
-              <a:t>Stateless and scale</a:t>
-            </a:r>
-          </a:p>
-          <a:p>
-            <a:r>
-              <a:rPr lang="en-US" dirty="0"/>
-              <a:t>Too complicated for a traditional project structure</a:t>
-            </a:r>
-          </a:p>
-          <a:p>
-            <a:r>
-              <a:rPr lang="en-US" dirty="0"/>
-              <a:t>Too simple for a traditional project structure</a:t>
-            </a:r>
-          </a:p>
-          <a:p>
-            <a:r>
-              <a:rPr lang="en-US" dirty="0"/>
-              <a:t>Workload is sporadic (very low or high)</a:t>
-            </a:r>
-          </a:p>
-          <a:p>
-            <a:r>
-              <a:rPr lang="en-US" dirty="0"/>
-              <a:t>Human involvement needs to stay low</a:t>
-            </a:r>
-          </a:p>
-          <a:p>
-            <a:r>
-              <a:rPr lang="en-US" dirty="0"/>
-              <a:t>Lots of different services involved</a:t>
-            </a:r>
-          </a:p>
-          <a:p>
-            <a:r>
-              <a:rPr lang="en-US" dirty="0"/>
-              <a:t>Integration of services or systems</a:t>
+              <a:rPr lang="en-US" dirty="0" err="1" smtClean="0"/>
+              <a:t>Microservices</a:t>
+            </a:r>
+            <a:endParaRPr lang="en-US" dirty="0" smtClean="0"/>
+          </a:p>
+          <a:p>
+            <a:r>
+              <a:rPr lang="en-US" dirty="0" smtClean="0"/>
+              <a:t>Variety of Languages</a:t>
+            </a:r>
+          </a:p>
+          <a:p>
+            <a:pPr lvl="1"/>
+            <a:r>
+              <a:rPr lang="en-US" dirty="0" smtClean="0"/>
+              <a:t>C#, F# </a:t>
+            </a:r>
+          </a:p>
+          <a:p>
+            <a:pPr lvl="1"/>
+            <a:r>
+              <a:rPr lang="en-US" dirty="0" smtClean="0"/>
+              <a:t>Node</a:t>
+            </a:r>
+          </a:p>
+          <a:p>
+            <a:pPr lvl="1"/>
+            <a:r>
+              <a:rPr lang="en-US" dirty="0" smtClean="0"/>
+              <a:t>Python, PHP, Batch, Bash</a:t>
+            </a:r>
+          </a:p>
+          <a:p>
+            <a:r>
+              <a:rPr lang="en-US" dirty="0" smtClean="0"/>
+              <a:t>Event driven</a:t>
+            </a:r>
+          </a:p>
+          <a:p>
+            <a:r>
+              <a:rPr lang="en-US" dirty="0" smtClean="0"/>
+              <a:t>Expose HTTP Endpoints</a:t>
             </a:r>
           </a:p>
           <a:p>
@@ -6915,7 +7942,7 @@
     </p:spTree>
     <p:extLst>
       <p:ext uri="{BB962C8B-B14F-4D97-AF65-F5344CB8AC3E}">
-        <p14:creationId xmlns:p14="http://schemas.microsoft.com/office/powerpoint/2010/main" val="1328126197"/>
+        <p14:creationId xmlns:p14="http://schemas.microsoft.com/office/powerpoint/2010/main" val="3619430189"/>
       </p:ext>
     </p:extLst>
   </p:cSld>
@@ -6965,10 +7992,17 @@
           <a:lstStyle/>
           <a:p>
             <a:r>
-              <a:rPr lang="en-US" dirty="0" smtClean="0"/>
-              <a:t>Features &amp; Benefits</a:t>
-            </a:r>
-            <a:endParaRPr lang="en-US" dirty="0"/>
+              <a:rPr lang="en-US" dirty="0"/>
+              <a:t>Scenarios for </a:t>
+            </a:r>
+            <a:r>
+              <a:rPr lang="en-US" dirty="0" err="1"/>
+              <a:t>serverless</a:t>
+            </a:r>
+            <a:r>
+              <a:rPr lang="en-US" dirty="0"/>
+              <a:t> patterns</a:t>
+            </a:r>
           </a:p>
         </p:txBody>
       </p:sp>
@@ -6988,32 +8022,44 @@
           <a:lstStyle/>
           <a:p>
             <a:r>
-              <a:rPr lang="en-US" dirty="0" smtClean="0"/>
-              <a:t>Focus on business problems</a:t>
-            </a:r>
-          </a:p>
-          <a:p>
-            <a:r>
-              <a:rPr lang="en-US" dirty="0" smtClean="0"/>
-              <a:t>No worries about infrastructure</a:t>
-            </a:r>
-          </a:p>
-          <a:p>
-            <a:r>
-              <a:rPr lang="en-US" dirty="0" smtClean="0"/>
-              <a:t>No deployment</a:t>
-            </a:r>
-          </a:p>
-          <a:p>
-            <a:r>
-              <a:rPr lang="en-US" dirty="0" smtClean="0"/>
-              <a:t>Lightweight</a:t>
-            </a:r>
-          </a:p>
-          <a:p>
-            <a:r>
-              <a:rPr lang="en-US" dirty="0" smtClean="0"/>
-              <a:t>Cross-platform</a:t>
+              <a:rPr lang="en-US" dirty="0"/>
+              <a:t>Stateless and scale</a:t>
+            </a:r>
+          </a:p>
+          <a:p>
+            <a:r>
+              <a:rPr lang="en-US" dirty="0"/>
+              <a:t>Too complicated for a traditional project structure</a:t>
+            </a:r>
+          </a:p>
+          <a:p>
+            <a:r>
+              <a:rPr lang="en-US" dirty="0"/>
+              <a:t>Too simple for a traditional project structure</a:t>
+            </a:r>
+          </a:p>
+          <a:p>
+            <a:r>
+              <a:rPr lang="en-US" dirty="0"/>
+              <a:t>Workload is sporadic (very low or high)</a:t>
+            </a:r>
+          </a:p>
+          <a:p>
+            <a:r>
+              <a:rPr lang="en-US" dirty="0"/>
+              <a:t>Human involvement needs to stay low</a:t>
+            </a:r>
+          </a:p>
+          <a:p>
+            <a:r>
+              <a:rPr lang="en-US" dirty="0"/>
+              <a:t>Lots of different services involved</a:t>
+            </a:r>
+          </a:p>
+          <a:p>
+            <a:r>
+              <a:rPr lang="en-US" dirty="0"/>
+              <a:t>Integration of services or systems</a:t>
             </a:r>
           </a:p>
           <a:p>
@@ -7024,7 +8070,7 @@
     </p:spTree>
     <p:extLst>
       <p:ext uri="{BB962C8B-B14F-4D97-AF65-F5344CB8AC3E}">
-        <p14:creationId xmlns:p14="http://schemas.microsoft.com/office/powerpoint/2010/main" val="716983142"/>
+        <p14:creationId xmlns:p14="http://schemas.microsoft.com/office/powerpoint/2010/main" val="1328126197"/>
       </p:ext>
     </p:extLst>
   </p:cSld>
@@ -7075,6 +8121,115 @@
           <a:p>
             <a:r>
               <a:rPr lang="en-US" dirty="0" smtClean="0"/>
+              <a:t>Features &amp; Benefits</a:t>
+            </a:r>
+            <a:endParaRPr lang="en-US" dirty="0"/>
+          </a:p>
+        </p:txBody>
+      </p:sp>
+      <p:sp>
+        <p:nvSpPr>
+          <p:cNvPr id="3" name="Content Placeholder 2"/>
+          <p:cNvSpPr>
+            <a:spLocks noGrp="1"/>
+          </p:cNvSpPr>
+          <p:nvPr>
+            <p:ph idx="1"/>
+          </p:nvPr>
+        </p:nvSpPr>
+        <p:spPr/>
+        <p:txBody>
+          <a:bodyPr/>
+          <a:lstStyle/>
+          <a:p>
+            <a:r>
+              <a:rPr lang="en-US" dirty="0" smtClean="0"/>
+              <a:t>Focus on business problems</a:t>
+            </a:r>
+          </a:p>
+          <a:p>
+            <a:r>
+              <a:rPr lang="en-US" dirty="0" smtClean="0"/>
+              <a:t>No worries about infrastructure</a:t>
+            </a:r>
+          </a:p>
+          <a:p>
+            <a:r>
+              <a:rPr lang="en-US" dirty="0" smtClean="0"/>
+              <a:t>No deployment</a:t>
+            </a:r>
+          </a:p>
+          <a:p>
+            <a:r>
+              <a:rPr lang="en-US" dirty="0" smtClean="0"/>
+              <a:t>Lightweight</a:t>
+            </a:r>
+          </a:p>
+          <a:p>
+            <a:r>
+              <a:rPr lang="en-US" dirty="0" smtClean="0"/>
+              <a:t>Cross-platform</a:t>
+            </a:r>
+          </a:p>
+          <a:p>
+            <a:endParaRPr lang="en-US" dirty="0"/>
+          </a:p>
+        </p:txBody>
+      </p:sp>
+    </p:spTree>
+    <p:extLst>
+      <p:ext uri="{BB962C8B-B14F-4D97-AF65-F5344CB8AC3E}">
+        <p14:creationId xmlns:p14="http://schemas.microsoft.com/office/powerpoint/2010/main" val="716983142"/>
+      </p:ext>
+    </p:extLst>
+  </p:cSld>
+  <p:clrMapOvr>
+    <a:masterClrMapping/>
+  </p:clrMapOvr>
+  <p:timing>
+    <p:tnLst>
+      <p:par>
+        <p:cTn id="1" dur="indefinite" restart="never" nodeType="tmRoot"/>
+      </p:par>
+    </p:tnLst>
+  </p:timing>
+</p:sld>
+</file>
+
+<file path=ppt/slides/slide17.xml><?xml version="1.0" encoding="utf-8"?>
+<p:sld xmlns:a="http://schemas.openxmlformats.org/drawingml/2006/main" xmlns:r="http://schemas.openxmlformats.org/officeDocument/2006/relationships" xmlns:p="http://schemas.openxmlformats.org/presentationml/2006/main">
+  <p:cSld>
+    <p:spTree>
+      <p:nvGrpSpPr>
+        <p:cNvPr id="1" name=""/>
+        <p:cNvGrpSpPr/>
+        <p:nvPr/>
+      </p:nvGrpSpPr>
+      <p:grpSpPr>
+        <a:xfrm>
+          <a:off x="0" y="0"/>
+          <a:ext cx="0" cy="0"/>
+          <a:chOff x="0" y="0"/>
+          <a:chExt cx="0" cy="0"/>
+        </a:xfrm>
+      </p:grpSpPr>
+      <p:sp>
+        <p:nvSpPr>
+          <p:cNvPr id="2" name="Title 1"/>
+          <p:cNvSpPr>
+            <a:spLocks noGrp="1"/>
+          </p:cNvSpPr>
+          <p:nvPr>
+            <p:ph type="title"/>
+          </p:nvPr>
+        </p:nvSpPr>
+        <p:spPr/>
+        <p:txBody>
+          <a:bodyPr/>
+          <a:lstStyle/>
+          <a:p>
+            <a:r>
+              <a:rPr lang="en-US" dirty="0" smtClean="0"/>
               <a:t>Azure Functions Architecture</a:t>
             </a:r>
             <a:endParaRPr lang="en-US" dirty="0"/>
@@ -7104,7 +8259,7 @@
 </p:sld>
 </file>
 
-<file path=ppt/slides/slide17.xml><?xml version="1.0" encoding="utf-8"?>
+<file path=ppt/slides/slide18.xml><?xml version="1.0" encoding="utf-8"?>
 <p:sld xmlns:a="http://schemas.openxmlformats.org/drawingml/2006/main" xmlns:r="http://schemas.openxmlformats.org/officeDocument/2006/relationships" xmlns:p="http://schemas.openxmlformats.org/presentationml/2006/main">
   <p:cSld>
     <p:spTree>
@@ -7667,7 +8822,7 @@
 </p:sld>
 </file>
 
-<file path=ppt/slides/slide18.xml><?xml version="1.0" encoding="utf-8"?>
+<file path=ppt/slides/slide19.xml><?xml version="1.0" encoding="utf-8"?>
 <p:sld xmlns:a="http://schemas.openxmlformats.org/drawingml/2006/main" xmlns:r="http://schemas.openxmlformats.org/officeDocument/2006/relationships" xmlns:p="http://schemas.openxmlformats.org/presentationml/2006/main">
   <p:cSld>
     <p:spTree>
@@ -8396,7 +9551,70 @@
 </p:sld>
 </file>
 
-<file path=ppt/slides/slide19.xml><?xml version="1.0" encoding="utf-8"?>
+<file path=ppt/slides/slide2.xml><?xml version="1.0" encoding="utf-8"?>
+<p:sld xmlns:a="http://schemas.openxmlformats.org/drawingml/2006/main" xmlns:r="http://schemas.openxmlformats.org/officeDocument/2006/relationships" xmlns:p="http://schemas.openxmlformats.org/presentationml/2006/main">
+  <p:cSld>
+    <p:spTree>
+      <p:nvGrpSpPr>
+        <p:cNvPr id="1" name=""/>
+        <p:cNvGrpSpPr/>
+        <p:nvPr/>
+      </p:nvGrpSpPr>
+      <p:grpSpPr>
+        <a:xfrm>
+          <a:off x="0" y="0"/>
+          <a:ext cx="0" cy="0"/>
+          <a:chOff x="0" y="0"/>
+          <a:chExt cx="0" cy="0"/>
+        </a:xfrm>
+      </p:grpSpPr>
+      <p:sp>
+        <p:nvSpPr>
+          <p:cNvPr id="2" name="Title 1"/>
+          <p:cNvSpPr>
+            <a:spLocks noGrp="1"/>
+          </p:cNvSpPr>
+          <p:nvPr>
+            <p:ph type="title"/>
+          </p:nvPr>
+        </p:nvSpPr>
+        <p:spPr/>
+        <p:txBody>
+          <a:bodyPr/>
+          <a:lstStyle/>
+          <a:p>
+            <a:r>
+              <a:rPr lang="en-US" dirty="0" smtClean="0"/>
+              <a:t>What is Azure Functions?</a:t>
+            </a:r>
+            <a:endParaRPr lang="en-US" dirty="0"/>
+          </a:p>
+        </p:txBody>
+      </p:sp>
+    </p:spTree>
+    <p:extLst>
+      <p:ext uri="{BB962C8B-B14F-4D97-AF65-F5344CB8AC3E}">
+        <p14:creationId xmlns:p14="http://schemas.microsoft.com/office/powerpoint/2010/main" val="2032510382"/>
+      </p:ext>
+    </p:extLst>
+  </p:cSld>
+  <p:clrMapOvr>
+    <a:masterClrMapping/>
+  </p:clrMapOvr>
+  <p:transition>
+    <p:fade/>
+  </p:transition>
+  <p:timing>
+    <p:tnLst>
+      <p:par>
+        <p:cTn id="1" dur="indefinite" restart="never" nodeType="tmRoot"/>
+      </p:par>
+    </p:tnLst>
+  </p:timing>
+</p:sld>
+</file>
+
+<file path=ppt/slides/slide20.xml><?xml version="1.0" encoding="utf-8"?>
 <p:sld xmlns:a="http://schemas.openxmlformats.org/drawingml/2006/main" xmlns:r="http://schemas.openxmlformats.org/officeDocument/2006/relationships" xmlns:p="http://schemas.openxmlformats.org/presentationml/2006/main">
   <p:cSld>
     <p:spTree>
@@ -9076,70 +10294,7 @@
 </p:sld>
 </file>
 
-<file path=ppt/slides/slide2.xml><?xml version="1.0" encoding="utf-8"?>
-<p:sld xmlns:a="http://schemas.openxmlformats.org/drawingml/2006/main" xmlns:r="http://schemas.openxmlformats.org/officeDocument/2006/relationships" xmlns:p="http://schemas.openxmlformats.org/presentationml/2006/main">
-  <p:cSld>
-    <p:spTree>
-      <p:nvGrpSpPr>
-        <p:cNvPr id="1" name=""/>
-        <p:cNvGrpSpPr/>
-        <p:nvPr/>
-      </p:nvGrpSpPr>
-      <p:grpSpPr>
-        <a:xfrm>
-          <a:off x="0" y="0"/>
-          <a:ext cx="0" cy="0"/>
-          <a:chOff x="0" y="0"/>
-          <a:chExt cx="0" cy="0"/>
-        </a:xfrm>
-      </p:grpSpPr>
-      <p:sp>
-        <p:nvSpPr>
-          <p:cNvPr id="2" name="Title 1"/>
-          <p:cNvSpPr>
-            <a:spLocks noGrp="1"/>
-          </p:cNvSpPr>
-          <p:nvPr>
-            <p:ph type="title"/>
-          </p:nvPr>
-        </p:nvSpPr>
-        <p:spPr/>
-        <p:txBody>
-          <a:bodyPr/>
-          <a:lstStyle/>
-          <a:p>
-            <a:r>
-              <a:rPr lang="en-US" dirty="0" smtClean="0"/>
-              <a:t>What is Azure Functions?</a:t>
-            </a:r>
-            <a:endParaRPr lang="en-US" dirty="0"/>
-          </a:p>
-        </p:txBody>
-      </p:sp>
-    </p:spTree>
-    <p:extLst>
-      <p:ext uri="{BB962C8B-B14F-4D97-AF65-F5344CB8AC3E}">
-        <p14:creationId xmlns:p14="http://schemas.microsoft.com/office/powerpoint/2010/main" val="2032510382"/>
-      </p:ext>
-    </p:extLst>
-  </p:cSld>
-  <p:clrMapOvr>
-    <a:masterClrMapping/>
-  </p:clrMapOvr>
-  <p:transition>
-    <p:fade/>
-  </p:transition>
-  <p:timing>
-    <p:tnLst>
-      <p:par>
-        <p:cTn id="1" dur="indefinite" restart="never" nodeType="tmRoot"/>
-      </p:par>
-    </p:tnLst>
-  </p:timing>
-</p:sld>
-</file>
-
-<file path=ppt/slides/slide20.xml><?xml version="1.0" encoding="utf-8"?>
+<file path=ppt/slides/slide21.xml><?xml version="1.0" encoding="utf-8"?>
 <p:sld xmlns:a="http://schemas.openxmlformats.org/drawingml/2006/main" xmlns:r="http://schemas.openxmlformats.org/officeDocument/2006/relationships" xmlns:p="http://schemas.openxmlformats.org/presentationml/2006/main" show="0">
   <p:cSld>
     <p:spTree>
@@ -14634,7 +15789,7 @@
           <p:nvPr/>
         </p:nvPicPr>
         <p:blipFill>
-          <a:blip r:embed="rId2" cstate="print">
+          <a:blip r:embed="rId3" cstate="print">
             <a:extLst>
               <a:ext uri="{28A0092B-C50C-407E-A947-70E740481C1C}">
                 <a14:useLocalDpi xmlns:a14="http://schemas.microsoft.com/office/drawing/2010/main" val="0"/>
@@ -25435,7 +26590,7 @@
           <p:nvPr/>
         </p:nvPicPr>
         <p:blipFill>
-          <a:blip r:embed="rId3" cstate="print">
+          <a:blip r:embed="rId4" cstate="print">
             <a:extLst>
               <a:ext uri="{28A0092B-C50C-407E-A947-70E740481C1C}">
                 <a14:useLocalDpi xmlns:a14="http://schemas.microsoft.com/office/drawing/2010/main" val="0"/>
@@ -25552,7 +26707,7 @@
             <p:nvPr/>
           </p:nvPicPr>
           <p:blipFill>
-            <a:blip r:embed="rId4"/>
+            <a:blip r:embed="rId5"/>
             <a:stretch>
               <a:fillRect/>
             </a:stretch>
@@ -25816,7 +26971,7 @@
             <p:nvPr/>
           </p:nvPicPr>
           <p:blipFill>
-            <a:blip r:embed="rId4"/>
+            <a:blip r:embed="rId5"/>
             <a:stretch>
               <a:fillRect/>
             </a:stretch>
@@ -25928,7 +27083,7 @@
             <p:nvPr/>
           </p:nvPicPr>
           <p:blipFill>
-            <a:blip r:embed="rId4"/>
+            <a:blip r:embed="rId5"/>
             <a:stretch>
               <a:fillRect/>
             </a:stretch>
@@ -26258,11 +27413,11 @@
   <p:clrMapOvr>
     <a:masterClrMapping/>
   </p:clrMapOvr>
-  <mc:AlternateContent xmlns:mc="http://schemas.openxmlformats.org/markup-compatibility/2006">
-    <mc:Choice xmlns:p14="http://schemas.microsoft.com/office/powerpoint/2010/main" Requires="p14">
+  <mc:AlternateContent xmlns:mc="http://schemas.openxmlformats.org/markup-compatibility/2006" xmlns:p14="http://schemas.microsoft.com/office/powerpoint/2010/main">
+    <mc:Choice Requires="p14">
       <p:transition spd="slow" p14:dur="2000"/>
     </mc:Choice>
-    <mc:Fallback>
+    <mc:Fallback xmlns="">
       <p:transition spd="slow"/>
     </mc:Fallback>
   </mc:AlternateContent>
@@ -26276,7 +27431,7 @@
 </p:sld>
 </file>
 
-<file path=ppt/slides/slide21.xml><?xml version="1.0" encoding="utf-8"?>
+<file path=ppt/slides/slide22.xml><?xml version="1.0" encoding="utf-8"?>
 <p:sld xmlns:a="http://schemas.openxmlformats.org/drawingml/2006/main" xmlns:r="http://schemas.openxmlformats.org/officeDocument/2006/relationships" xmlns:p="http://schemas.openxmlformats.org/presentationml/2006/main">
   <p:cSld>
     <p:spTree>
@@ -26339,7 +27494,7 @@
 </p:sld>
 </file>
 
-<file path=ppt/slides/slide22.xml><?xml version="1.0" encoding="utf-8"?>
+<file path=ppt/slides/slide23.xml><?xml version="1.0" encoding="utf-8"?>
 <p:sld xmlns:a="http://schemas.openxmlformats.org/drawingml/2006/main" xmlns:r="http://schemas.openxmlformats.org/officeDocument/2006/relationships" xmlns:p="http://schemas.openxmlformats.org/presentationml/2006/main">
   <p:cSld>
     <p:spTree>
@@ -27423,7 +28578,7 @@
 </p:sld>
 </file>
 
-<file path=ppt/slides/slide23.xml><?xml version="1.0" encoding="utf-8"?>
+<file path=ppt/slides/slide24.xml><?xml version="1.0" encoding="utf-8"?>
 <p:sld xmlns:a="http://schemas.openxmlformats.org/drawingml/2006/main" xmlns:r="http://schemas.openxmlformats.org/officeDocument/2006/relationships" xmlns:p="http://schemas.openxmlformats.org/presentationml/2006/main">
   <p:cSld>
     <p:spTree>
@@ -27641,126 +28796,6 @@
     <p:extLst>
       <p:ext uri="{BB962C8B-B14F-4D97-AF65-F5344CB8AC3E}">
         <p14:creationId xmlns:p14="http://schemas.microsoft.com/office/powerpoint/2010/main" val="2312028512"/>
-      </p:ext>
-    </p:extLst>
-  </p:cSld>
-  <p:clrMapOvr>
-    <a:masterClrMapping/>
-  </p:clrMapOvr>
-  <p:timing>
-    <p:tnLst>
-      <p:par>
-        <p:cTn id="1" dur="indefinite" restart="never" nodeType="tmRoot"/>
-      </p:par>
-    </p:tnLst>
-  </p:timing>
-</p:sld>
-</file>
-
-<file path=ppt/slides/slide24.xml><?xml version="1.0" encoding="utf-8"?>
-<p:sld xmlns:a="http://schemas.openxmlformats.org/drawingml/2006/main" xmlns:r="http://schemas.openxmlformats.org/officeDocument/2006/relationships" xmlns:p="http://schemas.openxmlformats.org/presentationml/2006/main">
-  <p:cSld>
-    <p:spTree>
-      <p:nvGrpSpPr>
-        <p:cNvPr id="1" name=""/>
-        <p:cNvGrpSpPr/>
-        <p:nvPr/>
-      </p:nvGrpSpPr>
-      <p:grpSpPr>
-        <a:xfrm>
-          <a:off x="0" y="0"/>
-          <a:ext cx="0" cy="0"/>
-          <a:chOff x="0" y="0"/>
-          <a:chExt cx="0" cy="0"/>
-        </a:xfrm>
-      </p:grpSpPr>
-      <p:sp>
-        <p:nvSpPr>
-          <p:cNvPr id="2" name="Title 1"/>
-          <p:cNvSpPr>
-            <a:spLocks noGrp="1"/>
-          </p:cNvSpPr>
-          <p:nvPr>
-            <p:ph type="title"/>
-          </p:nvPr>
-        </p:nvSpPr>
-        <p:spPr/>
-        <p:txBody>
-          <a:bodyPr/>
-          <a:lstStyle/>
-          <a:p>
-            <a:r>
-              <a:rPr lang="en-US" dirty="0" smtClean="0"/>
-              <a:t>Bindings: Input and Output</a:t>
-            </a:r>
-            <a:endParaRPr lang="en-US" dirty="0"/>
-          </a:p>
-        </p:txBody>
-      </p:sp>
-      <p:sp>
-        <p:nvSpPr>
-          <p:cNvPr id="3" name="Content Placeholder 2"/>
-          <p:cNvSpPr>
-            <a:spLocks noGrp="1"/>
-          </p:cNvSpPr>
-          <p:nvPr>
-            <p:ph idx="1"/>
-          </p:nvPr>
-        </p:nvSpPr>
-        <p:spPr/>
-        <p:txBody>
-          <a:bodyPr/>
-          <a:lstStyle/>
-          <a:p>
-            <a:r>
-              <a:rPr lang="en-US" dirty="0" smtClean="0"/>
-              <a:t>Access objects outside of your function from within it</a:t>
-            </a:r>
-          </a:p>
-          <a:p>
-            <a:pPr lvl="1"/>
-            <a:r>
-              <a:rPr lang="en-US" dirty="0" smtClean="0"/>
-              <a:t>Queues, tables, blobs, endpoints, </a:t>
-            </a:r>
-            <a:r>
-              <a:rPr lang="en-US" dirty="0" err="1" smtClean="0"/>
-              <a:t>etc</a:t>
-            </a:r>
-            <a:r>
-              <a:rPr lang="en-US" dirty="0" smtClean="0"/>
-              <a:t>…</a:t>
-            </a:r>
-          </a:p>
-          <a:p>
-            <a:r>
-              <a:rPr lang="en-US" dirty="0" smtClean="0"/>
-              <a:t>A function may have multiple input or output bindings</a:t>
-            </a:r>
-          </a:p>
-          <a:p>
-            <a:r>
-              <a:rPr lang="en-US" dirty="0" smtClean="0"/>
-              <a:t>Many bindings use Azure services or 3</a:t>
-            </a:r>
-            <a:r>
-              <a:rPr lang="en-US" baseline="30000" dirty="0" smtClean="0"/>
-              <a:t>rd</a:t>
-            </a:r>
-            <a:r>
-              <a:rPr lang="en-US" dirty="0" smtClean="0"/>
-              <a:t> party services</a:t>
-            </a:r>
-          </a:p>
-          <a:p>
-            <a:endParaRPr lang="en-US" dirty="0"/>
-          </a:p>
-        </p:txBody>
-      </p:sp>
-    </p:spTree>
-    <p:extLst>
-      <p:ext uri="{BB962C8B-B14F-4D97-AF65-F5344CB8AC3E}">
-        <p14:creationId xmlns:p14="http://schemas.microsoft.com/office/powerpoint/2010/main" val="3219197450"/>
       </p:ext>
     </p:extLst>
   </p:cSld>
@@ -27811,7 +28846,7 @@
           <a:p>
             <a:r>
               <a:rPr lang="en-US" dirty="0" smtClean="0"/>
-              <a:t>Input bindings</a:t>
+              <a:t>Bindings: Input and Output</a:t>
             </a:r>
             <a:endParaRPr lang="en-US" dirty="0"/>
           </a:p>
@@ -27834,52 +28869,45 @@
           <a:p>
             <a:r>
               <a:rPr lang="en-US" dirty="0" smtClean="0"/>
-              <a:t>Azure Blob Storage</a:t>
-            </a:r>
-          </a:p>
-          <a:p>
+              <a:t>Access objects outside of your function from within it</a:t>
+            </a:r>
+          </a:p>
+          <a:p>
+            <a:pPr lvl="1"/>
             <a:r>
               <a:rPr lang="en-US" dirty="0" smtClean="0"/>
-              <a:t>External File (Preview)</a:t>
-            </a:r>
-          </a:p>
-          <a:p>
+              <a:t>Queues, tables, blobs, endpoints, </a:t>
+            </a:r>
+            <a:r>
+              <a:rPr lang="en-US" dirty="0" err="1" smtClean="0"/>
+              <a:t>etc</a:t>
+            </a:r>
             <a:r>
               <a:rPr lang="en-US" dirty="0" smtClean="0"/>
-              <a:t>External Table (Experimental)</a:t>
+              <a:t>…</a:t>
             </a:r>
           </a:p>
           <a:p>
             <a:r>
               <a:rPr lang="en-US" dirty="0" smtClean="0"/>
-              <a:t>Azure Storage Table</a:t>
+              <a:t>A function may have multiple input or output bindings</a:t>
             </a:r>
           </a:p>
           <a:p>
             <a:r>
               <a:rPr lang="en-US" dirty="0" smtClean="0"/>
-              <a:t>Azure </a:t>
-            </a:r>
-            <a:r>
-              <a:rPr lang="en-US" dirty="0" err="1" smtClean="0"/>
-              <a:t>DocumentDB</a:t>
+              <a:t>Many bindings use Azure services or 3</a:t>
+            </a:r>
+            <a:r>
+              <a:rPr lang="en-US" baseline="30000" dirty="0" smtClean="0"/>
+              <a:t>rd</a:t>
             </a:r>
             <a:r>
               <a:rPr lang="en-US" dirty="0" smtClean="0"/>
-              <a:t> Document</a:t>
-            </a:r>
-          </a:p>
-          <a:p>
-            <a:r>
-              <a:rPr lang="en-US" dirty="0" smtClean="0"/>
-              <a:t>Azure Mobile Table Record</a:t>
-            </a:r>
-          </a:p>
-          <a:p>
-            <a:r>
-              <a:rPr lang="en-US" dirty="0" smtClean="0"/>
-              <a:t>Bot Framework</a:t>
-            </a:r>
+              <a:t> party services</a:t>
+            </a:r>
+          </a:p>
+          <a:p>
             <a:endParaRPr lang="en-US" dirty="0"/>
           </a:p>
         </p:txBody>
@@ -27887,7 +28915,7 @@
     </p:spTree>
     <p:extLst>
       <p:ext uri="{BB962C8B-B14F-4D97-AF65-F5344CB8AC3E}">
-        <p14:creationId xmlns:p14="http://schemas.microsoft.com/office/powerpoint/2010/main" val="4059824151"/>
+        <p14:creationId xmlns:p14="http://schemas.microsoft.com/office/powerpoint/2010/main" val="3219197450"/>
       </p:ext>
     </p:extLst>
   </p:cSld>
@@ -27938,6 +28966,133 @@
           <a:p>
             <a:r>
               <a:rPr lang="en-US" dirty="0" smtClean="0"/>
+              <a:t>Input bindings</a:t>
+            </a:r>
+            <a:endParaRPr lang="en-US" dirty="0"/>
+          </a:p>
+        </p:txBody>
+      </p:sp>
+      <p:sp>
+        <p:nvSpPr>
+          <p:cNvPr id="3" name="Content Placeholder 2"/>
+          <p:cNvSpPr>
+            <a:spLocks noGrp="1"/>
+          </p:cNvSpPr>
+          <p:nvPr>
+            <p:ph idx="1"/>
+          </p:nvPr>
+        </p:nvSpPr>
+        <p:spPr/>
+        <p:txBody>
+          <a:bodyPr/>
+          <a:lstStyle/>
+          <a:p>
+            <a:r>
+              <a:rPr lang="en-US" dirty="0" smtClean="0"/>
+              <a:t>Azure Blob Storage</a:t>
+            </a:r>
+          </a:p>
+          <a:p>
+            <a:r>
+              <a:rPr lang="en-US" dirty="0" smtClean="0"/>
+              <a:t>External File (Preview)</a:t>
+            </a:r>
+          </a:p>
+          <a:p>
+            <a:r>
+              <a:rPr lang="en-US" dirty="0" smtClean="0"/>
+              <a:t>External Table (Experimental)</a:t>
+            </a:r>
+          </a:p>
+          <a:p>
+            <a:r>
+              <a:rPr lang="en-US" dirty="0" smtClean="0"/>
+              <a:t>Azure Storage Table</a:t>
+            </a:r>
+          </a:p>
+          <a:p>
+            <a:r>
+              <a:rPr lang="en-US" dirty="0" smtClean="0"/>
+              <a:t>Azure </a:t>
+            </a:r>
+            <a:r>
+              <a:rPr lang="en-US" dirty="0" err="1" smtClean="0"/>
+              <a:t>DocumentDB</a:t>
+            </a:r>
+            <a:r>
+              <a:rPr lang="en-US" dirty="0" smtClean="0"/>
+              <a:t> Document</a:t>
+            </a:r>
+          </a:p>
+          <a:p>
+            <a:r>
+              <a:rPr lang="en-US" dirty="0" smtClean="0"/>
+              <a:t>Azure Mobile Table Record</a:t>
+            </a:r>
+          </a:p>
+          <a:p>
+            <a:r>
+              <a:rPr lang="en-US" dirty="0" smtClean="0"/>
+              <a:t>Bot Framework</a:t>
+            </a:r>
+            <a:endParaRPr lang="en-US" dirty="0"/>
+          </a:p>
+        </p:txBody>
+      </p:sp>
+    </p:spTree>
+    <p:extLst>
+      <p:ext uri="{BB962C8B-B14F-4D97-AF65-F5344CB8AC3E}">
+        <p14:creationId xmlns:p14="http://schemas.microsoft.com/office/powerpoint/2010/main" val="4059824151"/>
+      </p:ext>
+    </p:extLst>
+  </p:cSld>
+  <p:clrMapOvr>
+    <a:masterClrMapping/>
+  </p:clrMapOvr>
+  <p:timing>
+    <p:tnLst>
+      <p:par>
+        <p:cTn id="1" dur="indefinite" restart="never" nodeType="tmRoot"/>
+      </p:par>
+    </p:tnLst>
+  </p:timing>
+</p:sld>
+</file>
+
+<file path=ppt/slides/slide27.xml><?xml version="1.0" encoding="utf-8"?>
+<p:sld xmlns:a="http://schemas.openxmlformats.org/drawingml/2006/main" xmlns:r="http://schemas.openxmlformats.org/officeDocument/2006/relationships" xmlns:p="http://schemas.openxmlformats.org/presentationml/2006/main">
+  <p:cSld>
+    <p:spTree>
+      <p:nvGrpSpPr>
+        <p:cNvPr id="1" name=""/>
+        <p:cNvGrpSpPr/>
+        <p:nvPr/>
+      </p:nvGrpSpPr>
+      <p:grpSpPr>
+        <a:xfrm>
+          <a:off x="0" y="0"/>
+          <a:ext cx="0" cy="0"/>
+          <a:chOff x="0" y="0"/>
+          <a:chExt cx="0" cy="0"/>
+        </a:xfrm>
+      </p:grpSpPr>
+      <p:sp>
+        <p:nvSpPr>
+          <p:cNvPr id="2" name="Title 1"/>
+          <p:cNvSpPr>
+            <a:spLocks noGrp="1"/>
+          </p:cNvSpPr>
+          <p:nvPr>
+            <p:ph type="title"/>
+          </p:nvPr>
+        </p:nvSpPr>
+        <p:spPr/>
+        <p:txBody>
+          <a:bodyPr/>
+          <a:lstStyle/>
+          <a:p>
+            <a:r>
+              <a:rPr lang="en-US" dirty="0" smtClean="0"/>
               <a:t>Output bindings</a:t>
             </a:r>
             <a:endParaRPr lang="en-US" dirty="0"/>
@@ -28114,7 +29269,7 @@
 </p:sld>
 </file>
 
-<file path=ppt/slides/slide27.xml><?xml version="1.0" encoding="utf-8"?>
+<file path=ppt/slides/slide28.xml><?xml version="1.0" encoding="utf-8"?>
 <p:sld xmlns:a="http://schemas.openxmlformats.org/drawingml/2006/main" xmlns:r="http://schemas.openxmlformats.org/officeDocument/2006/relationships" xmlns:p="http://schemas.openxmlformats.org/presentationml/2006/main">
   <p:cSld>
     <p:spTree>
@@ -28800,7 +29955,7 @@
 </p:sld>
 </file>
 
-<file path=ppt/slides/slide28.xml><?xml version="1.0" encoding="utf-8"?>
+<file path=ppt/slides/slide29.xml><?xml version="1.0" encoding="utf-8"?>
 <p:sld xmlns:a="http://schemas.openxmlformats.org/drawingml/2006/main" xmlns:r="http://schemas.openxmlformats.org/officeDocument/2006/relationships" xmlns:p="http://schemas.openxmlformats.org/presentationml/2006/main">
   <p:cSld>
     <p:spTree>
@@ -29146,390 +30301,6 @@
                                         <p:cTn id="20" dur="250" autoRev="1" fill="hold"/>
                                         <p:tgtEl>
                                           <p:spTgt spid="10"/>
-                                        </p:tgtEl>
-                                      </p:cBhvr>
-                                      <p:by x="105000" y="105000"/>
-                                    </p:animScale>
-                                  </p:childTnLst>
-                                </p:cTn>
-                              </p:par>
-                            </p:childTnLst>
-                          </p:cTn>
-                        </p:par>
-                      </p:childTnLst>
-                    </p:cTn>
-                  </p:par>
-                </p:childTnLst>
-              </p:cTn>
-              <p:prevCondLst>
-                <p:cond evt="onPrev" delay="0">
-                  <p:tgtEl>
-                    <p:sldTgt/>
-                  </p:tgtEl>
-                </p:cond>
-              </p:prevCondLst>
-              <p:nextCondLst>
-                <p:cond evt="onNext" delay="0">
-                  <p:tgtEl>
-                    <p:sldTgt/>
-                  </p:tgtEl>
-                </p:cond>
-              </p:nextCondLst>
-            </p:seq>
-          </p:childTnLst>
-        </p:cTn>
-      </p:par>
-    </p:tnLst>
-  </p:timing>
-</p:sld>
-</file>
-
-<file path=ppt/slides/slide29.xml><?xml version="1.0" encoding="utf-8"?>
-<p:sld xmlns:a="http://schemas.openxmlformats.org/drawingml/2006/main" xmlns:r="http://schemas.openxmlformats.org/officeDocument/2006/relationships" xmlns:p="http://schemas.openxmlformats.org/presentationml/2006/main">
-  <p:cSld>
-    <p:spTree>
-      <p:nvGrpSpPr>
-        <p:cNvPr id="1" name=""/>
-        <p:cNvGrpSpPr/>
-        <p:nvPr/>
-      </p:nvGrpSpPr>
-      <p:grpSpPr>
-        <a:xfrm>
-          <a:off x="0" y="0"/>
-          <a:ext cx="0" cy="0"/>
-          <a:chOff x="0" y="0"/>
-          <a:chExt cx="0" cy="0"/>
-        </a:xfrm>
-      </p:grpSpPr>
-      <p:pic>
-        <p:nvPicPr>
-          <p:cNvPr id="8" name="Picture 7"/>
-          <p:cNvPicPr>
-            <a:picLocks noChangeAspect="1"/>
-          </p:cNvPicPr>
-          <p:nvPr/>
-        </p:nvPicPr>
-        <p:blipFill>
-          <a:blip r:embed="rId2"/>
-          <a:stretch>
-            <a:fillRect/>
-          </a:stretch>
-        </p:blipFill>
-        <p:spPr>
-          <a:xfrm>
-            <a:off x="-314" y="555477"/>
-            <a:ext cx="12192627" cy="5747045"/>
-          </a:xfrm>
-          <a:prstGeom prst="rect">
-            <a:avLst/>
-          </a:prstGeom>
-        </p:spPr>
-      </p:pic>
-      <p:cxnSp>
-        <p:nvCxnSpPr>
-          <p:cNvPr id="4" name="Straight Arrow Connector 3"/>
-          <p:cNvCxnSpPr/>
-          <p:nvPr/>
-        </p:nvCxnSpPr>
-        <p:spPr>
-          <a:xfrm flipV="1">
-            <a:off x="8942201" y="2257622"/>
-            <a:ext cx="435129" cy="788276"/>
-          </a:xfrm>
-          <a:prstGeom prst="straightConnector1">
-            <a:avLst/>
-          </a:prstGeom>
-          <a:ln w="76200">
-            <a:tailEnd type="triangle"/>
-          </a:ln>
-        </p:spPr>
-        <p:style>
-          <a:lnRef idx="1">
-            <a:schemeClr val="accent1"/>
-          </a:lnRef>
-          <a:fillRef idx="0">
-            <a:schemeClr val="accent1"/>
-          </a:fillRef>
-          <a:effectRef idx="0">
-            <a:schemeClr val="accent1"/>
-          </a:effectRef>
-          <a:fontRef idx="minor">
-            <a:schemeClr val="tx1"/>
-          </a:fontRef>
-        </p:style>
-      </p:cxnSp>
-      <p:cxnSp>
-        <p:nvCxnSpPr>
-          <p:cNvPr id="6" name="Straight Arrow Connector 5"/>
-          <p:cNvCxnSpPr/>
-          <p:nvPr/>
-        </p:nvCxnSpPr>
-        <p:spPr>
-          <a:xfrm flipH="1">
-            <a:off x="2939743" y="3928767"/>
-            <a:ext cx="982718" cy="1052"/>
-          </a:xfrm>
-          <a:prstGeom prst="straightConnector1">
-            <a:avLst/>
-          </a:prstGeom>
-          <a:ln w="76200">
-            <a:tailEnd type="triangle"/>
-          </a:ln>
-        </p:spPr>
-        <p:style>
-          <a:lnRef idx="1">
-            <a:schemeClr val="accent1"/>
-          </a:lnRef>
-          <a:fillRef idx="0">
-            <a:schemeClr val="accent1"/>
-          </a:fillRef>
-          <a:effectRef idx="0">
-            <a:schemeClr val="accent1"/>
-          </a:effectRef>
-          <a:fontRef idx="minor">
-            <a:schemeClr val="tx1"/>
-          </a:fontRef>
-        </p:style>
-      </p:cxnSp>
-    </p:spTree>
-    <p:extLst>
-      <p:ext uri="{BB962C8B-B14F-4D97-AF65-F5344CB8AC3E}">
-        <p14:creationId xmlns:p14="http://schemas.microsoft.com/office/powerpoint/2010/main" val="2904311876"/>
-      </p:ext>
-    </p:extLst>
-  </p:cSld>
-  <p:clrMapOvr>
-    <a:masterClrMapping/>
-  </p:clrMapOvr>
-  <p:timing>
-    <p:tnLst>
-      <p:par>
-        <p:cTn id="1" dur="indefinite" restart="never" nodeType="tmRoot">
-          <p:childTnLst>
-            <p:seq concurrent="1" nextAc="seek">
-              <p:cTn id="2" dur="indefinite" nodeType="mainSeq">
-                <p:childTnLst>
-                  <p:par>
-                    <p:cTn id="3" fill="hold">
-                      <p:stCondLst>
-                        <p:cond delay="indefinite"/>
-                      </p:stCondLst>
-                      <p:childTnLst>
-                        <p:par>
-                          <p:cTn id="4" fill="hold">
-                            <p:stCondLst>
-                              <p:cond delay="0"/>
-                            </p:stCondLst>
-                            <p:childTnLst>
-                              <p:par>
-                                <p:cTn id="5" presetID="2" presetClass="entr" presetSubtype="4" fill="hold" nodeType="clickEffect">
-                                  <p:stCondLst>
-                                    <p:cond delay="0"/>
-                                  </p:stCondLst>
-                                  <p:childTnLst>
-                                    <p:set>
-                                      <p:cBhvr>
-                                        <p:cTn id="6" dur="1" fill="hold">
-                                          <p:stCondLst>
-                                            <p:cond delay="0"/>
-                                          </p:stCondLst>
-                                        </p:cTn>
-                                        <p:tgtEl>
-                                          <p:spTgt spid="4"/>
-                                        </p:tgtEl>
-                                        <p:attrNameLst>
-                                          <p:attrName>style.visibility</p:attrName>
-                                        </p:attrNameLst>
-                                      </p:cBhvr>
-                                      <p:to>
-                                        <p:strVal val="visible"/>
-                                      </p:to>
-                                    </p:set>
-                                    <p:anim calcmode="lin" valueType="num">
-                                      <p:cBhvr additive="base">
-                                        <p:cTn id="7" dur="500" fill="hold"/>
-                                        <p:tgtEl>
-                                          <p:spTgt spid="4"/>
-                                        </p:tgtEl>
-                                        <p:attrNameLst>
-                                          <p:attrName>ppt_x</p:attrName>
-                                        </p:attrNameLst>
-                                      </p:cBhvr>
-                                      <p:tavLst>
-                                        <p:tav tm="0">
-                                          <p:val>
-                                            <p:strVal val="#ppt_x"/>
-                                          </p:val>
-                                        </p:tav>
-                                        <p:tav tm="100000">
-                                          <p:val>
-                                            <p:strVal val="#ppt_x"/>
-                                          </p:val>
-                                        </p:tav>
-                                      </p:tavLst>
-                                    </p:anim>
-                                    <p:anim calcmode="lin" valueType="num">
-                                      <p:cBhvr additive="base">
-                                        <p:cTn id="8" dur="500" fill="hold"/>
-                                        <p:tgtEl>
-                                          <p:spTgt spid="4"/>
-                                        </p:tgtEl>
-                                        <p:attrNameLst>
-                                          <p:attrName>ppt_y</p:attrName>
-                                        </p:attrNameLst>
-                                      </p:cBhvr>
-                                      <p:tavLst>
-                                        <p:tav tm="0">
-                                          <p:val>
-                                            <p:strVal val="1+#ppt_h/2"/>
-                                          </p:val>
-                                        </p:tav>
-                                        <p:tav tm="100000">
-                                          <p:val>
-                                            <p:strVal val="#ppt_y"/>
-                                          </p:val>
-                                        </p:tav>
-                                      </p:tavLst>
-                                    </p:anim>
-                                  </p:childTnLst>
-                                </p:cTn>
-                              </p:par>
-                            </p:childTnLst>
-                          </p:cTn>
-                        </p:par>
-                      </p:childTnLst>
-                    </p:cTn>
-                  </p:par>
-                  <p:par>
-                    <p:cTn id="9" fill="hold">
-                      <p:stCondLst>
-                        <p:cond delay="indefinite"/>
-                      </p:stCondLst>
-                      <p:childTnLst>
-                        <p:par>
-                          <p:cTn id="10" fill="hold">
-                            <p:stCondLst>
-                              <p:cond delay="0"/>
-                            </p:stCondLst>
-                            <p:childTnLst>
-                              <p:par>
-                                <p:cTn id="11" presetID="53" presetClass="entr" presetSubtype="16" fill="hold" nodeType="clickEffect">
-                                  <p:stCondLst>
-                                    <p:cond delay="0"/>
-                                  </p:stCondLst>
-                                  <p:childTnLst>
-                                    <p:set>
-                                      <p:cBhvr>
-                                        <p:cTn id="12" dur="1" fill="hold">
-                                          <p:stCondLst>
-                                            <p:cond delay="0"/>
-                                          </p:stCondLst>
-                                        </p:cTn>
-                                        <p:tgtEl>
-                                          <p:spTgt spid="6"/>
-                                        </p:tgtEl>
-                                        <p:attrNameLst>
-                                          <p:attrName>style.visibility</p:attrName>
-                                        </p:attrNameLst>
-                                      </p:cBhvr>
-                                      <p:to>
-                                        <p:strVal val="visible"/>
-                                      </p:to>
-                                    </p:set>
-                                    <p:anim calcmode="lin" valueType="num">
-                                      <p:cBhvr>
-                                        <p:cTn id="13" dur="500" fill="hold"/>
-                                        <p:tgtEl>
-                                          <p:spTgt spid="6"/>
-                                        </p:tgtEl>
-                                        <p:attrNameLst>
-                                          <p:attrName>ppt_w</p:attrName>
-                                        </p:attrNameLst>
-                                      </p:cBhvr>
-                                      <p:tavLst>
-                                        <p:tav tm="0">
-                                          <p:val>
-                                            <p:fltVal val="0"/>
-                                          </p:val>
-                                        </p:tav>
-                                        <p:tav tm="100000">
-                                          <p:val>
-                                            <p:strVal val="#ppt_w"/>
-                                          </p:val>
-                                        </p:tav>
-                                      </p:tavLst>
-                                    </p:anim>
-                                    <p:anim calcmode="lin" valueType="num">
-                                      <p:cBhvr>
-                                        <p:cTn id="14" dur="500" fill="hold"/>
-                                        <p:tgtEl>
-                                          <p:spTgt spid="6"/>
-                                        </p:tgtEl>
-                                        <p:attrNameLst>
-                                          <p:attrName>ppt_h</p:attrName>
-                                        </p:attrNameLst>
-                                      </p:cBhvr>
-                                      <p:tavLst>
-                                        <p:tav tm="0">
-                                          <p:val>
-                                            <p:fltVal val="0"/>
-                                          </p:val>
-                                        </p:tav>
-                                        <p:tav tm="100000">
-                                          <p:val>
-                                            <p:strVal val="#ppt_h"/>
-                                          </p:val>
-                                        </p:tav>
-                                      </p:tavLst>
-                                    </p:anim>
-                                    <p:animEffect transition="in" filter="fade">
-                                      <p:cBhvr>
-                                        <p:cTn id="15" dur="500"/>
-                                        <p:tgtEl>
-                                          <p:spTgt spid="6"/>
-                                        </p:tgtEl>
-                                      </p:cBhvr>
-                                    </p:animEffect>
-                                  </p:childTnLst>
-                                </p:cTn>
-                              </p:par>
-                            </p:childTnLst>
-                          </p:cTn>
-                        </p:par>
-                      </p:childTnLst>
-                    </p:cTn>
-                  </p:par>
-                  <p:par>
-                    <p:cTn id="16" fill="hold">
-                      <p:stCondLst>
-                        <p:cond delay="indefinite"/>
-                      </p:stCondLst>
-                      <p:childTnLst>
-                        <p:par>
-                          <p:cTn id="17" fill="hold">
-                            <p:stCondLst>
-                              <p:cond delay="0"/>
-                            </p:stCondLst>
-                            <p:childTnLst>
-                              <p:par>
-                                <p:cTn id="18" presetID="26" presetClass="emph" presetSubtype="0" fill="hold" nodeType="clickEffect">
-                                  <p:stCondLst>
-                                    <p:cond delay="0"/>
-                                  </p:stCondLst>
-                                  <p:childTnLst>
-                                    <p:animEffect transition="out" filter="fade">
-                                      <p:cBhvr>
-                                        <p:cTn id="19" dur="500" tmFilter="0, 0; .2, .5; .8, .5; 1, 0"/>
-                                        <p:tgtEl>
-                                          <p:spTgt spid="6"/>
-                                        </p:tgtEl>
-                                      </p:cBhvr>
-                                    </p:animEffect>
-                                    <p:animScale>
-                                      <p:cBhvr>
-                                        <p:cTn id="20" dur="250" autoRev="1" fill="hold"/>
-                                        <p:tgtEl>
-                                          <p:spTgt spid="6"/>
                                         </p:tgtEl>
                                       </p:cBhvr>
                                       <p:by x="105000" y="105000"/>
@@ -30608,6 +31379,390 @@
 </file>
 
 <file path=ppt/slides/slide30.xml><?xml version="1.0" encoding="utf-8"?>
+<p:sld xmlns:a="http://schemas.openxmlformats.org/drawingml/2006/main" xmlns:r="http://schemas.openxmlformats.org/officeDocument/2006/relationships" xmlns:p="http://schemas.openxmlformats.org/presentationml/2006/main">
+  <p:cSld>
+    <p:spTree>
+      <p:nvGrpSpPr>
+        <p:cNvPr id="1" name=""/>
+        <p:cNvGrpSpPr/>
+        <p:nvPr/>
+      </p:nvGrpSpPr>
+      <p:grpSpPr>
+        <a:xfrm>
+          <a:off x="0" y="0"/>
+          <a:ext cx="0" cy="0"/>
+          <a:chOff x="0" y="0"/>
+          <a:chExt cx="0" cy="0"/>
+        </a:xfrm>
+      </p:grpSpPr>
+      <p:pic>
+        <p:nvPicPr>
+          <p:cNvPr id="8" name="Picture 7"/>
+          <p:cNvPicPr>
+            <a:picLocks noChangeAspect="1"/>
+          </p:cNvPicPr>
+          <p:nvPr/>
+        </p:nvPicPr>
+        <p:blipFill>
+          <a:blip r:embed="rId2"/>
+          <a:stretch>
+            <a:fillRect/>
+          </a:stretch>
+        </p:blipFill>
+        <p:spPr>
+          <a:xfrm>
+            <a:off x="-314" y="555477"/>
+            <a:ext cx="12192627" cy="5747045"/>
+          </a:xfrm>
+          <a:prstGeom prst="rect">
+            <a:avLst/>
+          </a:prstGeom>
+        </p:spPr>
+      </p:pic>
+      <p:cxnSp>
+        <p:nvCxnSpPr>
+          <p:cNvPr id="4" name="Straight Arrow Connector 3"/>
+          <p:cNvCxnSpPr/>
+          <p:nvPr/>
+        </p:nvCxnSpPr>
+        <p:spPr>
+          <a:xfrm flipV="1">
+            <a:off x="8942201" y="2257622"/>
+            <a:ext cx="435129" cy="788276"/>
+          </a:xfrm>
+          <a:prstGeom prst="straightConnector1">
+            <a:avLst/>
+          </a:prstGeom>
+          <a:ln w="76200">
+            <a:tailEnd type="triangle"/>
+          </a:ln>
+        </p:spPr>
+        <p:style>
+          <a:lnRef idx="1">
+            <a:schemeClr val="accent1"/>
+          </a:lnRef>
+          <a:fillRef idx="0">
+            <a:schemeClr val="accent1"/>
+          </a:fillRef>
+          <a:effectRef idx="0">
+            <a:schemeClr val="accent1"/>
+          </a:effectRef>
+          <a:fontRef idx="minor">
+            <a:schemeClr val="tx1"/>
+          </a:fontRef>
+        </p:style>
+      </p:cxnSp>
+      <p:cxnSp>
+        <p:nvCxnSpPr>
+          <p:cNvPr id="6" name="Straight Arrow Connector 5"/>
+          <p:cNvCxnSpPr/>
+          <p:nvPr/>
+        </p:nvCxnSpPr>
+        <p:spPr>
+          <a:xfrm flipH="1">
+            <a:off x="2939743" y="3928767"/>
+            <a:ext cx="982718" cy="1052"/>
+          </a:xfrm>
+          <a:prstGeom prst="straightConnector1">
+            <a:avLst/>
+          </a:prstGeom>
+          <a:ln w="76200">
+            <a:tailEnd type="triangle"/>
+          </a:ln>
+        </p:spPr>
+        <p:style>
+          <a:lnRef idx="1">
+            <a:schemeClr val="accent1"/>
+          </a:lnRef>
+          <a:fillRef idx="0">
+            <a:schemeClr val="accent1"/>
+          </a:fillRef>
+          <a:effectRef idx="0">
+            <a:schemeClr val="accent1"/>
+          </a:effectRef>
+          <a:fontRef idx="minor">
+            <a:schemeClr val="tx1"/>
+          </a:fontRef>
+        </p:style>
+      </p:cxnSp>
+    </p:spTree>
+    <p:extLst>
+      <p:ext uri="{BB962C8B-B14F-4D97-AF65-F5344CB8AC3E}">
+        <p14:creationId xmlns:p14="http://schemas.microsoft.com/office/powerpoint/2010/main" val="2904311876"/>
+      </p:ext>
+    </p:extLst>
+  </p:cSld>
+  <p:clrMapOvr>
+    <a:masterClrMapping/>
+  </p:clrMapOvr>
+  <p:timing>
+    <p:tnLst>
+      <p:par>
+        <p:cTn id="1" dur="indefinite" restart="never" nodeType="tmRoot">
+          <p:childTnLst>
+            <p:seq concurrent="1" nextAc="seek">
+              <p:cTn id="2" dur="indefinite" nodeType="mainSeq">
+                <p:childTnLst>
+                  <p:par>
+                    <p:cTn id="3" fill="hold">
+                      <p:stCondLst>
+                        <p:cond delay="indefinite"/>
+                      </p:stCondLst>
+                      <p:childTnLst>
+                        <p:par>
+                          <p:cTn id="4" fill="hold">
+                            <p:stCondLst>
+                              <p:cond delay="0"/>
+                            </p:stCondLst>
+                            <p:childTnLst>
+                              <p:par>
+                                <p:cTn id="5" presetID="2" presetClass="entr" presetSubtype="4" fill="hold" nodeType="clickEffect">
+                                  <p:stCondLst>
+                                    <p:cond delay="0"/>
+                                  </p:stCondLst>
+                                  <p:childTnLst>
+                                    <p:set>
+                                      <p:cBhvr>
+                                        <p:cTn id="6" dur="1" fill="hold">
+                                          <p:stCondLst>
+                                            <p:cond delay="0"/>
+                                          </p:stCondLst>
+                                        </p:cTn>
+                                        <p:tgtEl>
+                                          <p:spTgt spid="4"/>
+                                        </p:tgtEl>
+                                        <p:attrNameLst>
+                                          <p:attrName>style.visibility</p:attrName>
+                                        </p:attrNameLst>
+                                      </p:cBhvr>
+                                      <p:to>
+                                        <p:strVal val="visible"/>
+                                      </p:to>
+                                    </p:set>
+                                    <p:anim calcmode="lin" valueType="num">
+                                      <p:cBhvr additive="base">
+                                        <p:cTn id="7" dur="500" fill="hold"/>
+                                        <p:tgtEl>
+                                          <p:spTgt spid="4"/>
+                                        </p:tgtEl>
+                                        <p:attrNameLst>
+                                          <p:attrName>ppt_x</p:attrName>
+                                        </p:attrNameLst>
+                                      </p:cBhvr>
+                                      <p:tavLst>
+                                        <p:tav tm="0">
+                                          <p:val>
+                                            <p:strVal val="#ppt_x"/>
+                                          </p:val>
+                                        </p:tav>
+                                        <p:tav tm="100000">
+                                          <p:val>
+                                            <p:strVal val="#ppt_x"/>
+                                          </p:val>
+                                        </p:tav>
+                                      </p:tavLst>
+                                    </p:anim>
+                                    <p:anim calcmode="lin" valueType="num">
+                                      <p:cBhvr additive="base">
+                                        <p:cTn id="8" dur="500" fill="hold"/>
+                                        <p:tgtEl>
+                                          <p:spTgt spid="4"/>
+                                        </p:tgtEl>
+                                        <p:attrNameLst>
+                                          <p:attrName>ppt_y</p:attrName>
+                                        </p:attrNameLst>
+                                      </p:cBhvr>
+                                      <p:tavLst>
+                                        <p:tav tm="0">
+                                          <p:val>
+                                            <p:strVal val="1+#ppt_h/2"/>
+                                          </p:val>
+                                        </p:tav>
+                                        <p:tav tm="100000">
+                                          <p:val>
+                                            <p:strVal val="#ppt_y"/>
+                                          </p:val>
+                                        </p:tav>
+                                      </p:tavLst>
+                                    </p:anim>
+                                  </p:childTnLst>
+                                </p:cTn>
+                              </p:par>
+                            </p:childTnLst>
+                          </p:cTn>
+                        </p:par>
+                      </p:childTnLst>
+                    </p:cTn>
+                  </p:par>
+                  <p:par>
+                    <p:cTn id="9" fill="hold">
+                      <p:stCondLst>
+                        <p:cond delay="indefinite"/>
+                      </p:stCondLst>
+                      <p:childTnLst>
+                        <p:par>
+                          <p:cTn id="10" fill="hold">
+                            <p:stCondLst>
+                              <p:cond delay="0"/>
+                            </p:stCondLst>
+                            <p:childTnLst>
+                              <p:par>
+                                <p:cTn id="11" presetID="53" presetClass="entr" presetSubtype="16" fill="hold" nodeType="clickEffect">
+                                  <p:stCondLst>
+                                    <p:cond delay="0"/>
+                                  </p:stCondLst>
+                                  <p:childTnLst>
+                                    <p:set>
+                                      <p:cBhvr>
+                                        <p:cTn id="12" dur="1" fill="hold">
+                                          <p:stCondLst>
+                                            <p:cond delay="0"/>
+                                          </p:stCondLst>
+                                        </p:cTn>
+                                        <p:tgtEl>
+                                          <p:spTgt spid="6"/>
+                                        </p:tgtEl>
+                                        <p:attrNameLst>
+                                          <p:attrName>style.visibility</p:attrName>
+                                        </p:attrNameLst>
+                                      </p:cBhvr>
+                                      <p:to>
+                                        <p:strVal val="visible"/>
+                                      </p:to>
+                                    </p:set>
+                                    <p:anim calcmode="lin" valueType="num">
+                                      <p:cBhvr>
+                                        <p:cTn id="13" dur="500" fill="hold"/>
+                                        <p:tgtEl>
+                                          <p:spTgt spid="6"/>
+                                        </p:tgtEl>
+                                        <p:attrNameLst>
+                                          <p:attrName>ppt_w</p:attrName>
+                                        </p:attrNameLst>
+                                      </p:cBhvr>
+                                      <p:tavLst>
+                                        <p:tav tm="0">
+                                          <p:val>
+                                            <p:fltVal val="0"/>
+                                          </p:val>
+                                        </p:tav>
+                                        <p:tav tm="100000">
+                                          <p:val>
+                                            <p:strVal val="#ppt_w"/>
+                                          </p:val>
+                                        </p:tav>
+                                      </p:tavLst>
+                                    </p:anim>
+                                    <p:anim calcmode="lin" valueType="num">
+                                      <p:cBhvr>
+                                        <p:cTn id="14" dur="500" fill="hold"/>
+                                        <p:tgtEl>
+                                          <p:spTgt spid="6"/>
+                                        </p:tgtEl>
+                                        <p:attrNameLst>
+                                          <p:attrName>ppt_h</p:attrName>
+                                        </p:attrNameLst>
+                                      </p:cBhvr>
+                                      <p:tavLst>
+                                        <p:tav tm="0">
+                                          <p:val>
+                                            <p:fltVal val="0"/>
+                                          </p:val>
+                                        </p:tav>
+                                        <p:tav tm="100000">
+                                          <p:val>
+                                            <p:strVal val="#ppt_h"/>
+                                          </p:val>
+                                        </p:tav>
+                                      </p:tavLst>
+                                    </p:anim>
+                                    <p:animEffect transition="in" filter="fade">
+                                      <p:cBhvr>
+                                        <p:cTn id="15" dur="500"/>
+                                        <p:tgtEl>
+                                          <p:spTgt spid="6"/>
+                                        </p:tgtEl>
+                                      </p:cBhvr>
+                                    </p:animEffect>
+                                  </p:childTnLst>
+                                </p:cTn>
+                              </p:par>
+                            </p:childTnLst>
+                          </p:cTn>
+                        </p:par>
+                      </p:childTnLst>
+                    </p:cTn>
+                  </p:par>
+                  <p:par>
+                    <p:cTn id="16" fill="hold">
+                      <p:stCondLst>
+                        <p:cond delay="indefinite"/>
+                      </p:stCondLst>
+                      <p:childTnLst>
+                        <p:par>
+                          <p:cTn id="17" fill="hold">
+                            <p:stCondLst>
+                              <p:cond delay="0"/>
+                            </p:stCondLst>
+                            <p:childTnLst>
+                              <p:par>
+                                <p:cTn id="18" presetID="26" presetClass="emph" presetSubtype="0" fill="hold" nodeType="clickEffect">
+                                  <p:stCondLst>
+                                    <p:cond delay="0"/>
+                                  </p:stCondLst>
+                                  <p:childTnLst>
+                                    <p:animEffect transition="out" filter="fade">
+                                      <p:cBhvr>
+                                        <p:cTn id="19" dur="500" tmFilter="0, 0; .2, .5; .8, .5; 1, 0"/>
+                                        <p:tgtEl>
+                                          <p:spTgt spid="6"/>
+                                        </p:tgtEl>
+                                      </p:cBhvr>
+                                    </p:animEffect>
+                                    <p:animScale>
+                                      <p:cBhvr>
+                                        <p:cTn id="20" dur="250" autoRev="1" fill="hold"/>
+                                        <p:tgtEl>
+                                          <p:spTgt spid="6"/>
+                                        </p:tgtEl>
+                                      </p:cBhvr>
+                                      <p:by x="105000" y="105000"/>
+                                    </p:animScale>
+                                  </p:childTnLst>
+                                </p:cTn>
+                              </p:par>
+                            </p:childTnLst>
+                          </p:cTn>
+                        </p:par>
+                      </p:childTnLst>
+                    </p:cTn>
+                  </p:par>
+                </p:childTnLst>
+              </p:cTn>
+              <p:prevCondLst>
+                <p:cond evt="onPrev" delay="0">
+                  <p:tgtEl>
+                    <p:sldTgt/>
+                  </p:tgtEl>
+                </p:cond>
+              </p:prevCondLst>
+              <p:nextCondLst>
+                <p:cond evt="onNext" delay="0">
+                  <p:tgtEl>
+                    <p:sldTgt/>
+                  </p:tgtEl>
+                </p:cond>
+              </p:nextCondLst>
+            </p:seq>
+          </p:childTnLst>
+        </p:cTn>
+      </p:par>
+    </p:tnLst>
+  </p:timing>
+</p:sld>
+</file>
+
+<file path=ppt/slides/slide31.xml><?xml version="1.0" encoding="utf-8"?>
 <p:sld xmlns:a="http://schemas.openxmlformats.org/drawingml/2006/main" xmlns:r="http://schemas.openxmlformats.org/officeDocument/2006/relationships" xmlns:p="http://schemas.openxmlformats.org/presentationml/2006/main">
   <p:cSld>
     <p:spTree>
@@ -31552,7 +32707,81 @@
 </p:sld>
 </file>
 
-<file path=ppt/slides/slide31.xml><?xml version="1.0" encoding="utf-8"?>
+<file path=ppt/slides/slide32.xml><?xml version="1.0" encoding="utf-8"?>
+<p:sld xmlns:a="http://schemas.openxmlformats.org/drawingml/2006/main" xmlns:r="http://schemas.openxmlformats.org/officeDocument/2006/relationships" xmlns:p="http://schemas.openxmlformats.org/presentationml/2006/main">
+  <p:cSld>
+    <p:spTree>
+      <p:nvGrpSpPr>
+        <p:cNvPr id="1" name=""/>
+        <p:cNvGrpSpPr/>
+        <p:nvPr/>
+      </p:nvGrpSpPr>
+      <p:grpSpPr>
+        <a:xfrm>
+          <a:off x="0" y="0"/>
+          <a:ext cx="0" cy="0"/>
+          <a:chOff x="0" y="0"/>
+          <a:chExt cx="0" cy="0"/>
+        </a:xfrm>
+      </p:grpSpPr>
+      <p:sp>
+        <p:nvSpPr>
+          <p:cNvPr id="2" name="Title 1"/>
+          <p:cNvSpPr>
+            <a:spLocks noGrp="1"/>
+          </p:cNvSpPr>
+          <p:nvPr>
+            <p:ph type="title"/>
+          </p:nvPr>
+        </p:nvSpPr>
+        <p:spPr/>
+        <p:txBody>
+          <a:bodyPr/>
+          <a:lstStyle/>
+          <a:p>
+            <a:endParaRPr lang="en-US"/>
+          </a:p>
+        </p:txBody>
+      </p:sp>
+      <p:sp>
+        <p:nvSpPr>
+          <p:cNvPr id="3" name="Content Placeholder 2"/>
+          <p:cNvSpPr>
+            <a:spLocks noGrp="1"/>
+          </p:cNvSpPr>
+          <p:nvPr>
+            <p:ph idx="1"/>
+          </p:nvPr>
+        </p:nvSpPr>
+        <p:spPr/>
+        <p:txBody>
+          <a:bodyPr/>
+          <a:lstStyle/>
+          <a:p>
+            <a:r>
+              <a:rPr lang="en-US" dirty="0"/>
+              <a:t>Functions are always static methods</a:t>
+            </a:r>
+          </a:p>
+          <a:p>
+            <a:endParaRPr lang="en-US" dirty="0"/>
+          </a:p>
+        </p:txBody>
+      </p:sp>
+    </p:spTree>
+    <p:extLst>
+      <p:ext uri="{BB962C8B-B14F-4D97-AF65-F5344CB8AC3E}">
+        <p14:creationId xmlns:p14="http://schemas.microsoft.com/office/powerpoint/2010/main" val="4057107331"/>
+      </p:ext>
+    </p:extLst>
+  </p:cSld>
+  <p:clrMapOvr>
+    <a:masterClrMapping/>
+  </p:clrMapOvr>
+</p:sld>
+</file>
+
+<file path=ppt/slides/slide33.xml><?xml version="1.0" encoding="utf-8"?>
 <p:sld xmlns:a="http://schemas.openxmlformats.org/drawingml/2006/main" xmlns:r="http://schemas.openxmlformats.org/officeDocument/2006/relationships" xmlns:p="http://schemas.openxmlformats.org/presentationml/2006/main">
   <p:cSld>
     <p:spTree>
@@ -31727,7 +32956,7 @@
 </p:sld>
 </file>
 
-<file path=ppt/slides/slide32.xml><?xml version="1.0" encoding="utf-8"?>
+<file path=ppt/slides/slide34.xml><?xml version="1.0" encoding="utf-8"?>
 <p:sld xmlns:a="http://schemas.openxmlformats.org/drawingml/2006/main" xmlns:r="http://schemas.openxmlformats.org/officeDocument/2006/relationships" xmlns:p="http://schemas.openxmlformats.org/presentationml/2006/main">
   <p:cSld>
     <p:spTree>
@@ -32621,7 +33850,7 @@
 </p:sld>
 </file>
 
-<file path=ppt/slides/slide33.xml><?xml version="1.0" encoding="utf-8"?>
+<file path=ppt/slides/slide35.xml><?xml version="1.0" encoding="utf-8"?>
 <p:sld xmlns:a="http://schemas.openxmlformats.org/drawingml/2006/main" xmlns:r="http://schemas.openxmlformats.org/officeDocument/2006/relationships" xmlns:p="http://schemas.openxmlformats.org/presentationml/2006/main">
   <p:cSld>
     <p:spTree>
@@ -32730,7 +33959,7 @@
 </p:sld>
 </file>
 
-<file path=ppt/slides/slide34.xml><?xml version="1.0" encoding="utf-8"?>
+<file path=ppt/slides/slide36.xml><?xml version="1.0" encoding="utf-8"?>
 <p:sld xmlns:a="http://schemas.openxmlformats.org/drawingml/2006/main" xmlns:r="http://schemas.openxmlformats.org/officeDocument/2006/relationships" xmlns:p="http://schemas.openxmlformats.org/presentationml/2006/main">
   <p:cSld>
     <p:spTree>
@@ -32814,7 +34043,7 @@
 </p:sld>
 </file>
 
-<file path=ppt/slides/slide35.xml><?xml version="1.0" encoding="utf-8"?>
+<file path=ppt/slides/slide37.xml><?xml version="1.0" encoding="utf-8"?>
 <p:sld xmlns:a="http://schemas.openxmlformats.org/drawingml/2006/main" xmlns:r="http://schemas.openxmlformats.org/officeDocument/2006/relationships" xmlns:p="http://schemas.openxmlformats.org/presentationml/2006/main">
   <p:cSld>
     <p:spTree>
@@ -32872,191 +34101,6 @@
   <p:transition>
     <p:fade/>
   </p:transition>
-  <p:timing>
-    <p:tnLst>
-      <p:par>
-        <p:cTn id="1" dur="indefinite" restart="never" nodeType="tmRoot"/>
-      </p:par>
-    </p:tnLst>
-  </p:timing>
-</p:sld>
-</file>
-
-<file path=ppt/slides/slide36.xml><?xml version="1.0" encoding="utf-8"?>
-<p:sld xmlns:a="http://schemas.openxmlformats.org/drawingml/2006/main" xmlns:r="http://schemas.openxmlformats.org/officeDocument/2006/relationships" xmlns:p="http://schemas.openxmlformats.org/presentationml/2006/main">
-  <p:cSld>
-    <p:spTree>
-      <p:nvGrpSpPr>
-        <p:cNvPr id="1" name=""/>
-        <p:cNvGrpSpPr/>
-        <p:nvPr/>
-      </p:nvGrpSpPr>
-      <p:grpSpPr>
-        <a:xfrm>
-          <a:off x="0" y="0"/>
-          <a:ext cx="0" cy="0"/>
-          <a:chOff x="0" y="0"/>
-          <a:chExt cx="0" cy="0"/>
-        </a:xfrm>
-      </p:grpSpPr>
-      <p:sp>
-        <p:nvSpPr>
-          <p:cNvPr id="2" name="Title 1"/>
-          <p:cNvSpPr>
-            <a:spLocks noGrp="1"/>
-          </p:cNvSpPr>
-          <p:nvPr>
-            <p:ph type="title"/>
-          </p:nvPr>
-        </p:nvSpPr>
-        <p:spPr/>
-        <p:txBody>
-          <a:bodyPr/>
-          <a:lstStyle/>
-          <a:p>
-            <a:r>
-              <a:rPr lang="en-US" dirty="0" smtClean="0"/>
-              <a:t>Calling Other Functions</a:t>
-            </a:r>
-            <a:endParaRPr lang="en-US" dirty="0"/>
-          </a:p>
-        </p:txBody>
-      </p:sp>
-      <p:sp>
-        <p:nvSpPr>
-          <p:cNvPr id="3" name="Content Placeholder 2"/>
-          <p:cNvSpPr>
-            <a:spLocks noGrp="1"/>
-          </p:cNvSpPr>
-          <p:nvPr>
-            <p:ph idx="1"/>
-          </p:nvPr>
-        </p:nvSpPr>
-        <p:spPr/>
-        <p:txBody>
-          <a:bodyPr/>
-          <a:lstStyle/>
-          <a:p>
-            <a:r>
-              <a:rPr lang="en-US" dirty="0" smtClean="0"/>
-              <a:t>Use an output trigger followed by that same trigger, but as an input trigger to the next function to trigger</a:t>
-            </a:r>
-          </a:p>
-          <a:p>
-            <a:r>
-              <a:rPr lang="en-US" dirty="0" smtClean="0"/>
-              <a:t>Must be inside same Function App</a:t>
-            </a:r>
-          </a:p>
-          <a:p>
-            <a:endParaRPr lang="en-US" dirty="0"/>
-          </a:p>
-        </p:txBody>
-      </p:sp>
-    </p:spTree>
-    <p:extLst>
-      <p:ext uri="{BB962C8B-B14F-4D97-AF65-F5344CB8AC3E}">
-        <p14:creationId xmlns:p14="http://schemas.microsoft.com/office/powerpoint/2010/main" val="2837863278"/>
-      </p:ext>
-    </p:extLst>
-  </p:cSld>
-  <p:clrMapOvr>
-    <a:masterClrMapping/>
-  </p:clrMapOvr>
-  <p:timing>
-    <p:tnLst>
-      <p:par>
-        <p:cTn id="1" dur="indefinite" restart="never" nodeType="tmRoot"/>
-      </p:par>
-    </p:tnLst>
-  </p:timing>
-</p:sld>
-</file>
-
-<file path=ppt/slides/slide37.xml><?xml version="1.0" encoding="utf-8"?>
-<p:sld xmlns:a="http://schemas.openxmlformats.org/drawingml/2006/main" xmlns:r="http://schemas.openxmlformats.org/officeDocument/2006/relationships" xmlns:p="http://schemas.openxmlformats.org/presentationml/2006/main">
-  <p:cSld>
-    <p:spTree>
-      <p:nvGrpSpPr>
-        <p:cNvPr id="1" name=""/>
-        <p:cNvGrpSpPr/>
-        <p:nvPr/>
-      </p:nvGrpSpPr>
-      <p:grpSpPr>
-        <a:xfrm>
-          <a:off x="0" y="0"/>
-          <a:ext cx="0" cy="0"/>
-          <a:chOff x="0" y="0"/>
-          <a:chExt cx="0" cy="0"/>
-        </a:xfrm>
-      </p:grpSpPr>
-      <p:sp>
-        <p:nvSpPr>
-          <p:cNvPr id="2" name="Title 1"/>
-          <p:cNvSpPr>
-            <a:spLocks noGrp="1"/>
-          </p:cNvSpPr>
-          <p:nvPr>
-            <p:ph type="title"/>
-          </p:nvPr>
-        </p:nvSpPr>
-        <p:spPr/>
-        <p:txBody>
-          <a:bodyPr/>
-          <a:lstStyle/>
-          <a:p>
-            <a:r>
-              <a:rPr lang="en-US" dirty="0" smtClean="0"/>
-              <a:t>Working with multiple code files</a:t>
-            </a:r>
-            <a:endParaRPr lang="en-US" dirty="0"/>
-          </a:p>
-        </p:txBody>
-      </p:sp>
-      <p:sp>
-        <p:nvSpPr>
-          <p:cNvPr id="3" name="Content Placeholder 2"/>
-          <p:cNvSpPr>
-            <a:spLocks noGrp="1"/>
-          </p:cNvSpPr>
-          <p:nvPr>
-            <p:ph idx="1"/>
-          </p:nvPr>
-        </p:nvSpPr>
-        <p:spPr/>
-        <p:txBody>
-          <a:bodyPr/>
-          <a:lstStyle/>
-          <a:p>
-            <a:pPr marL="0" indent="0">
-              <a:buNone/>
-            </a:pPr>
-            <a:r>
-              <a:rPr lang="en-US" dirty="0" smtClean="0"/>
-              <a:t>#load “</a:t>
-            </a:r>
-            <a:r>
-              <a:rPr lang="en-US" dirty="0" err="1" smtClean="0"/>
-              <a:t>file.csx</a:t>
-            </a:r>
-            <a:r>
-              <a:rPr lang="en-US" dirty="0" smtClean="0"/>
-              <a:t>”</a:t>
-            </a:r>
-            <a:endParaRPr lang="en-US" dirty="0"/>
-          </a:p>
-        </p:txBody>
-      </p:sp>
-    </p:spTree>
-    <p:extLst>
-      <p:ext uri="{BB962C8B-B14F-4D97-AF65-F5344CB8AC3E}">
-        <p14:creationId xmlns:p14="http://schemas.microsoft.com/office/powerpoint/2010/main" val="2859547992"/>
-      </p:ext>
-    </p:extLst>
-  </p:cSld>
-  <p:clrMapOvr>
-    <a:masterClrMapping/>
-  </p:clrMapOvr>
   <p:timing>
     <p:tnLst>
       <p:par>
@@ -33101,7 +34145,7 @@
           <a:p>
             <a:r>
               <a:rPr lang="en-US" dirty="0" smtClean="0"/>
-              <a:t>Imperative Binding</a:t>
+              <a:t>Calling Other Functions</a:t>
             </a:r>
             <a:endParaRPr lang="en-US" dirty="0"/>
           </a:p>
@@ -33123,16 +34167,25 @@
           <a:lstStyle/>
           <a:p>
             <a:r>
-              <a:rPr lang="en-US" dirty="0"/>
-              <a:t>https://docs.microsoft.com/en-us/azure/azure-functions/functions-triggers-bindings#advanced-binding-at-runtime-imperative-binding</a:t>
-            </a:r>
+              <a:rPr lang="en-US" dirty="0" smtClean="0"/>
+              <a:t>Use an output trigger followed by that same trigger, but as an input trigger to the next function to trigger</a:t>
+            </a:r>
+          </a:p>
+          <a:p>
+            <a:r>
+              <a:rPr lang="en-US" dirty="0" smtClean="0"/>
+              <a:t>Must be inside same Function App</a:t>
+            </a:r>
+          </a:p>
+          <a:p>
+            <a:endParaRPr lang="en-US" dirty="0"/>
           </a:p>
         </p:txBody>
       </p:sp>
     </p:spTree>
     <p:extLst>
       <p:ext uri="{BB962C8B-B14F-4D97-AF65-F5344CB8AC3E}">
-        <p14:creationId xmlns:p14="http://schemas.microsoft.com/office/powerpoint/2010/main" val="4071425788"/>
+        <p14:creationId xmlns:p14="http://schemas.microsoft.com/office/powerpoint/2010/main" val="2837863278"/>
       </p:ext>
     </p:extLst>
   </p:cSld>
@@ -33183,8 +34236,167 @@
           <a:p>
             <a:r>
               <a:rPr lang="en-US" dirty="0" smtClean="0"/>
-              <a:t>Tools</a:t>
-            </a:r>
+              <a:t>Reusing .</a:t>
+            </a:r>
+            <a:r>
+              <a:rPr lang="en-US" dirty="0" err="1" smtClean="0"/>
+              <a:t>csx</a:t>
+            </a:r>
+            <a:r>
+              <a:rPr lang="en-US" dirty="0" smtClean="0"/>
+              <a:t> code</a:t>
+            </a:r>
+            <a:endParaRPr lang="en-US" dirty="0"/>
+          </a:p>
+        </p:txBody>
+      </p:sp>
+      <p:sp>
+        <p:nvSpPr>
+          <p:cNvPr id="3" name="Content Placeholder 2"/>
+          <p:cNvSpPr>
+            <a:spLocks noGrp="1"/>
+          </p:cNvSpPr>
+          <p:nvPr>
+            <p:ph idx="1"/>
+          </p:nvPr>
+        </p:nvSpPr>
+        <p:spPr/>
+        <p:txBody>
+          <a:bodyPr>
+            <a:normAutofit/>
+          </a:bodyPr>
+          <a:lstStyle/>
+          <a:p>
+            <a:pPr marL="0" indent="0">
+              <a:buNone/>
+            </a:pPr>
+            <a:r>
+              <a:rPr lang="en-US" dirty="0" smtClean="0"/>
+              <a:t>#load “</a:t>
+            </a:r>
+            <a:r>
+              <a:rPr lang="en-US" dirty="0" err="1" smtClean="0"/>
+              <a:t>file.csx</a:t>
+            </a:r>
+            <a:r>
+              <a:rPr lang="en-US" dirty="0" smtClean="0"/>
+              <a:t>”</a:t>
+            </a:r>
+          </a:p>
+          <a:p>
+            <a:pPr marL="0" indent="0">
+              <a:buNone/>
+            </a:pPr>
+            <a:r>
+              <a:rPr lang="en-US" dirty="0" smtClean="0"/>
+              <a:t>load classes, or functions</a:t>
+            </a:r>
+          </a:p>
+          <a:p>
+            <a:pPr marL="0" indent="0">
+              <a:buNone/>
+            </a:pPr>
+            <a:r>
+              <a:rPr lang="en-US" dirty="0"/>
+              <a:t>You can use a relative path with the #load directive:</a:t>
+            </a:r>
+          </a:p>
+          <a:p>
+            <a:pPr marL="0" indent="0">
+              <a:buNone/>
+            </a:pPr>
+            <a:endParaRPr lang="en-US" dirty="0"/>
+          </a:p>
+          <a:p>
+            <a:pPr marL="0" indent="0">
+              <a:buNone/>
+            </a:pPr>
+            <a:r>
+              <a:rPr lang="en-US" dirty="0"/>
+              <a:t>#load </a:t>
+            </a:r>
+            <a:r>
+              <a:rPr lang="en-US" dirty="0" smtClean="0"/>
+              <a:t>“</a:t>
+            </a:r>
+            <a:r>
+              <a:rPr lang="en-US" dirty="0" err="1" smtClean="0"/>
+              <a:t>file.csx</a:t>
+            </a:r>
+            <a:r>
+              <a:rPr lang="en-US" dirty="0"/>
+              <a:t>" loads a file located in the function folder.</a:t>
+            </a:r>
+          </a:p>
+          <a:p>
+            <a:pPr marL="0" indent="0">
+              <a:buNone/>
+            </a:pPr>
+            <a:r>
+              <a:rPr lang="en-US" dirty="0"/>
+              <a:t>#load </a:t>
+            </a:r>
+            <a:r>
+              <a:rPr lang="en-US" dirty="0" smtClean="0"/>
+              <a:t>“shared\</a:t>
+            </a:r>
+            <a:r>
+              <a:rPr lang="en-US" dirty="0" err="1" smtClean="0"/>
+              <a:t>file.csx</a:t>
+            </a:r>
+            <a:r>
+              <a:rPr lang="en-US" dirty="0"/>
+              <a:t>" loads a file located in </a:t>
+            </a:r>
+            <a:r>
+              <a:rPr lang="en-US" dirty="0" smtClean="0"/>
+              <a:t>the shared folder in </a:t>
+            </a:r>
+            <a:r>
+              <a:rPr lang="en-US" dirty="0"/>
+              <a:t>the function folder.</a:t>
+            </a:r>
+          </a:p>
+          <a:p>
+            <a:pPr marL="0" indent="0">
+              <a:buNone/>
+            </a:pPr>
+            <a:r>
+              <a:rPr lang="en-US" dirty="0"/>
+              <a:t>#load "..\</a:t>
+            </a:r>
+            <a:r>
+              <a:rPr lang="en-US" dirty="0" smtClean="0"/>
+              <a:t>shared\</a:t>
+            </a:r>
+            <a:r>
+              <a:rPr lang="en-US" dirty="0" err="1" smtClean="0"/>
+              <a:t>folder.csx</a:t>
+            </a:r>
+            <a:r>
+              <a:rPr lang="en-US" dirty="0"/>
+              <a:t>" loads a file located in a folder at the same level as the function folder, that is, directly under </a:t>
+            </a:r>
+            <a:r>
+              <a:rPr lang="en-US" dirty="0" err="1"/>
+              <a:t>wwwroot</a:t>
+            </a:r>
+            <a:r>
+              <a:rPr lang="en-US" dirty="0"/>
+              <a:t>.</a:t>
+            </a:r>
+            <a:endParaRPr lang="en-US" dirty="0" smtClean="0"/>
+          </a:p>
+          <a:p>
+            <a:pPr marL="0" indent="0">
+              <a:buNone/>
+            </a:pPr>
+            <a:endParaRPr lang="en-US" dirty="0" smtClean="0"/>
+          </a:p>
+          <a:p>
+            <a:pPr marL="0" indent="0">
+              <a:buNone/>
+            </a:pPr>
             <a:endParaRPr lang="en-US" dirty="0"/>
           </a:p>
         </p:txBody>
@@ -33192,16 +34404,13 @@
     </p:spTree>
     <p:extLst>
       <p:ext uri="{BB962C8B-B14F-4D97-AF65-F5344CB8AC3E}">
-        <p14:creationId xmlns:p14="http://schemas.microsoft.com/office/powerpoint/2010/main" val="399997008"/>
+        <p14:creationId xmlns:p14="http://schemas.microsoft.com/office/powerpoint/2010/main" val="2859547992"/>
       </p:ext>
     </p:extLst>
   </p:cSld>
   <p:clrMapOvr>
     <a:masterClrMapping/>
   </p:clrMapOvr>
-  <p:transition>
-    <p:fade/>
-  </p:transition>
   <p:timing>
     <p:tnLst>
       <p:par>
@@ -33313,6 +34522,472 @@
 </file>
 
 <file path=ppt/slides/slide40.xml><?xml version="1.0" encoding="utf-8"?>
+<p:sld xmlns:a="http://schemas.openxmlformats.org/drawingml/2006/main" xmlns:r="http://schemas.openxmlformats.org/officeDocument/2006/relationships" xmlns:p="http://schemas.openxmlformats.org/presentationml/2006/main">
+  <p:cSld>
+    <p:spTree>
+      <p:nvGrpSpPr>
+        <p:cNvPr id="1" name=""/>
+        <p:cNvGrpSpPr/>
+        <p:nvPr/>
+      </p:nvGrpSpPr>
+      <p:grpSpPr>
+        <a:xfrm>
+          <a:off x="0" y="0"/>
+          <a:ext cx="0" cy="0"/>
+          <a:chOff x="0" y="0"/>
+          <a:chExt cx="0" cy="0"/>
+        </a:xfrm>
+      </p:grpSpPr>
+      <p:sp>
+        <p:nvSpPr>
+          <p:cNvPr id="2" name="Title 1"/>
+          <p:cNvSpPr>
+            <a:spLocks noGrp="1"/>
+          </p:cNvSpPr>
+          <p:nvPr>
+            <p:ph type="title"/>
+          </p:nvPr>
+        </p:nvSpPr>
+        <p:spPr/>
+        <p:txBody>
+          <a:bodyPr/>
+          <a:lstStyle/>
+          <a:p>
+            <a:r>
+              <a:rPr lang="en-US" dirty="0" smtClean="0"/>
+              <a:t>Imperative Binding</a:t>
+            </a:r>
+            <a:endParaRPr lang="en-US" dirty="0"/>
+          </a:p>
+        </p:txBody>
+      </p:sp>
+      <p:sp>
+        <p:nvSpPr>
+          <p:cNvPr id="3" name="Content Placeholder 2"/>
+          <p:cNvSpPr>
+            <a:spLocks noGrp="1"/>
+          </p:cNvSpPr>
+          <p:nvPr>
+            <p:ph idx="1"/>
+          </p:nvPr>
+        </p:nvSpPr>
+        <p:spPr/>
+        <p:txBody>
+          <a:bodyPr/>
+          <a:lstStyle/>
+          <a:p>
+            <a:r>
+              <a:rPr lang="en-US" dirty="0"/>
+              <a:t>https://docs.microsoft.com/en-us/azure/azure-functions/functions-triggers-bindings#advanced-binding-at-runtime-imperative-binding</a:t>
+            </a:r>
+          </a:p>
+        </p:txBody>
+      </p:sp>
+    </p:spTree>
+    <p:extLst>
+      <p:ext uri="{BB962C8B-B14F-4D97-AF65-F5344CB8AC3E}">
+        <p14:creationId xmlns:p14="http://schemas.microsoft.com/office/powerpoint/2010/main" val="4071425788"/>
+      </p:ext>
+    </p:extLst>
+  </p:cSld>
+  <p:clrMapOvr>
+    <a:masterClrMapping/>
+  </p:clrMapOvr>
+  <p:timing>
+    <p:tnLst>
+      <p:par>
+        <p:cTn id="1" dur="indefinite" restart="never" nodeType="tmRoot"/>
+      </p:par>
+    </p:tnLst>
+  </p:timing>
+</p:sld>
+</file>
+
+<file path=ppt/slides/slide41.xml><?xml version="1.0" encoding="utf-8"?>
+<p:sld xmlns:a="http://schemas.openxmlformats.org/drawingml/2006/main" xmlns:r="http://schemas.openxmlformats.org/officeDocument/2006/relationships" xmlns:p="http://schemas.openxmlformats.org/presentationml/2006/main">
+  <p:cSld>
+    <p:spTree>
+      <p:nvGrpSpPr>
+        <p:cNvPr id="1" name=""/>
+        <p:cNvGrpSpPr/>
+        <p:nvPr/>
+      </p:nvGrpSpPr>
+      <p:grpSpPr>
+        <a:xfrm>
+          <a:off x="0" y="0"/>
+          <a:ext cx="0" cy="0"/>
+          <a:chOff x="0" y="0"/>
+          <a:chExt cx="0" cy="0"/>
+        </a:xfrm>
+      </p:grpSpPr>
+      <p:sp>
+        <p:nvSpPr>
+          <p:cNvPr id="2" name="Title 1"/>
+          <p:cNvSpPr>
+            <a:spLocks noGrp="1"/>
+          </p:cNvSpPr>
+          <p:nvPr>
+            <p:ph type="title"/>
+          </p:nvPr>
+        </p:nvSpPr>
+        <p:spPr/>
+        <p:txBody>
+          <a:bodyPr/>
+          <a:lstStyle/>
+          <a:p>
+            <a:r>
+              <a:rPr lang="en-US" dirty="0" smtClean="0"/>
+              <a:t>Environment Variables</a:t>
+            </a:r>
+            <a:endParaRPr lang="en-US" dirty="0"/>
+          </a:p>
+        </p:txBody>
+      </p:sp>
+      <p:sp>
+        <p:nvSpPr>
+          <p:cNvPr id="3" name="Content Placeholder 2"/>
+          <p:cNvSpPr>
+            <a:spLocks noGrp="1"/>
+          </p:cNvSpPr>
+          <p:nvPr>
+            <p:ph idx="1"/>
+          </p:nvPr>
+        </p:nvSpPr>
+        <p:spPr/>
+        <p:txBody>
+          <a:bodyPr>
+            <a:normAutofit fontScale="47500" lnSpcReduction="20000"/>
+          </a:bodyPr>
+          <a:lstStyle/>
+          <a:p>
+            <a:pPr marL="0" indent="0">
+              <a:buNone/>
+            </a:pPr>
+            <a:r>
+              <a:rPr lang="en-US" dirty="0"/>
+              <a:t>To get an environment variable or an app setting value, use </a:t>
+            </a:r>
+            <a:r>
+              <a:rPr lang="en-US" dirty="0" err="1"/>
+              <a:t>System.Environment.GetEnvironmentVariable</a:t>
+            </a:r>
+            <a:r>
+              <a:rPr lang="en-US" dirty="0"/>
+              <a:t>, as shown in the following code example:+</a:t>
+            </a:r>
+          </a:p>
+          <a:p>
+            <a:pPr marL="0" indent="0">
+              <a:buNone/>
+            </a:pPr>
+            <a:endParaRPr lang="en-US" dirty="0"/>
+          </a:p>
+          <a:p>
+            <a:pPr marL="0" indent="0">
+              <a:buNone/>
+            </a:pPr>
+            <a:r>
+              <a:rPr lang="en-US" dirty="0"/>
+              <a:t>Copy</a:t>
+            </a:r>
+          </a:p>
+          <a:p>
+            <a:pPr marL="0" indent="0">
+              <a:buNone/>
+            </a:pPr>
+            <a:r>
+              <a:rPr lang="en-US" dirty="0"/>
+              <a:t>C#</a:t>
+            </a:r>
+          </a:p>
+          <a:p>
+            <a:pPr marL="0" indent="0">
+              <a:buNone/>
+            </a:pPr>
+            <a:r>
+              <a:rPr lang="en-US" dirty="0"/>
+              <a:t>public static void Run(</a:t>
+            </a:r>
+            <a:r>
+              <a:rPr lang="en-US" dirty="0" err="1"/>
+              <a:t>TimerInfo</a:t>
+            </a:r>
+            <a:r>
+              <a:rPr lang="en-US" dirty="0"/>
+              <a:t> </a:t>
+            </a:r>
+            <a:r>
+              <a:rPr lang="en-US" dirty="0" err="1"/>
+              <a:t>myTimer</a:t>
+            </a:r>
+            <a:r>
+              <a:rPr lang="en-US" dirty="0"/>
+              <a:t>, </a:t>
+            </a:r>
+            <a:r>
+              <a:rPr lang="en-US" dirty="0" err="1"/>
+              <a:t>TraceWriter</a:t>
+            </a:r>
+            <a:r>
+              <a:rPr lang="en-US" dirty="0"/>
+              <a:t> log)</a:t>
+            </a:r>
+          </a:p>
+          <a:p>
+            <a:pPr marL="0" indent="0">
+              <a:buNone/>
+            </a:pPr>
+            <a:r>
+              <a:rPr lang="en-US" dirty="0"/>
+              <a:t>{</a:t>
+            </a:r>
+          </a:p>
+          <a:p>
+            <a:pPr marL="0" indent="0">
+              <a:buNone/>
+            </a:pPr>
+            <a:r>
+              <a:rPr lang="en-US" dirty="0"/>
+              <a:t>    </a:t>
+            </a:r>
+            <a:r>
+              <a:rPr lang="en-US" dirty="0" err="1"/>
+              <a:t>log.Info</a:t>
+            </a:r>
+            <a:r>
+              <a:rPr lang="en-US" dirty="0"/>
+              <a:t>($"C# Timer trigger function executed at: {</a:t>
+            </a:r>
+            <a:r>
+              <a:rPr lang="en-US" dirty="0" err="1"/>
+              <a:t>DateTime.Now</a:t>
+            </a:r>
+            <a:r>
+              <a:rPr lang="en-US" dirty="0"/>
+              <a:t>}");</a:t>
+            </a:r>
+          </a:p>
+          <a:p>
+            <a:pPr marL="0" indent="0">
+              <a:buNone/>
+            </a:pPr>
+            <a:r>
+              <a:rPr lang="en-US" dirty="0"/>
+              <a:t>    </a:t>
+            </a:r>
+            <a:r>
+              <a:rPr lang="en-US" dirty="0" err="1"/>
+              <a:t>log.Info</a:t>
+            </a:r>
+            <a:r>
+              <a:rPr lang="en-US" dirty="0"/>
+              <a:t>(</a:t>
+            </a:r>
+            <a:r>
+              <a:rPr lang="en-US" dirty="0" err="1"/>
+              <a:t>GetEnvironmentVariable</a:t>
+            </a:r>
+            <a:r>
+              <a:rPr lang="en-US" dirty="0"/>
+              <a:t>("</a:t>
+            </a:r>
+            <a:r>
+              <a:rPr lang="en-US" dirty="0" err="1"/>
+              <a:t>AzureWebJobsStorage</a:t>
+            </a:r>
+            <a:r>
+              <a:rPr lang="en-US" dirty="0"/>
+              <a:t>"));</a:t>
+            </a:r>
+          </a:p>
+          <a:p>
+            <a:pPr marL="0" indent="0">
+              <a:buNone/>
+            </a:pPr>
+            <a:r>
+              <a:rPr lang="en-US" dirty="0"/>
+              <a:t>    </a:t>
+            </a:r>
+            <a:r>
+              <a:rPr lang="en-US" dirty="0" err="1"/>
+              <a:t>log.Info</a:t>
+            </a:r>
+            <a:r>
+              <a:rPr lang="en-US" dirty="0"/>
+              <a:t>(</a:t>
+            </a:r>
+            <a:r>
+              <a:rPr lang="en-US" dirty="0" err="1"/>
+              <a:t>GetEnvironmentVariable</a:t>
+            </a:r>
+            <a:r>
+              <a:rPr lang="en-US" dirty="0"/>
+              <a:t>("WEBSITE_SITE_NAME"));</a:t>
+            </a:r>
+          </a:p>
+          <a:p>
+            <a:pPr marL="0" indent="0">
+              <a:buNone/>
+            </a:pPr>
+            <a:r>
+              <a:rPr lang="en-US" dirty="0"/>
+              <a:t>}</a:t>
+            </a:r>
+          </a:p>
+          <a:p>
+            <a:pPr marL="0" indent="0">
+              <a:buNone/>
+            </a:pPr>
+            <a:endParaRPr lang="en-US" dirty="0"/>
+          </a:p>
+          <a:p>
+            <a:pPr marL="0" indent="0">
+              <a:buNone/>
+            </a:pPr>
+            <a:r>
+              <a:rPr lang="en-US" dirty="0"/>
+              <a:t>public static string </a:t>
+            </a:r>
+            <a:r>
+              <a:rPr lang="en-US" dirty="0" err="1"/>
+              <a:t>GetEnvironmentVariable</a:t>
+            </a:r>
+            <a:r>
+              <a:rPr lang="en-US" dirty="0"/>
+              <a:t>(string name)</a:t>
+            </a:r>
+          </a:p>
+          <a:p>
+            <a:pPr marL="0" indent="0">
+              <a:buNone/>
+            </a:pPr>
+            <a:r>
+              <a:rPr lang="en-US" dirty="0"/>
+              <a:t>{</a:t>
+            </a:r>
+          </a:p>
+          <a:p>
+            <a:pPr marL="0" indent="0">
+              <a:buNone/>
+            </a:pPr>
+            <a:r>
+              <a:rPr lang="en-US" dirty="0"/>
+              <a:t>    return name + ": " + </a:t>
+            </a:r>
+          </a:p>
+          <a:p>
+            <a:pPr marL="0" indent="0">
+              <a:buNone/>
+            </a:pPr>
+            <a:r>
+              <a:rPr lang="en-US" dirty="0"/>
+              <a:t>        </a:t>
+            </a:r>
+            <a:r>
+              <a:rPr lang="en-US" dirty="0" err="1"/>
+              <a:t>System.Environment.GetEnvironmentVariable</a:t>
+            </a:r>
+            <a:r>
+              <a:rPr lang="en-US" dirty="0"/>
+              <a:t>(name, </a:t>
+            </a:r>
+            <a:r>
+              <a:rPr lang="en-US" dirty="0" err="1"/>
+              <a:t>EnvironmentVariableTarget.Process</a:t>
+            </a:r>
+            <a:r>
+              <a:rPr lang="en-US" dirty="0"/>
+              <a:t>);</a:t>
+            </a:r>
+          </a:p>
+          <a:p>
+            <a:pPr marL="0" indent="0">
+              <a:buNone/>
+            </a:pPr>
+            <a:r>
+              <a:rPr lang="en-US" dirty="0"/>
+              <a:t>}</a:t>
+            </a:r>
+          </a:p>
+        </p:txBody>
+      </p:sp>
+    </p:spTree>
+    <p:extLst>
+      <p:ext uri="{BB962C8B-B14F-4D97-AF65-F5344CB8AC3E}">
+        <p14:creationId xmlns:p14="http://schemas.microsoft.com/office/powerpoint/2010/main" val="1722174988"/>
+      </p:ext>
+    </p:extLst>
+  </p:cSld>
+  <p:clrMapOvr>
+    <a:masterClrMapping/>
+  </p:clrMapOvr>
+</p:sld>
+</file>
+
+<file path=ppt/slides/slide42.xml><?xml version="1.0" encoding="utf-8"?>
+<p:sld xmlns:a="http://schemas.openxmlformats.org/drawingml/2006/main" xmlns:r="http://schemas.openxmlformats.org/officeDocument/2006/relationships" xmlns:p="http://schemas.openxmlformats.org/presentationml/2006/main">
+  <p:cSld>
+    <p:spTree>
+      <p:nvGrpSpPr>
+        <p:cNvPr id="1" name=""/>
+        <p:cNvGrpSpPr/>
+        <p:nvPr/>
+      </p:nvGrpSpPr>
+      <p:grpSpPr>
+        <a:xfrm>
+          <a:off x="0" y="0"/>
+          <a:ext cx="0" cy="0"/>
+          <a:chOff x="0" y="0"/>
+          <a:chExt cx="0" cy="0"/>
+        </a:xfrm>
+      </p:grpSpPr>
+      <p:sp>
+        <p:nvSpPr>
+          <p:cNvPr id="2" name="Title 1"/>
+          <p:cNvSpPr>
+            <a:spLocks noGrp="1"/>
+          </p:cNvSpPr>
+          <p:nvPr>
+            <p:ph type="title"/>
+          </p:nvPr>
+        </p:nvSpPr>
+        <p:spPr/>
+        <p:txBody>
+          <a:bodyPr/>
+          <a:lstStyle/>
+          <a:p>
+            <a:r>
+              <a:rPr lang="en-US" dirty="0" smtClean="0"/>
+              <a:t>Tools</a:t>
+            </a:r>
+            <a:endParaRPr lang="en-US" dirty="0"/>
+          </a:p>
+        </p:txBody>
+      </p:sp>
+    </p:spTree>
+    <p:extLst>
+      <p:ext uri="{BB962C8B-B14F-4D97-AF65-F5344CB8AC3E}">
+        <p14:creationId xmlns:p14="http://schemas.microsoft.com/office/powerpoint/2010/main" val="399997008"/>
+      </p:ext>
+    </p:extLst>
+  </p:cSld>
+  <p:clrMapOvr>
+    <a:masterClrMapping/>
+  </p:clrMapOvr>
+  <p:transition>
+    <p:fade/>
+  </p:transition>
+  <p:timing>
+    <p:tnLst>
+      <p:par>
+        <p:cTn id="1" dur="indefinite" restart="never" nodeType="tmRoot"/>
+      </p:par>
+    </p:tnLst>
+  </p:timing>
+</p:sld>
+</file>
+
+<file path=ppt/slides/slide43.xml><?xml version="1.0" encoding="utf-8"?>
 <p:sld xmlns:a="http://schemas.openxmlformats.org/drawingml/2006/main" xmlns:r="http://schemas.openxmlformats.org/officeDocument/2006/relationships" xmlns:p="http://schemas.openxmlformats.org/presentationml/2006/main">
   <p:cSld>
     <p:spTree>
@@ -33751,7 +35426,7 @@
 </p:sld>
 </file>
 
-<file path=ppt/slides/slide41.xml><?xml version="1.0" encoding="utf-8"?>
+<file path=ppt/slides/slide44.xml><?xml version="1.0" encoding="utf-8"?>
 <p:sld xmlns:a="http://schemas.openxmlformats.org/drawingml/2006/main" xmlns:r="http://schemas.openxmlformats.org/officeDocument/2006/relationships" xmlns:p="http://schemas.openxmlformats.org/presentationml/2006/main">
   <p:cSld>
     <p:spTree>
@@ -33848,7 +35523,7 @@
 </p:sld>
 </file>
 
-<file path=ppt/slides/slide42.xml><?xml version="1.0" encoding="utf-8"?>
+<file path=ppt/slides/slide45.xml><?xml version="1.0" encoding="utf-8"?>
 <p:sld xmlns:a="http://schemas.openxmlformats.org/drawingml/2006/main" xmlns:r="http://schemas.openxmlformats.org/officeDocument/2006/relationships" xmlns:p="http://schemas.openxmlformats.org/presentationml/2006/main">
   <p:cSld>
     <p:spTree>
@@ -34013,7 +35688,7 @@
 </p:sld>
 </file>
 
-<file path=ppt/slides/slide43.xml><?xml version="1.0" encoding="utf-8"?>
+<file path=ppt/slides/slide46.xml><?xml version="1.0" encoding="utf-8"?>
 <p:sld xmlns:a="http://schemas.openxmlformats.org/drawingml/2006/main" xmlns:r="http://schemas.openxmlformats.org/officeDocument/2006/relationships" xmlns:p="http://schemas.openxmlformats.org/presentationml/2006/main">
   <p:cSld>
     <p:spTree>
@@ -34297,302 +35972,6 @@
 </p:sld>
 </file>
 
-<file path=ppt/slides/slide44.xml><?xml version="1.0" encoding="utf-8"?>
-<p:sld xmlns:a="http://schemas.openxmlformats.org/drawingml/2006/main" xmlns:r="http://schemas.openxmlformats.org/officeDocument/2006/relationships" xmlns:p="http://schemas.openxmlformats.org/presentationml/2006/main">
-  <p:cSld>
-    <p:spTree>
-      <p:nvGrpSpPr>
-        <p:cNvPr id="1" name=""/>
-        <p:cNvGrpSpPr/>
-        <p:nvPr/>
-      </p:nvGrpSpPr>
-      <p:grpSpPr>
-        <a:xfrm>
-          <a:off x="0" y="0"/>
-          <a:ext cx="0" cy="0"/>
-          <a:chOff x="0" y="0"/>
-          <a:chExt cx="0" cy="0"/>
-        </a:xfrm>
-      </p:grpSpPr>
-      <p:sp>
-        <p:nvSpPr>
-          <p:cNvPr id="2" name="Title 1"/>
-          <p:cNvSpPr>
-            <a:spLocks noGrp="1"/>
-          </p:cNvSpPr>
-          <p:nvPr>
-            <p:ph type="title"/>
-          </p:nvPr>
-        </p:nvSpPr>
-        <p:spPr/>
-        <p:txBody>
-          <a:bodyPr/>
-          <a:lstStyle/>
-          <a:p>
-            <a:r>
-              <a:rPr lang="en-US" dirty="0" smtClean="0"/>
-              <a:t>Scaling &amp; Best Practices</a:t>
-            </a:r>
-            <a:endParaRPr lang="en-US" dirty="0"/>
-          </a:p>
-        </p:txBody>
-      </p:sp>
-    </p:spTree>
-    <p:extLst>
-      <p:ext uri="{BB962C8B-B14F-4D97-AF65-F5344CB8AC3E}">
-        <p14:creationId xmlns:p14="http://schemas.microsoft.com/office/powerpoint/2010/main" val="2736756800"/>
-      </p:ext>
-    </p:extLst>
-  </p:cSld>
-  <p:clrMapOvr>
-    <a:masterClrMapping/>
-  </p:clrMapOvr>
-  <p:transition>
-    <p:fade/>
-  </p:transition>
-  <p:timing>
-    <p:tnLst>
-      <p:par>
-        <p:cTn id="1" dur="indefinite" restart="never" nodeType="tmRoot"/>
-      </p:par>
-    </p:tnLst>
-  </p:timing>
-</p:sld>
-</file>
-
-<file path=ppt/slides/slide45.xml><?xml version="1.0" encoding="utf-8"?>
-<p:sld xmlns:a="http://schemas.openxmlformats.org/drawingml/2006/main" xmlns:r="http://schemas.openxmlformats.org/officeDocument/2006/relationships" xmlns:p="http://schemas.openxmlformats.org/presentationml/2006/main">
-  <p:cSld>
-    <p:spTree>
-      <p:nvGrpSpPr>
-        <p:cNvPr id="1" name=""/>
-        <p:cNvGrpSpPr/>
-        <p:nvPr/>
-      </p:nvGrpSpPr>
-      <p:grpSpPr>
-        <a:xfrm>
-          <a:off x="0" y="0"/>
-          <a:ext cx="0" cy="0"/>
-          <a:chOff x="0" y="0"/>
-          <a:chExt cx="0" cy="0"/>
-        </a:xfrm>
-      </p:grpSpPr>
-      <p:sp>
-        <p:nvSpPr>
-          <p:cNvPr id="2" name="Title 1"/>
-          <p:cNvSpPr>
-            <a:spLocks noGrp="1"/>
-          </p:cNvSpPr>
-          <p:nvPr>
-            <p:ph type="title"/>
-          </p:nvPr>
-        </p:nvSpPr>
-        <p:spPr/>
-        <p:txBody>
-          <a:bodyPr/>
-          <a:lstStyle/>
-          <a:p>
-            <a:r>
-              <a:rPr lang="en-US" dirty="0" smtClean="0"/>
-              <a:t>Managing Workloads/Scaling</a:t>
-            </a:r>
-            <a:endParaRPr lang="en-US" dirty="0"/>
-          </a:p>
-        </p:txBody>
-      </p:sp>
-      <p:sp>
-        <p:nvSpPr>
-          <p:cNvPr id="3" name="Content Placeholder 2"/>
-          <p:cNvSpPr>
-            <a:spLocks noGrp="1"/>
-          </p:cNvSpPr>
-          <p:nvPr>
-            <p:ph idx="1"/>
-          </p:nvPr>
-        </p:nvSpPr>
-        <p:spPr/>
-        <p:txBody>
-          <a:bodyPr/>
-          <a:lstStyle/>
-          <a:p>
-            <a:r>
-              <a:rPr lang="en-US" dirty="0" smtClean="0"/>
-              <a:t>Keep functions idempotent and stateless</a:t>
-            </a:r>
-          </a:p>
-          <a:p>
-            <a:r>
-              <a:rPr lang="en-US" dirty="0" err="1" smtClean="0"/>
-              <a:t>Async</a:t>
-            </a:r>
-            <a:r>
-              <a:rPr lang="en-US" dirty="0" smtClean="0"/>
-              <a:t> is best but avoid </a:t>
-            </a:r>
-            <a:r>
-              <a:rPr lang="en-US" dirty="0" err="1" smtClean="0"/>
-              <a:t>Task.Result</a:t>
-            </a:r>
-            <a:endParaRPr lang="en-US" dirty="0" smtClean="0"/>
-          </a:p>
-          <a:p>
-            <a:r>
-              <a:rPr lang="en-US" dirty="0" smtClean="0"/>
-              <a:t>Avoid long running functions</a:t>
-            </a:r>
-          </a:p>
-          <a:p>
-            <a:r>
-              <a:rPr lang="en-US" dirty="0" smtClean="0"/>
-              <a:t>Queues are best for cross function communication</a:t>
-            </a:r>
-          </a:p>
-          <a:p>
-            <a:r>
-              <a:rPr lang="en-US" dirty="0" smtClean="0"/>
-              <a:t>Code in exception management</a:t>
-            </a:r>
-          </a:p>
-          <a:p>
-            <a:endParaRPr lang="en-US" dirty="0" smtClean="0"/>
-          </a:p>
-          <a:p>
-            <a:endParaRPr lang="en-US" dirty="0"/>
-          </a:p>
-        </p:txBody>
-      </p:sp>
-    </p:spTree>
-    <p:extLst>
-      <p:ext uri="{BB962C8B-B14F-4D97-AF65-F5344CB8AC3E}">
-        <p14:creationId xmlns:p14="http://schemas.microsoft.com/office/powerpoint/2010/main" val="1789099942"/>
-      </p:ext>
-    </p:extLst>
-  </p:cSld>
-  <p:clrMapOvr>
-    <a:masterClrMapping/>
-  </p:clrMapOvr>
-  <p:timing>
-    <p:tnLst>
-      <p:par>
-        <p:cTn id="1" dur="indefinite" restart="never" nodeType="tmRoot"/>
-      </p:par>
-    </p:tnLst>
-  </p:timing>
-</p:sld>
-</file>
-
-<file path=ppt/slides/slide46.xml><?xml version="1.0" encoding="utf-8"?>
-<p:sld xmlns:a="http://schemas.openxmlformats.org/drawingml/2006/main" xmlns:r="http://schemas.openxmlformats.org/officeDocument/2006/relationships" xmlns:p="http://schemas.openxmlformats.org/presentationml/2006/main">
-  <p:cSld>
-    <p:spTree>
-      <p:nvGrpSpPr>
-        <p:cNvPr id="1" name=""/>
-        <p:cNvGrpSpPr/>
-        <p:nvPr/>
-      </p:nvGrpSpPr>
-      <p:grpSpPr>
-        <a:xfrm>
-          <a:off x="0" y="0"/>
-          <a:ext cx="0" cy="0"/>
-          <a:chOff x="0" y="0"/>
-          <a:chExt cx="0" cy="0"/>
-        </a:xfrm>
-      </p:grpSpPr>
-      <p:sp>
-        <p:nvSpPr>
-          <p:cNvPr id="2" name="Title 1"/>
-          <p:cNvSpPr>
-            <a:spLocks noGrp="1"/>
-          </p:cNvSpPr>
-          <p:nvPr>
-            <p:ph type="title"/>
-          </p:nvPr>
-        </p:nvSpPr>
-        <p:spPr/>
-        <p:txBody>
-          <a:bodyPr/>
-          <a:lstStyle/>
-          <a:p>
-            <a:r>
-              <a:rPr lang="en-US" dirty="0" smtClean="0"/>
-              <a:t>Best Practices</a:t>
-            </a:r>
-            <a:endParaRPr lang="en-US" dirty="0"/>
-          </a:p>
-        </p:txBody>
-      </p:sp>
-      <p:sp>
-        <p:nvSpPr>
-          <p:cNvPr id="3" name="Content Placeholder 2"/>
-          <p:cNvSpPr>
-            <a:spLocks noGrp="1"/>
-          </p:cNvSpPr>
-          <p:nvPr>
-            <p:ph idx="1"/>
-          </p:nvPr>
-        </p:nvSpPr>
-        <p:spPr/>
-        <p:txBody>
-          <a:bodyPr/>
-          <a:lstStyle/>
-          <a:p>
-            <a:r>
-              <a:rPr lang="en-US" dirty="0" smtClean="0"/>
-              <a:t>Small, fast-running functions</a:t>
-            </a:r>
-          </a:p>
-          <a:p>
-            <a:r>
-              <a:rPr lang="en-US" dirty="0" smtClean="0"/>
-              <a:t>Asynchronous &gt; Synchronous</a:t>
-            </a:r>
-          </a:p>
-          <a:p>
-            <a:r>
-              <a:rPr lang="en-US" dirty="0" smtClean="0"/>
-              <a:t>Caching and singletons (memory is shared between functions)</a:t>
-            </a:r>
-          </a:p>
-          <a:p>
-            <a:r>
-              <a:rPr lang="en-US" dirty="0" smtClean="0"/>
-              <a:t>Avoid disk operations (shared across functions)</a:t>
-            </a:r>
-          </a:p>
-          <a:p>
-            <a:r>
-              <a:rPr lang="en-US" dirty="0" smtClean="0"/>
-              <a:t>Use App Service guidelines</a:t>
-            </a:r>
-          </a:p>
-          <a:p>
-            <a:endParaRPr lang="en-US" dirty="0" smtClean="0"/>
-          </a:p>
-          <a:p>
-            <a:endParaRPr lang="en-US" dirty="0"/>
-          </a:p>
-        </p:txBody>
-      </p:sp>
-    </p:spTree>
-    <p:extLst>
-      <p:ext uri="{BB962C8B-B14F-4D97-AF65-F5344CB8AC3E}">
-        <p14:creationId xmlns:p14="http://schemas.microsoft.com/office/powerpoint/2010/main" val="3229966093"/>
-      </p:ext>
-    </p:extLst>
-  </p:cSld>
-  <p:clrMapOvr>
-    <a:masterClrMapping/>
-  </p:clrMapOvr>
-  <p:timing>
-    <p:tnLst>
-      <p:par>
-        <p:cTn id="1" dur="indefinite" restart="never" nodeType="tmRoot"/>
-      </p:par>
-    </p:tnLst>
-  </p:timing>
-</p:sld>
-</file>
-
 <file path=ppt/slides/slide47.xml><?xml version="1.0" encoding="utf-8"?>
 <p:sld xmlns:a="http://schemas.openxmlformats.org/drawingml/2006/main" xmlns:r="http://schemas.openxmlformats.org/officeDocument/2006/relationships" xmlns:p="http://schemas.openxmlformats.org/presentationml/2006/main">
   <p:cSld>
@@ -34627,6 +36006,392 @@
           <a:p>
             <a:r>
               <a:rPr lang="en-US" dirty="0" smtClean="0"/>
+              <a:t>Scaling &amp; Best Practices</a:t>
+            </a:r>
+            <a:endParaRPr lang="en-US" dirty="0"/>
+          </a:p>
+        </p:txBody>
+      </p:sp>
+    </p:spTree>
+    <p:extLst>
+      <p:ext uri="{BB962C8B-B14F-4D97-AF65-F5344CB8AC3E}">
+        <p14:creationId xmlns:p14="http://schemas.microsoft.com/office/powerpoint/2010/main" val="2736756800"/>
+      </p:ext>
+    </p:extLst>
+  </p:cSld>
+  <p:clrMapOvr>
+    <a:masterClrMapping/>
+  </p:clrMapOvr>
+  <p:transition>
+    <p:fade/>
+  </p:transition>
+  <p:timing>
+    <p:tnLst>
+      <p:par>
+        <p:cTn id="1" dur="indefinite" restart="never" nodeType="tmRoot"/>
+      </p:par>
+    </p:tnLst>
+  </p:timing>
+</p:sld>
+</file>
+
+<file path=ppt/slides/slide48.xml><?xml version="1.0" encoding="utf-8"?>
+<p:sld xmlns:a="http://schemas.openxmlformats.org/drawingml/2006/main" xmlns:r="http://schemas.openxmlformats.org/officeDocument/2006/relationships" xmlns:p="http://schemas.openxmlformats.org/presentationml/2006/main">
+  <p:cSld>
+    <p:spTree>
+      <p:nvGrpSpPr>
+        <p:cNvPr id="1" name=""/>
+        <p:cNvGrpSpPr/>
+        <p:nvPr/>
+      </p:nvGrpSpPr>
+      <p:grpSpPr>
+        <a:xfrm>
+          <a:off x="0" y="0"/>
+          <a:ext cx="0" cy="0"/>
+          <a:chOff x="0" y="0"/>
+          <a:chExt cx="0" cy="0"/>
+        </a:xfrm>
+      </p:grpSpPr>
+      <p:sp>
+        <p:nvSpPr>
+          <p:cNvPr id="2" name="Title 1"/>
+          <p:cNvSpPr>
+            <a:spLocks noGrp="1"/>
+          </p:cNvSpPr>
+          <p:nvPr>
+            <p:ph type="title"/>
+          </p:nvPr>
+        </p:nvSpPr>
+        <p:spPr/>
+        <p:txBody>
+          <a:bodyPr/>
+          <a:lstStyle/>
+          <a:p>
+            <a:r>
+              <a:rPr lang="en-US" dirty="0" smtClean="0"/>
+              <a:t>Managing Workloads/Scaling</a:t>
+            </a:r>
+            <a:endParaRPr lang="en-US" dirty="0"/>
+          </a:p>
+        </p:txBody>
+      </p:sp>
+      <p:sp>
+        <p:nvSpPr>
+          <p:cNvPr id="3" name="Content Placeholder 2"/>
+          <p:cNvSpPr>
+            <a:spLocks noGrp="1"/>
+          </p:cNvSpPr>
+          <p:nvPr>
+            <p:ph idx="1"/>
+          </p:nvPr>
+        </p:nvSpPr>
+        <p:spPr/>
+        <p:txBody>
+          <a:bodyPr/>
+          <a:lstStyle/>
+          <a:p>
+            <a:r>
+              <a:rPr lang="en-US" dirty="0" smtClean="0"/>
+              <a:t>Keep functions idempotent and stateless</a:t>
+            </a:r>
+          </a:p>
+          <a:p>
+            <a:r>
+              <a:rPr lang="en-US" dirty="0" err="1" smtClean="0"/>
+              <a:t>Async</a:t>
+            </a:r>
+            <a:r>
+              <a:rPr lang="en-US" dirty="0" smtClean="0"/>
+              <a:t> is best but avoid </a:t>
+            </a:r>
+            <a:r>
+              <a:rPr lang="en-US" dirty="0" err="1" smtClean="0"/>
+              <a:t>Task.Result</a:t>
+            </a:r>
+            <a:endParaRPr lang="en-US" dirty="0" smtClean="0"/>
+          </a:p>
+          <a:p>
+            <a:r>
+              <a:rPr lang="en-US" dirty="0" smtClean="0"/>
+              <a:t>Avoid long running functions</a:t>
+            </a:r>
+          </a:p>
+          <a:p>
+            <a:r>
+              <a:rPr lang="en-US" dirty="0" smtClean="0"/>
+              <a:t>Queues are best for cross function communication</a:t>
+            </a:r>
+          </a:p>
+          <a:p>
+            <a:r>
+              <a:rPr lang="en-US" dirty="0" smtClean="0"/>
+              <a:t>Code in exception management</a:t>
+            </a:r>
+          </a:p>
+          <a:p>
+            <a:endParaRPr lang="en-US" dirty="0" smtClean="0"/>
+          </a:p>
+          <a:p>
+            <a:endParaRPr lang="en-US" dirty="0"/>
+          </a:p>
+        </p:txBody>
+      </p:sp>
+    </p:spTree>
+    <p:extLst>
+      <p:ext uri="{BB962C8B-B14F-4D97-AF65-F5344CB8AC3E}">
+        <p14:creationId xmlns:p14="http://schemas.microsoft.com/office/powerpoint/2010/main" val="1789099942"/>
+      </p:ext>
+    </p:extLst>
+  </p:cSld>
+  <p:clrMapOvr>
+    <a:masterClrMapping/>
+  </p:clrMapOvr>
+  <p:timing>
+    <p:tnLst>
+      <p:par>
+        <p:cTn id="1" dur="indefinite" restart="never" nodeType="tmRoot"/>
+      </p:par>
+    </p:tnLst>
+  </p:timing>
+</p:sld>
+</file>
+
+<file path=ppt/slides/slide49.xml><?xml version="1.0" encoding="utf-8"?>
+<p:sld xmlns:a="http://schemas.openxmlformats.org/drawingml/2006/main" xmlns:r="http://schemas.openxmlformats.org/officeDocument/2006/relationships" xmlns:p="http://schemas.openxmlformats.org/presentationml/2006/main">
+  <p:cSld>
+    <p:spTree>
+      <p:nvGrpSpPr>
+        <p:cNvPr id="1" name=""/>
+        <p:cNvGrpSpPr/>
+        <p:nvPr/>
+      </p:nvGrpSpPr>
+      <p:grpSpPr>
+        <a:xfrm>
+          <a:off x="0" y="0"/>
+          <a:ext cx="0" cy="0"/>
+          <a:chOff x="0" y="0"/>
+          <a:chExt cx="0" cy="0"/>
+        </a:xfrm>
+      </p:grpSpPr>
+      <p:sp>
+        <p:nvSpPr>
+          <p:cNvPr id="2" name="Title 1"/>
+          <p:cNvSpPr>
+            <a:spLocks noGrp="1"/>
+          </p:cNvSpPr>
+          <p:nvPr>
+            <p:ph type="title"/>
+          </p:nvPr>
+        </p:nvSpPr>
+        <p:spPr/>
+        <p:txBody>
+          <a:bodyPr/>
+          <a:lstStyle/>
+          <a:p>
+            <a:r>
+              <a:rPr lang="en-US" dirty="0" smtClean="0"/>
+              <a:t>Best Practices</a:t>
+            </a:r>
+            <a:endParaRPr lang="en-US" dirty="0"/>
+          </a:p>
+        </p:txBody>
+      </p:sp>
+      <p:sp>
+        <p:nvSpPr>
+          <p:cNvPr id="3" name="Content Placeholder 2"/>
+          <p:cNvSpPr>
+            <a:spLocks noGrp="1"/>
+          </p:cNvSpPr>
+          <p:nvPr>
+            <p:ph idx="1"/>
+          </p:nvPr>
+        </p:nvSpPr>
+        <p:spPr/>
+        <p:txBody>
+          <a:bodyPr/>
+          <a:lstStyle/>
+          <a:p>
+            <a:r>
+              <a:rPr lang="en-US" dirty="0" smtClean="0"/>
+              <a:t>Small, fast-running functions</a:t>
+            </a:r>
+          </a:p>
+          <a:p>
+            <a:r>
+              <a:rPr lang="en-US" dirty="0" smtClean="0"/>
+              <a:t>Asynchronous &gt; Synchronous</a:t>
+            </a:r>
+          </a:p>
+          <a:p>
+            <a:r>
+              <a:rPr lang="en-US" dirty="0" smtClean="0"/>
+              <a:t>Caching and singletons (memory is shared between functions)</a:t>
+            </a:r>
+          </a:p>
+          <a:p>
+            <a:r>
+              <a:rPr lang="en-US" dirty="0" smtClean="0"/>
+              <a:t>Avoid disk operations (shared across functions)</a:t>
+            </a:r>
+          </a:p>
+          <a:p>
+            <a:r>
+              <a:rPr lang="en-US" dirty="0" smtClean="0"/>
+              <a:t>Use App Service guidelines</a:t>
+            </a:r>
+          </a:p>
+          <a:p>
+            <a:endParaRPr lang="en-US" dirty="0" smtClean="0"/>
+          </a:p>
+          <a:p>
+            <a:endParaRPr lang="en-US" dirty="0"/>
+          </a:p>
+        </p:txBody>
+      </p:sp>
+    </p:spTree>
+    <p:extLst>
+      <p:ext uri="{BB962C8B-B14F-4D97-AF65-F5344CB8AC3E}">
+        <p14:creationId xmlns:p14="http://schemas.microsoft.com/office/powerpoint/2010/main" val="3229966093"/>
+      </p:ext>
+    </p:extLst>
+  </p:cSld>
+  <p:clrMapOvr>
+    <a:masterClrMapping/>
+  </p:clrMapOvr>
+  <p:timing>
+    <p:tnLst>
+      <p:par>
+        <p:cTn id="1" dur="indefinite" restart="never" nodeType="tmRoot"/>
+      </p:par>
+    </p:tnLst>
+  </p:timing>
+</p:sld>
+</file>
+
+<file path=ppt/slides/slide5.xml><?xml version="1.0" encoding="utf-8"?>
+<p:sld xmlns:a="http://schemas.openxmlformats.org/drawingml/2006/main" xmlns:r="http://schemas.openxmlformats.org/officeDocument/2006/relationships" xmlns:p="http://schemas.openxmlformats.org/presentationml/2006/main">
+  <p:cSld>
+    <p:spTree>
+      <p:nvGrpSpPr>
+        <p:cNvPr id="1" name=""/>
+        <p:cNvGrpSpPr/>
+        <p:nvPr/>
+      </p:nvGrpSpPr>
+      <p:grpSpPr>
+        <a:xfrm>
+          <a:off x="0" y="0"/>
+          <a:ext cx="0" cy="0"/>
+          <a:chOff x="0" y="0"/>
+          <a:chExt cx="0" cy="0"/>
+        </a:xfrm>
+      </p:grpSpPr>
+      <p:pic>
+        <p:nvPicPr>
+          <p:cNvPr id="2" name="Picture 1"/>
+          <p:cNvPicPr>
+            <a:picLocks noChangeAspect="1"/>
+          </p:cNvPicPr>
+          <p:nvPr/>
+        </p:nvPicPr>
+        <p:blipFill>
+          <a:blip r:embed="rId2">
+            <a:extLst>
+              <a:ext uri="{28A0092B-C50C-407E-A947-70E740481C1C}">
+                <a14:useLocalDpi xmlns:a14="http://schemas.microsoft.com/office/drawing/2010/main" val="0"/>
+              </a:ext>
+            </a:extLst>
+          </a:blip>
+          <a:stretch>
+            <a:fillRect/>
+          </a:stretch>
+        </p:blipFill>
+        <p:spPr>
+          <a:xfrm>
+            <a:off x="2052521" y="1477768"/>
+            <a:ext cx="7827459" cy="5161586"/>
+          </a:xfrm>
+          <a:prstGeom prst="rect">
+            <a:avLst/>
+          </a:prstGeom>
+        </p:spPr>
+      </p:pic>
+      <p:sp>
+        <p:nvSpPr>
+          <p:cNvPr id="3" name="TextBox 2"/>
+          <p:cNvSpPr txBox="1"/>
+          <p:nvPr/>
+        </p:nvSpPr>
+        <p:spPr>
+          <a:xfrm>
+            <a:off x="646771" y="646771"/>
+            <a:ext cx="7530790" cy="830997"/>
+          </a:xfrm>
+          <a:prstGeom prst="rect">
+            <a:avLst/>
+          </a:prstGeom>
+          <a:noFill/>
+        </p:spPr>
+        <p:txBody>
+          <a:bodyPr wrap="square" rtlCol="0">
+            <a:spAutoFit/>
+          </a:bodyPr>
+          <a:lstStyle/>
+          <a:p>
+            <a:r>
+              <a:rPr lang="en-US" sz="4800" dirty="0" smtClean="0"/>
+              <a:t>The greatest thing since…</a:t>
+            </a:r>
+            <a:endParaRPr lang="en-US" sz="4800" dirty="0"/>
+          </a:p>
+        </p:txBody>
+      </p:sp>
+    </p:spTree>
+    <p:extLst>
+      <p:ext uri="{BB962C8B-B14F-4D97-AF65-F5344CB8AC3E}">
+        <p14:creationId xmlns:p14="http://schemas.microsoft.com/office/powerpoint/2010/main" val="2532183413"/>
+      </p:ext>
+    </p:extLst>
+  </p:cSld>
+  <p:clrMapOvr>
+    <a:masterClrMapping/>
+  </p:clrMapOvr>
+</p:sld>
+</file>
+
+<file path=ppt/slides/slide50.xml><?xml version="1.0" encoding="utf-8"?>
+<p:sld xmlns:a="http://schemas.openxmlformats.org/drawingml/2006/main" xmlns:r="http://schemas.openxmlformats.org/officeDocument/2006/relationships" xmlns:p="http://schemas.openxmlformats.org/presentationml/2006/main">
+  <p:cSld>
+    <p:spTree>
+      <p:nvGrpSpPr>
+        <p:cNvPr id="1" name=""/>
+        <p:cNvGrpSpPr/>
+        <p:nvPr/>
+      </p:nvGrpSpPr>
+      <p:grpSpPr>
+        <a:xfrm>
+          <a:off x="0" y="0"/>
+          <a:ext cx="0" cy="0"/>
+          <a:chOff x="0" y="0"/>
+          <a:chExt cx="0" cy="0"/>
+        </a:xfrm>
+      </p:grpSpPr>
+      <p:sp>
+        <p:nvSpPr>
+          <p:cNvPr id="2" name="Title 1"/>
+          <p:cNvSpPr>
+            <a:spLocks noGrp="1"/>
+          </p:cNvSpPr>
+          <p:nvPr>
+            <p:ph type="title"/>
+          </p:nvPr>
+        </p:nvSpPr>
+        <p:spPr/>
+        <p:txBody>
+          <a:bodyPr/>
+          <a:lstStyle/>
+          <a:p>
+            <a:r>
+              <a:rPr lang="en-US" dirty="0" smtClean="0"/>
               <a:t>Settings &amp; Deployment</a:t>
             </a:r>
             <a:endParaRPr lang="en-US" dirty="0"/>
@@ -34656,7 +36421,7 @@
 </p:sld>
 </file>
 
-<file path=ppt/slides/slide48.xml><?xml version="1.0" encoding="utf-8"?>
+<file path=ppt/slides/slide51.xml><?xml version="1.0" encoding="utf-8"?>
 <p:sld xmlns:a="http://schemas.openxmlformats.org/drawingml/2006/main" xmlns:r="http://schemas.openxmlformats.org/officeDocument/2006/relationships" xmlns:p="http://schemas.openxmlformats.org/presentationml/2006/main">
   <p:cSld>
     <p:spTree>
@@ -34822,7 +36587,7 @@
 </p:sld>
 </file>
 
-<file path=ppt/slides/slide49.xml><?xml version="1.0" encoding="utf-8"?>
+<file path=ppt/slides/slide52.xml><?xml version="1.0" encoding="utf-8"?>
 <p:sld xmlns:a="http://schemas.openxmlformats.org/drawingml/2006/main" xmlns:r="http://schemas.openxmlformats.org/officeDocument/2006/relationships" xmlns:p="http://schemas.openxmlformats.org/presentationml/2006/main">
   <p:cSld>
     <p:spTree>
@@ -34919,97 +36684,7 @@
 </p:sld>
 </file>
 
-<file path=ppt/slides/slide5.xml><?xml version="1.0" encoding="utf-8"?>
-<p:sld xmlns:a="http://schemas.openxmlformats.org/drawingml/2006/main" xmlns:r="http://schemas.openxmlformats.org/officeDocument/2006/relationships" xmlns:p="http://schemas.openxmlformats.org/presentationml/2006/main">
-  <p:cSld>
-    <p:spTree>
-      <p:nvGrpSpPr>
-        <p:cNvPr id="1" name=""/>
-        <p:cNvGrpSpPr/>
-        <p:nvPr/>
-      </p:nvGrpSpPr>
-      <p:grpSpPr>
-        <a:xfrm>
-          <a:off x="0" y="0"/>
-          <a:ext cx="0" cy="0"/>
-          <a:chOff x="0" y="0"/>
-          <a:chExt cx="0" cy="0"/>
-        </a:xfrm>
-      </p:grpSpPr>
-      <p:pic>
-        <p:nvPicPr>
-          <p:cNvPr id="2" name="Picture 1"/>
-          <p:cNvPicPr>
-            <a:picLocks noChangeAspect="1"/>
-          </p:cNvPicPr>
-          <p:nvPr/>
-        </p:nvPicPr>
-        <p:blipFill>
-          <a:blip r:embed="rId2">
-            <a:extLst>
-              <a:ext uri="{28A0092B-C50C-407E-A947-70E740481C1C}">
-                <a14:useLocalDpi xmlns:a14="http://schemas.microsoft.com/office/drawing/2010/main" val="0"/>
-              </a:ext>
-            </a:extLst>
-          </a:blip>
-          <a:stretch>
-            <a:fillRect/>
-          </a:stretch>
-        </p:blipFill>
-        <p:spPr>
-          <a:xfrm>
-            <a:off x="2052521" y="1477768"/>
-            <a:ext cx="7827459" cy="5161586"/>
-          </a:xfrm>
-          <a:prstGeom prst="rect">
-            <a:avLst/>
-          </a:prstGeom>
-        </p:spPr>
-      </p:pic>
-      <p:sp>
-        <p:nvSpPr>
-          <p:cNvPr id="3" name="TextBox 2"/>
-          <p:cNvSpPr txBox="1"/>
-          <p:nvPr/>
-        </p:nvSpPr>
-        <p:spPr>
-          <a:xfrm>
-            <a:off x="646771" y="646771"/>
-            <a:ext cx="7530790" cy="830997"/>
-          </a:xfrm>
-          <a:prstGeom prst="rect">
-            <a:avLst/>
-          </a:prstGeom>
-          <a:noFill/>
-        </p:spPr>
-        <p:txBody>
-          <a:bodyPr wrap="square" rtlCol="0">
-            <a:spAutoFit/>
-          </a:bodyPr>
-          <a:lstStyle/>
-          <a:p>
-            <a:r>
-              <a:rPr lang="en-US" sz="4800" dirty="0" smtClean="0"/>
-              <a:t>The greatest thing since…</a:t>
-            </a:r>
-            <a:endParaRPr lang="en-US" sz="4800" dirty="0"/>
-          </a:p>
-        </p:txBody>
-      </p:sp>
-    </p:spTree>
-    <p:extLst>
-      <p:ext uri="{BB962C8B-B14F-4D97-AF65-F5344CB8AC3E}">
-        <p14:creationId xmlns:p14="http://schemas.microsoft.com/office/powerpoint/2010/main" val="2532183413"/>
-      </p:ext>
-    </p:extLst>
-  </p:cSld>
-  <p:clrMapOvr>
-    <a:masterClrMapping/>
-  </p:clrMapOvr>
-</p:sld>
-</file>
-
-<file path=ppt/slides/slide50.xml><?xml version="1.0" encoding="utf-8"?>
+<file path=ppt/slides/slide53.xml><?xml version="1.0" encoding="utf-8"?>
 <p:sld xmlns:a="http://schemas.openxmlformats.org/drawingml/2006/main" xmlns:r="http://schemas.openxmlformats.org/officeDocument/2006/relationships" xmlns:p="http://schemas.openxmlformats.org/presentationml/2006/main">
   <p:cSld>
     <p:spTree>
@@ -35060,6 +36735,10 @@
           <a:bodyPr/>
           <a:lstStyle/>
           <a:p>
+            <a:r>
+              <a:rPr lang="en-US"/>
+              <a:t>https://blogs.msdn.microsoft.com/appserviceteam/2017/03/16/publishing-a-net-class-library-as-a-function-app/</a:t>
+            </a:r>
             <a:endParaRPr lang="en-US" dirty="0"/>
           </a:p>
         </p:txBody>
@@ -35077,7 +36756,7 @@
 </p:sld>
 </file>
 
-<file path=ppt/slides/slide51.xml><?xml version="1.0" encoding="utf-8"?>
+<file path=ppt/slides/slide54.xml><?xml version="1.0" encoding="utf-8"?>
 <p:sld xmlns:a="http://schemas.openxmlformats.org/drawingml/2006/main" xmlns:r="http://schemas.openxmlformats.org/officeDocument/2006/relationships" xmlns:p="http://schemas.openxmlformats.org/presentationml/2006/main">
   <p:cSld>
     <p:spTree>
@@ -35677,16 +37356,8 @@
 </file>
 
 <file path=ppt/slides/slide9.xml><?xml version="1.0" encoding="utf-8"?>
-<p:sld xmlns:a="http://schemas.openxmlformats.org/drawingml/2006/main" xmlns:r="http://schemas.openxmlformats.org/officeDocument/2006/relationships" xmlns:p="http://schemas.openxmlformats.org/presentationml/2006/main" show="0">
+<p:sld xmlns:a="http://schemas.openxmlformats.org/drawingml/2006/main" xmlns:r="http://schemas.openxmlformats.org/officeDocument/2006/relationships" xmlns:p="http://schemas.openxmlformats.org/presentationml/2006/main">
   <p:cSld>
-    <p:bg>
-      <p:bgPr>
-        <a:solidFill>
-          <a:srgbClr val="1F497D"/>
-        </a:solidFill>
-        <a:effectLst/>
-      </p:bgPr>
-    </p:bg>
     <p:spTree>
       <p:nvGrpSpPr>
         <p:cNvPr id="1" name=""/>
@@ -35703,7 +37374,7 @@
       </p:grpSpPr>
       <p:sp>
         <p:nvSpPr>
-          <p:cNvPr id="3" name="Title 2"/>
+          <p:cNvPr id="2" name="Title 1"/>
           <p:cNvSpPr>
             <a:spLocks noGrp="1"/>
           </p:cNvSpPr>
@@ -35718,7 +37389,7 @@
           <a:p>
             <a:r>
               <a:rPr lang="en-US" dirty="0" smtClean="0"/>
-              <a:t>Demo</a:t>
+              <a:t>Function Apps vs API Apps</a:t>
             </a:r>
             <a:endParaRPr lang="en-US" dirty="0"/>
           </a:p>
@@ -35726,12 +37397,12 @@
       </p:sp>
       <p:sp>
         <p:nvSpPr>
-          <p:cNvPr id="4" name="Text Placeholder 3"/>
+          <p:cNvPr id="3" name="Content Placeholder 2"/>
           <p:cNvSpPr>
             <a:spLocks noGrp="1"/>
           </p:cNvSpPr>
           <p:nvPr>
-            <p:ph type="body" sz="quarter" idx="12"/>
+            <p:ph sz="half" idx="1"/>
           </p:nvPr>
         </p:nvSpPr>
         <p:spPr/>
@@ -35739,10 +37410,133 @@
           <a:bodyPr/>
           <a:lstStyle/>
           <a:p>
+            <a:pPr marL="0" indent="0">
+              <a:buNone/>
+            </a:pPr>
             <a:r>
               <a:rPr lang="en-US" dirty="0" smtClean="0"/>
-              <a:t>Azure functions overview</a:t>
-            </a:r>
+              <a:t>Function Apps</a:t>
+            </a:r>
+          </a:p>
+          <a:p>
+            <a:pPr lvl="1"/>
+            <a:r>
+              <a:rPr lang="en-US" dirty="0" smtClean="0"/>
+              <a:t>Data Processing</a:t>
+            </a:r>
+          </a:p>
+          <a:p>
+            <a:pPr lvl="1"/>
+            <a:r>
+              <a:rPr lang="en-US" dirty="0" err="1" smtClean="0"/>
+              <a:t>Microservice</a:t>
+            </a:r>
+            <a:r>
+              <a:rPr lang="en-US" dirty="0" smtClean="0"/>
+              <a:t> &amp; </a:t>
+            </a:r>
+            <a:r>
+              <a:rPr lang="en-US" dirty="0" err="1" smtClean="0"/>
+              <a:t>serverless</a:t>
+            </a:r>
+            <a:r>
+              <a:rPr lang="en-US" dirty="0" smtClean="0"/>
+              <a:t> architecture</a:t>
+            </a:r>
+          </a:p>
+          <a:p>
+            <a:pPr lvl="1"/>
+            <a:r>
+              <a:rPr lang="en-US" dirty="0" smtClean="0"/>
+              <a:t>Performs executable routine</a:t>
+            </a:r>
+          </a:p>
+          <a:p>
+            <a:pPr lvl="1"/>
+            <a:r>
+              <a:rPr lang="en-US" dirty="0" smtClean="0"/>
+              <a:t>Does not have to be RESTful</a:t>
+            </a:r>
+          </a:p>
+          <a:p>
+            <a:pPr lvl="1"/>
+            <a:r>
+              <a:rPr lang="en-US" dirty="0" smtClean="0"/>
+              <a:t>Service and software integration</a:t>
+            </a:r>
+            <a:endParaRPr lang="en-US" dirty="0"/>
+          </a:p>
+        </p:txBody>
+      </p:sp>
+      <p:sp>
+        <p:nvSpPr>
+          <p:cNvPr id="4" name="Content Placeholder 3"/>
+          <p:cNvSpPr>
+            <a:spLocks noGrp="1"/>
+          </p:cNvSpPr>
+          <p:nvPr>
+            <p:ph sz="half" idx="2"/>
+          </p:nvPr>
+        </p:nvSpPr>
+        <p:spPr/>
+        <p:txBody>
+          <a:bodyPr/>
+          <a:lstStyle/>
+          <a:p>
+            <a:pPr marL="0" indent="0">
+              <a:buNone/>
+            </a:pPr>
+            <a:r>
+              <a:rPr lang="en-US" dirty="0" smtClean="0"/>
+              <a:t>API Apps</a:t>
+            </a:r>
+          </a:p>
+          <a:p>
+            <a:pPr lvl="1"/>
+            <a:r>
+              <a:rPr lang="en-US" dirty="0" smtClean="0"/>
+              <a:t>CRUD operations</a:t>
+            </a:r>
+          </a:p>
+          <a:p>
+            <a:pPr lvl="1"/>
+            <a:r>
+              <a:rPr lang="en-US" dirty="0" smtClean="0"/>
+              <a:t>API Architecture</a:t>
+            </a:r>
+          </a:p>
+          <a:p>
+            <a:pPr lvl="1"/>
+            <a:r>
+              <a:rPr lang="en-US" dirty="0" smtClean="0"/>
+              <a:t>Manipulates or retrieves data</a:t>
+            </a:r>
+            <a:endParaRPr lang="en-US" dirty="0"/>
+          </a:p>
+          <a:p>
+            <a:pPr lvl="1"/>
+            <a:r>
+              <a:rPr lang="en-US" dirty="0" smtClean="0"/>
+              <a:t>RESTful</a:t>
+            </a:r>
+          </a:p>
+          <a:p>
+            <a:pPr lvl="1"/>
+            <a:r>
+              <a:rPr lang="en-US" dirty="0" smtClean="0"/>
+              <a:t>Not generally for service </a:t>
+            </a:r>
+            <a:r>
+              <a:rPr lang="en-US" dirty="0"/>
+              <a:t>and software integration</a:t>
+            </a:r>
+          </a:p>
+          <a:p>
+            <a:pPr lvl="1"/>
+            <a:endParaRPr lang="en-US" dirty="0" smtClean="0"/>
+          </a:p>
+          <a:p>
+            <a:pPr lvl="1"/>
             <a:endParaRPr lang="en-US" dirty="0"/>
           </a:p>
         </p:txBody>
@@ -35750,32 +37544,13 @@
     </p:spTree>
     <p:extLst>
       <p:ext uri="{BB962C8B-B14F-4D97-AF65-F5344CB8AC3E}">
-        <p14:creationId xmlns:p14="http://schemas.microsoft.com/office/powerpoint/2010/main" val="3824142140"/>
+        <p14:creationId xmlns:p14="http://schemas.microsoft.com/office/powerpoint/2010/main" val="178748807"/>
       </p:ext>
     </p:extLst>
   </p:cSld>
   <p:clrMapOvr>
     <a:masterClrMapping/>
   </p:clrMapOvr>
-  <mc:AlternateContent xmlns:mc="http://schemas.openxmlformats.org/markup-compatibility/2006" xmlns:p14="http://schemas.microsoft.com/office/powerpoint/2010/main">
-    <mc:Choice Requires="p14">
-      <p:transition spd="slow" p14:dur="3400">
-        <p14:reveal/>
-      </p:transition>
-    </mc:Choice>
-    <mc:Fallback xmlns="">
-      <p:transition spd="slow">
-        <p:fade/>
-      </p:transition>
-    </mc:Fallback>
-  </mc:AlternateContent>
-  <p:timing>
-    <p:tnLst>
-      <p:par>
-        <p:cTn id="1" dur="indefinite" restart="never" nodeType="tmRoot"/>
-      </p:par>
-    </p:tnLst>
-  </p:timing>
 </p:sld>
 </file>
 
